--- a/presentation_1_shorter.pptx
+++ b/presentation_1_shorter.pptx
@@ -5,7 +5,7 @@
     <p:sldMasterId id="2147483857" r:id="rId1"/>
   </p:sldMasterIdLst>
   <p:notesMasterIdLst>
-    <p:notesMasterId r:id="rId22"/>
+    <p:notesMasterId r:id="rId20"/>
   </p:notesMasterIdLst>
   <p:sldIdLst>
     <p:sldId id="256" r:id="rId2"/>
@@ -13,21 +13,19 @@
     <p:sldId id="258" r:id="rId4"/>
     <p:sldId id="259" r:id="rId5"/>
     <p:sldId id="260" r:id="rId6"/>
-    <p:sldId id="267" r:id="rId7"/>
-    <p:sldId id="268" r:id="rId8"/>
-    <p:sldId id="269" r:id="rId9"/>
-    <p:sldId id="270" r:id="rId10"/>
-    <p:sldId id="271" r:id="rId11"/>
-    <p:sldId id="272" r:id="rId12"/>
-    <p:sldId id="273" r:id="rId13"/>
-    <p:sldId id="274" r:id="rId14"/>
-    <p:sldId id="275" r:id="rId15"/>
-    <p:sldId id="276" r:id="rId16"/>
-    <p:sldId id="277" r:id="rId17"/>
-    <p:sldId id="278" r:id="rId18"/>
-    <p:sldId id="279" r:id="rId19"/>
-    <p:sldId id="280" r:id="rId20"/>
-    <p:sldId id="281" r:id="rId21"/>
+    <p:sldId id="282" r:id="rId7"/>
+    <p:sldId id="283" r:id="rId8"/>
+    <p:sldId id="267" r:id="rId9"/>
+    <p:sldId id="268" r:id="rId10"/>
+    <p:sldId id="269" r:id="rId11"/>
+    <p:sldId id="270" r:id="rId12"/>
+    <p:sldId id="271" r:id="rId13"/>
+    <p:sldId id="272" r:id="rId14"/>
+    <p:sldId id="273" r:id="rId15"/>
+    <p:sldId id="274" r:id="rId16"/>
+    <p:sldId id="275" r:id="rId17"/>
+    <p:sldId id="280" r:id="rId18"/>
+    <p:sldId id="281" r:id="rId19"/>
   </p:sldIdLst>
   <p:sldSz cx="12192000" cy="6858000"/>
   <p:notesSz cx="6858000" cy="9144000"/>
@@ -136,6 +134,8 @@
             <p14:sldId id="258"/>
             <p14:sldId id="259"/>
             <p14:sldId id="260"/>
+            <p14:sldId id="282"/>
+            <p14:sldId id="283"/>
             <p14:sldId id="267"/>
             <p14:sldId id="268"/>
             <p14:sldId id="269"/>
@@ -145,10 +145,6 @@
             <p14:sldId id="273"/>
             <p14:sldId id="274"/>
             <p14:sldId id="275"/>
-            <p14:sldId id="276"/>
-            <p14:sldId id="277"/>
-            <p14:sldId id="278"/>
-            <p14:sldId id="279"/>
             <p14:sldId id="280"/>
             <p14:sldId id="281"/>
           </p14:sldIdLst>
@@ -244,7 +240,7 @@
           <a:p>
             <a:fld id="{776C8E78-E43C-423C-8F84-C588C40EE856}" type="datetimeFigureOut">
               <a:rPr lang="en-US" smtClean="0"/>
-              <a:t>17-Dec-20</a:t>
+              <a:t>05-Jan-21</a:t>
             </a:fld>
             <a:endParaRPr lang="en-US"/>
           </a:p>
@@ -576,7 +572,7 @@
           <a:p>
             <a:fld id="{3BFE5297-BAB1-4F31-9AAE-8087F184D2A2}" type="slidenum">
               <a:rPr lang="en-US" smtClean="0"/>
-              <a:t>6</a:t>
+              <a:t>8</a:t>
             </a:fld>
             <a:endParaRPr lang="en-US"/>
           </a:p>
@@ -660,7 +656,7 @@
           <a:p>
             <a:fld id="{3BFE5297-BAB1-4F31-9AAE-8087F184D2A2}" type="slidenum">
               <a:rPr lang="en-US" smtClean="0"/>
-              <a:t>8</a:t>
+              <a:t>10</a:t>
             </a:fld>
             <a:endParaRPr lang="en-US"/>
           </a:p>
@@ -744,7 +740,7 @@
           <a:p>
             <a:fld id="{3BFE5297-BAB1-4F31-9AAE-8087F184D2A2}" type="slidenum">
               <a:rPr lang="en-US" smtClean="0"/>
-              <a:t>12</a:t>
+              <a:t>14</a:t>
             </a:fld>
             <a:endParaRPr lang="en-US"/>
           </a:p>
@@ -828,91 +824,7 @@
           <a:p>
             <a:fld id="{3BFE5297-BAB1-4F31-9AAE-8087F184D2A2}" type="slidenum">
               <a:rPr lang="en-US" smtClean="0"/>
-              <a:t>15</a:t>
-            </a:fld>
-            <a:endParaRPr lang="en-US"/>
-          </a:p>
-        </p:txBody>
-      </p:sp>
-    </p:spTree>
-    <p:extLst>
-      <p:ext uri="{BB962C8B-B14F-4D97-AF65-F5344CB8AC3E}">
-        <p14:creationId xmlns:p14="http://schemas.microsoft.com/office/powerpoint/2010/main" val="664144541"/>
-      </p:ext>
-    </p:extLst>
-  </p:cSld>
-  <p:clrMapOvr>
-    <a:masterClrMapping/>
-  </p:clrMapOvr>
-</p:notes>
-</file>
-
-<file path=ppt/notesSlides/notesSlide5.xml><?xml version="1.0" encoding="utf-8"?>
-<p:notes xmlns:a="http://schemas.openxmlformats.org/drawingml/2006/main" xmlns:r="http://schemas.openxmlformats.org/officeDocument/2006/relationships" xmlns:p="http://schemas.openxmlformats.org/presentationml/2006/main">
-  <p:cSld>
-    <p:spTree>
-      <p:nvGrpSpPr>
-        <p:cNvPr id="1" name=""/>
-        <p:cNvGrpSpPr/>
-        <p:nvPr/>
-      </p:nvGrpSpPr>
-      <p:grpSpPr>
-        <a:xfrm>
-          <a:off x="0" y="0"/>
-          <a:ext cx="0" cy="0"/>
-          <a:chOff x="0" y="0"/>
-          <a:chExt cx="0" cy="0"/>
-        </a:xfrm>
-      </p:grpSpPr>
-      <p:sp>
-        <p:nvSpPr>
-          <p:cNvPr id="2" name="Slide Image Placeholder 1"/>
-          <p:cNvSpPr>
-            <a:spLocks noGrp="1" noRot="1" noChangeAspect="1"/>
-          </p:cNvSpPr>
-          <p:nvPr>
-            <p:ph type="sldImg"/>
-          </p:nvPr>
-        </p:nvSpPr>
-        <p:spPr/>
-      </p:sp>
-      <p:sp>
-        <p:nvSpPr>
-          <p:cNvPr id="3" name="Notes Placeholder 2"/>
-          <p:cNvSpPr>
-            <a:spLocks noGrp="1"/>
-          </p:cNvSpPr>
-          <p:nvPr>
-            <p:ph type="body" idx="1"/>
-          </p:nvPr>
-        </p:nvSpPr>
-        <p:spPr/>
-        <p:txBody>
-          <a:bodyPr/>
-          <a:lstStyle/>
-          <a:p>
-            <a:endParaRPr lang="en-US" dirty="0"/>
-          </a:p>
-        </p:txBody>
-      </p:sp>
-      <p:sp>
-        <p:nvSpPr>
-          <p:cNvPr id="4" name="Slide Number Placeholder 3"/>
-          <p:cNvSpPr>
-            <a:spLocks noGrp="1"/>
-          </p:cNvSpPr>
-          <p:nvPr>
-            <p:ph type="sldNum" sz="quarter" idx="5"/>
-          </p:nvPr>
-        </p:nvSpPr>
-        <p:spPr/>
-        <p:txBody>
-          <a:bodyPr/>
-          <a:lstStyle/>
-          <a:p>
-            <a:fld id="{3BFE5297-BAB1-4F31-9AAE-8087F184D2A2}" type="slidenum">
-              <a:rPr lang="en-US" smtClean="0"/>
-              <a:t>19</a:t>
+              <a:t>17</a:t>
             </a:fld>
             <a:endParaRPr lang="en-US"/>
           </a:p>
@@ -1099,7 +1011,7 @@
           <a:p>
             <a:fld id="{997E3D89-5AC1-4E29-8B79-6F7A6C159ABA}" type="datetimeFigureOut">
               <a:rPr lang="en-US" smtClean="0"/>
-              <a:t>17-Dec-20</a:t>
+              <a:t>05-Jan-21</a:t>
             </a:fld>
             <a:endParaRPr lang="en-US"/>
           </a:p>
@@ -1327,7 +1239,7 @@
           <a:p>
             <a:fld id="{997E3D89-5AC1-4E29-8B79-6F7A6C159ABA}" type="datetimeFigureOut">
               <a:rPr lang="en-US" smtClean="0"/>
-              <a:t>17-Dec-20</a:t>
+              <a:t>05-Jan-21</a:t>
             </a:fld>
             <a:endParaRPr lang="en-US"/>
           </a:p>
@@ -1507,7 +1419,7 @@
           <a:p>
             <a:fld id="{997E3D89-5AC1-4E29-8B79-6F7A6C159ABA}" type="datetimeFigureOut">
               <a:rPr lang="en-US" smtClean="0"/>
-              <a:t>17-Dec-20</a:t>
+              <a:t>05-Jan-21</a:t>
             </a:fld>
             <a:endParaRPr lang="en-US"/>
           </a:p>
@@ -1677,7 +1589,7 @@
           <a:p>
             <a:fld id="{997E3D89-5AC1-4E29-8B79-6F7A6C159ABA}" type="datetimeFigureOut">
               <a:rPr lang="en-US" smtClean="0"/>
-              <a:t>17-Dec-20</a:t>
+              <a:t>05-Jan-21</a:t>
             </a:fld>
             <a:endParaRPr lang="en-US"/>
           </a:p>
@@ -1931,7 +1843,7 @@
           <a:p>
             <a:fld id="{997E3D89-5AC1-4E29-8B79-6F7A6C159ABA}" type="datetimeFigureOut">
               <a:rPr lang="en-US" smtClean="0"/>
-              <a:t>17-Dec-20</a:t>
+              <a:t>05-Jan-21</a:t>
             </a:fld>
             <a:endParaRPr lang="en-US"/>
           </a:p>
@@ -2257,7 +2169,7 @@
           <a:p>
             <a:fld id="{997E3D89-5AC1-4E29-8B79-6F7A6C159ABA}" type="datetimeFigureOut">
               <a:rPr lang="en-US" smtClean="0"/>
-              <a:t>17-Dec-20</a:t>
+              <a:t>05-Jan-21</a:t>
             </a:fld>
             <a:endParaRPr lang="en-US"/>
           </a:p>
@@ -2708,7 +2620,7 @@
           <a:p>
             <a:fld id="{997E3D89-5AC1-4E29-8B79-6F7A6C159ABA}" type="datetimeFigureOut">
               <a:rPr lang="en-US" smtClean="0"/>
-              <a:t>17-Dec-20</a:t>
+              <a:t>05-Jan-21</a:t>
             </a:fld>
             <a:endParaRPr lang="en-US"/>
           </a:p>
@@ -2826,7 +2738,7 @@
           <a:p>
             <a:fld id="{997E3D89-5AC1-4E29-8B79-6F7A6C159ABA}" type="datetimeFigureOut">
               <a:rPr lang="en-US" smtClean="0"/>
-              <a:t>17-Dec-20</a:t>
+              <a:t>05-Jan-21</a:t>
             </a:fld>
             <a:endParaRPr lang="en-US"/>
           </a:p>
@@ -2921,7 +2833,7 @@
           <a:p>
             <a:fld id="{997E3D89-5AC1-4E29-8B79-6F7A6C159ABA}" type="datetimeFigureOut">
               <a:rPr lang="en-US" smtClean="0"/>
-              <a:t>17-Dec-20</a:t>
+              <a:t>05-Jan-21</a:t>
             </a:fld>
             <a:endParaRPr lang="en-US"/>
           </a:p>
@@ -3208,7 +3120,7 @@
           <a:p>
             <a:fld id="{997E3D89-5AC1-4E29-8B79-6F7A6C159ABA}" type="datetimeFigureOut">
               <a:rPr lang="en-US" smtClean="0"/>
-              <a:t>17-Dec-20</a:t>
+              <a:t>05-Jan-21</a:t>
             </a:fld>
             <a:endParaRPr lang="en-US"/>
           </a:p>
@@ -3530,7 +3442,7 @@
           <a:p>
             <a:fld id="{997E3D89-5AC1-4E29-8B79-6F7A6C159ABA}" type="datetimeFigureOut">
               <a:rPr lang="en-US" smtClean="0"/>
-              <a:t>17-Dec-20</a:t>
+              <a:t>05-Jan-21</a:t>
             </a:fld>
             <a:endParaRPr lang="en-US"/>
           </a:p>
@@ -3784,7 +3696,7 @@
           <a:p>
             <a:fld id="{997E3D89-5AC1-4E29-8B79-6F7A6C159ABA}" type="datetimeFigureOut">
               <a:rPr lang="en-US" smtClean="0"/>
-              <a:t>17-Dec-20</a:t>
+              <a:t>05-Jan-21</a:t>
             </a:fld>
             <a:endParaRPr lang="en-US"/>
           </a:p>
@@ -4319,6 +4231,516 @@
     <p:bg>
       <p:bgPr>
         <a:solidFill>
+          <a:schemeClr val="bg2">
+            <a:lumMod val="75000"/>
+          </a:schemeClr>
+        </a:solidFill>
+        <a:effectLst/>
+      </p:bgPr>
+    </p:bg>
+    <p:spTree>
+      <p:nvGrpSpPr>
+        <p:cNvPr id="1" name=""/>
+        <p:cNvGrpSpPr/>
+        <p:nvPr/>
+      </p:nvGrpSpPr>
+      <p:grpSpPr>
+        <a:xfrm>
+          <a:off x="0" y="0"/>
+          <a:ext cx="0" cy="0"/>
+          <a:chOff x="0" y="0"/>
+          <a:chExt cx="0" cy="0"/>
+        </a:xfrm>
+      </p:grpSpPr>
+      <p:sp>
+        <p:nvSpPr>
+          <p:cNvPr id="7" name="Rectangle 6">
+            <a:extLst>
+              <a:ext uri="{FF2B5EF4-FFF2-40B4-BE49-F238E27FC236}">
+                <a16:creationId xmlns:a16="http://schemas.microsoft.com/office/drawing/2014/main" id="{A6F05DDE-5F2C-44F5-BACC-DED4737B11B8}"/>
+              </a:ext>
+              <a:ext uri="{C183D7F6-B498-43B3-948B-1728B52AA6E4}">
+                <adec:decorative xmlns:adec="http://schemas.microsoft.com/office/drawing/2017/decorative" val="1"/>
+              </a:ext>
+            </a:extLst>
+          </p:cNvPr>
+          <p:cNvSpPr>
+            <a:spLocks noGrp="1" noRot="1" noChangeAspect="1" noMove="1" noResize="1" noEditPoints="1" noAdjustHandles="1" noChangeArrowheads="1" noChangeShapeType="1" noTextEdit="1"/>
+          </p:cNvSpPr>
+          <p:nvPr>
+            <p:extLst>
+              <p:ext uri="{386F3935-93C4-4BCD-93E2-E3B085C9AB24}">
+                <p16:designElem xmlns:p16="http://schemas.microsoft.com/office/powerpoint/2015/main" val="1"/>
+              </p:ext>
+            </p:extLst>
+          </p:nvPr>
+        </p:nvSpPr>
+        <p:spPr>
+          <a:xfrm>
+            <a:off x="0" y="0"/>
+            <a:ext cx="457200" cy="6858000"/>
+          </a:xfrm>
+          <a:prstGeom prst="rect">
+            <a:avLst/>
+          </a:prstGeom>
+          <a:solidFill>
+            <a:schemeClr val="accent1"/>
+          </a:solidFill>
+          <a:ln>
+            <a:noFill/>
+          </a:ln>
+        </p:spPr>
+        <p:style>
+          <a:lnRef idx="2">
+            <a:schemeClr val="accent1">
+              <a:shade val="50000"/>
+            </a:schemeClr>
+          </a:lnRef>
+          <a:fillRef idx="1">
+            <a:schemeClr val="accent1"/>
+          </a:fillRef>
+          <a:effectRef idx="0">
+            <a:schemeClr val="accent1"/>
+          </a:effectRef>
+          <a:fontRef idx="minor">
+            <a:schemeClr val="lt1"/>
+          </a:fontRef>
+        </p:style>
+      </p:sp>
+      <p:sp>
+        <p:nvSpPr>
+          <p:cNvPr id="2" name="Title 1">
+            <a:extLst>
+              <a:ext uri="{FF2B5EF4-FFF2-40B4-BE49-F238E27FC236}">
+                <a16:creationId xmlns:a16="http://schemas.microsoft.com/office/drawing/2014/main" id="{F9B195F7-C8F2-4AEE-838F-FFBF62F056BD}"/>
+              </a:ext>
+            </a:extLst>
+          </p:cNvPr>
+          <p:cNvSpPr>
+            <a:spLocks noGrp="1"/>
+          </p:cNvSpPr>
+          <p:nvPr>
+            <p:ph type="title"/>
+          </p:nvPr>
+        </p:nvSpPr>
+        <p:spPr>
+          <a:xfrm>
+            <a:off x="1261872" y="1028699"/>
+            <a:ext cx="9418320" cy="3862083"/>
+          </a:xfrm>
+        </p:spPr>
+        <p:txBody>
+          <a:bodyPr vert="horz" lIns="91440" tIns="45720" rIns="91440" bIns="45720" rtlCol="0" anchor="ctr">
+            <a:normAutofit/>
+          </a:bodyPr>
+          <a:lstStyle/>
+          <a:p>
+            <a:pPr algn="ctr">
+              <a:lnSpc>
+                <a:spcPct val="85000"/>
+              </a:lnSpc>
+            </a:pPr>
+            <a:r>
+              <a:rPr lang="en-US" sz="6000" dirty="0"/>
+              <a:t>Discretising Cuckoo Optimisation</a:t>
+            </a:r>
+          </a:p>
+        </p:txBody>
+      </p:sp>
+      <p:cxnSp>
+        <p:nvCxnSpPr>
+          <p:cNvPr id="9" name="Straight Connector 8">
+            <a:extLst>
+              <a:ext uri="{FF2B5EF4-FFF2-40B4-BE49-F238E27FC236}">
+                <a16:creationId xmlns:a16="http://schemas.microsoft.com/office/drawing/2014/main" id="{D7E8ECA2-60A0-4D39-817D-F1E982ED7F9B}"/>
+              </a:ext>
+              <a:ext uri="{C183D7F6-B498-43B3-948B-1728B52AA6E4}">
+                <adec:decorative xmlns:adec="http://schemas.microsoft.com/office/drawing/2017/decorative" val="1"/>
+              </a:ext>
+            </a:extLst>
+          </p:cNvPr>
+          <p:cNvCxnSpPr>
+            <a:cxnSpLocks noGrp="1" noRot="1" noChangeAspect="1" noMove="1" noResize="1" noEditPoints="1" noAdjustHandles="1" noChangeArrowheads="1" noChangeShapeType="1"/>
+          </p:cNvCxnSpPr>
+          <p:nvPr>
+            <p:extLst>
+              <p:ext uri="{386F3935-93C4-4BCD-93E2-E3B085C9AB24}">
+                <p16:designElem xmlns:p16="http://schemas.microsoft.com/office/powerpoint/2015/main" val="1"/>
+              </p:ext>
+            </p:extLst>
+          </p:nvPr>
+        </p:nvCxnSpPr>
+        <p:spPr>
+          <a:xfrm flipH="1">
+            <a:off x="5651500" y="5097592"/>
+            <a:ext cx="596394" cy="0"/>
+          </a:xfrm>
+          <a:prstGeom prst="line">
+            <a:avLst/>
+          </a:prstGeom>
+          <a:ln w="12700">
+            <a:solidFill>
+              <a:schemeClr val="tx2"/>
+            </a:solidFill>
+          </a:ln>
+        </p:spPr>
+        <p:style>
+          <a:lnRef idx="1">
+            <a:schemeClr val="accent1"/>
+          </a:lnRef>
+          <a:fillRef idx="0">
+            <a:schemeClr val="accent1"/>
+          </a:fillRef>
+          <a:effectRef idx="0">
+            <a:schemeClr val="accent1"/>
+          </a:effectRef>
+          <a:fontRef idx="minor">
+            <a:schemeClr val="tx1"/>
+          </a:fontRef>
+        </p:style>
+      </p:cxnSp>
+    </p:spTree>
+    <p:extLst>
+      <p:ext uri="{BB962C8B-B14F-4D97-AF65-F5344CB8AC3E}">
+        <p14:creationId xmlns:p14="http://schemas.microsoft.com/office/powerpoint/2010/main" val="3649360045"/>
+      </p:ext>
+    </p:extLst>
+  </p:cSld>
+  <p:clrMapOvr>
+    <a:masterClrMapping/>
+  </p:clrMapOvr>
+</p:sld>
+</file>
+
+<file path=ppt/slides/slide11.xml><?xml version="1.0" encoding="utf-8"?>
+<p:sld xmlns:a="http://schemas.openxmlformats.org/drawingml/2006/main" xmlns:r="http://schemas.openxmlformats.org/officeDocument/2006/relationships" xmlns:p="http://schemas.openxmlformats.org/presentationml/2006/main">
+  <p:cSld>
+    <p:bg>
+      <p:bgPr>
+        <a:solidFill>
+          <a:schemeClr val="bg1">
+            <a:tint val="95000"/>
+            <a:satMod val="170000"/>
+          </a:schemeClr>
+        </a:solidFill>
+        <a:effectLst/>
+      </p:bgPr>
+    </p:bg>
+    <p:spTree>
+      <p:nvGrpSpPr>
+        <p:cNvPr id="1" name=""/>
+        <p:cNvGrpSpPr/>
+        <p:nvPr/>
+      </p:nvGrpSpPr>
+      <p:grpSpPr>
+        <a:xfrm>
+          <a:off x="0" y="0"/>
+          <a:ext cx="0" cy="0"/>
+          <a:chOff x="0" y="0"/>
+          <a:chExt cx="0" cy="0"/>
+        </a:xfrm>
+      </p:grpSpPr>
+      <p:sp useBgFill="1">
+        <p:nvSpPr>
+          <p:cNvPr id="14" name="Rectangle 7">
+            <a:extLst>
+              <a:ext uri="{FF2B5EF4-FFF2-40B4-BE49-F238E27FC236}">
+                <a16:creationId xmlns:a16="http://schemas.microsoft.com/office/drawing/2014/main" id="{5DB0431E-0B04-44A1-9C51-531E28D18A60}"/>
+              </a:ext>
+              <a:ext uri="{C183D7F6-B498-43B3-948B-1728B52AA6E4}">
+                <adec:decorative xmlns:adec="http://schemas.microsoft.com/office/drawing/2017/decorative" val="1"/>
+              </a:ext>
+            </a:extLst>
+          </p:cNvPr>
+          <p:cNvSpPr>
+            <a:spLocks noGrp="1" noRot="1" noChangeAspect="1" noMove="1" noResize="1" noEditPoints="1" noAdjustHandles="1" noChangeArrowheads="1" noChangeShapeType="1" noTextEdit="1"/>
+          </p:cNvSpPr>
+          <p:nvPr>
+            <p:extLst>
+              <p:ext uri="{386F3935-93C4-4BCD-93E2-E3B085C9AB24}">
+                <p16:designElem xmlns:p16="http://schemas.microsoft.com/office/powerpoint/2015/main" val="1"/>
+              </p:ext>
+            </p:extLst>
+          </p:nvPr>
+        </p:nvSpPr>
+        <p:spPr>
+          <a:xfrm>
+            <a:off x="0" y="0"/>
+            <a:ext cx="12192000" cy="6858000"/>
+          </a:xfrm>
+          <a:prstGeom prst="rect">
+            <a:avLst/>
+          </a:prstGeom>
+          <a:ln>
+            <a:noFill/>
+          </a:ln>
+        </p:spPr>
+        <p:style>
+          <a:lnRef idx="2">
+            <a:schemeClr val="accent1">
+              <a:shade val="50000"/>
+            </a:schemeClr>
+          </a:lnRef>
+          <a:fillRef idx="1">
+            <a:schemeClr val="accent1"/>
+          </a:fillRef>
+          <a:effectRef idx="0">
+            <a:schemeClr val="accent1"/>
+          </a:effectRef>
+          <a:fontRef idx="minor">
+            <a:schemeClr val="lt1"/>
+          </a:fontRef>
+        </p:style>
+        <p:txBody>
+          <a:bodyPr rtlCol="0" anchor="ctr"/>
+          <a:lstStyle/>
+          <a:p>
+            <a:pPr algn="ctr"/>
+            <a:endParaRPr lang="en-US"/>
+          </a:p>
+        </p:txBody>
+      </p:sp>
+      <p:sp>
+        <p:nvSpPr>
+          <p:cNvPr id="2" name="Title 1">
+            <a:extLst>
+              <a:ext uri="{FF2B5EF4-FFF2-40B4-BE49-F238E27FC236}">
+                <a16:creationId xmlns:a16="http://schemas.microsoft.com/office/drawing/2014/main" id="{565DE6B2-5AC6-4C70-9F08-2A6D960838A3}"/>
+              </a:ext>
+            </a:extLst>
+          </p:cNvPr>
+          <p:cNvSpPr>
+            <a:spLocks noGrp="1"/>
+          </p:cNvSpPr>
+          <p:nvPr>
+            <p:ph type="title"/>
+          </p:nvPr>
+        </p:nvSpPr>
+        <p:spPr>
+          <a:xfrm>
+            <a:off x="1261872" y="365760"/>
+            <a:ext cx="9692640" cy="1325562"/>
+          </a:xfrm>
+        </p:spPr>
+        <p:txBody>
+          <a:bodyPr>
+            <a:normAutofit/>
+          </a:bodyPr>
+          <a:lstStyle/>
+          <a:p>
+            <a:r>
+              <a:rPr lang="en-US" dirty="0"/>
+              <a:t>Egg Laying and Hatching</a:t>
+            </a:r>
+          </a:p>
+        </p:txBody>
+      </p:sp>
+      <mc:AlternateContent xmlns:mc="http://schemas.openxmlformats.org/markup-compatibility/2006" xmlns:a14="http://schemas.microsoft.com/office/drawing/2010/main">
+        <mc:Choice Requires="a14">
+          <p:sp>
+            <p:nvSpPr>
+              <p:cNvPr id="3" name="Content Placeholder 2">
+                <a:extLst>
+                  <a:ext uri="{FF2B5EF4-FFF2-40B4-BE49-F238E27FC236}">
+                    <a16:creationId xmlns:a16="http://schemas.microsoft.com/office/drawing/2014/main" id="{18ED27A9-7C5A-4401-ACBD-37470CB7427E}"/>
+                  </a:ext>
+                </a:extLst>
+              </p:cNvPr>
+              <p:cNvSpPr>
+                <a:spLocks noGrp="1"/>
+              </p:cNvSpPr>
+              <p:nvPr>
+                <p:ph idx="1"/>
+              </p:nvPr>
+            </p:nvSpPr>
+            <p:spPr>
+              <a:xfrm>
+                <a:off x="1261872" y="1828800"/>
+                <a:ext cx="8595360" cy="4351337"/>
+              </a:xfrm>
+            </p:spPr>
+            <p:txBody>
+              <a:bodyPr>
+                <a:normAutofit/>
+              </a:bodyPr>
+              <a:lstStyle/>
+              <a:p>
+                <a:r>
+                  <a:rPr lang="en-US" sz="2000" dirty="0"/>
+                  <a:t>In the legal version, r random vertices are recoloured the smallest valid colour different to their current one</a:t>
+                </a:r>
+              </a:p>
+              <a:p>
+                <a:pPr lvl="1"/>
+                <a:r>
+                  <a:rPr lang="en-US" sz="1800" dirty="0"/>
+                  <a:t>Where </a:t>
+                </a:r>
+                <a14:m>
+                  <m:oMath xmlns:m="http://schemas.openxmlformats.org/officeDocument/2006/math">
+                    <m:r>
+                      <a:rPr lang="en-US" sz="1800" b="0" i="1" smtClean="0">
+                        <a:latin typeface="Cambria Math" panose="02040503050406030204" pitchFamily="18" charset="0"/>
+                      </a:rPr>
+                      <m:t>𝑟</m:t>
+                    </m:r>
+                    <m:r>
+                      <a:rPr lang="en-US" sz="1800" b="0" i="1" smtClean="0">
+                        <a:latin typeface="Cambria Math" panose="02040503050406030204" pitchFamily="18" charset="0"/>
+                        <a:ea typeface="Cambria Math" panose="02040503050406030204" pitchFamily="18" charset="0"/>
+                      </a:rPr>
+                      <m:t>∈[1,</m:t>
+                    </m:r>
+                    <m:r>
+                      <a:rPr lang="en-US" sz="1800" b="0" i="1" smtClean="0">
+                        <a:latin typeface="Cambria Math" panose="02040503050406030204" pitchFamily="18" charset="0"/>
+                        <a:ea typeface="Cambria Math" panose="02040503050406030204" pitchFamily="18" charset="0"/>
+                      </a:rPr>
+                      <m:t>𝐸𝐿𝑅</m:t>
+                    </m:r>
+                    <m:r>
+                      <a:rPr lang="en-US" sz="1800" b="0" i="1" smtClean="0">
+                        <a:latin typeface="Cambria Math" panose="02040503050406030204" pitchFamily="18" charset="0"/>
+                        <a:ea typeface="Cambria Math" panose="02040503050406030204" pitchFamily="18" charset="0"/>
+                      </a:rPr>
+                      <m:t>]</m:t>
+                    </m:r>
+                  </m:oMath>
+                </a14:m>
+                <a:r>
+                  <a:rPr lang="en-US" sz="1800" dirty="0"/>
+                  <a:t> is a random integer</a:t>
+                </a:r>
+              </a:p>
+              <a:p>
+                <a:r>
+                  <a:rPr lang="en-US" sz="2200" dirty="0"/>
+                  <a:t>Egg hatching is identical to the continuous version</a:t>
+                </a:r>
+              </a:p>
+            </p:txBody>
+          </p:sp>
+        </mc:Choice>
+        <mc:Fallback xmlns="">
+          <p:sp>
+            <p:nvSpPr>
+              <p:cNvPr id="3" name="Content Placeholder 2">
+                <a:extLst>
+                  <a:ext uri="{FF2B5EF4-FFF2-40B4-BE49-F238E27FC236}">
+                    <a16:creationId xmlns:a16="http://schemas.microsoft.com/office/drawing/2014/main" id="{18ED27A9-7C5A-4401-ACBD-37470CB7427E}"/>
+                  </a:ext>
+                </a:extLst>
+              </p:cNvPr>
+              <p:cNvSpPr>
+                <a:spLocks noGrp="1" noRot="1" noChangeAspect="1" noMove="1" noResize="1" noEditPoints="1" noAdjustHandles="1" noChangeArrowheads="1" noChangeShapeType="1" noTextEdit="1"/>
+              </p:cNvSpPr>
+              <p:nvPr>
+                <p:ph idx="1"/>
+              </p:nvPr>
+            </p:nvSpPr>
+            <p:spPr>
+              <a:xfrm>
+                <a:off x="1261872" y="1828800"/>
+                <a:ext cx="8595360" cy="4351337"/>
+              </a:xfrm>
+              <a:blipFill>
+                <a:blip r:embed="rId2"/>
+                <a:stretch>
+                  <a:fillRect l="-426" t="-980"/>
+                </a:stretch>
+              </a:blipFill>
+            </p:spPr>
+            <p:txBody>
+              <a:bodyPr/>
+              <a:lstStyle/>
+              <a:p>
+                <a:r>
+                  <a:rPr lang="en-US">
+                    <a:noFill/>
+                  </a:rPr>
+                  <a:t> </a:t>
+                </a:r>
+              </a:p>
+            </p:txBody>
+          </p:sp>
+        </mc:Fallback>
+      </mc:AlternateContent>
+      <p:sp>
+        <p:nvSpPr>
+          <p:cNvPr id="15" name="Rectangle 9">
+            <a:extLst>
+              <a:ext uri="{FF2B5EF4-FFF2-40B4-BE49-F238E27FC236}">
+                <a16:creationId xmlns:a16="http://schemas.microsoft.com/office/drawing/2014/main" id="{6B424749-EEE0-49C9-9ABF-97B171A3EA00}"/>
+              </a:ext>
+              <a:ext uri="{C183D7F6-B498-43B3-948B-1728B52AA6E4}">
+                <adec:decorative xmlns:adec="http://schemas.microsoft.com/office/drawing/2017/decorative" val="1"/>
+              </a:ext>
+            </a:extLst>
+          </p:cNvPr>
+          <p:cNvSpPr>
+            <a:spLocks noGrp="1" noRot="1" noChangeAspect="1" noMove="1" noResize="1" noEditPoints="1" noAdjustHandles="1" noChangeArrowheads="1" noChangeShapeType="1" noTextEdit="1"/>
+          </p:cNvSpPr>
+          <p:nvPr>
+            <p:extLst>
+              <p:ext uri="{386F3935-93C4-4BCD-93E2-E3B085C9AB24}">
+                <p16:designElem xmlns:p16="http://schemas.microsoft.com/office/powerpoint/2015/main" val="1"/>
+              </p:ext>
+            </p:extLst>
+          </p:nvPr>
+        </p:nvSpPr>
+        <p:spPr>
+          <a:xfrm>
+            <a:off x="11277600" y="0"/>
+            <a:ext cx="914400" cy="6858000"/>
+          </a:xfrm>
+          <a:prstGeom prst="rect">
+            <a:avLst/>
+          </a:prstGeom>
+          <a:solidFill>
+            <a:schemeClr val="tx2">
+              <a:lumMod val="75000"/>
+            </a:schemeClr>
+          </a:solidFill>
+          <a:ln>
+            <a:noFill/>
+          </a:ln>
+        </p:spPr>
+        <p:style>
+          <a:lnRef idx="2">
+            <a:schemeClr val="accent1">
+              <a:shade val="50000"/>
+            </a:schemeClr>
+          </a:lnRef>
+          <a:fillRef idx="1">
+            <a:schemeClr val="accent1"/>
+          </a:fillRef>
+          <a:effectRef idx="0">
+            <a:schemeClr val="accent1"/>
+          </a:effectRef>
+          <a:fontRef idx="minor">
+            <a:schemeClr val="lt1"/>
+          </a:fontRef>
+        </p:style>
+      </p:sp>
+    </p:spTree>
+    <p:extLst>
+      <p:ext uri="{BB962C8B-B14F-4D97-AF65-F5344CB8AC3E}">
+        <p14:creationId xmlns:p14="http://schemas.microsoft.com/office/powerpoint/2010/main" val="1098856786"/>
+      </p:ext>
+    </p:extLst>
+  </p:cSld>
+  <p:clrMapOvr>
+    <a:overrideClrMapping bg1="dk1" tx1="lt1" bg2="dk2" tx2="lt2" accent1="accent1" accent2="accent2" accent3="accent3" accent4="accent4" accent5="accent5" accent6="accent6" hlink="hlink" folHlink="folHlink"/>
+  </p:clrMapOvr>
+</p:sld>
+</file>
+
+<file path=ppt/slides/slide12.xml><?xml version="1.0" encoding="utf-8"?>
+<p:sld xmlns:a="http://schemas.openxmlformats.org/drawingml/2006/main" xmlns:r="http://schemas.openxmlformats.org/officeDocument/2006/relationships" xmlns:p="http://schemas.openxmlformats.org/presentationml/2006/main">
+  <p:cSld>
+    <p:bg>
+      <p:bgPr>
+        <a:solidFill>
           <a:schemeClr val="bg1">
             <a:tint val="95000"/>
             <a:satMod val="170000"/>
@@ -5179,7 +5601,7 @@
 </p:sld>
 </file>
 
-<file path=ppt/slides/slide11.xml><?xml version="1.0" encoding="utf-8"?>
+<file path=ppt/slides/slide13.xml><?xml version="1.0" encoding="utf-8"?>
 <p:sld xmlns:a="http://schemas.openxmlformats.org/drawingml/2006/main" xmlns:r="http://schemas.openxmlformats.org/officeDocument/2006/relationships" xmlns:p="http://schemas.openxmlformats.org/presentationml/2006/main">
   <p:cSld>
     <p:bg>
@@ -5404,7 +5826,7 @@
 </p:sld>
 </file>
 
-<file path=ppt/slides/slide12.xml><?xml version="1.0" encoding="utf-8"?>
+<file path=ppt/slides/slide14.xml><?xml version="1.0" encoding="utf-8"?>
 <p:sld xmlns:a="http://schemas.openxmlformats.org/drawingml/2006/main" xmlns:r="http://schemas.openxmlformats.org/officeDocument/2006/relationships" xmlns:p="http://schemas.openxmlformats.org/presentationml/2006/main">
   <p:cSld>
     <p:bg>
@@ -5591,7 +6013,7 @@
 </p:sld>
 </file>
 
-<file path=ppt/slides/slide13.xml><?xml version="1.0" encoding="utf-8"?>
+<file path=ppt/slides/slide15.xml><?xml version="1.0" encoding="utf-8"?>
 <p:sld xmlns:a="http://schemas.openxmlformats.org/drawingml/2006/main" xmlns:r="http://schemas.openxmlformats.org/officeDocument/2006/relationships" xmlns:p="http://schemas.openxmlformats.org/presentationml/2006/main">
   <p:cSld>
     <p:bg>
@@ -5742,6 +6164,30 @@
           </a:bodyPr>
           <a:lstStyle/>
           <a:p>
+            <a:r>
+              <a:rPr lang="en-US" dirty="0"/>
+              <a:t>Only thing necessary to discretise is the </a:t>
+            </a:r>
+            <a:r>
+              <a:rPr lang="en-US" sz="1800" dirty="0"/>
+              <a:t>Lévy flight operator</a:t>
+            </a:r>
+          </a:p>
+          <a:p>
+            <a:r>
+              <a:rPr lang="en-US" dirty="0"/>
+              <a:t>Select M vertices (where M is drawn from a </a:t>
+            </a:r>
+            <a:r>
+              <a:rPr lang="en-US" sz="1800" dirty="0"/>
+              <a:t>Lévy distribution) and recolour them randomly</a:t>
+            </a:r>
+          </a:p>
+          <a:p>
+            <a:r>
+              <a:rPr lang="en-US" dirty="0"/>
+              <a:t>In practice, produces poor results</a:t>
+            </a:r>
             <a:endParaRPr lang="en-US" sz="1800" dirty="0"/>
           </a:p>
         </p:txBody>
@@ -5816,7 +6262,7 @@
 </p:sld>
 </file>
 
-<file path=ppt/slides/slide14.xml><?xml version="1.0" encoding="utf-8"?>
+<file path=ppt/slides/slide16.xml><?xml version="1.0" encoding="utf-8"?>
 <p:sld xmlns:a="http://schemas.openxmlformats.org/drawingml/2006/main" xmlns:r="http://schemas.openxmlformats.org/officeDocument/2006/relationships" xmlns:p="http://schemas.openxmlformats.org/presentationml/2006/main">
   <p:cSld>
     <p:bg>
@@ -5939,38 +6385,800 @@
           </a:p>
         </p:txBody>
       </p:sp>
-      <p:sp>
-        <p:nvSpPr>
-          <p:cNvPr id="3" name="Content Placeholder 2">
-            <a:extLst>
-              <a:ext uri="{FF2B5EF4-FFF2-40B4-BE49-F238E27FC236}">
-                <a16:creationId xmlns:a16="http://schemas.microsoft.com/office/drawing/2014/main" id="{18ED27A9-7C5A-4401-ACBD-37470CB7427E}"/>
-              </a:ext>
-            </a:extLst>
-          </p:cNvPr>
-          <p:cNvSpPr>
-            <a:spLocks noGrp="1"/>
-          </p:cNvSpPr>
-          <p:nvPr>
-            <p:ph idx="1"/>
-          </p:nvPr>
-        </p:nvSpPr>
-        <p:spPr>
-          <a:xfrm>
-            <a:off x="1261872" y="1828800"/>
-            <a:ext cx="8595360" cy="4351337"/>
-          </a:xfrm>
-        </p:spPr>
-        <p:txBody>
-          <a:bodyPr>
-            <a:normAutofit/>
-          </a:bodyPr>
-          <a:lstStyle/>
-          <a:p>
-            <a:endParaRPr lang="en-US" sz="1800" dirty="0"/>
-          </a:p>
-        </p:txBody>
-      </p:sp>
+      <mc:AlternateContent xmlns:mc="http://schemas.openxmlformats.org/markup-compatibility/2006" xmlns:a14="http://schemas.microsoft.com/office/drawing/2010/main">
+        <mc:Choice Requires="a14">
+          <p:sp>
+            <p:nvSpPr>
+              <p:cNvPr id="3" name="Content Placeholder 2">
+                <a:extLst>
+                  <a:ext uri="{FF2B5EF4-FFF2-40B4-BE49-F238E27FC236}">
+                    <a16:creationId xmlns:a16="http://schemas.microsoft.com/office/drawing/2014/main" id="{18ED27A9-7C5A-4401-ACBD-37470CB7427E}"/>
+                  </a:ext>
+                </a:extLst>
+              </p:cNvPr>
+              <p:cNvSpPr>
+                <a:spLocks noGrp="1"/>
+              </p:cNvSpPr>
+              <p:nvPr>
+                <p:ph idx="1"/>
+              </p:nvPr>
+            </p:nvSpPr>
+            <p:spPr>
+              <a:xfrm>
+                <a:off x="1261872" y="1828800"/>
+                <a:ext cx="8595360" cy="4351337"/>
+              </a:xfrm>
+            </p:spPr>
+            <p:txBody>
+              <a:bodyPr>
+                <a:normAutofit/>
+              </a:bodyPr>
+              <a:lstStyle/>
+              <a:p>
+                <a:r>
+                  <a:rPr lang="en-US" sz="1800" dirty="0"/>
+                  <a:t>Pheromone graph </a:t>
+                </a:r>
+                <a14:m>
+                  <m:oMath xmlns:m="http://schemas.openxmlformats.org/officeDocument/2006/math">
+                    <m:r>
+                      <a:rPr lang="en-US" sz="1800" i="1" smtClean="0">
+                        <a:latin typeface="Cambria Math" panose="02040503050406030204" pitchFamily="18" charset="0"/>
+                        <a:ea typeface="Cambria Math" panose="02040503050406030204" pitchFamily="18" charset="0"/>
+                      </a:rPr>
+                      <m:t>𝜏</m:t>
+                    </m:r>
+                  </m:oMath>
+                </a14:m>
+                <a:r>
+                  <a:rPr lang="en-US" sz="1800" dirty="0"/>
+                  <a:t> initialised to </a:t>
+                </a:r>
+                <a14:m>
+                  <m:oMath xmlns:m="http://schemas.openxmlformats.org/officeDocument/2006/math">
+                    <m:acc>
+                      <m:accPr>
+                        <m:chr m:val="̅"/>
+                        <m:ctrlPr>
+                          <a:rPr lang="en-US" sz="1800" i="1" smtClean="0">
+                            <a:latin typeface="Cambria Math" panose="02040503050406030204" pitchFamily="18" charset="0"/>
+                          </a:rPr>
+                        </m:ctrlPr>
+                      </m:accPr>
+                      <m:e>
+                        <m:r>
+                          <a:rPr lang="en-US" sz="1800" b="0" i="1" smtClean="0">
+                            <a:latin typeface="Cambria Math" panose="02040503050406030204" pitchFamily="18" charset="0"/>
+                          </a:rPr>
+                          <m:t>𝐺</m:t>
+                        </m:r>
+                      </m:e>
+                    </m:acc>
+                  </m:oMath>
+                </a14:m>
+                <a:endParaRPr lang="en-US" sz="1800" dirty="0"/>
+              </a:p>
+              <a:p>
+                <a:pPr lvl="1"/>
+                <a14:m>
+                  <m:oMath xmlns:m="http://schemas.openxmlformats.org/officeDocument/2006/math">
+                    <m:sSub>
+                      <m:sSubPr>
+                        <m:ctrlPr>
+                          <a:rPr lang="en-US" i="1" smtClean="0">
+                            <a:latin typeface="Cambria Math" panose="02040503050406030204" pitchFamily="18" charset="0"/>
+                          </a:rPr>
+                        </m:ctrlPr>
+                      </m:sSubPr>
+                      <m:e>
+                        <m:r>
+                          <a:rPr lang="en-US" i="1" smtClean="0">
+                            <a:latin typeface="Cambria Math" panose="02040503050406030204" pitchFamily="18" charset="0"/>
+                            <a:ea typeface="Cambria Math" panose="02040503050406030204" pitchFamily="18" charset="0"/>
+                          </a:rPr>
+                          <m:t>𝜏</m:t>
+                        </m:r>
+                      </m:e>
+                      <m:sub>
+                        <m:r>
+                          <a:rPr lang="en-US" b="0" i="1" smtClean="0">
+                            <a:latin typeface="Cambria Math" panose="02040503050406030204" pitchFamily="18" charset="0"/>
+                          </a:rPr>
+                          <m:t>𝑢𝑣</m:t>
+                        </m:r>
+                      </m:sub>
+                    </m:sSub>
+                    <m:r>
+                      <a:rPr lang="en-US" b="0" i="1" smtClean="0">
+                        <a:latin typeface="Cambria Math" panose="02040503050406030204" pitchFamily="18" charset="0"/>
+                      </a:rPr>
+                      <m:t>=1</m:t>
+                    </m:r>
+                  </m:oMath>
+                </a14:m>
+                <a:r>
+                  <a:rPr lang="en-US" dirty="0"/>
+                  <a:t> if u and v aren’t adjacent, 0 otherwise</a:t>
+                </a:r>
+              </a:p>
+              <a:p>
+                <a:r>
+                  <a:rPr lang="en-US" sz="1800" dirty="0"/>
+                  <a:t>Lévy f</a:t>
+                </a:r>
+                <a:r>
+                  <a:rPr lang="en-US" dirty="0"/>
+                  <a:t>lights:</a:t>
+                </a:r>
+              </a:p>
+              <a:p>
+                <a:pPr lvl="1"/>
+                <a:r>
+                  <a:rPr lang="en-US" dirty="0"/>
+                  <a:t>Generate a number M. Beginning from the vertex with highest degree, iteratively select M vertices according to the transition rule</a:t>
+                </a:r>
+              </a:p>
+              <a:p>
+                <a:pPr lvl="1"/>
+                <a14:m>
+                  <m:oMath xmlns:m="http://schemas.openxmlformats.org/officeDocument/2006/math">
+                    <m:r>
+                      <a:rPr lang="en-US" b="0" i="1" smtClean="0">
+                        <a:latin typeface="Cambria Math" panose="02040503050406030204" pitchFamily="18" charset="0"/>
+                      </a:rPr>
+                      <m:t>𝑃</m:t>
+                    </m:r>
+                    <m:d>
+                      <m:dPr>
+                        <m:ctrlPr>
+                          <a:rPr lang="en-US" b="0" i="1" smtClean="0">
+                            <a:latin typeface="Cambria Math" panose="02040503050406030204" pitchFamily="18" charset="0"/>
+                          </a:rPr>
+                        </m:ctrlPr>
+                      </m:dPr>
+                      <m:e>
+                        <m:r>
+                          <a:rPr lang="en-US" b="0" i="1" smtClean="0">
+                            <a:latin typeface="Cambria Math" panose="02040503050406030204" pitchFamily="18" charset="0"/>
+                          </a:rPr>
+                          <m:t>𝑠𝑒𝑙𝑒𝑐𝑡𝑖𝑛𝑔</m:t>
+                        </m:r>
+                        <m:r>
+                          <a:rPr lang="en-US" b="0" i="1" smtClean="0">
+                            <a:latin typeface="Cambria Math" panose="02040503050406030204" pitchFamily="18" charset="0"/>
+                          </a:rPr>
+                          <m:t> </m:t>
+                        </m:r>
+                        <m:r>
+                          <a:rPr lang="en-US" b="0" i="1" smtClean="0">
+                            <a:latin typeface="Cambria Math" panose="02040503050406030204" pitchFamily="18" charset="0"/>
+                          </a:rPr>
+                          <m:t>𝑣</m:t>
+                        </m:r>
+                        <m:r>
+                          <a:rPr lang="en-US" b="0" i="1" smtClean="0">
+                            <a:latin typeface="Cambria Math" panose="02040503050406030204" pitchFamily="18" charset="0"/>
+                          </a:rPr>
+                          <m:t> </m:t>
+                        </m:r>
+                        <m:r>
+                          <a:rPr lang="en-US" b="0" i="1" smtClean="0">
+                            <a:latin typeface="Cambria Math" panose="02040503050406030204" pitchFamily="18" charset="0"/>
+                          </a:rPr>
+                          <m:t>𝑓𝑟𝑜𝑚</m:t>
+                        </m:r>
+                        <m:r>
+                          <a:rPr lang="en-US" b="0" i="1" smtClean="0">
+                            <a:latin typeface="Cambria Math" panose="02040503050406030204" pitchFamily="18" charset="0"/>
+                          </a:rPr>
+                          <m:t> </m:t>
+                        </m:r>
+                        <m:r>
+                          <a:rPr lang="en-US" b="0" i="1" smtClean="0">
+                            <a:latin typeface="Cambria Math" panose="02040503050406030204" pitchFamily="18" charset="0"/>
+                          </a:rPr>
+                          <m:t>𝑢</m:t>
+                        </m:r>
+                      </m:e>
+                    </m:d>
+                    <m:r>
+                      <a:rPr lang="en-US" b="0" i="1" smtClean="0">
+                        <a:latin typeface="Cambria Math" panose="02040503050406030204" pitchFamily="18" charset="0"/>
+                      </a:rPr>
+                      <m:t>=</m:t>
+                    </m:r>
+                    <m:f>
+                      <m:fPr>
+                        <m:ctrlPr>
+                          <a:rPr lang="en-US" b="0" i="1" smtClean="0">
+                            <a:latin typeface="Cambria Math" panose="02040503050406030204" pitchFamily="18" charset="0"/>
+                          </a:rPr>
+                        </m:ctrlPr>
+                      </m:fPr>
+                      <m:num>
+                        <m:sSubSup>
+                          <m:sSubSupPr>
+                            <m:ctrlPr>
+                              <a:rPr lang="en-US" b="0" i="1" smtClean="0">
+                                <a:latin typeface="Cambria Math" panose="02040503050406030204" pitchFamily="18" charset="0"/>
+                              </a:rPr>
+                            </m:ctrlPr>
+                          </m:sSubSupPr>
+                          <m:e>
+                            <m:r>
+                              <a:rPr lang="en-US" b="0" i="1" smtClean="0">
+                                <a:latin typeface="Cambria Math" panose="02040503050406030204" pitchFamily="18" charset="0"/>
+                                <a:ea typeface="Cambria Math" panose="02040503050406030204" pitchFamily="18" charset="0"/>
+                              </a:rPr>
+                              <m:t>𝜏</m:t>
+                            </m:r>
+                          </m:e>
+                          <m:sub>
+                            <m:r>
+                              <a:rPr lang="en-US" b="0" i="1" smtClean="0">
+                                <a:latin typeface="Cambria Math" panose="02040503050406030204" pitchFamily="18" charset="0"/>
+                              </a:rPr>
+                              <m:t>𝑢𝑣</m:t>
+                            </m:r>
+                          </m:sub>
+                          <m:sup>
+                            <m:r>
+                              <a:rPr lang="en-US" b="0" i="1" smtClean="0">
+                                <a:latin typeface="Cambria Math" panose="02040503050406030204" pitchFamily="18" charset="0"/>
+                                <a:ea typeface="Cambria Math" panose="02040503050406030204" pitchFamily="18" charset="0"/>
+                              </a:rPr>
+                              <m:t>𝛼</m:t>
+                            </m:r>
+                          </m:sup>
+                        </m:sSubSup>
+                        <m:sSubSup>
+                          <m:sSubSupPr>
+                            <m:ctrlPr>
+                              <a:rPr lang="en-US" b="0" i="1" smtClean="0">
+                                <a:latin typeface="Cambria Math" panose="02040503050406030204" pitchFamily="18" charset="0"/>
+                              </a:rPr>
+                            </m:ctrlPr>
+                          </m:sSubSupPr>
+                          <m:e>
+                            <m:r>
+                              <a:rPr lang="el-GR" i="1">
+                                <a:latin typeface="Cambria Math" panose="02040503050406030204" pitchFamily="18" charset="0"/>
+                              </a:rPr>
+                              <m:t>𝜂</m:t>
+                            </m:r>
+                          </m:e>
+                          <m:sub>
+                            <m:r>
+                              <a:rPr lang="en-US" b="0" i="1" smtClean="0">
+                                <a:latin typeface="Cambria Math" panose="02040503050406030204" pitchFamily="18" charset="0"/>
+                              </a:rPr>
+                              <m:t>𝑣</m:t>
+                            </m:r>
+                          </m:sub>
+                          <m:sup>
+                            <m:r>
+                              <a:rPr lang="en-US" b="0" i="1" smtClean="0">
+                                <a:latin typeface="Cambria Math" panose="02040503050406030204" pitchFamily="18" charset="0"/>
+                                <a:ea typeface="Cambria Math" panose="02040503050406030204" pitchFamily="18" charset="0"/>
+                              </a:rPr>
+                              <m:t>𝛽</m:t>
+                            </m:r>
+                          </m:sup>
+                        </m:sSubSup>
+                      </m:num>
+                      <m:den>
+                        <m:nary>
+                          <m:naryPr>
+                            <m:chr m:val="∑"/>
+                            <m:supHide m:val="on"/>
+                            <m:ctrlPr>
+                              <a:rPr lang="en-US" b="0" i="1" smtClean="0">
+                                <a:latin typeface="Cambria Math" panose="02040503050406030204" pitchFamily="18" charset="0"/>
+                              </a:rPr>
+                            </m:ctrlPr>
+                          </m:naryPr>
+                          <m:sub>
+                            <m:r>
+                              <m:rPr>
+                                <m:brk m:alnAt="7"/>
+                              </m:rPr>
+                              <a:rPr lang="en-US" b="0" i="1" smtClean="0">
+                                <a:latin typeface="Cambria Math" panose="02040503050406030204" pitchFamily="18" charset="0"/>
+                              </a:rPr>
+                              <m:t>𝑙</m:t>
+                            </m:r>
+                            <m:r>
+                              <a:rPr lang="en-US" b="0" i="1" smtClean="0">
+                                <a:latin typeface="Cambria Math" panose="02040503050406030204" pitchFamily="18" charset="0"/>
+                                <a:ea typeface="Cambria Math" panose="02040503050406030204" pitchFamily="18" charset="0"/>
+                              </a:rPr>
+                              <m:t>∈(</m:t>
+                            </m:r>
+                            <m:r>
+                              <a:rPr lang="en-US" b="0" i="1" smtClean="0">
+                                <a:latin typeface="Cambria Math" panose="02040503050406030204" pitchFamily="18" charset="0"/>
+                                <a:ea typeface="Cambria Math" panose="02040503050406030204" pitchFamily="18" charset="0"/>
+                              </a:rPr>
+                              <m:t>𝑉</m:t>
+                            </m:r>
+                            <m:r>
+                              <a:rPr lang="en-US" b="0" i="1" smtClean="0">
+                                <a:latin typeface="Cambria Math" panose="02040503050406030204" pitchFamily="18" charset="0"/>
+                                <a:ea typeface="Cambria Math" panose="02040503050406030204" pitchFamily="18" charset="0"/>
+                              </a:rPr>
+                              <m:t>\</m:t>
+                            </m:r>
+                            <m:r>
+                              <m:rPr>
+                                <m:sty m:val="p"/>
+                              </m:rPr>
+                              <a:rPr lang="en-US" b="0" i="1" smtClean="0">
+                                <a:latin typeface="Cambria Math" panose="02040503050406030204" pitchFamily="18" charset="0"/>
+                                <a:ea typeface="Cambria Math" panose="02040503050406030204" pitchFamily="18" charset="0"/>
+                              </a:rPr>
+                              <m:t>T</m:t>
+                            </m:r>
+                            <m:r>
+                              <a:rPr lang="en-US" b="0" i="1" smtClean="0">
+                                <a:latin typeface="Cambria Math" panose="02040503050406030204" pitchFamily="18" charset="0"/>
+                                <a:ea typeface="Cambria Math" panose="02040503050406030204" pitchFamily="18" charset="0"/>
+                              </a:rPr>
+                              <m:t>)</m:t>
+                            </m:r>
+                          </m:sub>
+                          <m:sup/>
+                          <m:e>
+                            <m:sSubSup>
+                              <m:sSubSupPr>
+                                <m:ctrlPr>
+                                  <a:rPr lang="en-US" i="1">
+                                    <a:latin typeface="Cambria Math" panose="02040503050406030204" pitchFamily="18" charset="0"/>
+                                  </a:rPr>
+                                </m:ctrlPr>
+                              </m:sSubSupPr>
+                              <m:e>
+                                <m:r>
+                                  <a:rPr lang="en-US" i="1">
+                                    <a:latin typeface="Cambria Math" panose="02040503050406030204" pitchFamily="18" charset="0"/>
+                                    <a:ea typeface="Cambria Math" panose="02040503050406030204" pitchFamily="18" charset="0"/>
+                                  </a:rPr>
+                                  <m:t>𝜏</m:t>
+                                </m:r>
+                              </m:e>
+                              <m:sub>
+                                <m:r>
+                                  <a:rPr lang="en-US" i="1">
+                                    <a:latin typeface="Cambria Math" panose="02040503050406030204" pitchFamily="18" charset="0"/>
+                                  </a:rPr>
+                                  <m:t>𝑢</m:t>
+                                </m:r>
+                                <m:r>
+                                  <a:rPr lang="en-US" b="0" i="1" smtClean="0">
+                                    <a:latin typeface="Cambria Math" panose="02040503050406030204" pitchFamily="18" charset="0"/>
+                                  </a:rPr>
+                                  <m:t>𝑙</m:t>
+                                </m:r>
+                              </m:sub>
+                              <m:sup>
+                                <m:r>
+                                  <a:rPr lang="en-US" i="1">
+                                    <a:latin typeface="Cambria Math" panose="02040503050406030204" pitchFamily="18" charset="0"/>
+                                    <a:ea typeface="Cambria Math" panose="02040503050406030204" pitchFamily="18" charset="0"/>
+                                  </a:rPr>
+                                  <m:t>𝛼</m:t>
+                                </m:r>
+                              </m:sup>
+                            </m:sSubSup>
+                            <m:sSubSup>
+                              <m:sSubSupPr>
+                                <m:ctrlPr>
+                                  <a:rPr lang="en-US" i="1">
+                                    <a:latin typeface="Cambria Math" panose="02040503050406030204" pitchFamily="18" charset="0"/>
+                                  </a:rPr>
+                                </m:ctrlPr>
+                              </m:sSubSupPr>
+                              <m:e>
+                                <m:r>
+                                  <a:rPr lang="el-GR" i="1">
+                                    <a:latin typeface="Cambria Math" panose="02040503050406030204" pitchFamily="18" charset="0"/>
+                                  </a:rPr>
+                                  <m:t>𝜂</m:t>
+                                </m:r>
+                              </m:e>
+                              <m:sub>
+                                <m:r>
+                                  <a:rPr lang="en-US" b="0" i="1" smtClean="0">
+                                    <a:latin typeface="Cambria Math" panose="02040503050406030204" pitchFamily="18" charset="0"/>
+                                  </a:rPr>
+                                  <m:t>𝑙</m:t>
+                                </m:r>
+                              </m:sub>
+                              <m:sup>
+                                <m:r>
+                                  <a:rPr lang="en-US" i="1">
+                                    <a:latin typeface="Cambria Math" panose="02040503050406030204" pitchFamily="18" charset="0"/>
+                                    <a:ea typeface="Cambria Math" panose="02040503050406030204" pitchFamily="18" charset="0"/>
+                                  </a:rPr>
+                                  <m:t>𝛽</m:t>
+                                </m:r>
+                              </m:sup>
+                            </m:sSubSup>
+                          </m:e>
+                        </m:nary>
+                      </m:den>
+                    </m:f>
+                  </m:oMath>
+                </a14:m>
+                <a:endParaRPr lang="en-US" dirty="0"/>
+              </a:p>
+              <a:p>
+                <a:pPr lvl="1"/>
+                <a14:m>
+                  <m:oMath xmlns:m="http://schemas.openxmlformats.org/officeDocument/2006/math">
+                    <m:sSub>
+                      <m:sSubPr>
+                        <m:ctrlPr>
+                          <a:rPr lang="en-US" i="1" smtClean="0">
+                            <a:latin typeface="Cambria Math" panose="02040503050406030204" pitchFamily="18" charset="0"/>
+                          </a:rPr>
+                        </m:ctrlPr>
+                      </m:sSubPr>
+                      <m:e>
+                        <m:r>
+                          <a:rPr lang="el-GR" i="1">
+                            <a:latin typeface="Cambria Math" panose="02040503050406030204" pitchFamily="18" charset="0"/>
+                          </a:rPr>
+                          <m:t>𝜂</m:t>
+                        </m:r>
+                      </m:e>
+                      <m:sub>
+                        <m:r>
+                          <a:rPr lang="en-US" b="0" i="1" smtClean="0">
+                            <a:latin typeface="Cambria Math" panose="02040503050406030204" pitchFamily="18" charset="0"/>
+                          </a:rPr>
+                          <m:t>𝑣</m:t>
+                        </m:r>
+                      </m:sub>
+                    </m:sSub>
+                  </m:oMath>
+                </a14:m>
+                <a:r>
+                  <a:rPr lang="en-US" dirty="0"/>
+                  <a:t> is the degree of saturation of v (the number of different colours adjacent to v)</a:t>
+                </a:r>
+              </a:p>
+              <a:p>
+                <a:r>
+                  <a:rPr lang="en-US" dirty="0"/>
+                  <a:t>After performing all </a:t>
+                </a:r>
+                <a:r>
+                  <a:rPr lang="en-US" sz="2000" dirty="0"/>
+                  <a:t>Lévy flights, </a:t>
+                </a:r>
+                <a14:m>
+                  <m:oMath xmlns:m="http://schemas.openxmlformats.org/officeDocument/2006/math">
+                    <m:sSub>
+                      <m:sSubPr>
+                        <m:ctrlPr>
+                          <a:rPr lang="en-US" sz="2000" i="1" smtClean="0">
+                            <a:latin typeface="Cambria Math" panose="02040503050406030204" pitchFamily="18" charset="0"/>
+                          </a:rPr>
+                        </m:ctrlPr>
+                      </m:sSubPr>
+                      <m:e>
+                        <m:r>
+                          <a:rPr lang="en-US" sz="2000" i="1" smtClean="0">
+                            <a:latin typeface="Cambria Math" panose="02040503050406030204" pitchFamily="18" charset="0"/>
+                            <a:ea typeface="Cambria Math" panose="02040503050406030204" pitchFamily="18" charset="0"/>
+                          </a:rPr>
+                          <m:t>𝜏</m:t>
+                        </m:r>
+                      </m:e>
+                      <m:sub>
+                        <m:r>
+                          <a:rPr lang="en-US" sz="2000" b="0" i="1" smtClean="0">
+                            <a:latin typeface="Cambria Math" panose="02040503050406030204" pitchFamily="18" charset="0"/>
+                          </a:rPr>
+                          <m:t>𝑢𝑣</m:t>
+                        </m:r>
+                      </m:sub>
+                    </m:sSub>
+                    <m:r>
+                      <a:rPr lang="en-US" sz="2000" b="0" i="1" smtClean="0">
+                        <a:latin typeface="Cambria Math" panose="02040503050406030204" pitchFamily="18" charset="0"/>
+                      </a:rPr>
+                      <m:t>=</m:t>
+                    </m:r>
+                    <m:d>
+                      <m:dPr>
+                        <m:ctrlPr>
+                          <a:rPr lang="en-US" sz="2000" b="0" i="1" smtClean="0">
+                            <a:latin typeface="Cambria Math" panose="02040503050406030204" pitchFamily="18" charset="0"/>
+                          </a:rPr>
+                        </m:ctrlPr>
+                      </m:dPr>
+                      <m:e>
+                        <m:r>
+                          <a:rPr lang="en-US" sz="2000" b="0" i="1" smtClean="0">
+                            <a:latin typeface="Cambria Math" panose="02040503050406030204" pitchFamily="18" charset="0"/>
+                          </a:rPr>
+                          <m:t>1−</m:t>
+                        </m:r>
+                        <m:r>
+                          <a:rPr lang="en-US" sz="2000" b="0" i="1" smtClean="0">
+                            <a:latin typeface="Cambria Math" panose="02040503050406030204" pitchFamily="18" charset="0"/>
+                            <a:ea typeface="Cambria Math" panose="02040503050406030204" pitchFamily="18" charset="0"/>
+                          </a:rPr>
+                          <m:t>𝜌</m:t>
+                        </m:r>
+                      </m:e>
+                    </m:d>
+                    <m:sSub>
+                      <m:sSubPr>
+                        <m:ctrlPr>
+                          <a:rPr lang="en-US" sz="2000" b="0" i="1" smtClean="0">
+                            <a:latin typeface="Cambria Math" panose="02040503050406030204" pitchFamily="18" charset="0"/>
+                            <a:ea typeface="Cambria Math" panose="02040503050406030204" pitchFamily="18" charset="0"/>
+                          </a:rPr>
+                        </m:ctrlPr>
+                      </m:sSubPr>
+                      <m:e>
+                        <m:r>
+                          <a:rPr lang="en-US" sz="2000" b="0" i="1" smtClean="0">
+                            <a:latin typeface="Cambria Math" panose="02040503050406030204" pitchFamily="18" charset="0"/>
+                            <a:ea typeface="Cambria Math" panose="02040503050406030204" pitchFamily="18" charset="0"/>
+                          </a:rPr>
+                          <m:t>𝜏</m:t>
+                        </m:r>
+                      </m:e>
+                      <m:sub>
+                        <m:r>
+                          <a:rPr lang="en-US" sz="2000" b="0" i="1" smtClean="0">
+                            <a:latin typeface="Cambria Math" panose="02040503050406030204" pitchFamily="18" charset="0"/>
+                            <a:ea typeface="Cambria Math" panose="02040503050406030204" pitchFamily="18" charset="0"/>
+                          </a:rPr>
+                          <m:t>𝑢𝑣</m:t>
+                        </m:r>
+                      </m:sub>
+                    </m:sSub>
+                    <m:r>
+                      <a:rPr lang="en-US" sz="2000" b="0" i="1" smtClean="0">
+                        <a:latin typeface="Cambria Math" panose="02040503050406030204" pitchFamily="18" charset="0"/>
+                        <a:ea typeface="Cambria Math" panose="02040503050406030204" pitchFamily="18" charset="0"/>
+                      </a:rPr>
+                      <m:t>+∆</m:t>
+                    </m:r>
+                    <m:sSub>
+                      <m:sSubPr>
+                        <m:ctrlPr>
+                          <a:rPr lang="en-US" sz="2000" b="0" i="1" smtClean="0">
+                            <a:latin typeface="Cambria Math" panose="02040503050406030204" pitchFamily="18" charset="0"/>
+                            <a:ea typeface="Cambria Math" panose="02040503050406030204" pitchFamily="18" charset="0"/>
+                          </a:rPr>
+                        </m:ctrlPr>
+                      </m:sSubPr>
+                      <m:e>
+                        <m:r>
+                          <a:rPr lang="en-US" sz="2000" b="0" i="1" smtClean="0">
+                            <a:latin typeface="Cambria Math" panose="02040503050406030204" pitchFamily="18" charset="0"/>
+                            <a:ea typeface="Cambria Math" panose="02040503050406030204" pitchFamily="18" charset="0"/>
+                          </a:rPr>
+                          <m:t>𝜏</m:t>
+                        </m:r>
+                      </m:e>
+                      <m:sub>
+                        <m:r>
+                          <a:rPr lang="en-US" sz="2000" b="0" i="1" smtClean="0">
+                            <a:latin typeface="Cambria Math" panose="02040503050406030204" pitchFamily="18" charset="0"/>
+                            <a:ea typeface="Cambria Math" panose="02040503050406030204" pitchFamily="18" charset="0"/>
+                          </a:rPr>
+                          <m:t>𝑢𝑣</m:t>
+                        </m:r>
+                      </m:sub>
+                    </m:sSub>
+                  </m:oMath>
+                </a14:m>
+                <a:endParaRPr lang="en-US" dirty="0"/>
+              </a:p>
+              <a:p>
+                <a:pPr lvl="1"/>
+                <a14:m>
+                  <m:oMath xmlns:m="http://schemas.openxmlformats.org/officeDocument/2006/math">
+                    <m:r>
+                      <a:rPr lang="en-US" sz="1600" b="0" i="1" smtClean="0">
+                        <a:latin typeface="Cambria Math" panose="02040503050406030204" pitchFamily="18" charset="0"/>
+                        <a:ea typeface="Cambria Math" panose="02040503050406030204" pitchFamily="18" charset="0"/>
+                      </a:rPr>
+                      <m:t>∆</m:t>
+                    </m:r>
+                    <m:sSub>
+                      <m:sSubPr>
+                        <m:ctrlPr>
+                          <a:rPr lang="en-US" sz="1600" b="0" i="1" smtClean="0">
+                            <a:latin typeface="Cambria Math" panose="02040503050406030204" pitchFamily="18" charset="0"/>
+                            <a:ea typeface="Cambria Math" panose="02040503050406030204" pitchFamily="18" charset="0"/>
+                          </a:rPr>
+                        </m:ctrlPr>
+                      </m:sSubPr>
+                      <m:e>
+                        <m:r>
+                          <a:rPr lang="en-US" sz="1600" b="0" i="1" smtClean="0">
+                            <a:latin typeface="Cambria Math" panose="02040503050406030204" pitchFamily="18" charset="0"/>
+                            <a:ea typeface="Cambria Math" panose="02040503050406030204" pitchFamily="18" charset="0"/>
+                          </a:rPr>
+                          <m:t>𝜏</m:t>
+                        </m:r>
+                      </m:e>
+                      <m:sub>
+                        <m:r>
+                          <a:rPr lang="en-US" sz="1600" b="0" i="1" smtClean="0">
+                            <a:latin typeface="Cambria Math" panose="02040503050406030204" pitchFamily="18" charset="0"/>
+                            <a:ea typeface="Cambria Math" panose="02040503050406030204" pitchFamily="18" charset="0"/>
+                          </a:rPr>
+                          <m:t>𝑢𝑣</m:t>
+                        </m:r>
+                      </m:sub>
+                    </m:sSub>
+                    <m:r>
+                      <a:rPr lang="en-US" sz="1600" b="0" i="1" smtClean="0">
+                        <a:latin typeface="Cambria Math" panose="02040503050406030204" pitchFamily="18" charset="0"/>
+                        <a:ea typeface="Cambria Math" panose="02040503050406030204" pitchFamily="18" charset="0"/>
+                      </a:rPr>
+                      <m:t>=</m:t>
+                    </m:r>
+                    <m:nary>
+                      <m:naryPr>
+                        <m:chr m:val="∑"/>
+                        <m:supHide m:val="on"/>
+                        <m:ctrlPr>
+                          <a:rPr lang="en-US" sz="1600" b="0" i="1" smtClean="0">
+                            <a:latin typeface="Cambria Math" panose="02040503050406030204" pitchFamily="18" charset="0"/>
+                            <a:ea typeface="Cambria Math" panose="02040503050406030204" pitchFamily="18" charset="0"/>
+                          </a:rPr>
+                        </m:ctrlPr>
+                      </m:naryPr>
+                      <m:sub>
+                        <m:r>
+                          <m:rPr>
+                            <m:brk m:alnAt="7"/>
+                          </m:rPr>
+                          <a:rPr lang="en-US" sz="1600" b="0" i="1" smtClean="0">
+                            <a:latin typeface="Cambria Math" panose="02040503050406030204" pitchFamily="18" charset="0"/>
+                            <a:ea typeface="Cambria Math" panose="02040503050406030204" pitchFamily="18" charset="0"/>
+                          </a:rPr>
+                          <m:t>𝑐</m:t>
+                        </m:r>
+                        <m:r>
+                          <a:rPr lang="en-US" sz="1600" b="0" i="1" smtClean="0">
+                            <a:latin typeface="Cambria Math" panose="02040503050406030204" pitchFamily="18" charset="0"/>
+                            <a:ea typeface="Cambria Math" panose="02040503050406030204" pitchFamily="18" charset="0"/>
+                          </a:rPr>
+                          <m:t>∈</m:t>
+                        </m:r>
+                        <m:r>
+                          <a:rPr lang="en-US" sz="1600" b="0" i="1" smtClean="0">
+                            <a:latin typeface="Cambria Math" panose="02040503050406030204" pitchFamily="18" charset="0"/>
+                            <a:ea typeface="Cambria Math" panose="02040503050406030204" pitchFamily="18" charset="0"/>
+                          </a:rPr>
+                          <m:t>𝑃</m:t>
+                        </m:r>
+                      </m:sub>
+                      <m:sup/>
+                      <m:e>
+                        <m:r>
+                          <a:rPr lang="en-US" sz="1600" b="0" i="1" smtClean="0">
+                            <a:latin typeface="Cambria Math" panose="02040503050406030204" pitchFamily="18" charset="0"/>
+                            <a:ea typeface="Cambria Math" panose="02040503050406030204" pitchFamily="18" charset="0"/>
+                          </a:rPr>
+                          <m:t>1−</m:t>
+                        </m:r>
+                        <m:r>
+                          <a:rPr lang="en-US" sz="1600" b="0" i="1" smtClean="0">
+                            <a:latin typeface="Cambria Math" panose="02040503050406030204" pitchFamily="18" charset="0"/>
+                            <a:ea typeface="Cambria Math" panose="02040503050406030204" pitchFamily="18" charset="0"/>
+                          </a:rPr>
+                          <m:t>𝜎</m:t>
+                        </m:r>
+                        <m:r>
+                          <a:rPr lang="en-US" sz="1600" b="0" i="1" smtClean="0">
+                            <a:latin typeface="Cambria Math" panose="02040503050406030204" pitchFamily="18" charset="0"/>
+                            <a:ea typeface="Cambria Math" panose="02040503050406030204" pitchFamily="18" charset="0"/>
+                          </a:rPr>
+                          <m:t>(</m:t>
+                        </m:r>
+                        <m:r>
+                          <a:rPr lang="en-US" sz="1600" b="0" i="1" smtClean="0">
+                            <a:latin typeface="Cambria Math" panose="02040503050406030204" pitchFamily="18" charset="0"/>
+                            <a:ea typeface="Cambria Math" panose="02040503050406030204" pitchFamily="18" charset="0"/>
+                          </a:rPr>
+                          <m:t>𝑓</m:t>
+                        </m:r>
+                        <m:d>
+                          <m:dPr>
+                            <m:ctrlPr>
+                              <a:rPr lang="en-US" sz="1600" b="0" i="1" smtClean="0">
+                                <a:latin typeface="Cambria Math" panose="02040503050406030204" pitchFamily="18" charset="0"/>
+                                <a:ea typeface="Cambria Math" panose="02040503050406030204" pitchFamily="18" charset="0"/>
+                              </a:rPr>
+                            </m:ctrlPr>
+                          </m:dPr>
+                          <m:e>
+                            <m:r>
+                              <a:rPr lang="en-US" sz="1600" b="0" i="1" smtClean="0">
+                                <a:latin typeface="Cambria Math" panose="02040503050406030204" pitchFamily="18" charset="0"/>
+                                <a:ea typeface="Cambria Math" panose="02040503050406030204" pitchFamily="18" charset="0"/>
+                              </a:rPr>
+                              <m:t>𝑐</m:t>
+                            </m:r>
+                          </m:e>
+                        </m:d>
+                        <m:r>
+                          <a:rPr lang="en-US" sz="1600" b="0" i="1" smtClean="0">
+                            <a:latin typeface="Cambria Math" panose="02040503050406030204" pitchFamily="18" charset="0"/>
+                            <a:ea typeface="Cambria Math" panose="02040503050406030204" pitchFamily="18" charset="0"/>
+                          </a:rPr>
+                          <m:t>)</m:t>
+                        </m:r>
+                      </m:e>
+                    </m:nary>
+                  </m:oMath>
+                </a14:m>
+                <a:endParaRPr lang="en-US" dirty="0"/>
+              </a:p>
+              <a:p>
+                <a:r>
+                  <a:rPr lang="en-US" dirty="0"/>
+                  <a:t>Takes into account heuristic information while also learning from previous iterations and maintaining a degree of randomness</a:t>
+                </a:r>
+              </a:p>
+            </p:txBody>
+          </p:sp>
+        </mc:Choice>
+        <mc:Fallback xmlns="">
+          <p:sp>
+            <p:nvSpPr>
+              <p:cNvPr id="3" name="Content Placeholder 2">
+                <a:extLst>
+                  <a:ext uri="{FF2B5EF4-FFF2-40B4-BE49-F238E27FC236}">
+                    <a16:creationId xmlns:a16="http://schemas.microsoft.com/office/drawing/2014/main" id="{18ED27A9-7C5A-4401-ACBD-37470CB7427E}"/>
+                  </a:ext>
+                </a:extLst>
+              </p:cNvPr>
+              <p:cNvSpPr>
+                <a:spLocks noGrp="1" noRot="1" noChangeAspect="1" noMove="1" noResize="1" noEditPoints="1" noAdjustHandles="1" noChangeArrowheads="1" noChangeShapeType="1" noTextEdit="1"/>
+              </p:cNvSpPr>
+              <p:nvPr>
+                <p:ph idx="1"/>
+              </p:nvPr>
+            </p:nvSpPr>
+            <p:spPr>
+              <a:xfrm>
+                <a:off x="1261872" y="1828800"/>
+                <a:ext cx="8595360" cy="4351337"/>
+              </a:xfrm>
+              <a:blipFill>
+                <a:blip r:embed="rId2"/>
+                <a:stretch>
+                  <a:fillRect l="-142" t="-980"/>
+                </a:stretch>
+              </a:blipFill>
+            </p:spPr>
+            <p:txBody>
+              <a:bodyPr/>
+              <a:lstStyle/>
+              <a:p>
+                <a:r>
+                  <a:rPr lang="en-US">
+                    <a:noFill/>
+                  </a:rPr>
+                  <a:t> </a:t>
+                </a:r>
+              </a:p>
+            </p:txBody>
+          </p:sp>
+        </mc:Fallback>
+      </mc:AlternateContent>
       <p:sp>
         <p:nvSpPr>
           <p:cNvPr id="15" name="Rectangle 9">
@@ -6041,873 +7249,7 @@
 </p:sld>
 </file>
 
-<file path=ppt/slides/slide15.xml><?xml version="1.0" encoding="utf-8"?>
-<p:sld xmlns:a="http://schemas.openxmlformats.org/drawingml/2006/main" xmlns:r="http://schemas.openxmlformats.org/officeDocument/2006/relationships" xmlns:p="http://schemas.openxmlformats.org/presentationml/2006/main">
-  <p:cSld>
-    <p:bg>
-      <p:bgPr>
-        <a:solidFill>
-          <a:schemeClr val="bg2">
-            <a:lumMod val="75000"/>
-          </a:schemeClr>
-        </a:solidFill>
-        <a:effectLst/>
-      </p:bgPr>
-    </p:bg>
-    <p:spTree>
-      <p:nvGrpSpPr>
-        <p:cNvPr id="1" name=""/>
-        <p:cNvGrpSpPr/>
-        <p:nvPr/>
-      </p:nvGrpSpPr>
-      <p:grpSpPr>
-        <a:xfrm>
-          <a:off x="0" y="0"/>
-          <a:ext cx="0" cy="0"/>
-          <a:chOff x="0" y="0"/>
-          <a:chExt cx="0" cy="0"/>
-        </a:xfrm>
-      </p:grpSpPr>
-      <p:sp>
-        <p:nvSpPr>
-          <p:cNvPr id="7" name="Rectangle 6">
-            <a:extLst>
-              <a:ext uri="{FF2B5EF4-FFF2-40B4-BE49-F238E27FC236}">
-                <a16:creationId xmlns:a16="http://schemas.microsoft.com/office/drawing/2014/main" id="{A6F05DDE-5F2C-44F5-BACC-DED4737B11B8}"/>
-              </a:ext>
-              <a:ext uri="{C183D7F6-B498-43B3-948B-1728B52AA6E4}">
-                <adec:decorative xmlns:adec="http://schemas.microsoft.com/office/drawing/2017/decorative" val="1"/>
-              </a:ext>
-            </a:extLst>
-          </p:cNvPr>
-          <p:cNvSpPr>
-            <a:spLocks noGrp="1" noRot="1" noChangeAspect="1" noMove="1" noResize="1" noEditPoints="1" noAdjustHandles="1" noChangeArrowheads="1" noChangeShapeType="1" noTextEdit="1"/>
-          </p:cNvSpPr>
-          <p:nvPr>
-            <p:extLst>
-              <p:ext uri="{386F3935-93C4-4BCD-93E2-E3B085C9AB24}">
-                <p16:designElem xmlns:p16="http://schemas.microsoft.com/office/powerpoint/2015/main" val="1"/>
-              </p:ext>
-            </p:extLst>
-          </p:nvPr>
-        </p:nvSpPr>
-        <p:spPr>
-          <a:xfrm>
-            <a:off x="0" y="0"/>
-            <a:ext cx="457200" cy="6858000"/>
-          </a:xfrm>
-          <a:prstGeom prst="rect">
-            <a:avLst/>
-          </a:prstGeom>
-          <a:solidFill>
-            <a:schemeClr val="accent1"/>
-          </a:solidFill>
-          <a:ln>
-            <a:noFill/>
-          </a:ln>
-        </p:spPr>
-        <p:style>
-          <a:lnRef idx="2">
-            <a:schemeClr val="accent1">
-              <a:shade val="50000"/>
-            </a:schemeClr>
-          </a:lnRef>
-          <a:fillRef idx="1">
-            <a:schemeClr val="accent1"/>
-          </a:fillRef>
-          <a:effectRef idx="0">
-            <a:schemeClr val="accent1"/>
-          </a:effectRef>
-          <a:fontRef idx="minor">
-            <a:schemeClr val="lt1"/>
-          </a:fontRef>
-        </p:style>
-      </p:sp>
-      <p:sp>
-        <p:nvSpPr>
-          <p:cNvPr id="2" name="Title 1">
-            <a:extLst>
-              <a:ext uri="{FF2B5EF4-FFF2-40B4-BE49-F238E27FC236}">
-                <a16:creationId xmlns:a16="http://schemas.microsoft.com/office/drawing/2014/main" id="{F9B195F7-C8F2-4AEE-838F-FFBF62F056BD}"/>
-              </a:ext>
-            </a:extLst>
-          </p:cNvPr>
-          <p:cNvSpPr>
-            <a:spLocks noGrp="1"/>
-          </p:cNvSpPr>
-          <p:nvPr>
-            <p:ph type="title"/>
-          </p:nvPr>
-        </p:nvSpPr>
-        <p:spPr>
-          <a:xfrm>
-            <a:off x="1261872" y="1028699"/>
-            <a:ext cx="9418320" cy="3862083"/>
-          </a:xfrm>
-        </p:spPr>
-        <p:txBody>
-          <a:bodyPr vert="horz" lIns="91440" tIns="45720" rIns="91440" bIns="45720" rtlCol="0" anchor="ctr">
-            <a:normAutofit/>
-          </a:bodyPr>
-          <a:lstStyle/>
-          <a:p>
-            <a:pPr algn="ctr">
-              <a:lnSpc>
-                <a:spcPct val="85000"/>
-              </a:lnSpc>
-            </a:pPr>
-            <a:r>
-              <a:rPr lang="en-US" sz="6000" dirty="0"/>
-              <a:t>Other Graph Colouring Metaheuristic Algorithms</a:t>
-            </a:r>
-          </a:p>
-        </p:txBody>
-      </p:sp>
-      <p:cxnSp>
-        <p:nvCxnSpPr>
-          <p:cNvPr id="9" name="Straight Connector 8">
-            <a:extLst>
-              <a:ext uri="{FF2B5EF4-FFF2-40B4-BE49-F238E27FC236}">
-                <a16:creationId xmlns:a16="http://schemas.microsoft.com/office/drawing/2014/main" id="{D7E8ECA2-60A0-4D39-817D-F1E982ED7F9B}"/>
-              </a:ext>
-              <a:ext uri="{C183D7F6-B498-43B3-948B-1728B52AA6E4}">
-                <adec:decorative xmlns:adec="http://schemas.microsoft.com/office/drawing/2017/decorative" val="1"/>
-              </a:ext>
-            </a:extLst>
-          </p:cNvPr>
-          <p:cNvCxnSpPr>
-            <a:cxnSpLocks noGrp="1" noRot="1" noChangeAspect="1" noMove="1" noResize="1" noEditPoints="1" noAdjustHandles="1" noChangeArrowheads="1" noChangeShapeType="1"/>
-          </p:cNvCxnSpPr>
-          <p:nvPr>
-            <p:extLst>
-              <p:ext uri="{386F3935-93C4-4BCD-93E2-E3B085C9AB24}">
-                <p16:designElem xmlns:p16="http://schemas.microsoft.com/office/powerpoint/2015/main" val="1"/>
-              </p:ext>
-            </p:extLst>
-          </p:nvPr>
-        </p:nvCxnSpPr>
-        <p:spPr>
-          <a:xfrm flipH="1">
-            <a:off x="5651500" y="5097592"/>
-            <a:ext cx="596394" cy="0"/>
-          </a:xfrm>
-          <a:prstGeom prst="line">
-            <a:avLst/>
-          </a:prstGeom>
-          <a:ln w="12700">
-            <a:solidFill>
-              <a:schemeClr val="tx2"/>
-            </a:solidFill>
-          </a:ln>
-        </p:spPr>
-        <p:style>
-          <a:lnRef idx="1">
-            <a:schemeClr val="accent1"/>
-          </a:lnRef>
-          <a:fillRef idx="0">
-            <a:schemeClr val="accent1"/>
-          </a:fillRef>
-          <a:effectRef idx="0">
-            <a:schemeClr val="accent1"/>
-          </a:effectRef>
-          <a:fontRef idx="minor">
-            <a:schemeClr val="tx1"/>
-          </a:fontRef>
-        </p:style>
-      </p:cxnSp>
-    </p:spTree>
-    <p:extLst>
-      <p:ext uri="{BB962C8B-B14F-4D97-AF65-F5344CB8AC3E}">
-        <p14:creationId xmlns:p14="http://schemas.microsoft.com/office/powerpoint/2010/main" val="3294285041"/>
-      </p:ext>
-    </p:extLst>
-  </p:cSld>
-  <p:clrMapOvr>
-    <a:masterClrMapping/>
-  </p:clrMapOvr>
-</p:sld>
-</file>
-
-<file path=ppt/slides/slide16.xml><?xml version="1.0" encoding="utf-8"?>
-<p:sld xmlns:a="http://schemas.openxmlformats.org/drawingml/2006/main" xmlns:r="http://schemas.openxmlformats.org/officeDocument/2006/relationships" xmlns:p="http://schemas.openxmlformats.org/presentationml/2006/main">
-  <p:cSld>
-    <p:bg>
-      <p:bgPr>
-        <a:solidFill>
-          <a:schemeClr val="bg1">
-            <a:tint val="95000"/>
-            <a:satMod val="170000"/>
-          </a:schemeClr>
-        </a:solidFill>
-        <a:effectLst/>
-      </p:bgPr>
-    </p:bg>
-    <p:spTree>
-      <p:nvGrpSpPr>
-        <p:cNvPr id="1" name=""/>
-        <p:cNvGrpSpPr/>
-        <p:nvPr/>
-      </p:nvGrpSpPr>
-      <p:grpSpPr>
-        <a:xfrm>
-          <a:off x="0" y="0"/>
-          <a:ext cx="0" cy="0"/>
-          <a:chOff x="0" y="0"/>
-          <a:chExt cx="0" cy="0"/>
-        </a:xfrm>
-      </p:grpSpPr>
-      <p:sp useBgFill="1">
-        <p:nvSpPr>
-          <p:cNvPr id="14" name="Rectangle 7">
-            <a:extLst>
-              <a:ext uri="{FF2B5EF4-FFF2-40B4-BE49-F238E27FC236}">
-                <a16:creationId xmlns:a16="http://schemas.microsoft.com/office/drawing/2014/main" id="{5DB0431E-0B04-44A1-9C51-531E28D18A60}"/>
-              </a:ext>
-              <a:ext uri="{C183D7F6-B498-43B3-948B-1728B52AA6E4}">
-                <adec:decorative xmlns:adec="http://schemas.microsoft.com/office/drawing/2017/decorative" val="1"/>
-              </a:ext>
-            </a:extLst>
-          </p:cNvPr>
-          <p:cNvSpPr>
-            <a:spLocks noGrp="1" noRot="1" noChangeAspect="1" noMove="1" noResize="1" noEditPoints="1" noAdjustHandles="1" noChangeArrowheads="1" noChangeShapeType="1" noTextEdit="1"/>
-          </p:cNvSpPr>
-          <p:nvPr>
-            <p:extLst>
-              <p:ext uri="{386F3935-93C4-4BCD-93E2-E3B085C9AB24}">
-                <p16:designElem xmlns:p16="http://schemas.microsoft.com/office/powerpoint/2015/main" val="1"/>
-              </p:ext>
-            </p:extLst>
-          </p:nvPr>
-        </p:nvSpPr>
-        <p:spPr>
-          <a:xfrm>
-            <a:off x="0" y="0"/>
-            <a:ext cx="12192000" cy="6858000"/>
-          </a:xfrm>
-          <a:prstGeom prst="rect">
-            <a:avLst/>
-          </a:prstGeom>
-          <a:ln>
-            <a:noFill/>
-          </a:ln>
-        </p:spPr>
-        <p:style>
-          <a:lnRef idx="2">
-            <a:schemeClr val="accent1">
-              <a:shade val="50000"/>
-            </a:schemeClr>
-          </a:lnRef>
-          <a:fillRef idx="1">
-            <a:schemeClr val="accent1"/>
-          </a:fillRef>
-          <a:effectRef idx="0">
-            <a:schemeClr val="accent1"/>
-          </a:effectRef>
-          <a:fontRef idx="minor">
-            <a:schemeClr val="lt1"/>
-          </a:fontRef>
-        </p:style>
-        <p:txBody>
-          <a:bodyPr rtlCol="0" anchor="ctr"/>
-          <a:lstStyle/>
-          <a:p>
-            <a:pPr algn="ctr"/>
-            <a:endParaRPr lang="en-US"/>
-          </a:p>
-        </p:txBody>
-      </p:sp>
-      <p:sp>
-        <p:nvSpPr>
-          <p:cNvPr id="2" name="Title 1">
-            <a:extLst>
-              <a:ext uri="{FF2B5EF4-FFF2-40B4-BE49-F238E27FC236}">
-                <a16:creationId xmlns:a16="http://schemas.microsoft.com/office/drawing/2014/main" id="{565DE6B2-5AC6-4C70-9F08-2A6D960838A3}"/>
-              </a:ext>
-            </a:extLst>
-          </p:cNvPr>
-          <p:cNvSpPr>
-            <a:spLocks noGrp="1"/>
-          </p:cNvSpPr>
-          <p:nvPr>
-            <p:ph type="title"/>
-          </p:nvPr>
-        </p:nvSpPr>
-        <p:spPr>
-          <a:xfrm>
-            <a:off x="1261872" y="365760"/>
-            <a:ext cx="9692640" cy="1325562"/>
-          </a:xfrm>
-        </p:spPr>
-        <p:txBody>
-          <a:bodyPr>
-            <a:normAutofit/>
-          </a:bodyPr>
-          <a:lstStyle/>
-          <a:p>
-            <a:r>
-              <a:rPr lang="en-US" dirty="0"/>
-              <a:t>Genetic Algorithms (GA)</a:t>
-            </a:r>
-          </a:p>
-        </p:txBody>
-      </p:sp>
-      <p:sp>
-        <p:nvSpPr>
-          <p:cNvPr id="3" name="Content Placeholder 2">
-            <a:extLst>
-              <a:ext uri="{FF2B5EF4-FFF2-40B4-BE49-F238E27FC236}">
-                <a16:creationId xmlns:a16="http://schemas.microsoft.com/office/drawing/2014/main" id="{18ED27A9-7C5A-4401-ACBD-37470CB7427E}"/>
-              </a:ext>
-            </a:extLst>
-          </p:cNvPr>
-          <p:cNvSpPr>
-            <a:spLocks noGrp="1"/>
-          </p:cNvSpPr>
-          <p:nvPr>
-            <p:ph idx="1"/>
-          </p:nvPr>
-        </p:nvSpPr>
-        <p:spPr>
-          <a:xfrm>
-            <a:off x="1261872" y="1828800"/>
-            <a:ext cx="8595360" cy="4351337"/>
-          </a:xfrm>
-        </p:spPr>
-        <p:txBody>
-          <a:bodyPr>
-            <a:normAutofit/>
-          </a:bodyPr>
-          <a:lstStyle/>
-          <a:p>
-            <a:r>
-              <a:rPr lang="en-US" dirty="0"/>
-              <a:t>Talk about GPX</a:t>
-            </a:r>
-            <a:endParaRPr lang="en-US" sz="1800" dirty="0"/>
-          </a:p>
-        </p:txBody>
-      </p:sp>
-      <p:sp>
-        <p:nvSpPr>
-          <p:cNvPr id="15" name="Rectangle 9">
-            <a:extLst>
-              <a:ext uri="{FF2B5EF4-FFF2-40B4-BE49-F238E27FC236}">
-                <a16:creationId xmlns:a16="http://schemas.microsoft.com/office/drawing/2014/main" id="{6B424749-EEE0-49C9-9ABF-97B171A3EA00}"/>
-              </a:ext>
-              <a:ext uri="{C183D7F6-B498-43B3-948B-1728B52AA6E4}">
-                <adec:decorative xmlns:adec="http://schemas.microsoft.com/office/drawing/2017/decorative" val="1"/>
-              </a:ext>
-            </a:extLst>
-          </p:cNvPr>
-          <p:cNvSpPr>
-            <a:spLocks noGrp="1" noRot="1" noChangeAspect="1" noMove="1" noResize="1" noEditPoints="1" noAdjustHandles="1" noChangeArrowheads="1" noChangeShapeType="1" noTextEdit="1"/>
-          </p:cNvSpPr>
-          <p:nvPr>
-            <p:extLst>
-              <p:ext uri="{386F3935-93C4-4BCD-93E2-E3B085C9AB24}">
-                <p16:designElem xmlns:p16="http://schemas.microsoft.com/office/powerpoint/2015/main" val="1"/>
-              </p:ext>
-            </p:extLst>
-          </p:nvPr>
-        </p:nvSpPr>
-        <p:spPr>
-          <a:xfrm>
-            <a:off x="11277600" y="0"/>
-            <a:ext cx="914400" cy="6858000"/>
-          </a:xfrm>
-          <a:prstGeom prst="rect">
-            <a:avLst/>
-          </a:prstGeom>
-          <a:solidFill>
-            <a:schemeClr val="tx2">
-              <a:lumMod val="75000"/>
-            </a:schemeClr>
-          </a:solidFill>
-          <a:ln>
-            <a:noFill/>
-          </a:ln>
-        </p:spPr>
-        <p:style>
-          <a:lnRef idx="2">
-            <a:schemeClr val="accent1">
-              <a:shade val="50000"/>
-            </a:schemeClr>
-          </a:lnRef>
-          <a:fillRef idx="1">
-            <a:schemeClr val="accent1"/>
-          </a:fillRef>
-          <a:effectRef idx="0">
-            <a:schemeClr val="accent1"/>
-          </a:effectRef>
-          <a:fontRef idx="minor">
-            <a:schemeClr val="lt1"/>
-          </a:fontRef>
-        </p:style>
-      </p:sp>
-    </p:spTree>
-    <p:extLst>
-      <p:ext uri="{BB962C8B-B14F-4D97-AF65-F5344CB8AC3E}">
-        <p14:creationId xmlns:p14="http://schemas.microsoft.com/office/powerpoint/2010/main" val="2908624478"/>
-      </p:ext>
-    </p:extLst>
-  </p:cSld>
-  <p:clrMapOvr>
-    <a:overrideClrMapping bg1="dk1" tx1="lt1" bg2="dk2" tx2="lt2" accent1="accent1" accent2="accent2" accent3="accent3" accent4="accent4" accent5="accent5" accent6="accent6" hlink="hlink" folHlink="folHlink"/>
-  </p:clrMapOvr>
-</p:sld>
-</file>
-
 <file path=ppt/slides/slide17.xml><?xml version="1.0" encoding="utf-8"?>
-<p:sld xmlns:a="http://schemas.openxmlformats.org/drawingml/2006/main" xmlns:r="http://schemas.openxmlformats.org/officeDocument/2006/relationships" xmlns:p="http://schemas.openxmlformats.org/presentationml/2006/main">
-  <p:cSld>
-    <p:bg>
-      <p:bgPr>
-        <a:solidFill>
-          <a:schemeClr val="bg1">
-            <a:tint val="95000"/>
-            <a:satMod val="170000"/>
-          </a:schemeClr>
-        </a:solidFill>
-        <a:effectLst/>
-      </p:bgPr>
-    </p:bg>
-    <p:spTree>
-      <p:nvGrpSpPr>
-        <p:cNvPr id="1" name=""/>
-        <p:cNvGrpSpPr/>
-        <p:nvPr/>
-      </p:nvGrpSpPr>
-      <p:grpSpPr>
-        <a:xfrm>
-          <a:off x="0" y="0"/>
-          <a:ext cx="0" cy="0"/>
-          <a:chOff x="0" y="0"/>
-          <a:chExt cx="0" cy="0"/>
-        </a:xfrm>
-      </p:grpSpPr>
-      <p:sp useBgFill="1">
-        <p:nvSpPr>
-          <p:cNvPr id="14" name="Rectangle 7">
-            <a:extLst>
-              <a:ext uri="{FF2B5EF4-FFF2-40B4-BE49-F238E27FC236}">
-                <a16:creationId xmlns:a16="http://schemas.microsoft.com/office/drawing/2014/main" id="{5DB0431E-0B04-44A1-9C51-531E28D18A60}"/>
-              </a:ext>
-              <a:ext uri="{C183D7F6-B498-43B3-948B-1728B52AA6E4}">
-                <adec:decorative xmlns:adec="http://schemas.microsoft.com/office/drawing/2017/decorative" val="1"/>
-              </a:ext>
-            </a:extLst>
-          </p:cNvPr>
-          <p:cNvSpPr>
-            <a:spLocks noGrp="1" noRot="1" noChangeAspect="1" noMove="1" noResize="1" noEditPoints="1" noAdjustHandles="1" noChangeArrowheads="1" noChangeShapeType="1" noTextEdit="1"/>
-          </p:cNvSpPr>
-          <p:nvPr>
-            <p:extLst>
-              <p:ext uri="{386F3935-93C4-4BCD-93E2-E3B085C9AB24}">
-                <p16:designElem xmlns:p16="http://schemas.microsoft.com/office/powerpoint/2015/main" val="1"/>
-              </p:ext>
-            </p:extLst>
-          </p:nvPr>
-        </p:nvSpPr>
-        <p:spPr>
-          <a:xfrm>
-            <a:off x="0" y="0"/>
-            <a:ext cx="12192000" cy="6858000"/>
-          </a:xfrm>
-          <a:prstGeom prst="rect">
-            <a:avLst/>
-          </a:prstGeom>
-          <a:ln>
-            <a:noFill/>
-          </a:ln>
-        </p:spPr>
-        <p:style>
-          <a:lnRef idx="2">
-            <a:schemeClr val="accent1">
-              <a:shade val="50000"/>
-            </a:schemeClr>
-          </a:lnRef>
-          <a:fillRef idx="1">
-            <a:schemeClr val="accent1"/>
-          </a:fillRef>
-          <a:effectRef idx="0">
-            <a:schemeClr val="accent1"/>
-          </a:effectRef>
-          <a:fontRef idx="minor">
-            <a:schemeClr val="lt1"/>
-          </a:fontRef>
-        </p:style>
-        <p:txBody>
-          <a:bodyPr rtlCol="0" anchor="ctr"/>
-          <a:lstStyle/>
-          <a:p>
-            <a:pPr algn="ctr"/>
-            <a:endParaRPr lang="en-US"/>
-          </a:p>
-        </p:txBody>
-      </p:sp>
-      <p:sp>
-        <p:nvSpPr>
-          <p:cNvPr id="2" name="Title 1">
-            <a:extLst>
-              <a:ext uri="{FF2B5EF4-FFF2-40B4-BE49-F238E27FC236}">
-                <a16:creationId xmlns:a16="http://schemas.microsoft.com/office/drawing/2014/main" id="{565DE6B2-5AC6-4C70-9F08-2A6D960838A3}"/>
-              </a:ext>
-            </a:extLst>
-          </p:cNvPr>
-          <p:cNvSpPr>
-            <a:spLocks noGrp="1"/>
-          </p:cNvSpPr>
-          <p:nvPr>
-            <p:ph type="title"/>
-          </p:nvPr>
-        </p:nvSpPr>
-        <p:spPr>
-          <a:xfrm>
-            <a:off x="1261872" y="365760"/>
-            <a:ext cx="9692640" cy="1325562"/>
-          </a:xfrm>
-        </p:spPr>
-        <p:txBody>
-          <a:bodyPr>
-            <a:normAutofit/>
-          </a:bodyPr>
-          <a:lstStyle/>
-          <a:p>
-            <a:r>
-              <a:rPr lang="en-US" dirty="0"/>
-              <a:t>Tabu Colouring (Tabucol)</a:t>
-            </a:r>
-          </a:p>
-        </p:txBody>
-      </p:sp>
-      <p:sp>
-        <p:nvSpPr>
-          <p:cNvPr id="3" name="Content Placeholder 2">
-            <a:extLst>
-              <a:ext uri="{FF2B5EF4-FFF2-40B4-BE49-F238E27FC236}">
-                <a16:creationId xmlns:a16="http://schemas.microsoft.com/office/drawing/2014/main" id="{18ED27A9-7C5A-4401-ACBD-37470CB7427E}"/>
-              </a:ext>
-            </a:extLst>
-          </p:cNvPr>
-          <p:cNvSpPr>
-            <a:spLocks noGrp="1"/>
-          </p:cNvSpPr>
-          <p:nvPr>
-            <p:ph idx="1"/>
-          </p:nvPr>
-        </p:nvSpPr>
-        <p:spPr>
-          <a:xfrm>
-            <a:off x="1261872" y="1828800"/>
-            <a:ext cx="8595360" cy="4351337"/>
-          </a:xfrm>
-        </p:spPr>
-        <p:txBody>
-          <a:bodyPr>
-            <a:normAutofit/>
-          </a:bodyPr>
-          <a:lstStyle/>
-          <a:p>
-            <a:endParaRPr lang="en-US" sz="1800" dirty="0"/>
-          </a:p>
-        </p:txBody>
-      </p:sp>
-      <p:sp>
-        <p:nvSpPr>
-          <p:cNvPr id="15" name="Rectangle 9">
-            <a:extLst>
-              <a:ext uri="{FF2B5EF4-FFF2-40B4-BE49-F238E27FC236}">
-                <a16:creationId xmlns:a16="http://schemas.microsoft.com/office/drawing/2014/main" id="{6B424749-EEE0-49C9-9ABF-97B171A3EA00}"/>
-              </a:ext>
-              <a:ext uri="{C183D7F6-B498-43B3-948B-1728B52AA6E4}">
-                <adec:decorative xmlns:adec="http://schemas.microsoft.com/office/drawing/2017/decorative" val="1"/>
-              </a:ext>
-            </a:extLst>
-          </p:cNvPr>
-          <p:cNvSpPr>
-            <a:spLocks noGrp="1" noRot="1" noChangeAspect="1" noMove="1" noResize="1" noEditPoints="1" noAdjustHandles="1" noChangeArrowheads="1" noChangeShapeType="1" noTextEdit="1"/>
-          </p:cNvSpPr>
-          <p:nvPr>
-            <p:extLst>
-              <p:ext uri="{386F3935-93C4-4BCD-93E2-E3B085C9AB24}">
-                <p16:designElem xmlns:p16="http://schemas.microsoft.com/office/powerpoint/2015/main" val="1"/>
-              </p:ext>
-            </p:extLst>
-          </p:nvPr>
-        </p:nvSpPr>
-        <p:spPr>
-          <a:xfrm>
-            <a:off x="11277600" y="0"/>
-            <a:ext cx="914400" cy="6858000"/>
-          </a:xfrm>
-          <a:prstGeom prst="rect">
-            <a:avLst/>
-          </a:prstGeom>
-          <a:solidFill>
-            <a:schemeClr val="tx2">
-              <a:lumMod val="75000"/>
-            </a:schemeClr>
-          </a:solidFill>
-          <a:ln>
-            <a:noFill/>
-          </a:ln>
-        </p:spPr>
-        <p:style>
-          <a:lnRef idx="2">
-            <a:schemeClr val="accent1">
-              <a:shade val="50000"/>
-            </a:schemeClr>
-          </a:lnRef>
-          <a:fillRef idx="1">
-            <a:schemeClr val="accent1"/>
-          </a:fillRef>
-          <a:effectRef idx="0">
-            <a:schemeClr val="accent1"/>
-          </a:effectRef>
-          <a:fontRef idx="minor">
-            <a:schemeClr val="lt1"/>
-          </a:fontRef>
-        </p:style>
-      </p:sp>
-    </p:spTree>
-    <p:extLst>
-      <p:ext uri="{BB962C8B-B14F-4D97-AF65-F5344CB8AC3E}">
-        <p14:creationId xmlns:p14="http://schemas.microsoft.com/office/powerpoint/2010/main" val="745584547"/>
-      </p:ext>
-    </p:extLst>
-  </p:cSld>
-  <p:clrMapOvr>
-    <a:overrideClrMapping bg1="dk1" tx1="lt1" bg2="dk2" tx2="lt2" accent1="accent1" accent2="accent2" accent3="accent3" accent4="accent4" accent5="accent5" accent6="accent6" hlink="hlink" folHlink="folHlink"/>
-  </p:clrMapOvr>
-</p:sld>
-</file>
-
-<file path=ppt/slides/slide18.xml><?xml version="1.0" encoding="utf-8"?>
-<p:sld xmlns:a="http://schemas.openxmlformats.org/drawingml/2006/main" xmlns:r="http://schemas.openxmlformats.org/officeDocument/2006/relationships" xmlns:p="http://schemas.openxmlformats.org/presentationml/2006/main">
-  <p:cSld>
-    <p:bg>
-      <p:bgPr>
-        <a:solidFill>
-          <a:schemeClr val="bg1">
-            <a:tint val="95000"/>
-            <a:satMod val="170000"/>
-          </a:schemeClr>
-        </a:solidFill>
-        <a:effectLst/>
-      </p:bgPr>
-    </p:bg>
-    <p:spTree>
-      <p:nvGrpSpPr>
-        <p:cNvPr id="1" name=""/>
-        <p:cNvGrpSpPr/>
-        <p:nvPr/>
-      </p:nvGrpSpPr>
-      <p:grpSpPr>
-        <a:xfrm>
-          <a:off x="0" y="0"/>
-          <a:ext cx="0" cy="0"/>
-          <a:chOff x="0" y="0"/>
-          <a:chExt cx="0" cy="0"/>
-        </a:xfrm>
-      </p:grpSpPr>
-      <p:sp useBgFill="1">
-        <p:nvSpPr>
-          <p:cNvPr id="14" name="Rectangle 7">
-            <a:extLst>
-              <a:ext uri="{FF2B5EF4-FFF2-40B4-BE49-F238E27FC236}">
-                <a16:creationId xmlns:a16="http://schemas.microsoft.com/office/drawing/2014/main" id="{5DB0431E-0B04-44A1-9C51-531E28D18A60}"/>
-              </a:ext>
-              <a:ext uri="{C183D7F6-B498-43B3-948B-1728B52AA6E4}">
-                <adec:decorative xmlns:adec="http://schemas.microsoft.com/office/drawing/2017/decorative" val="1"/>
-              </a:ext>
-            </a:extLst>
-          </p:cNvPr>
-          <p:cNvSpPr>
-            <a:spLocks noGrp="1" noRot="1" noChangeAspect="1" noMove="1" noResize="1" noEditPoints="1" noAdjustHandles="1" noChangeArrowheads="1" noChangeShapeType="1" noTextEdit="1"/>
-          </p:cNvSpPr>
-          <p:nvPr>
-            <p:extLst>
-              <p:ext uri="{386F3935-93C4-4BCD-93E2-E3B085C9AB24}">
-                <p16:designElem xmlns:p16="http://schemas.microsoft.com/office/powerpoint/2015/main" val="1"/>
-              </p:ext>
-            </p:extLst>
-          </p:nvPr>
-        </p:nvSpPr>
-        <p:spPr>
-          <a:xfrm>
-            <a:off x="0" y="0"/>
-            <a:ext cx="12192000" cy="6858000"/>
-          </a:xfrm>
-          <a:prstGeom prst="rect">
-            <a:avLst/>
-          </a:prstGeom>
-          <a:ln>
-            <a:noFill/>
-          </a:ln>
-        </p:spPr>
-        <p:style>
-          <a:lnRef idx="2">
-            <a:schemeClr val="accent1">
-              <a:shade val="50000"/>
-            </a:schemeClr>
-          </a:lnRef>
-          <a:fillRef idx="1">
-            <a:schemeClr val="accent1"/>
-          </a:fillRef>
-          <a:effectRef idx="0">
-            <a:schemeClr val="accent1"/>
-          </a:effectRef>
-          <a:fontRef idx="minor">
-            <a:schemeClr val="lt1"/>
-          </a:fontRef>
-        </p:style>
-        <p:txBody>
-          <a:bodyPr rtlCol="0" anchor="ctr"/>
-          <a:lstStyle/>
-          <a:p>
-            <a:pPr algn="ctr"/>
-            <a:endParaRPr lang="en-US"/>
-          </a:p>
-        </p:txBody>
-      </p:sp>
-      <p:sp>
-        <p:nvSpPr>
-          <p:cNvPr id="2" name="Title 1">
-            <a:extLst>
-              <a:ext uri="{FF2B5EF4-FFF2-40B4-BE49-F238E27FC236}">
-                <a16:creationId xmlns:a16="http://schemas.microsoft.com/office/drawing/2014/main" id="{565DE6B2-5AC6-4C70-9F08-2A6D960838A3}"/>
-              </a:ext>
-            </a:extLst>
-          </p:cNvPr>
-          <p:cNvSpPr>
-            <a:spLocks noGrp="1"/>
-          </p:cNvSpPr>
-          <p:nvPr>
-            <p:ph type="title"/>
-          </p:nvPr>
-        </p:nvSpPr>
-        <p:spPr>
-          <a:xfrm>
-            <a:off x="1261872" y="365760"/>
-            <a:ext cx="9692640" cy="1325562"/>
-          </a:xfrm>
-        </p:spPr>
-        <p:txBody>
-          <a:bodyPr>
-            <a:normAutofit/>
-          </a:bodyPr>
-          <a:lstStyle/>
-          <a:p>
-            <a:r>
-              <a:rPr lang="en-US" dirty="0"/>
-              <a:t>Particle Swarm Optimisation (PSO)</a:t>
-            </a:r>
-          </a:p>
-        </p:txBody>
-      </p:sp>
-      <p:sp>
-        <p:nvSpPr>
-          <p:cNvPr id="3" name="Content Placeholder 2">
-            <a:extLst>
-              <a:ext uri="{FF2B5EF4-FFF2-40B4-BE49-F238E27FC236}">
-                <a16:creationId xmlns:a16="http://schemas.microsoft.com/office/drawing/2014/main" id="{18ED27A9-7C5A-4401-ACBD-37470CB7427E}"/>
-              </a:ext>
-            </a:extLst>
-          </p:cNvPr>
-          <p:cNvSpPr>
-            <a:spLocks noGrp="1"/>
-          </p:cNvSpPr>
-          <p:nvPr>
-            <p:ph idx="1"/>
-          </p:nvPr>
-        </p:nvSpPr>
-        <p:spPr>
-          <a:xfrm>
-            <a:off x="1261872" y="1828800"/>
-            <a:ext cx="8595360" cy="4351337"/>
-          </a:xfrm>
-        </p:spPr>
-        <p:txBody>
-          <a:bodyPr>
-            <a:normAutofit/>
-          </a:bodyPr>
-          <a:lstStyle/>
-          <a:p>
-            <a:endParaRPr lang="en-US" sz="1800" dirty="0"/>
-          </a:p>
-        </p:txBody>
-      </p:sp>
-      <p:sp>
-        <p:nvSpPr>
-          <p:cNvPr id="15" name="Rectangle 9">
-            <a:extLst>
-              <a:ext uri="{FF2B5EF4-FFF2-40B4-BE49-F238E27FC236}">
-                <a16:creationId xmlns:a16="http://schemas.microsoft.com/office/drawing/2014/main" id="{6B424749-EEE0-49C9-9ABF-97B171A3EA00}"/>
-              </a:ext>
-              <a:ext uri="{C183D7F6-B498-43B3-948B-1728B52AA6E4}">
-                <adec:decorative xmlns:adec="http://schemas.microsoft.com/office/drawing/2017/decorative" val="1"/>
-              </a:ext>
-            </a:extLst>
-          </p:cNvPr>
-          <p:cNvSpPr>
-            <a:spLocks noGrp="1" noRot="1" noChangeAspect="1" noMove="1" noResize="1" noEditPoints="1" noAdjustHandles="1" noChangeArrowheads="1" noChangeShapeType="1" noTextEdit="1"/>
-          </p:cNvSpPr>
-          <p:nvPr>
-            <p:extLst>
-              <p:ext uri="{386F3935-93C4-4BCD-93E2-E3B085C9AB24}">
-                <p16:designElem xmlns:p16="http://schemas.microsoft.com/office/powerpoint/2015/main" val="1"/>
-              </p:ext>
-            </p:extLst>
-          </p:nvPr>
-        </p:nvSpPr>
-        <p:spPr>
-          <a:xfrm>
-            <a:off x="11277600" y="0"/>
-            <a:ext cx="914400" cy="6858000"/>
-          </a:xfrm>
-          <a:prstGeom prst="rect">
-            <a:avLst/>
-          </a:prstGeom>
-          <a:solidFill>
-            <a:schemeClr val="tx2">
-              <a:lumMod val="75000"/>
-            </a:schemeClr>
-          </a:solidFill>
-          <a:ln>
-            <a:noFill/>
-          </a:ln>
-        </p:spPr>
-        <p:style>
-          <a:lnRef idx="2">
-            <a:schemeClr val="accent1">
-              <a:shade val="50000"/>
-            </a:schemeClr>
-          </a:lnRef>
-          <a:fillRef idx="1">
-            <a:schemeClr val="accent1"/>
-          </a:fillRef>
-          <a:effectRef idx="0">
-            <a:schemeClr val="accent1"/>
-          </a:effectRef>
-          <a:fontRef idx="minor">
-            <a:schemeClr val="lt1"/>
-          </a:fontRef>
-        </p:style>
-      </p:sp>
-    </p:spTree>
-    <p:extLst>
-      <p:ext uri="{BB962C8B-B14F-4D97-AF65-F5344CB8AC3E}">
-        <p14:creationId xmlns:p14="http://schemas.microsoft.com/office/powerpoint/2010/main" val="3013598072"/>
-      </p:ext>
-    </p:extLst>
-  </p:cSld>
-  <p:clrMapOvr>
-    <a:overrideClrMapping bg1="dk1" tx1="lt1" bg2="dk2" tx2="lt2" accent1="accent1" accent2="accent2" accent3="accent3" accent4="accent4" accent5="accent5" accent6="accent6" hlink="hlink" folHlink="folHlink"/>
-  </p:clrMapOvr>
-</p:sld>
-</file>
-
-<file path=ppt/slides/slide19.xml><?xml version="1.0" encoding="utf-8"?>
 <p:sld xmlns:a="http://schemas.openxmlformats.org/drawingml/2006/main" xmlns:r="http://schemas.openxmlformats.org/officeDocument/2006/relationships" xmlns:p="http://schemas.openxmlformats.org/presentationml/2006/main">
   <p:cSld>
     <p:bg>
@@ -7094,7 +7436,7 @@
 </p:sld>
 </file>
 
-<file path=ppt/slides/slide2.xml><?xml version="1.0" encoding="utf-8"?>
+<file path=ppt/slides/slide18.xml><?xml version="1.0" encoding="utf-8"?>
 <p:sld xmlns:a="http://schemas.openxmlformats.org/drawingml/2006/main" xmlns:r="http://schemas.openxmlformats.org/officeDocument/2006/relationships" xmlns:p="http://schemas.openxmlformats.org/presentationml/2006/main">
   <p:cSld>
     <p:bg>
@@ -7212,6 +7554,474 @@
           <a:p>
             <a:r>
               <a:rPr lang="en-US" dirty="0"/>
+              <a:t>PUT RESULTS HERE</a:t>
+            </a:r>
+          </a:p>
+        </p:txBody>
+      </p:sp>
+      <p:sp>
+        <p:nvSpPr>
+          <p:cNvPr id="15" name="Rectangle 9">
+            <a:extLst>
+              <a:ext uri="{FF2B5EF4-FFF2-40B4-BE49-F238E27FC236}">
+                <a16:creationId xmlns:a16="http://schemas.microsoft.com/office/drawing/2014/main" id="{6B424749-EEE0-49C9-9ABF-97B171A3EA00}"/>
+              </a:ext>
+              <a:ext uri="{C183D7F6-B498-43B3-948B-1728B52AA6E4}">
+                <adec:decorative xmlns:adec="http://schemas.microsoft.com/office/drawing/2017/decorative" val="1"/>
+              </a:ext>
+            </a:extLst>
+          </p:cNvPr>
+          <p:cNvSpPr>
+            <a:spLocks noGrp="1" noRot="1" noChangeAspect="1" noMove="1" noResize="1" noEditPoints="1" noAdjustHandles="1" noChangeArrowheads="1" noChangeShapeType="1" noTextEdit="1"/>
+          </p:cNvSpPr>
+          <p:nvPr>
+            <p:extLst>
+              <p:ext uri="{386F3935-93C4-4BCD-93E2-E3B085C9AB24}">
+                <p16:designElem xmlns:p16="http://schemas.microsoft.com/office/powerpoint/2015/main" val="1"/>
+              </p:ext>
+            </p:extLst>
+          </p:nvPr>
+        </p:nvSpPr>
+        <p:spPr>
+          <a:xfrm>
+            <a:off x="11277600" y="0"/>
+            <a:ext cx="914400" cy="6858000"/>
+          </a:xfrm>
+          <a:prstGeom prst="rect">
+            <a:avLst/>
+          </a:prstGeom>
+          <a:solidFill>
+            <a:schemeClr val="tx2">
+              <a:lumMod val="75000"/>
+            </a:schemeClr>
+          </a:solidFill>
+          <a:ln>
+            <a:noFill/>
+          </a:ln>
+        </p:spPr>
+        <p:style>
+          <a:lnRef idx="2">
+            <a:schemeClr val="accent1">
+              <a:shade val="50000"/>
+            </a:schemeClr>
+          </a:lnRef>
+          <a:fillRef idx="1">
+            <a:schemeClr val="accent1"/>
+          </a:fillRef>
+          <a:effectRef idx="0">
+            <a:schemeClr val="accent1"/>
+          </a:effectRef>
+          <a:fontRef idx="minor">
+            <a:schemeClr val="lt1"/>
+          </a:fontRef>
+        </p:style>
+      </p:sp>
+      <p:graphicFrame>
+        <p:nvGraphicFramePr>
+          <p:cNvPr id="5" name="Table 5">
+            <a:extLst>
+              <a:ext uri="{FF2B5EF4-FFF2-40B4-BE49-F238E27FC236}">
+                <a16:creationId xmlns:a16="http://schemas.microsoft.com/office/drawing/2014/main" id="{2995FB61-491B-4C30-AF9C-DC47E108D63B}"/>
+              </a:ext>
+            </a:extLst>
+          </p:cNvPr>
+          <p:cNvGraphicFramePr>
+            <a:graphicFrameLocks noGrp="1"/>
+          </p:cNvGraphicFramePr>
+          <p:nvPr>
+            <p:extLst>
+              <p:ext uri="{D42A27DB-BD31-4B8C-83A1-F6EECF244321}">
+                <p14:modId xmlns:p14="http://schemas.microsoft.com/office/powerpoint/2010/main" val="4035118976"/>
+              </p:ext>
+            </p:extLst>
+          </p:nvPr>
+        </p:nvGraphicFramePr>
+        <p:xfrm>
+          <a:off x="1574800" y="2572845"/>
+          <a:ext cx="8128000" cy="2595880"/>
+        </p:xfrm>
+        <a:graphic>
+          <a:graphicData uri="http://schemas.openxmlformats.org/drawingml/2006/table">
+            <a:tbl>
+              <a:tblPr firstRow="1" bandRow="1">
+                <a:tableStyleId>{5C22544A-7EE6-4342-B048-85BDC9FD1C3A}</a:tableStyleId>
+              </a:tblPr>
+              <a:tblGrid>
+                <a:gridCol w="4064000">
+                  <a:extLst>
+                    <a:ext uri="{9D8B030D-6E8A-4147-A177-3AD203B41FA5}">
+                      <a16:colId xmlns:a16="http://schemas.microsoft.com/office/drawing/2014/main" val="2712318329"/>
+                    </a:ext>
+                  </a:extLst>
+                </a:gridCol>
+                <a:gridCol w="4064000">
+                  <a:extLst>
+                    <a:ext uri="{9D8B030D-6E8A-4147-A177-3AD203B41FA5}">
+                      <a16:colId xmlns:a16="http://schemas.microsoft.com/office/drawing/2014/main" val="222711"/>
+                    </a:ext>
+                  </a:extLst>
+                </a:gridCol>
+              </a:tblGrid>
+              <a:tr h="370840">
+                <a:tc>
+                  <a:txBody>
+                    <a:bodyPr/>
+                    <a:lstStyle/>
+                    <a:p>
+                      <a:r>
+                        <a:rPr lang="en-US" dirty="0"/>
+                        <a:t>Algorithm</a:t>
+                      </a:r>
+                    </a:p>
+                  </a:txBody>
+                  <a:tcPr/>
+                </a:tc>
+                <a:tc>
+                  <a:txBody>
+                    <a:bodyPr/>
+                    <a:lstStyle/>
+                    <a:p>
+                      <a:r>
+                        <a:rPr lang="en-US" dirty="0"/>
+                        <a:t>Number of Colours</a:t>
+                      </a:r>
+                    </a:p>
+                  </a:txBody>
+                  <a:tcPr/>
+                </a:tc>
+                <a:extLst>
+                  <a:ext uri="{0D108BD9-81ED-4DB2-BD59-A6C34878D82A}">
+                    <a16:rowId xmlns:a16="http://schemas.microsoft.com/office/drawing/2014/main" val="428780276"/>
+                  </a:ext>
+                </a:extLst>
+              </a:tr>
+              <a:tr h="370840">
+                <a:tc>
+                  <a:txBody>
+                    <a:bodyPr/>
+                    <a:lstStyle/>
+                    <a:p>
+                      <a:r>
+                        <a:rPr lang="en-US" dirty="0"/>
+                        <a:t>CSACO</a:t>
+                      </a:r>
+                    </a:p>
+                  </a:txBody>
+                  <a:tcPr/>
+                </a:tc>
+                <a:tc>
+                  <a:txBody>
+                    <a:bodyPr/>
+                    <a:lstStyle/>
+                    <a:p>
+                      <a:r>
+                        <a:rPr lang="en-US" dirty="0"/>
+                        <a:t>32</a:t>
+                      </a:r>
+                    </a:p>
+                  </a:txBody>
+                  <a:tcPr/>
+                </a:tc>
+                <a:extLst>
+                  <a:ext uri="{0D108BD9-81ED-4DB2-BD59-A6C34878D82A}">
+                    <a16:rowId xmlns:a16="http://schemas.microsoft.com/office/drawing/2014/main" val="88201004"/>
+                  </a:ext>
+                </a:extLst>
+              </a:tr>
+              <a:tr h="370840">
+                <a:tc>
+                  <a:txBody>
+                    <a:bodyPr/>
+                    <a:lstStyle/>
+                    <a:p>
+                      <a:r>
+                        <a:rPr lang="en-US" dirty="0"/>
+                        <a:t>COA</a:t>
+                      </a:r>
+                    </a:p>
+                  </a:txBody>
+                  <a:tcPr/>
+                </a:tc>
+                <a:tc>
+                  <a:txBody>
+                    <a:bodyPr/>
+                    <a:lstStyle/>
+                    <a:p>
+                      <a:r>
+                        <a:rPr lang="en-US" dirty="0"/>
+                        <a:t>37</a:t>
+                      </a:r>
+                    </a:p>
+                  </a:txBody>
+                  <a:tcPr/>
+                </a:tc>
+                <a:extLst>
+                  <a:ext uri="{0D108BD9-81ED-4DB2-BD59-A6C34878D82A}">
+                    <a16:rowId xmlns:a16="http://schemas.microsoft.com/office/drawing/2014/main" val="2142817177"/>
+                  </a:ext>
+                </a:extLst>
+              </a:tr>
+              <a:tr h="370840">
+                <a:tc>
+                  <a:txBody>
+                    <a:bodyPr/>
+                    <a:lstStyle/>
+                    <a:p>
+                      <a:r>
+                        <a:rPr lang="en-US" dirty="0"/>
+                        <a:t>ACO</a:t>
+                      </a:r>
+                    </a:p>
+                  </a:txBody>
+                  <a:tcPr/>
+                </a:tc>
+                <a:tc>
+                  <a:txBody>
+                    <a:bodyPr/>
+                    <a:lstStyle/>
+                    <a:p>
+                      <a:r>
+                        <a:rPr lang="en-US" dirty="0"/>
+                        <a:t>39</a:t>
+                      </a:r>
+                    </a:p>
+                  </a:txBody>
+                  <a:tcPr/>
+                </a:tc>
+                <a:extLst>
+                  <a:ext uri="{0D108BD9-81ED-4DB2-BD59-A6C34878D82A}">
+                    <a16:rowId xmlns:a16="http://schemas.microsoft.com/office/drawing/2014/main" val="2146664271"/>
+                  </a:ext>
+                </a:extLst>
+              </a:tr>
+              <a:tr h="370840">
+                <a:tc>
+                  <a:txBody>
+                    <a:bodyPr/>
+                    <a:lstStyle/>
+                    <a:p>
+                      <a:r>
+                        <a:rPr lang="en-US" dirty="0"/>
+                        <a:t>GA (with GPX)</a:t>
+                      </a:r>
+                    </a:p>
+                  </a:txBody>
+                  <a:tcPr/>
+                </a:tc>
+                <a:tc>
+                  <a:txBody>
+                    <a:bodyPr/>
+                    <a:lstStyle/>
+                    <a:p>
+                      <a:r>
+                        <a:rPr lang="en-US" dirty="0"/>
+                        <a:t>44</a:t>
+                      </a:r>
+                    </a:p>
+                  </a:txBody>
+                  <a:tcPr/>
+                </a:tc>
+                <a:extLst>
+                  <a:ext uri="{0D108BD9-81ED-4DB2-BD59-A6C34878D82A}">
+                    <a16:rowId xmlns:a16="http://schemas.microsoft.com/office/drawing/2014/main" val="1255556595"/>
+                  </a:ext>
+                </a:extLst>
+              </a:tr>
+              <a:tr h="370840">
+                <a:tc>
+                  <a:txBody>
+                    <a:bodyPr/>
+                    <a:lstStyle/>
+                    <a:p>
+                      <a:r>
+                        <a:rPr lang="en-US" dirty="0"/>
+                        <a:t>SA</a:t>
+                      </a:r>
+                    </a:p>
+                  </a:txBody>
+                  <a:tcPr/>
+                </a:tc>
+                <a:tc>
+                  <a:txBody>
+                    <a:bodyPr/>
+                    <a:lstStyle/>
+                    <a:p>
+                      <a:endParaRPr lang="en-US" dirty="0"/>
+                    </a:p>
+                  </a:txBody>
+                  <a:tcPr/>
+                </a:tc>
+                <a:extLst>
+                  <a:ext uri="{0D108BD9-81ED-4DB2-BD59-A6C34878D82A}">
+                    <a16:rowId xmlns:a16="http://schemas.microsoft.com/office/drawing/2014/main" val="3394008471"/>
+                  </a:ext>
+                </a:extLst>
+              </a:tr>
+              <a:tr h="370840">
+                <a:tc>
+                  <a:txBody>
+                    <a:bodyPr/>
+                    <a:lstStyle/>
+                    <a:p>
+                      <a:r>
+                        <a:rPr lang="en-US" dirty="0"/>
+                        <a:t>TABUCOL</a:t>
+                      </a:r>
+                    </a:p>
+                  </a:txBody>
+                  <a:tcPr/>
+                </a:tc>
+                <a:tc>
+                  <a:txBody>
+                    <a:bodyPr/>
+                    <a:lstStyle/>
+                    <a:p>
+                      <a:endParaRPr lang="en-US" dirty="0"/>
+                    </a:p>
+                  </a:txBody>
+                  <a:tcPr/>
+                </a:tc>
+                <a:extLst>
+                  <a:ext uri="{0D108BD9-81ED-4DB2-BD59-A6C34878D82A}">
+                    <a16:rowId xmlns:a16="http://schemas.microsoft.com/office/drawing/2014/main" val="1876939863"/>
+                  </a:ext>
+                </a:extLst>
+              </a:tr>
+            </a:tbl>
+          </a:graphicData>
+        </a:graphic>
+      </p:graphicFrame>
+    </p:spTree>
+    <p:extLst>
+      <p:ext uri="{BB962C8B-B14F-4D97-AF65-F5344CB8AC3E}">
+        <p14:creationId xmlns:p14="http://schemas.microsoft.com/office/powerpoint/2010/main" val="2715916359"/>
+      </p:ext>
+    </p:extLst>
+  </p:cSld>
+  <p:clrMapOvr>
+    <a:overrideClrMapping bg1="dk1" tx1="lt1" bg2="dk2" tx2="lt2" accent1="accent1" accent2="accent2" accent3="accent3" accent4="accent4" accent5="accent5" accent6="accent6" hlink="hlink" folHlink="folHlink"/>
+  </p:clrMapOvr>
+</p:sld>
+</file>
+
+<file path=ppt/slides/slide2.xml><?xml version="1.0" encoding="utf-8"?>
+<p:sld xmlns:a="http://schemas.openxmlformats.org/drawingml/2006/main" xmlns:r="http://schemas.openxmlformats.org/officeDocument/2006/relationships" xmlns:p="http://schemas.openxmlformats.org/presentationml/2006/main">
+  <p:cSld>
+    <p:bg>
+      <p:bgPr>
+        <a:solidFill>
+          <a:schemeClr val="bg1">
+            <a:tint val="95000"/>
+            <a:satMod val="170000"/>
+          </a:schemeClr>
+        </a:solidFill>
+        <a:effectLst/>
+      </p:bgPr>
+    </p:bg>
+    <p:spTree>
+      <p:nvGrpSpPr>
+        <p:cNvPr id="1" name=""/>
+        <p:cNvGrpSpPr/>
+        <p:nvPr/>
+      </p:nvGrpSpPr>
+      <p:grpSpPr>
+        <a:xfrm>
+          <a:off x="0" y="0"/>
+          <a:ext cx="0" cy="0"/>
+          <a:chOff x="0" y="0"/>
+          <a:chExt cx="0" cy="0"/>
+        </a:xfrm>
+      </p:grpSpPr>
+      <p:sp useBgFill="1">
+        <p:nvSpPr>
+          <p:cNvPr id="14" name="Rectangle 7">
+            <a:extLst>
+              <a:ext uri="{FF2B5EF4-FFF2-40B4-BE49-F238E27FC236}">
+                <a16:creationId xmlns:a16="http://schemas.microsoft.com/office/drawing/2014/main" id="{5DB0431E-0B04-44A1-9C51-531E28D18A60}"/>
+              </a:ext>
+              <a:ext uri="{C183D7F6-B498-43B3-948B-1728B52AA6E4}">
+                <adec:decorative xmlns:adec="http://schemas.microsoft.com/office/drawing/2017/decorative" val="1"/>
+              </a:ext>
+            </a:extLst>
+          </p:cNvPr>
+          <p:cNvSpPr>
+            <a:spLocks noGrp="1" noRot="1" noChangeAspect="1" noMove="1" noResize="1" noEditPoints="1" noAdjustHandles="1" noChangeArrowheads="1" noChangeShapeType="1" noTextEdit="1"/>
+          </p:cNvSpPr>
+          <p:nvPr>
+            <p:extLst>
+              <p:ext uri="{386F3935-93C4-4BCD-93E2-E3B085C9AB24}">
+                <p16:designElem xmlns:p16="http://schemas.microsoft.com/office/powerpoint/2015/main" val="1"/>
+              </p:ext>
+            </p:extLst>
+          </p:nvPr>
+        </p:nvSpPr>
+        <p:spPr>
+          <a:xfrm>
+            <a:off x="0" y="0"/>
+            <a:ext cx="12192000" cy="6858000"/>
+          </a:xfrm>
+          <a:prstGeom prst="rect">
+            <a:avLst/>
+          </a:prstGeom>
+          <a:ln>
+            <a:noFill/>
+          </a:ln>
+        </p:spPr>
+        <p:style>
+          <a:lnRef idx="2">
+            <a:schemeClr val="accent1">
+              <a:shade val="50000"/>
+            </a:schemeClr>
+          </a:lnRef>
+          <a:fillRef idx="1">
+            <a:schemeClr val="accent1"/>
+          </a:fillRef>
+          <a:effectRef idx="0">
+            <a:schemeClr val="accent1"/>
+          </a:effectRef>
+          <a:fontRef idx="minor">
+            <a:schemeClr val="lt1"/>
+          </a:fontRef>
+        </p:style>
+        <p:txBody>
+          <a:bodyPr rtlCol="0" anchor="ctr"/>
+          <a:lstStyle/>
+          <a:p>
+            <a:pPr algn="ctr"/>
+            <a:endParaRPr lang="en-US"/>
+          </a:p>
+        </p:txBody>
+      </p:sp>
+      <p:sp>
+        <p:nvSpPr>
+          <p:cNvPr id="2" name="Title 1">
+            <a:extLst>
+              <a:ext uri="{FF2B5EF4-FFF2-40B4-BE49-F238E27FC236}">
+                <a16:creationId xmlns:a16="http://schemas.microsoft.com/office/drawing/2014/main" id="{565DE6B2-5AC6-4C70-9F08-2A6D960838A3}"/>
+              </a:ext>
+            </a:extLst>
+          </p:cNvPr>
+          <p:cNvSpPr>
+            <a:spLocks noGrp="1"/>
+          </p:cNvSpPr>
+          <p:nvPr>
+            <p:ph type="title"/>
+          </p:nvPr>
+        </p:nvSpPr>
+        <p:spPr>
+          <a:xfrm>
+            <a:off x="1261872" y="365760"/>
+            <a:ext cx="9692640" cy="1325562"/>
+          </a:xfrm>
+        </p:spPr>
+        <p:txBody>
+          <a:bodyPr>
+            <a:normAutofit/>
+          </a:bodyPr>
+          <a:lstStyle/>
+          <a:p>
+            <a:r>
+              <a:rPr lang="en-US" dirty="0"/>
               <a:t>Graph Colouring</a:t>
             </a:r>
           </a:p>
@@ -7238,7 +8048,7 @@
             <p:spPr>
               <a:xfrm>
                 <a:off x="1261872" y="1828800"/>
-                <a:ext cx="8595360" cy="4351337"/>
+                <a:ext cx="7739888" cy="4351337"/>
               </a:xfrm>
             </p:spPr>
             <p:txBody>
@@ -7249,7 +8059,7 @@
               <a:p>
                 <a:r>
                   <a:rPr lang="en-US" sz="2000" dirty="0"/>
-                  <a:t>Given and undirected graph G = (V, E), a colouring C is a function </a:t>
+                  <a:t>Given an undirected graph G = (V, E), a colouring C is a function </a:t>
                 </a:r>
                 <a14:m>
                   <m:oMath xmlns:m="http://schemas.openxmlformats.org/officeDocument/2006/math">
@@ -7434,7 +8244,7 @@
               <a:p>
                 <a:r>
                   <a:rPr lang="en-US" sz="2000" dirty="0"/>
-                  <a:t>The goal of the Graph Colouring Problem (GPC) is to find a legal colouring that minimises the number of colours used</a:t>
+                  <a:t>The goal of the Graph Colouring Problem (GCP) is to find a legal colouring that minimises the number of colours used</a:t>
                 </a:r>
               </a:p>
               <a:p>
@@ -7497,12 +8307,12 @@
             <p:spPr>
               <a:xfrm>
                 <a:off x="1261872" y="1828800"/>
-                <a:ext cx="8595360" cy="4351337"/>
+                <a:ext cx="7739888" cy="4351337"/>
               </a:xfrm>
               <a:blipFill>
                 <a:blip r:embed="rId2"/>
                 <a:stretch>
-                  <a:fillRect l="-284" t="-1120"/>
+                  <a:fillRect l="-315" t="-980" r="-1339"/>
                 </a:stretch>
               </a:blipFill>
             </p:spPr>
@@ -7578,235 +8388,92 @@
           </a:fontRef>
         </p:style>
       </p:sp>
+      <p:pic>
+        <p:nvPicPr>
+          <p:cNvPr id="6" name="Picture 2" descr="Chromatic number of complement of Petersen graph - Mathematics Stack  Exchange">
+            <a:extLst>
+              <a:ext uri="{FF2B5EF4-FFF2-40B4-BE49-F238E27FC236}">
+                <a16:creationId xmlns:a16="http://schemas.microsoft.com/office/drawing/2014/main" id="{EA921C35-7DE9-4942-BB6E-84F7682C9345}"/>
+              </a:ext>
+            </a:extLst>
+          </p:cNvPr>
+          <p:cNvPicPr>
+            <a:picLocks noChangeAspect="1" noChangeArrowheads="1"/>
+          </p:cNvPicPr>
+          <p:nvPr/>
+        </p:nvPicPr>
+        <p:blipFill>
+          <a:blip r:embed="rId3">
+            <a:extLst>
+              <a:ext uri="{28A0092B-C50C-407E-A947-70E740481C1C}">
+                <a14:useLocalDpi xmlns:a14="http://schemas.microsoft.com/office/drawing/2010/main" val="0"/>
+              </a:ext>
+            </a:extLst>
+          </a:blip>
+          <a:srcRect/>
+          <a:stretch>
+            <a:fillRect/>
+          </a:stretch>
+        </p:blipFill>
+        <p:spPr bwMode="auto">
+          <a:xfrm>
+            <a:off x="8405892" y="677863"/>
+            <a:ext cx="2897046" cy="2776844"/>
+          </a:xfrm>
+          <a:prstGeom prst="rect">
+            <a:avLst/>
+          </a:prstGeom>
+          <a:noFill/>
+          <a:extLst>
+            <a:ext uri="{909E8E84-426E-40DD-AFC4-6F175D3DCCD1}">
+              <a14:hiddenFill xmlns:a14="http://schemas.microsoft.com/office/drawing/2010/main">
+                <a:solidFill>
+                  <a:srgbClr val="FFFFFF"/>
+                </a:solidFill>
+              </a14:hiddenFill>
+            </a:ext>
+          </a:extLst>
+        </p:spPr>
+      </p:pic>
+      <p:sp>
+        <p:nvSpPr>
+          <p:cNvPr id="4" name="TextBox 3">
+            <a:extLst>
+              <a:ext uri="{FF2B5EF4-FFF2-40B4-BE49-F238E27FC236}">
+                <a16:creationId xmlns:a16="http://schemas.microsoft.com/office/drawing/2014/main" id="{F1690A33-9096-4148-BEAA-3C69F2D5185A}"/>
+              </a:ext>
+            </a:extLst>
+          </p:cNvPr>
+          <p:cNvSpPr txBox="1"/>
+          <p:nvPr/>
+        </p:nvSpPr>
+        <p:spPr>
+          <a:xfrm>
+            <a:off x="8647652" y="3454707"/>
+            <a:ext cx="2413526" cy="338554"/>
+          </a:xfrm>
+          <a:prstGeom prst="rect">
+            <a:avLst/>
+          </a:prstGeom>
+          <a:noFill/>
+        </p:spPr>
+        <p:txBody>
+          <a:bodyPr wrap="square" rtlCol="0">
+            <a:spAutoFit/>
+          </a:bodyPr>
+          <a:lstStyle/>
+          <a:p>
+            <a:r>
+              <a:rPr lang="en-US" sz="800" dirty="0"/>
+              <a:t>https://commons.wikimedia.org/wiki/File:Petersen_graph_3-coloring.svg</a:t>
+            </a:r>
+          </a:p>
+        </p:txBody>
+      </p:sp>
     </p:spTree>
     <p:extLst>
       <p:ext uri="{BB962C8B-B14F-4D97-AF65-F5344CB8AC3E}">
         <p14:creationId xmlns:p14="http://schemas.microsoft.com/office/powerpoint/2010/main" val="2677465149"/>
-      </p:ext>
-    </p:extLst>
-  </p:cSld>
-  <p:clrMapOvr>
-    <a:overrideClrMapping bg1="dk1" tx1="lt1" bg2="dk2" tx2="lt2" accent1="accent1" accent2="accent2" accent3="accent3" accent4="accent4" accent5="accent5" accent6="accent6" hlink="hlink" folHlink="folHlink"/>
-  </p:clrMapOvr>
-</p:sld>
-</file>
-
-<file path=ppt/slides/slide20.xml><?xml version="1.0" encoding="utf-8"?>
-<p:sld xmlns:a="http://schemas.openxmlformats.org/drawingml/2006/main" xmlns:r="http://schemas.openxmlformats.org/officeDocument/2006/relationships" xmlns:p="http://schemas.openxmlformats.org/presentationml/2006/main">
-  <p:cSld>
-    <p:bg>
-      <p:bgPr>
-        <a:solidFill>
-          <a:schemeClr val="bg1">
-            <a:tint val="95000"/>
-            <a:satMod val="170000"/>
-          </a:schemeClr>
-        </a:solidFill>
-        <a:effectLst/>
-      </p:bgPr>
-    </p:bg>
-    <p:spTree>
-      <p:nvGrpSpPr>
-        <p:cNvPr id="1" name=""/>
-        <p:cNvGrpSpPr/>
-        <p:nvPr/>
-      </p:nvGrpSpPr>
-      <p:grpSpPr>
-        <a:xfrm>
-          <a:off x="0" y="0"/>
-          <a:ext cx="0" cy="0"/>
-          <a:chOff x="0" y="0"/>
-          <a:chExt cx="0" cy="0"/>
-        </a:xfrm>
-      </p:grpSpPr>
-      <p:sp useBgFill="1">
-        <p:nvSpPr>
-          <p:cNvPr id="14" name="Rectangle 7">
-            <a:extLst>
-              <a:ext uri="{FF2B5EF4-FFF2-40B4-BE49-F238E27FC236}">
-                <a16:creationId xmlns:a16="http://schemas.microsoft.com/office/drawing/2014/main" id="{5DB0431E-0B04-44A1-9C51-531E28D18A60}"/>
-              </a:ext>
-              <a:ext uri="{C183D7F6-B498-43B3-948B-1728B52AA6E4}">
-                <adec:decorative xmlns:adec="http://schemas.microsoft.com/office/drawing/2017/decorative" val="1"/>
-              </a:ext>
-            </a:extLst>
-          </p:cNvPr>
-          <p:cNvSpPr>
-            <a:spLocks noGrp="1" noRot="1" noChangeAspect="1" noMove="1" noResize="1" noEditPoints="1" noAdjustHandles="1" noChangeArrowheads="1" noChangeShapeType="1" noTextEdit="1"/>
-          </p:cNvSpPr>
-          <p:nvPr>
-            <p:extLst>
-              <p:ext uri="{386F3935-93C4-4BCD-93E2-E3B085C9AB24}">
-                <p16:designElem xmlns:p16="http://schemas.microsoft.com/office/powerpoint/2015/main" val="1"/>
-              </p:ext>
-            </p:extLst>
-          </p:nvPr>
-        </p:nvSpPr>
-        <p:spPr>
-          <a:xfrm>
-            <a:off x="0" y="0"/>
-            <a:ext cx="12192000" cy="6858000"/>
-          </a:xfrm>
-          <a:prstGeom prst="rect">
-            <a:avLst/>
-          </a:prstGeom>
-          <a:ln>
-            <a:noFill/>
-          </a:ln>
-        </p:spPr>
-        <p:style>
-          <a:lnRef idx="2">
-            <a:schemeClr val="accent1">
-              <a:shade val="50000"/>
-            </a:schemeClr>
-          </a:lnRef>
-          <a:fillRef idx="1">
-            <a:schemeClr val="accent1"/>
-          </a:fillRef>
-          <a:effectRef idx="0">
-            <a:schemeClr val="accent1"/>
-          </a:effectRef>
-          <a:fontRef idx="minor">
-            <a:schemeClr val="lt1"/>
-          </a:fontRef>
-        </p:style>
-        <p:txBody>
-          <a:bodyPr rtlCol="0" anchor="ctr"/>
-          <a:lstStyle/>
-          <a:p>
-            <a:pPr algn="ctr"/>
-            <a:endParaRPr lang="en-US"/>
-          </a:p>
-        </p:txBody>
-      </p:sp>
-      <p:sp>
-        <p:nvSpPr>
-          <p:cNvPr id="2" name="Title 1">
-            <a:extLst>
-              <a:ext uri="{FF2B5EF4-FFF2-40B4-BE49-F238E27FC236}">
-                <a16:creationId xmlns:a16="http://schemas.microsoft.com/office/drawing/2014/main" id="{565DE6B2-5AC6-4C70-9F08-2A6D960838A3}"/>
-              </a:ext>
-            </a:extLst>
-          </p:cNvPr>
-          <p:cNvSpPr>
-            <a:spLocks noGrp="1"/>
-          </p:cNvSpPr>
-          <p:nvPr>
-            <p:ph type="title"/>
-          </p:nvPr>
-        </p:nvSpPr>
-        <p:spPr>
-          <a:xfrm>
-            <a:off x="1261872" y="365760"/>
-            <a:ext cx="9692640" cy="1325562"/>
-          </a:xfrm>
-        </p:spPr>
-        <p:txBody>
-          <a:bodyPr>
-            <a:normAutofit/>
-          </a:bodyPr>
-          <a:lstStyle/>
-          <a:p>
-            <a:r>
-              <a:rPr lang="en-US" dirty="0"/>
-              <a:t>PUT RESULTS HERE</a:t>
-            </a:r>
-          </a:p>
-        </p:txBody>
-      </p:sp>
-      <p:sp>
-        <p:nvSpPr>
-          <p:cNvPr id="3" name="Content Placeholder 2">
-            <a:extLst>
-              <a:ext uri="{FF2B5EF4-FFF2-40B4-BE49-F238E27FC236}">
-                <a16:creationId xmlns:a16="http://schemas.microsoft.com/office/drawing/2014/main" id="{18ED27A9-7C5A-4401-ACBD-37470CB7427E}"/>
-              </a:ext>
-            </a:extLst>
-          </p:cNvPr>
-          <p:cNvSpPr>
-            <a:spLocks noGrp="1"/>
-          </p:cNvSpPr>
-          <p:nvPr>
-            <p:ph idx="1"/>
-          </p:nvPr>
-        </p:nvSpPr>
-        <p:spPr>
-          <a:xfrm>
-            <a:off x="1261872" y="1828800"/>
-            <a:ext cx="8595360" cy="4351337"/>
-          </a:xfrm>
-        </p:spPr>
-        <p:txBody>
-          <a:bodyPr>
-            <a:normAutofit/>
-          </a:bodyPr>
-          <a:lstStyle/>
-          <a:p>
-            <a:endParaRPr lang="en-US" sz="1800" dirty="0"/>
-          </a:p>
-        </p:txBody>
-      </p:sp>
-      <p:sp>
-        <p:nvSpPr>
-          <p:cNvPr id="15" name="Rectangle 9">
-            <a:extLst>
-              <a:ext uri="{FF2B5EF4-FFF2-40B4-BE49-F238E27FC236}">
-                <a16:creationId xmlns:a16="http://schemas.microsoft.com/office/drawing/2014/main" id="{6B424749-EEE0-49C9-9ABF-97B171A3EA00}"/>
-              </a:ext>
-              <a:ext uri="{C183D7F6-B498-43B3-948B-1728B52AA6E4}">
-                <adec:decorative xmlns:adec="http://schemas.microsoft.com/office/drawing/2017/decorative" val="1"/>
-              </a:ext>
-            </a:extLst>
-          </p:cNvPr>
-          <p:cNvSpPr>
-            <a:spLocks noGrp="1" noRot="1" noChangeAspect="1" noMove="1" noResize="1" noEditPoints="1" noAdjustHandles="1" noChangeArrowheads="1" noChangeShapeType="1" noTextEdit="1"/>
-          </p:cNvSpPr>
-          <p:nvPr>
-            <p:extLst>
-              <p:ext uri="{386F3935-93C4-4BCD-93E2-E3B085C9AB24}">
-                <p16:designElem xmlns:p16="http://schemas.microsoft.com/office/powerpoint/2015/main" val="1"/>
-              </p:ext>
-            </p:extLst>
-          </p:nvPr>
-        </p:nvSpPr>
-        <p:spPr>
-          <a:xfrm>
-            <a:off x="11277600" y="0"/>
-            <a:ext cx="914400" cy="6858000"/>
-          </a:xfrm>
-          <a:prstGeom prst="rect">
-            <a:avLst/>
-          </a:prstGeom>
-          <a:solidFill>
-            <a:schemeClr val="tx2">
-              <a:lumMod val="75000"/>
-            </a:schemeClr>
-          </a:solidFill>
-          <a:ln>
-            <a:noFill/>
-          </a:ln>
-        </p:spPr>
-        <p:style>
-          <a:lnRef idx="2">
-            <a:schemeClr val="accent1">
-              <a:shade val="50000"/>
-            </a:schemeClr>
-          </a:lnRef>
-          <a:fillRef idx="1">
-            <a:schemeClr val="accent1"/>
-          </a:fillRef>
-          <a:effectRef idx="0">
-            <a:schemeClr val="accent1"/>
-          </a:effectRef>
-          <a:fontRef idx="minor">
-            <a:schemeClr val="lt1"/>
-          </a:fontRef>
-        </p:style>
-      </p:sp>
-    </p:spTree>
-    <p:extLst>
-      <p:ext uri="{BB962C8B-B14F-4D97-AF65-F5344CB8AC3E}">
-        <p14:creationId xmlns:p14="http://schemas.microsoft.com/office/powerpoint/2010/main" val="2715916359"/>
       </p:ext>
     </p:extLst>
   </p:cSld>
@@ -7941,38 +8608,6 @@
       </p:sp>
       <p:sp>
         <p:nvSpPr>
-          <p:cNvPr id="3" name="Content Placeholder 2">
-            <a:extLst>
-              <a:ext uri="{FF2B5EF4-FFF2-40B4-BE49-F238E27FC236}">
-                <a16:creationId xmlns:a16="http://schemas.microsoft.com/office/drawing/2014/main" id="{18ED27A9-7C5A-4401-ACBD-37470CB7427E}"/>
-              </a:ext>
-            </a:extLst>
-          </p:cNvPr>
-          <p:cNvSpPr>
-            <a:spLocks noGrp="1"/>
-          </p:cNvSpPr>
-          <p:nvPr>
-            <p:ph idx="1"/>
-          </p:nvPr>
-        </p:nvSpPr>
-        <p:spPr>
-          <a:xfrm>
-            <a:off x="1261872" y="1828800"/>
-            <a:ext cx="8595360" cy="4351337"/>
-          </a:xfrm>
-        </p:spPr>
-        <p:txBody>
-          <a:bodyPr>
-            <a:normAutofit/>
-          </a:bodyPr>
-          <a:lstStyle/>
-          <a:p>
-            <a:endParaRPr lang="en-US" sz="1800" dirty="0"/>
-          </a:p>
-        </p:txBody>
-      </p:sp>
-      <p:sp>
-        <p:nvSpPr>
           <p:cNvPr id="15" name="Rectangle 9">
             <a:extLst>
               <a:ext uri="{FF2B5EF4-FFF2-40B4-BE49-F238E27FC236}">
@@ -8027,6 +8662,284 @@
             <a:schemeClr val="lt1"/>
           </a:fontRef>
         </p:style>
+      </p:sp>
+      <p:sp>
+        <p:nvSpPr>
+          <p:cNvPr id="6" name="Content Placeholder 2">
+            <a:extLst>
+              <a:ext uri="{FF2B5EF4-FFF2-40B4-BE49-F238E27FC236}">
+                <a16:creationId xmlns:a16="http://schemas.microsoft.com/office/drawing/2014/main" id="{F05EF9AB-80C6-4685-92DB-0D3584F0607B}"/>
+              </a:ext>
+            </a:extLst>
+          </p:cNvPr>
+          <p:cNvSpPr>
+            <a:spLocks noGrp="1"/>
+          </p:cNvSpPr>
+          <p:nvPr>
+            <p:ph idx="1"/>
+          </p:nvPr>
+        </p:nvSpPr>
+        <p:spPr>
+          <a:xfrm>
+            <a:off x="1261872" y="1828800"/>
+            <a:ext cx="7739888" cy="4351337"/>
+          </a:xfrm>
+        </p:spPr>
+        <p:txBody>
+          <a:bodyPr>
+            <a:normAutofit/>
+          </a:bodyPr>
+          <a:lstStyle/>
+          <a:p>
+            <a:endParaRPr lang="en-US" sz="1800" dirty="0"/>
+          </a:p>
+        </p:txBody>
+      </p:sp>
+      <p:sp>
+        <p:nvSpPr>
+          <p:cNvPr id="4" name="TextBox 3">
+            <a:extLst>
+              <a:ext uri="{FF2B5EF4-FFF2-40B4-BE49-F238E27FC236}">
+                <a16:creationId xmlns:a16="http://schemas.microsoft.com/office/drawing/2014/main" id="{4988FE9F-1D78-47D7-9A90-4A5233DCFCE1}"/>
+              </a:ext>
+            </a:extLst>
+          </p:cNvPr>
+          <p:cNvSpPr txBox="1"/>
+          <p:nvPr/>
+        </p:nvSpPr>
+        <p:spPr>
+          <a:xfrm>
+            <a:off x="4805886" y="3971714"/>
+            <a:ext cx="3078480" cy="461665"/>
+          </a:xfrm>
+          <a:prstGeom prst="rect">
+            <a:avLst/>
+          </a:prstGeom>
+          <a:noFill/>
+        </p:spPr>
+        <p:txBody>
+          <a:bodyPr wrap="square" rtlCol="0">
+            <a:spAutoFit/>
+          </a:bodyPr>
+          <a:lstStyle/>
+          <a:p>
+            <a:r>
+              <a:rPr lang="en-US" sz="800" dirty="0"/>
+              <a:t>https://commons.wikimedia.org/wiki/File:Chestnut-winged_Cuckoo_in_Singapore,_Dec_2012,_by_William_Lee.jpg</a:t>
+            </a:r>
+          </a:p>
+        </p:txBody>
+      </p:sp>
+      <p:pic>
+        <p:nvPicPr>
+          <p:cNvPr id="2052" name="Picture 4">
+            <a:extLst>
+              <a:ext uri="{FF2B5EF4-FFF2-40B4-BE49-F238E27FC236}">
+                <a16:creationId xmlns:a16="http://schemas.microsoft.com/office/drawing/2014/main" id="{3D9C44B2-C307-4168-91C3-E63B378B98E2}"/>
+              </a:ext>
+            </a:extLst>
+          </p:cNvPr>
+          <p:cNvPicPr>
+            <a:picLocks noChangeAspect="1" noChangeArrowheads="1"/>
+          </p:cNvPicPr>
+          <p:nvPr/>
+        </p:nvPicPr>
+        <p:blipFill>
+          <a:blip r:embed="rId2">
+            <a:extLst>
+              <a:ext uri="{28A0092B-C50C-407E-A947-70E740481C1C}">
+                <a14:useLocalDpi xmlns:a14="http://schemas.microsoft.com/office/drawing/2010/main" val="0"/>
+              </a:ext>
+            </a:extLst>
+          </a:blip>
+          <a:srcRect/>
+          <a:stretch>
+            <a:fillRect/>
+          </a:stretch>
+        </p:blipFill>
+        <p:spPr bwMode="auto">
+          <a:xfrm>
+            <a:off x="4805886" y="1828799"/>
+            <a:ext cx="3126100" cy="2090579"/>
+          </a:xfrm>
+          <a:prstGeom prst="rect">
+            <a:avLst/>
+          </a:prstGeom>
+          <a:noFill/>
+          <a:extLst>
+            <a:ext uri="{909E8E84-426E-40DD-AFC4-6F175D3DCCD1}">
+              <a14:hiddenFill xmlns:a14="http://schemas.microsoft.com/office/drawing/2010/main">
+                <a:solidFill>
+                  <a:srgbClr val="FFFFFF"/>
+                </a:solidFill>
+              </a14:hiddenFill>
+            </a:ext>
+          </a:extLst>
+        </p:spPr>
+      </p:pic>
+      <p:pic>
+        <p:nvPicPr>
+          <p:cNvPr id="1026" name="Picture 2">
+            <a:extLst>
+              <a:ext uri="{FF2B5EF4-FFF2-40B4-BE49-F238E27FC236}">
+                <a16:creationId xmlns:a16="http://schemas.microsoft.com/office/drawing/2014/main" id="{429696A2-58E4-42A9-BCBC-C37BA318EE5F}"/>
+              </a:ext>
+            </a:extLst>
+          </p:cNvPr>
+          <p:cNvPicPr>
+            <a:picLocks noChangeAspect="1" noChangeArrowheads="1"/>
+          </p:cNvPicPr>
+          <p:nvPr/>
+        </p:nvPicPr>
+        <p:blipFill>
+          <a:blip r:embed="rId3">
+            <a:extLst>
+              <a:ext uri="{28A0092B-C50C-407E-A947-70E740481C1C}">
+                <a14:useLocalDpi xmlns:a14="http://schemas.microsoft.com/office/drawing/2010/main" val="0"/>
+              </a:ext>
+            </a:extLst>
+          </a:blip>
+          <a:srcRect/>
+          <a:stretch>
+            <a:fillRect/>
+          </a:stretch>
+        </p:blipFill>
+        <p:spPr bwMode="auto">
+          <a:xfrm>
+            <a:off x="1261873" y="1828801"/>
+            <a:ext cx="2950898" cy="2087079"/>
+          </a:xfrm>
+          <a:prstGeom prst="rect">
+            <a:avLst/>
+          </a:prstGeom>
+          <a:noFill/>
+          <a:extLst>
+            <a:ext uri="{909E8E84-426E-40DD-AFC4-6F175D3DCCD1}">
+              <a14:hiddenFill xmlns:a14="http://schemas.microsoft.com/office/drawing/2010/main">
+                <a:solidFill>
+                  <a:srgbClr val="FFFFFF"/>
+                </a:solidFill>
+              </a14:hiddenFill>
+            </a:ext>
+          </a:extLst>
+        </p:spPr>
+      </p:pic>
+      <p:sp>
+        <p:nvSpPr>
+          <p:cNvPr id="9" name="TextBox 8">
+            <a:extLst>
+              <a:ext uri="{FF2B5EF4-FFF2-40B4-BE49-F238E27FC236}">
+                <a16:creationId xmlns:a16="http://schemas.microsoft.com/office/drawing/2014/main" id="{4536C3FB-013D-4CB5-ADEF-B303549B5B8E}"/>
+              </a:ext>
+            </a:extLst>
+          </p:cNvPr>
+          <p:cNvSpPr txBox="1"/>
+          <p:nvPr/>
+        </p:nvSpPr>
+        <p:spPr>
+          <a:xfrm>
+            <a:off x="1251942" y="3971714"/>
+            <a:ext cx="3078480" cy="338554"/>
+          </a:xfrm>
+          <a:prstGeom prst="rect">
+            <a:avLst/>
+          </a:prstGeom>
+          <a:noFill/>
+        </p:spPr>
+        <p:txBody>
+          <a:bodyPr wrap="square" rtlCol="0">
+            <a:spAutoFit/>
+          </a:bodyPr>
+          <a:lstStyle/>
+          <a:p>
+            <a:r>
+              <a:rPr lang="en-US" sz="800" dirty="0"/>
+              <a:t>https://en.wikipedia.org/wiki/Common_cuckoo#/media/File:CuculusCanorusIUCNver2019_3.png</a:t>
+            </a:r>
+          </a:p>
+        </p:txBody>
+      </p:sp>
+      <p:pic>
+        <p:nvPicPr>
+          <p:cNvPr id="1032" name="Picture 8">
+            <a:extLst>
+              <a:ext uri="{FF2B5EF4-FFF2-40B4-BE49-F238E27FC236}">
+                <a16:creationId xmlns:a16="http://schemas.microsoft.com/office/drawing/2014/main" id="{890C624D-BF97-42E9-809E-6B607E9C8DB4}"/>
+              </a:ext>
+            </a:extLst>
+          </p:cNvPr>
+          <p:cNvPicPr>
+            <a:picLocks noChangeAspect="1" noChangeArrowheads="1"/>
+          </p:cNvPicPr>
+          <p:nvPr/>
+        </p:nvPicPr>
+        <p:blipFill>
+          <a:blip r:embed="rId4">
+            <a:extLst>
+              <a:ext uri="{28A0092B-C50C-407E-A947-70E740481C1C}">
+                <a14:useLocalDpi xmlns:a14="http://schemas.microsoft.com/office/drawing/2010/main" val="0"/>
+              </a:ext>
+            </a:extLst>
+          </a:blip>
+          <a:srcRect/>
+          <a:stretch>
+            <a:fillRect/>
+          </a:stretch>
+        </p:blipFill>
+        <p:spPr bwMode="auto">
+          <a:xfrm>
+            <a:off x="8153460" y="1823693"/>
+            <a:ext cx="2801052" cy="2100789"/>
+          </a:xfrm>
+          <a:prstGeom prst="rect">
+            <a:avLst/>
+          </a:prstGeom>
+          <a:noFill/>
+          <a:extLst>
+            <a:ext uri="{909E8E84-426E-40DD-AFC4-6F175D3DCCD1}">
+              <a14:hiddenFill xmlns:a14="http://schemas.microsoft.com/office/drawing/2010/main">
+                <a:solidFill>
+                  <a:srgbClr val="FFFFFF"/>
+                </a:solidFill>
+              </a14:hiddenFill>
+            </a:ext>
+          </a:extLst>
+        </p:spPr>
+      </p:pic>
+      <p:sp>
+        <p:nvSpPr>
+          <p:cNvPr id="16" name="TextBox 15">
+            <a:extLst>
+              <a:ext uri="{FF2B5EF4-FFF2-40B4-BE49-F238E27FC236}">
+                <a16:creationId xmlns:a16="http://schemas.microsoft.com/office/drawing/2014/main" id="{B5ADD4E2-C562-4E51-AB12-13C43A8D72B2}"/>
+              </a:ext>
+            </a:extLst>
+          </p:cNvPr>
+          <p:cNvSpPr txBox="1"/>
+          <p:nvPr/>
+        </p:nvSpPr>
+        <p:spPr>
+          <a:xfrm>
+            <a:off x="8196293" y="3971715"/>
+            <a:ext cx="2715386" cy="461665"/>
+          </a:xfrm>
+          <a:prstGeom prst="rect">
+            <a:avLst/>
+          </a:prstGeom>
+          <a:noFill/>
+        </p:spPr>
+        <p:txBody>
+          <a:bodyPr wrap="square" rtlCol="0">
+            <a:spAutoFit/>
+          </a:bodyPr>
+          <a:lstStyle/>
+          <a:p>
+            <a:r>
+              <a:rPr lang="en-US" sz="800" dirty="0"/>
+              <a:t>https://en.wikipedia.org/wiki/Brood_parasite#/media/File:Eastern_Phoebe-nest-Brown-headed-Cowbird-egg.jpg</a:t>
+            </a:r>
+          </a:p>
+        </p:txBody>
       </p:sp>
     </p:spTree>
     <p:extLst>
@@ -8184,7 +9097,7 @@
             </p:nvSpPr>
             <p:spPr>
               <a:xfrm>
-                <a:off x="1261872" y="1828800"/>
+                <a:off x="1179141" y="1666647"/>
                 <a:ext cx="8595360" cy="4351337"/>
               </a:xfrm>
             </p:spPr>
@@ -8207,21 +9120,15 @@
                 </a:r>
               </a:p>
               <a:p>
-                <a:pPr lvl="1"/>
                 <a:r>
-                  <a:rPr lang="en-US" sz="1800" dirty="0"/>
-                  <a:t>Research shows a similarity to how animals explore a new environment</a:t>
-                </a:r>
-              </a:p>
-              <a:p>
-                <a:r>
-                  <a:rPr lang="en-US" sz="2000" dirty="0"/>
+                  <a:rPr lang="en-US" sz="2200" dirty="0"/>
                   <a:t>Solutions represented as nests</a:t>
                 </a:r>
               </a:p>
               <a:p>
+                <a:pPr lvl="1"/>
                 <a:r>
-                  <a:rPr lang="en-US" sz="2000" dirty="0"/>
+                  <a:rPr lang="en-US" sz="1800" dirty="0"/>
                   <a:t>At each iteration, a Lévy flight is performed for each nest (to mimic a Cuckoo replacing an egg)</a:t>
                 </a:r>
               </a:p>
@@ -8262,20 +9169,6 @@
                 <a:r>
                   <a:rPr lang="en-US" sz="2000" dirty="0"/>
                   <a:t> of the worst nests are replaced with random new solutions at the end of an iteration</a:t>
-                </a:r>
-              </a:p>
-              <a:p>
-                <a:r>
-                  <a:rPr lang="en-US" sz="2000" dirty="0"/>
-                  <a:t>PUT PICTURE OF </a:t>
-                </a:r>
-                <a:r>
-                  <a:rPr lang="en-US" sz="2000" dirty="0" err="1"/>
-                  <a:t>LéVY</a:t>
-                </a:r>
-                <a:r>
-                  <a:rPr lang="en-US" sz="2000" dirty="0"/>
-                  <a:t> FLIGHT VS NORMAL WALK</a:t>
                 </a:r>
               </a:p>
               <a:p>
@@ -8303,13 +9196,13 @@
             </p:nvSpPr>
             <p:spPr>
               <a:xfrm>
-                <a:off x="1261872" y="1828800"/>
+                <a:off x="1179141" y="1666647"/>
                 <a:ext cx="8595360" cy="4351337"/>
               </a:xfrm>
               <a:blipFill>
                 <a:blip r:embed="rId2"/>
                 <a:stretch>
-                  <a:fillRect l="-284" t="-980" r="-1064"/>
+                  <a:fillRect l="-426" t="-980"/>
                 </a:stretch>
               </a:blipFill>
             </p:spPr>
@@ -8384,6 +9277,114 @@
             <a:schemeClr val="lt1"/>
           </a:fontRef>
         </p:style>
+      </p:sp>
+      <p:pic>
+        <p:nvPicPr>
+          <p:cNvPr id="7" name="Picture 6" descr="Diagram, schematic&#10;&#10;Description automatically generated">
+            <a:extLst>
+              <a:ext uri="{FF2B5EF4-FFF2-40B4-BE49-F238E27FC236}">
+                <a16:creationId xmlns:a16="http://schemas.microsoft.com/office/drawing/2014/main" id="{349EBB10-F71A-4E3E-8BEA-7052FB2EA044}"/>
+              </a:ext>
+            </a:extLst>
+          </p:cNvPr>
+          <p:cNvPicPr>
+            <a:picLocks noChangeAspect="1"/>
+          </p:cNvPicPr>
+          <p:nvPr/>
+        </p:nvPicPr>
+        <p:blipFill>
+          <a:blip r:embed="rId3">
+            <a:extLst>
+              <a:ext uri="{28A0092B-C50C-407E-A947-70E740481C1C}">
+                <a14:useLocalDpi xmlns:a14="http://schemas.microsoft.com/office/drawing/2010/main" val="0"/>
+              </a:ext>
+            </a:extLst>
+          </a:blip>
+          <a:stretch>
+            <a:fillRect/>
+          </a:stretch>
+        </p:blipFill>
+        <p:spPr>
+          <a:xfrm>
+            <a:off x="5680703" y="4192809"/>
+            <a:ext cx="2507640" cy="2129614"/>
+          </a:xfrm>
+          <a:prstGeom prst="rect">
+            <a:avLst/>
+          </a:prstGeom>
+        </p:spPr>
+      </p:pic>
+      <p:pic>
+        <p:nvPicPr>
+          <p:cNvPr id="9" name="Picture 8">
+            <a:extLst>
+              <a:ext uri="{FF2B5EF4-FFF2-40B4-BE49-F238E27FC236}">
+                <a16:creationId xmlns:a16="http://schemas.microsoft.com/office/drawing/2014/main" id="{CBFB25D4-BF97-4142-8054-4740410E6B0B}"/>
+              </a:ext>
+            </a:extLst>
+          </p:cNvPr>
+          <p:cNvPicPr>
+            <a:picLocks noChangeAspect="1"/>
+          </p:cNvPicPr>
+          <p:nvPr/>
+        </p:nvPicPr>
+        <p:blipFill>
+          <a:blip r:embed="rId4">
+            <a:extLst>
+              <a:ext uri="{28A0092B-C50C-407E-A947-70E740481C1C}">
+                <a14:useLocalDpi xmlns:a14="http://schemas.microsoft.com/office/drawing/2010/main" val="0"/>
+              </a:ext>
+            </a:extLst>
+          </a:blip>
+          <a:stretch>
+            <a:fillRect/>
+          </a:stretch>
+        </p:blipFill>
+        <p:spPr>
+          <a:xfrm>
+            <a:off x="8511431" y="4192809"/>
+            <a:ext cx="2176599" cy="2150992"/>
+          </a:xfrm>
+          <a:prstGeom prst="rect">
+            <a:avLst/>
+          </a:prstGeom>
+        </p:spPr>
+      </p:pic>
+      <p:sp>
+        <p:nvSpPr>
+          <p:cNvPr id="12" name="TextBox 11">
+            <a:extLst>
+              <a:ext uri="{FF2B5EF4-FFF2-40B4-BE49-F238E27FC236}">
+                <a16:creationId xmlns:a16="http://schemas.microsoft.com/office/drawing/2014/main" id="{B53DB1BE-4740-4C5A-BC21-9222186AB941}"/>
+              </a:ext>
+            </a:extLst>
+          </p:cNvPr>
+          <p:cNvSpPr txBox="1"/>
+          <p:nvPr/>
+        </p:nvSpPr>
+        <p:spPr>
+          <a:xfrm>
+            <a:off x="7059115" y="6396335"/>
+            <a:ext cx="2715386" cy="415498"/>
+          </a:xfrm>
+          <a:prstGeom prst="rect">
+            <a:avLst/>
+          </a:prstGeom>
+          <a:noFill/>
+        </p:spPr>
+        <p:txBody>
+          <a:bodyPr wrap="square" rtlCol="0">
+            <a:spAutoFit/>
+          </a:bodyPr>
+          <a:lstStyle/>
+          <a:p>
+            <a:pPr algn="ctr"/>
+            <a:r>
+              <a:rPr lang="en-US" sz="1050" dirty="0"/>
+              <a:t>Lévy Flight (left) vs. Normal Walk (right)</a:t>
+            </a:r>
+          </a:p>
+        </p:txBody>
       </p:sp>
     </p:spTree>
     <p:extLst>
@@ -8631,6 +9632,188 @@
           </a:fontRef>
         </p:style>
       </p:sp>
+      <p:pic>
+        <p:nvPicPr>
+          <p:cNvPr id="2050" name="Picture 2">
+            <a:extLst>
+              <a:ext uri="{FF2B5EF4-FFF2-40B4-BE49-F238E27FC236}">
+                <a16:creationId xmlns:a16="http://schemas.microsoft.com/office/drawing/2014/main" id="{99D03B33-F7F9-40EC-A607-90AC1D7A55CC}"/>
+              </a:ext>
+            </a:extLst>
+          </p:cNvPr>
+          <p:cNvPicPr>
+            <a:picLocks noChangeAspect="1" noChangeArrowheads="1"/>
+          </p:cNvPicPr>
+          <p:nvPr/>
+        </p:nvPicPr>
+        <p:blipFill>
+          <a:blip r:embed="rId2">
+            <a:extLst>
+              <a:ext uri="{28A0092B-C50C-407E-A947-70E740481C1C}">
+                <a14:useLocalDpi xmlns:a14="http://schemas.microsoft.com/office/drawing/2010/main" val="0"/>
+              </a:ext>
+            </a:extLst>
+          </a:blip>
+          <a:srcRect/>
+          <a:stretch>
+            <a:fillRect/>
+          </a:stretch>
+        </p:blipFill>
+        <p:spPr bwMode="auto">
+          <a:xfrm>
+            <a:off x="9098303" y="1691322"/>
+            <a:ext cx="2017753" cy="3027680"/>
+          </a:xfrm>
+          <a:prstGeom prst="rect">
+            <a:avLst/>
+          </a:prstGeom>
+          <a:noFill/>
+          <a:extLst>
+            <a:ext uri="{909E8E84-426E-40DD-AFC4-6F175D3DCCD1}">
+              <a14:hiddenFill xmlns:a14="http://schemas.microsoft.com/office/drawing/2010/main">
+                <a:solidFill>
+                  <a:srgbClr val="FFFFFF"/>
+                </a:solidFill>
+              </a14:hiddenFill>
+            </a:ext>
+          </a:extLst>
+        </p:spPr>
+      </p:pic>
+      <p:sp>
+        <p:nvSpPr>
+          <p:cNvPr id="7" name="TextBox 6">
+            <a:extLst>
+              <a:ext uri="{FF2B5EF4-FFF2-40B4-BE49-F238E27FC236}">
+                <a16:creationId xmlns:a16="http://schemas.microsoft.com/office/drawing/2014/main" id="{F05AEB06-26B8-4A4B-996E-F6C8328E3AAA}"/>
+              </a:ext>
+            </a:extLst>
+          </p:cNvPr>
+          <p:cNvSpPr txBox="1"/>
+          <p:nvPr/>
+        </p:nvSpPr>
+        <p:spPr>
+          <a:xfrm>
+            <a:off x="8999434" y="4719703"/>
+            <a:ext cx="2278166" cy="338554"/>
+          </a:xfrm>
+          <a:prstGeom prst="rect">
+            <a:avLst/>
+          </a:prstGeom>
+          <a:noFill/>
+        </p:spPr>
+        <p:txBody>
+          <a:bodyPr wrap="square" rtlCol="0">
+            <a:spAutoFit/>
+          </a:bodyPr>
+          <a:lstStyle/>
+          <a:p>
+            <a:r>
+              <a:rPr lang="en-US" sz="800" b="0" i="0" dirty="0">
+                <a:effectLst/>
+                <a:latin typeface="Arial" panose="020B0604020202020204" pitchFamily="34" charset="0"/>
+              </a:rPr>
+              <a:t>https://en.wikipedia.org/wiki/Cuckoo#/media/File:Cacomantis_flabelliformis.jpg</a:t>
+            </a:r>
+            <a:endParaRPr lang="en-US" sz="800" dirty="0"/>
+          </a:p>
+        </p:txBody>
+      </p:sp>
+      <p:sp>
+        <p:nvSpPr>
+          <p:cNvPr id="10" name="TextBox 9">
+            <a:extLst>
+              <a:ext uri="{FF2B5EF4-FFF2-40B4-BE49-F238E27FC236}">
+                <a16:creationId xmlns:a16="http://schemas.microsoft.com/office/drawing/2014/main" id="{E27741F2-C244-499D-8753-EB75DDA5B4C6}"/>
+              </a:ext>
+            </a:extLst>
+          </p:cNvPr>
+          <p:cNvSpPr txBox="1"/>
+          <p:nvPr/>
+        </p:nvSpPr>
+        <p:spPr>
+          <a:xfrm>
+            <a:off x="5452660" y="4627190"/>
+            <a:ext cx="2715386" cy="338554"/>
+          </a:xfrm>
+          <a:prstGeom prst="rect">
+            <a:avLst/>
+          </a:prstGeom>
+          <a:noFill/>
+        </p:spPr>
+        <p:txBody>
+          <a:bodyPr wrap="square" rtlCol="0">
+            <a:spAutoFit/>
+          </a:bodyPr>
+          <a:lstStyle/>
+          <a:p>
+            <a:r>
+              <a:rPr lang="en-US" sz="800" b="0" i="0" dirty="0" err="1">
+                <a:effectLst/>
+                <a:latin typeface="Arial" panose="020B0604020202020204" pitchFamily="34" charset="0"/>
+              </a:rPr>
+              <a:t>Ramin</a:t>
+            </a:r>
+            <a:r>
+              <a:rPr lang="en-US" sz="800" b="0" i="0" dirty="0">
+                <a:effectLst/>
+                <a:latin typeface="Arial" panose="020B0604020202020204" pitchFamily="34" charset="0"/>
+              </a:rPr>
+              <a:t> </a:t>
+            </a:r>
+            <a:r>
+              <a:rPr lang="en-US" sz="800" b="0" i="0" dirty="0" err="1">
+                <a:effectLst/>
+                <a:latin typeface="Arial" panose="020B0604020202020204" pitchFamily="34" charset="0"/>
+              </a:rPr>
+              <a:t>Rajabioun</a:t>
+            </a:r>
+            <a:r>
+              <a:rPr lang="en-US" sz="800" b="0" i="0" dirty="0">
+                <a:effectLst/>
+                <a:latin typeface="Arial" panose="020B0604020202020204" pitchFamily="34" charset="0"/>
+              </a:rPr>
+              <a:t>. “Cuckoo optimization algorithm”. In: Applied soft computing11.8 (2011),pp. 5508–551</a:t>
+            </a:r>
+            <a:endParaRPr lang="en-US" sz="800" dirty="0"/>
+          </a:p>
+        </p:txBody>
+      </p:sp>
+      <p:pic>
+        <p:nvPicPr>
+          <p:cNvPr id="8" name="Picture 7" descr="A picture containing writing implement, pencil, stationary&#10;&#10;Description automatically generated">
+            <a:extLst>
+              <a:ext uri="{FF2B5EF4-FFF2-40B4-BE49-F238E27FC236}">
+                <a16:creationId xmlns:a16="http://schemas.microsoft.com/office/drawing/2014/main" id="{C1ACACEB-5418-478C-8210-F066D179F402}"/>
+              </a:ext>
+            </a:extLst>
+          </p:cNvPr>
+          <p:cNvPicPr>
+            <a:picLocks noChangeAspect="1"/>
+          </p:cNvPicPr>
+          <p:nvPr/>
+        </p:nvPicPr>
+        <p:blipFill>
+          <a:blip r:embed="rId3">
+            <a:extLst>
+              <a:ext uri="{28A0092B-C50C-407E-A947-70E740481C1C}">
+                <a14:useLocalDpi xmlns:a14="http://schemas.microsoft.com/office/drawing/2010/main" val="0"/>
+              </a:ext>
+            </a:extLst>
+          </a:blip>
+          <a:stretch>
+            <a:fillRect/>
+          </a:stretch>
+        </p:blipFill>
+        <p:spPr>
+          <a:xfrm>
+            <a:off x="5004779" y="1691677"/>
+            <a:ext cx="3654577" cy="2798035"/>
+          </a:xfrm>
+          <a:prstGeom prst="rect">
+            <a:avLst/>
+          </a:prstGeom>
+        </p:spPr>
+      </p:pic>
     </p:spTree>
     <p:extLst>
       <p:ext uri="{BB962C8B-B14F-4D97-AF65-F5344CB8AC3E}">
@@ -8645,6 +9828,1124 @@
 </file>
 
 <file path=ppt/slides/slide6.xml><?xml version="1.0" encoding="utf-8"?>
+<p:sld xmlns:a="http://schemas.openxmlformats.org/drawingml/2006/main" xmlns:r="http://schemas.openxmlformats.org/officeDocument/2006/relationships" xmlns:p="http://schemas.openxmlformats.org/presentationml/2006/main">
+  <p:cSld>
+    <p:bg>
+      <p:bgPr>
+        <a:solidFill>
+          <a:schemeClr val="bg1">
+            <a:tint val="95000"/>
+            <a:satMod val="170000"/>
+          </a:schemeClr>
+        </a:solidFill>
+        <a:effectLst/>
+      </p:bgPr>
+    </p:bg>
+    <p:spTree>
+      <p:nvGrpSpPr>
+        <p:cNvPr id="1" name=""/>
+        <p:cNvGrpSpPr/>
+        <p:nvPr/>
+      </p:nvGrpSpPr>
+      <p:grpSpPr>
+        <a:xfrm>
+          <a:off x="0" y="0"/>
+          <a:ext cx="0" cy="0"/>
+          <a:chOff x="0" y="0"/>
+          <a:chExt cx="0" cy="0"/>
+        </a:xfrm>
+      </p:grpSpPr>
+      <p:sp useBgFill="1">
+        <p:nvSpPr>
+          <p:cNvPr id="14" name="Rectangle 7">
+            <a:extLst>
+              <a:ext uri="{FF2B5EF4-FFF2-40B4-BE49-F238E27FC236}">
+                <a16:creationId xmlns:a16="http://schemas.microsoft.com/office/drawing/2014/main" id="{5DB0431E-0B04-44A1-9C51-531E28D18A60}"/>
+              </a:ext>
+              <a:ext uri="{C183D7F6-B498-43B3-948B-1728B52AA6E4}">
+                <adec:decorative xmlns:adec="http://schemas.microsoft.com/office/drawing/2017/decorative" val="1"/>
+              </a:ext>
+            </a:extLst>
+          </p:cNvPr>
+          <p:cNvSpPr>
+            <a:spLocks noGrp="1" noRot="1" noChangeAspect="1" noMove="1" noResize="1" noEditPoints="1" noAdjustHandles="1" noChangeArrowheads="1" noChangeShapeType="1" noTextEdit="1"/>
+          </p:cNvSpPr>
+          <p:nvPr>
+            <p:extLst>
+              <p:ext uri="{386F3935-93C4-4BCD-93E2-E3B085C9AB24}">
+                <p16:designElem xmlns:p16="http://schemas.microsoft.com/office/powerpoint/2015/main" val="1"/>
+              </p:ext>
+            </p:extLst>
+          </p:nvPr>
+        </p:nvSpPr>
+        <p:spPr>
+          <a:xfrm>
+            <a:off x="0" y="0"/>
+            <a:ext cx="12192000" cy="6858000"/>
+          </a:xfrm>
+          <a:prstGeom prst="rect">
+            <a:avLst/>
+          </a:prstGeom>
+          <a:ln>
+            <a:noFill/>
+          </a:ln>
+        </p:spPr>
+        <p:style>
+          <a:lnRef idx="2">
+            <a:schemeClr val="accent1">
+              <a:shade val="50000"/>
+            </a:schemeClr>
+          </a:lnRef>
+          <a:fillRef idx="1">
+            <a:schemeClr val="accent1"/>
+          </a:fillRef>
+          <a:effectRef idx="0">
+            <a:schemeClr val="accent1"/>
+          </a:effectRef>
+          <a:fontRef idx="minor">
+            <a:schemeClr val="lt1"/>
+          </a:fontRef>
+        </p:style>
+        <p:txBody>
+          <a:bodyPr rtlCol="0" anchor="ctr"/>
+          <a:lstStyle/>
+          <a:p>
+            <a:pPr algn="ctr"/>
+            <a:endParaRPr lang="en-US"/>
+          </a:p>
+        </p:txBody>
+      </p:sp>
+      <p:sp>
+        <p:nvSpPr>
+          <p:cNvPr id="2" name="Title 1">
+            <a:extLst>
+              <a:ext uri="{FF2B5EF4-FFF2-40B4-BE49-F238E27FC236}">
+                <a16:creationId xmlns:a16="http://schemas.microsoft.com/office/drawing/2014/main" id="{565DE6B2-5AC6-4C70-9F08-2A6D960838A3}"/>
+              </a:ext>
+            </a:extLst>
+          </p:cNvPr>
+          <p:cNvSpPr>
+            <a:spLocks noGrp="1"/>
+          </p:cNvSpPr>
+          <p:nvPr>
+            <p:ph type="title"/>
+          </p:nvPr>
+        </p:nvSpPr>
+        <p:spPr>
+          <a:xfrm>
+            <a:off x="1261872" y="365760"/>
+            <a:ext cx="9692640" cy="1325562"/>
+          </a:xfrm>
+        </p:spPr>
+        <p:txBody>
+          <a:bodyPr>
+            <a:normAutofit/>
+          </a:bodyPr>
+          <a:lstStyle/>
+          <a:p>
+            <a:r>
+              <a:rPr lang="en-US" dirty="0"/>
+              <a:t>Egg Laying and Hatching</a:t>
+            </a:r>
+          </a:p>
+        </p:txBody>
+      </p:sp>
+      <mc:AlternateContent xmlns:mc="http://schemas.openxmlformats.org/markup-compatibility/2006">
+        <mc:Choice xmlns:a14="http://schemas.microsoft.com/office/drawing/2010/main" Requires="a14">
+          <p:sp>
+            <p:nvSpPr>
+              <p:cNvPr id="3" name="Content Placeholder 2">
+                <a:extLst>
+                  <a:ext uri="{FF2B5EF4-FFF2-40B4-BE49-F238E27FC236}">
+                    <a16:creationId xmlns:a16="http://schemas.microsoft.com/office/drawing/2014/main" id="{18ED27A9-7C5A-4401-ACBD-37470CB7427E}"/>
+                  </a:ext>
+                </a:extLst>
+              </p:cNvPr>
+              <p:cNvSpPr>
+                <a:spLocks noGrp="1"/>
+              </p:cNvSpPr>
+              <p:nvPr>
+                <p:ph idx="1"/>
+              </p:nvPr>
+            </p:nvSpPr>
+            <p:spPr>
+              <a:xfrm>
+                <a:off x="1261872" y="1828800"/>
+                <a:ext cx="7557008" cy="4351337"/>
+              </a:xfrm>
+            </p:spPr>
+            <p:txBody>
+              <a:bodyPr>
+                <a:normAutofit/>
+              </a:bodyPr>
+              <a:lstStyle/>
+              <a:p>
+                <a:r>
+                  <a:rPr lang="en-US" sz="2000" dirty="0"/>
+                  <a:t>Each cuckoo lays a random number (</a:t>
+                </a:r>
+                <a14:m>
+                  <m:oMath xmlns:m="http://schemas.openxmlformats.org/officeDocument/2006/math">
+                    <m:r>
+                      <a:rPr lang="en-US" sz="2000" b="0" i="1" smtClean="0">
+                        <a:latin typeface="Cambria Math" panose="02040503050406030204" pitchFamily="18" charset="0"/>
+                      </a:rPr>
+                      <m:t>𝑒</m:t>
+                    </m:r>
+                    <m:r>
+                      <a:rPr lang="en-US" sz="2000" b="0" i="1" smtClean="0">
+                        <a:latin typeface="Cambria Math" panose="02040503050406030204" pitchFamily="18" charset="0"/>
+                      </a:rPr>
+                      <m:t> ~ </m:t>
+                    </m:r>
+                    <m:r>
+                      <a:rPr lang="en-US" sz="2000" b="0" i="1" smtClean="0">
+                        <a:latin typeface="Cambria Math" panose="02040503050406030204" pitchFamily="18" charset="0"/>
+                      </a:rPr>
+                      <m:t>𝑈</m:t>
+                    </m:r>
+                    <m:r>
+                      <a:rPr lang="en-US" sz="2000" b="0" i="1" smtClean="0">
+                        <a:latin typeface="Cambria Math" panose="02040503050406030204" pitchFamily="18" charset="0"/>
+                      </a:rPr>
+                      <m:t>(5,20)</m:t>
+                    </m:r>
+                  </m:oMath>
+                </a14:m>
+                <a:r>
+                  <a:rPr lang="en-US" sz="2000" dirty="0"/>
+                  <a:t>) of eggs within its Egg Laying Radius (ELR)</a:t>
+                </a:r>
+              </a:p>
+              <a:p>
+                <a:pPr lvl="1"/>
+                <a14:m>
+                  <m:oMath xmlns:m="http://schemas.openxmlformats.org/officeDocument/2006/math">
+                    <m:sSub>
+                      <m:sSubPr>
+                        <m:ctrlPr>
+                          <a:rPr lang="en-US" sz="1800" i="1" smtClean="0">
+                            <a:latin typeface="Cambria Math" panose="02040503050406030204" pitchFamily="18" charset="0"/>
+                          </a:rPr>
+                        </m:ctrlPr>
+                      </m:sSubPr>
+                      <m:e>
+                        <m:r>
+                          <a:rPr lang="en-US" sz="1800" b="0" i="1" smtClean="0">
+                            <a:latin typeface="Cambria Math" panose="02040503050406030204" pitchFamily="18" charset="0"/>
+                          </a:rPr>
+                          <m:t>𝐸𝐿𝑅</m:t>
+                        </m:r>
+                      </m:e>
+                      <m:sub>
+                        <m:r>
+                          <a:rPr lang="en-US" sz="1800" b="0" i="1" smtClean="0">
+                            <a:latin typeface="Cambria Math" panose="02040503050406030204" pitchFamily="18" charset="0"/>
+                          </a:rPr>
+                          <m:t>𝑖</m:t>
+                        </m:r>
+                      </m:sub>
+                    </m:sSub>
+                    <m:r>
+                      <a:rPr lang="en-US" sz="1800" b="0" i="1" smtClean="0">
+                        <a:latin typeface="Cambria Math" panose="02040503050406030204" pitchFamily="18" charset="0"/>
+                      </a:rPr>
+                      <m:t>=</m:t>
+                    </m:r>
+                    <m:r>
+                      <a:rPr lang="en-US" sz="1800" b="0" i="1" smtClean="0">
+                        <a:latin typeface="Cambria Math" panose="02040503050406030204" pitchFamily="18" charset="0"/>
+                        <a:ea typeface="Cambria Math" panose="02040503050406030204" pitchFamily="18" charset="0"/>
+                      </a:rPr>
+                      <m:t>𝛼</m:t>
+                    </m:r>
+                    <m:r>
+                      <a:rPr lang="en-US" sz="1800" b="0" i="1" smtClean="0">
+                        <a:latin typeface="Cambria Math" panose="02040503050406030204" pitchFamily="18" charset="0"/>
+                        <a:ea typeface="Cambria Math" panose="02040503050406030204" pitchFamily="18" charset="0"/>
+                      </a:rPr>
+                      <m:t>×</m:t>
+                    </m:r>
+                    <m:f>
+                      <m:fPr>
+                        <m:ctrlPr>
+                          <a:rPr lang="en-US" sz="1800" b="0" i="1" smtClean="0">
+                            <a:latin typeface="Cambria Math" panose="02040503050406030204" pitchFamily="18" charset="0"/>
+                            <a:ea typeface="Cambria Math" panose="02040503050406030204" pitchFamily="18" charset="0"/>
+                          </a:rPr>
+                        </m:ctrlPr>
+                      </m:fPr>
+                      <m:num>
+                        <m:r>
+                          <a:rPr lang="en-US" sz="1800" b="0" i="1" smtClean="0">
+                            <a:latin typeface="Cambria Math" panose="02040503050406030204" pitchFamily="18" charset="0"/>
+                            <a:ea typeface="Cambria Math" panose="02040503050406030204" pitchFamily="18" charset="0"/>
+                          </a:rPr>
+                          <m:t>𝑁𝑢𝑚𝑏𝑒𝑟</m:t>
+                        </m:r>
+                        <m:r>
+                          <a:rPr lang="en-US" sz="1800" b="0" i="1" smtClean="0">
+                            <a:latin typeface="Cambria Math" panose="02040503050406030204" pitchFamily="18" charset="0"/>
+                            <a:ea typeface="Cambria Math" panose="02040503050406030204" pitchFamily="18" charset="0"/>
+                          </a:rPr>
+                          <m:t> </m:t>
+                        </m:r>
+                        <m:r>
+                          <a:rPr lang="en-US" sz="1800" b="0" i="1" smtClean="0">
+                            <a:latin typeface="Cambria Math" panose="02040503050406030204" pitchFamily="18" charset="0"/>
+                            <a:ea typeface="Cambria Math" panose="02040503050406030204" pitchFamily="18" charset="0"/>
+                          </a:rPr>
+                          <m:t>𝑜𝑓</m:t>
+                        </m:r>
+                        <m:r>
+                          <a:rPr lang="en-US" sz="1800" b="0" i="1" smtClean="0">
+                            <a:latin typeface="Cambria Math" panose="02040503050406030204" pitchFamily="18" charset="0"/>
+                            <a:ea typeface="Cambria Math" panose="02040503050406030204" pitchFamily="18" charset="0"/>
+                          </a:rPr>
+                          <m:t> </m:t>
+                        </m:r>
+                        <m:r>
+                          <a:rPr lang="en-US" sz="1800" b="0" i="1" smtClean="0">
+                            <a:latin typeface="Cambria Math" panose="02040503050406030204" pitchFamily="18" charset="0"/>
+                            <a:ea typeface="Cambria Math" panose="02040503050406030204" pitchFamily="18" charset="0"/>
+                          </a:rPr>
+                          <m:t>𝑒𝑔𝑔𝑠</m:t>
+                        </m:r>
+                        <m:r>
+                          <a:rPr lang="en-US" sz="1800" b="0" i="1" smtClean="0">
+                            <a:latin typeface="Cambria Math" panose="02040503050406030204" pitchFamily="18" charset="0"/>
+                            <a:ea typeface="Cambria Math" panose="02040503050406030204" pitchFamily="18" charset="0"/>
+                          </a:rPr>
+                          <m:t> </m:t>
+                        </m:r>
+                        <m:r>
+                          <a:rPr lang="en-US" sz="1800" b="0" i="1" smtClean="0">
+                            <a:latin typeface="Cambria Math" panose="02040503050406030204" pitchFamily="18" charset="0"/>
+                            <a:ea typeface="Cambria Math" panose="02040503050406030204" pitchFamily="18" charset="0"/>
+                          </a:rPr>
+                          <m:t>𝑙𝑎𝑖𝑑</m:t>
+                        </m:r>
+                        <m:r>
+                          <a:rPr lang="en-US" sz="1800" b="0" i="1" smtClean="0">
+                            <a:latin typeface="Cambria Math" panose="02040503050406030204" pitchFamily="18" charset="0"/>
+                            <a:ea typeface="Cambria Math" panose="02040503050406030204" pitchFamily="18" charset="0"/>
+                          </a:rPr>
+                          <m:t> </m:t>
+                        </m:r>
+                        <m:r>
+                          <a:rPr lang="en-US" sz="1800" b="0" i="1" smtClean="0">
+                            <a:latin typeface="Cambria Math" panose="02040503050406030204" pitchFamily="18" charset="0"/>
+                            <a:ea typeface="Cambria Math" panose="02040503050406030204" pitchFamily="18" charset="0"/>
+                          </a:rPr>
+                          <m:t>𝑏𝑦</m:t>
+                        </m:r>
+                        <m:r>
+                          <a:rPr lang="en-US" sz="1800" b="0" i="1" smtClean="0">
+                            <a:latin typeface="Cambria Math" panose="02040503050406030204" pitchFamily="18" charset="0"/>
+                            <a:ea typeface="Cambria Math" panose="02040503050406030204" pitchFamily="18" charset="0"/>
+                          </a:rPr>
+                          <m:t> </m:t>
+                        </m:r>
+                        <m:r>
+                          <a:rPr lang="en-US" sz="1800" b="0" i="1" smtClean="0">
+                            <a:latin typeface="Cambria Math" panose="02040503050406030204" pitchFamily="18" charset="0"/>
+                            <a:ea typeface="Cambria Math" panose="02040503050406030204" pitchFamily="18" charset="0"/>
+                          </a:rPr>
+                          <m:t>𝑖</m:t>
+                        </m:r>
+                      </m:num>
+                      <m:den>
+                        <m:r>
+                          <a:rPr lang="en-US" sz="1800" b="0" i="1" smtClean="0">
+                            <a:latin typeface="Cambria Math" panose="02040503050406030204" pitchFamily="18" charset="0"/>
+                            <a:ea typeface="Cambria Math" panose="02040503050406030204" pitchFamily="18" charset="0"/>
+                          </a:rPr>
+                          <m:t>𝑁𝑢𝑚𝑏𝑒𝑟</m:t>
+                        </m:r>
+                        <m:r>
+                          <a:rPr lang="en-US" sz="1800" b="0" i="1" smtClean="0">
+                            <a:latin typeface="Cambria Math" panose="02040503050406030204" pitchFamily="18" charset="0"/>
+                            <a:ea typeface="Cambria Math" panose="02040503050406030204" pitchFamily="18" charset="0"/>
+                          </a:rPr>
+                          <m:t> </m:t>
+                        </m:r>
+                        <m:r>
+                          <a:rPr lang="en-US" sz="1800" b="0" i="1" smtClean="0">
+                            <a:latin typeface="Cambria Math" panose="02040503050406030204" pitchFamily="18" charset="0"/>
+                            <a:ea typeface="Cambria Math" panose="02040503050406030204" pitchFamily="18" charset="0"/>
+                          </a:rPr>
+                          <m:t>𝑜𝑓</m:t>
+                        </m:r>
+                        <m:r>
+                          <a:rPr lang="en-US" sz="1800" b="0" i="1" smtClean="0">
+                            <a:latin typeface="Cambria Math" panose="02040503050406030204" pitchFamily="18" charset="0"/>
+                            <a:ea typeface="Cambria Math" panose="02040503050406030204" pitchFamily="18" charset="0"/>
+                          </a:rPr>
+                          <m:t> </m:t>
+                        </m:r>
+                        <m:r>
+                          <a:rPr lang="en-US" sz="1800" b="0" i="1" smtClean="0">
+                            <a:latin typeface="Cambria Math" panose="02040503050406030204" pitchFamily="18" charset="0"/>
+                            <a:ea typeface="Cambria Math" panose="02040503050406030204" pitchFamily="18" charset="0"/>
+                          </a:rPr>
+                          <m:t>𝑒𝑔𝑔𝑠</m:t>
+                        </m:r>
+                        <m:r>
+                          <a:rPr lang="en-US" sz="1800" b="0" i="1" smtClean="0">
+                            <a:latin typeface="Cambria Math" panose="02040503050406030204" pitchFamily="18" charset="0"/>
+                            <a:ea typeface="Cambria Math" panose="02040503050406030204" pitchFamily="18" charset="0"/>
+                          </a:rPr>
+                          <m:t> </m:t>
+                        </m:r>
+                        <m:r>
+                          <a:rPr lang="en-US" sz="1800" b="0" i="1" smtClean="0">
+                            <a:latin typeface="Cambria Math" panose="02040503050406030204" pitchFamily="18" charset="0"/>
+                            <a:ea typeface="Cambria Math" panose="02040503050406030204" pitchFamily="18" charset="0"/>
+                          </a:rPr>
+                          <m:t>𝑙𝑎𝑖𝑑</m:t>
+                        </m:r>
+                        <m:r>
+                          <a:rPr lang="en-US" sz="1800" b="0" i="1" smtClean="0">
+                            <a:latin typeface="Cambria Math" panose="02040503050406030204" pitchFamily="18" charset="0"/>
+                            <a:ea typeface="Cambria Math" panose="02040503050406030204" pitchFamily="18" charset="0"/>
+                          </a:rPr>
+                          <m:t> </m:t>
+                        </m:r>
+                        <m:r>
+                          <a:rPr lang="en-US" sz="1800" b="0" i="1" smtClean="0">
+                            <a:latin typeface="Cambria Math" panose="02040503050406030204" pitchFamily="18" charset="0"/>
+                            <a:ea typeface="Cambria Math" panose="02040503050406030204" pitchFamily="18" charset="0"/>
+                          </a:rPr>
+                          <m:t>𝑏𝑦</m:t>
+                        </m:r>
+                        <m:r>
+                          <a:rPr lang="en-US" sz="1800" b="0" i="1" smtClean="0">
+                            <a:latin typeface="Cambria Math" panose="02040503050406030204" pitchFamily="18" charset="0"/>
+                            <a:ea typeface="Cambria Math" panose="02040503050406030204" pitchFamily="18" charset="0"/>
+                          </a:rPr>
+                          <m:t> </m:t>
+                        </m:r>
+                        <m:r>
+                          <a:rPr lang="en-US" sz="1800" b="0" i="1" smtClean="0">
+                            <a:latin typeface="Cambria Math" panose="02040503050406030204" pitchFamily="18" charset="0"/>
+                            <a:ea typeface="Cambria Math" panose="02040503050406030204" pitchFamily="18" charset="0"/>
+                          </a:rPr>
+                          <m:t>𝑎𝑙𝑙</m:t>
+                        </m:r>
+                        <m:r>
+                          <a:rPr lang="en-US" sz="1800" b="0" i="1" smtClean="0">
+                            <a:latin typeface="Cambria Math" panose="02040503050406030204" pitchFamily="18" charset="0"/>
+                            <a:ea typeface="Cambria Math" panose="02040503050406030204" pitchFamily="18" charset="0"/>
+                          </a:rPr>
+                          <m:t> </m:t>
+                        </m:r>
+                        <m:r>
+                          <a:rPr lang="en-US" sz="1800" b="0" i="1" smtClean="0">
+                            <a:latin typeface="Cambria Math" panose="02040503050406030204" pitchFamily="18" charset="0"/>
+                            <a:ea typeface="Cambria Math" panose="02040503050406030204" pitchFamily="18" charset="0"/>
+                          </a:rPr>
+                          <m:t>𝑐𝑢𝑐𝑘𝑜𝑜𝑠</m:t>
+                        </m:r>
+                      </m:den>
+                    </m:f>
+                    <m:r>
+                      <a:rPr lang="en-US" sz="1800" b="0" i="1" smtClean="0">
+                        <a:latin typeface="Cambria Math" panose="02040503050406030204" pitchFamily="18" charset="0"/>
+                        <a:ea typeface="Cambria Math" panose="02040503050406030204" pitchFamily="18" charset="0"/>
+                      </a:rPr>
+                      <m:t>×(</m:t>
+                    </m:r>
+                    <m:sSub>
+                      <m:sSubPr>
+                        <m:ctrlPr>
+                          <a:rPr lang="en-US" sz="1800" b="0" i="1" smtClean="0">
+                            <a:latin typeface="Cambria Math" panose="02040503050406030204" pitchFamily="18" charset="0"/>
+                            <a:ea typeface="Cambria Math" panose="02040503050406030204" pitchFamily="18" charset="0"/>
+                          </a:rPr>
+                        </m:ctrlPr>
+                      </m:sSubPr>
+                      <m:e>
+                        <m:r>
+                          <a:rPr lang="en-US" sz="1800" b="0" i="1" smtClean="0">
+                            <a:latin typeface="Cambria Math" panose="02040503050406030204" pitchFamily="18" charset="0"/>
+                            <a:ea typeface="Cambria Math" panose="02040503050406030204" pitchFamily="18" charset="0"/>
+                          </a:rPr>
+                          <m:t>𝑣𝑎𝑟</m:t>
+                        </m:r>
+                      </m:e>
+                      <m:sub>
+                        <m:r>
+                          <a:rPr lang="en-US" sz="1800" b="0" i="1" smtClean="0">
+                            <a:latin typeface="Cambria Math" panose="02040503050406030204" pitchFamily="18" charset="0"/>
+                            <a:ea typeface="Cambria Math" panose="02040503050406030204" pitchFamily="18" charset="0"/>
+                          </a:rPr>
+                          <m:t>h𝑖</m:t>
+                        </m:r>
+                      </m:sub>
+                    </m:sSub>
+                    <m:r>
+                      <a:rPr lang="en-US" sz="1800" b="0" i="1" smtClean="0">
+                        <a:latin typeface="Cambria Math" panose="02040503050406030204" pitchFamily="18" charset="0"/>
+                        <a:ea typeface="Cambria Math" panose="02040503050406030204" pitchFamily="18" charset="0"/>
+                      </a:rPr>
+                      <m:t>−</m:t>
+                    </m:r>
+                    <m:sSub>
+                      <m:sSubPr>
+                        <m:ctrlPr>
+                          <a:rPr lang="en-US" sz="1800" b="0" i="1" smtClean="0">
+                            <a:latin typeface="Cambria Math" panose="02040503050406030204" pitchFamily="18" charset="0"/>
+                            <a:ea typeface="Cambria Math" panose="02040503050406030204" pitchFamily="18" charset="0"/>
+                          </a:rPr>
+                        </m:ctrlPr>
+                      </m:sSubPr>
+                      <m:e>
+                        <m:r>
+                          <a:rPr lang="en-US" sz="1800" b="0" i="1" smtClean="0">
+                            <a:latin typeface="Cambria Math" panose="02040503050406030204" pitchFamily="18" charset="0"/>
+                            <a:ea typeface="Cambria Math" panose="02040503050406030204" pitchFamily="18" charset="0"/>
+                          </a:rPr>
+                          <m:t>𝑣𝑎𝑟</m:t>
+                        </m:r>
+                      </m:e>
+                      <m:sub>
+                        <m:r>
+                          <a:rPr lang="en-US" sz="1800" b="0" i="1" smtClean="0">
+                            <a:latin typeface="Cambria Math" panose="02040503050406030204" pitchFamily="18" charset="0"/>
+                            <a:ea typeface="Cambria Math" panose="02040503050406030204" pitchFamily="18" charset="0"/>
+                          </a:rPr>
+                          <m:t>𝑙𝑜</m:t>
+                        </m:r>
+                      </m:sub>
+                    </m:sSub>
+                    <m:r>
+                      <a:rPr lang="en-US" sz="1800" b="0" i="1" smtClean="0">
+                        <a:latin typeface="Cambria Math" panose="02040503050406030204" pitchFamily="18" charset="0"/>
+                        <a:ea typeface="Cambria Math" panose="02040503050406030204" pitchFamily="18" charset="0"/>
+                      </a:rPr>
+                      <m:t>)</m:t>
+                    </m:r>
+                  </m:oMath>
+                </a14:m>
+                <a:endParaRPr lang="en-US" sz="1800" dirty="0"/>
+              </a:p>
+              <a:p>
+                <a:r>
+                  <a:rPr lang="en-US" sz="2000" dirty="0"/>
+                  <a:t>A fraction </a:t>
+                </a:r>
+                <a14:m>
+                  <m:oMath xmlns:m="http://schemas.openxmlformats.org/officeDocument/2006/math">
+                    <m:r>
+                      <a:rPr lang="en-US" sz="2000" b="0" i="1" smtClean="0">
+                        <a:latin typeface="Cambria Math" panose="02040503050406030204" pitchFamily="18" charset="0"/>
+                      </a:rPr>
+                      <m:t>𝑝</m:t>
+                    </m:r>
+                    <m:r>
+                      <a:rPr lang="en-US" sz="2000" b="0" i="1" smtClean="0">
+                        <a:latin typeface="Cambria Math" panose="02040503050406030204" pitchFamily="18" charset="0"/>
+                        <a:ea typeface="Cambria Math" panose="02040503050406030204" pitchFamily="18" charset="0"/>
+                      </a:rPr>
+                      <m:t>∈[0, 1]</m:t>
+                    </m:r>
+                  </m:oMath>
+                </a14:m>
+                <a:r>
+                  <a:rPr lang="en-US" sz="2000" dirty="0"/>
+                  <a:t> of the worst eggs are killed</a:t>
+                </a:r>
+              </a:p>
+              <a:p>
+                <a:r>
+                  <a:rPr lang="en-US" sz="2000" dirty="0"/>
+                  <a:t>The surviving eggs “hatch” and are added to the main population</a:t>
+                </a:r>
+              </a:p>
+              <a:p>
+                <a:r>
+                  <a:rPr lang="en-US" sz="2000" dirty="0"/>
+                  <a:t>If the population exceeds </a:t>
+                </a:r>
+                <a14:m>
+                  <m:oMath xmlns:m="http://schemas.openxmlformats.org/officeDocument/2006/math">
+                    <m:sSub>
+                      <m:sSubPr>
+                        <m:ctrlPr>
+                          <a:rPr lang="en-US" sz="2000" i="1" smtClean="0">
+                            <a:latin typeface="Cambria Math" panose="02040503050406030204" pitchFamily="18" charset="0"/>
+                          </a:rPr>
+                        </m:ctrlPr>
+                      </m:sSubPr>
+                      <m:e>
+                        <m:r>
+                          <a:rPr lang="en-US" sz="2000" b="0" i="1" smtClean="0">
+                            <a:latin typeface="Cambria Math" panose="02040503050406030204" pitchFamily="18" charset="0"/>
+                          </a:rPr>
+                          <m:t>𝑁</m:t>
+                        </m:r>
+                      </m:e>
+                      <m:sub>
+                        <m:r>
+                          <a:rPr lang="en-US" sz="2000" b="0" i="1" smtClean="0">
+                            <a:latin typeface="Cambria Math" panose="02040503050406030204" pitchFamily="18" charset="0"/>
+                          </a:rPr>
+                          <m:t>𝑚𝑎𝑥</m:t>
+                        </m:r>
+                      </m:sub>
+                    </m:sSub>
+                  </m:oMath>
+                </a14:m>
+                <a:r>
+                  <a:rPr lang="en-US" sz="2000" dirty="0"/>
+                  <a:t>, the worst cuckoos are killed until it no longer does</a:t>
+                </a:r>
+              </a:p>
+            </p:txBody>
+          </p:sp>
+        </mc:Choice>
+        <mc:Fallback>
+          <p:sp>
+            <p:nvSpPr>
+              <p:cNvPr id="3" name="Content Placeholder 2">
+                <a:extLst>
+                  <a:ext uri="{FF2B5EF4-FFF2-40B4-BE49-F238E27FC236}">
+                    <a16:creationId xmlns:a16="http://schemas.microsoft.com/office/drawing/2014/main" id="{18ED27A9-7C5A-4401-ACBD-37470CB7427E}"/>
+                  </a:ext>
+                </a:extLst>
+              </p:cNvPr>
+              <p:cNvSpPr>
+                <a:spLocks noGrp="1" noRot="1" noChangeAspect="1" noMove="1" noResize="1" noEditPoints="1" noAdjustHandles="1" noChangeArrowheads="1" noChangeShapeType="1" noTextEdit="1"/>
+              </p:cNvSpPr>
+              <p:nvPr>
+                <p:ph idx="1"/>
+              </p:nvPr>
+            </p:nvSpPr>
+            <p:spPr>
+              <a:xfrm>
+                <a:off x="1261872" y="1828800"/>
+                <a:ext cx="7557008" cy="4351337"/>
+              </a:xfrm>
+              <a:blipFill>
+                <a:blip r:embed="rId2"/>
+                <a:stretch>
+                  <a:fillRect l="-323" t="-1120"/>
+                </a:stretch>
+              </a:blipFill>
+            </p:spPr>
+            <p:txBody>
+              <a:bodyPr/>
+              <a:lstStyle/>
+              <a:p>
+                <a:r>
+                  <a:rPr lang="en-US">
+                    <a:noFill/>
+                  </a:rPr>
+                  <a:t> </a:t>
+                </a:r>
+              </a:p>
+            </p:txBody>
+          </p:sp>
+        </mc:Fallback>
+      </mc:AlternateContent>
+      <p:sp>
+        <p:nvSpPr>
+          <p:cNvPr id="15" name="Rectangle 9">
+            <a:extLst>
+              <a:ext uri="{FF2B5EF4-FFF2-40B4-BE49-F238E27FC236}">
+                <a16:creationId xmlns:a16="http://schemas.microsoft.com/office/drawing/2014/main" id="{6B424749-EEE0-49C9-9ABF-97B171A3EA00}"/>
+              </a:ext>
+              <a:ext uri="{C183D7F6-B498-43B3-948B-1728B52AA6E4}">
+                <adec:decorative xmlns:adec="http://schemas.microsoft.com/office/drawing/2017/decorative" val="1"/>
+              </a:ext>
+            </a:extLst>
+          </p:cNvPr>
+          <p:cNvSpPr>
+            <a:spLocks noGrp="1" noRot="1" noChangeAspect="1" noMove="1" noResize="1" noEditPoints="1" noAdjustHandles="1" noChangeArrowheads="1" noChangeShapeType="1" noTextEdit="1"/>
+          </p:cNvSpPr>
+          <p:nvPr>
+            <p:extLst>
+              <p:ext uri="{386F3935-93C4-4BCD-93E2-E3B085C9AB24}">
+                <p16:designElem xmlns:p16="http://schemas.microsoft.com/office/powerpoint/2015/main" val="1"/>
+              </p:ext>
+            </p:extLst>
+          </p:nvPr>
+        </p:nvSpPr>
+        <p:spPr>
+          <a:xfrm>
+            <a:off x="11277600" y="0"/>
+            <a:ext cx="914400" cy="6858000"/>
+          </a:xfrm>
+          <a:prstGeom prst="rect">
+            <a:avLst/>
+          </a:prstGeom>
+          <a:solidFill>
+            <a:schemeClr val="tx2">
+              <a:lumMod val="75000"/>
+            </a:schemeClr>
+          </a:solidFill>
+          <a:ln>
+            <a:noFill/>
+          </a:ln>
+        </p:spPr>
+        <p:style>
+          <a:lnRef idx="2">
+            <a:schemeClr val="accent1">
+              <a:shade val="50000"/>
+            </a:schemeClr>
+          </a:lnRef>
+          <a:fillRef idx="1">
+            <a:schemeClr val="accent1"/>
+          </a:fillRef>
+          <a:effectRef idx="0">
+            <a:schemeClr val="accent1"/>
+          </a:effectRef>
+          <a:fontRef idx="minor">
+            <a:schemeClr val="lt1"/>
+          </a:fontRef>
+        </p:style>
+      </p:sp>
+      <p:pic>
+        <p:nvPicPr>
+          <p:cNvPr id="5" name="Picture 4">
+            <a:extLst>
+              <a:ext uri="{FF2B5EF4-FFF2-40B4-BE49-F238E27FC236}">
+                <a16:creationId xmlns:a16="http://schemas.microsoft.com/office/drawing/2014/main" id="{82AB702C-7BBD-4A41-84FC-41A92DCE3628}"/>
+              </a:ext>
+            </a:extLst>
+          </p:cNvPr>
+          <p:cNvPicPr>
+            <a:picLocks noChangeAspect="1"/>
+          </p:cNvPicPr>
+          <p:nvPr/>
+        </p:nvPicPr>
+        <p:blipFill>
+          <a:blip r:embed="rId3"/>
+          <a:stretch>
+            <a:fillRect/>
+          </a:stretch>
+        </p:blipFill>
+        <p:spPr>
+          <a:xfrm>
+            <a:off x="8385048" y="1028541"/>
+            <a:ext cx="2569464" cy="2505227"/>
+          </a:xfrm>
+          <a:prstGeom prst="rect">
+            <a:avLst/>
+          </a:prstGeom>
+        </p:spPr>
+      </p:pic>
+      <p:sp>
+        <p:nvSpPr>
+          <p:cNvPr id="8" name="TextBox 7">
+            <a:extLst>
+              <a:ext uri="{FF2B5EF4-FFF2-40B4-BE49-F238E27FC236}">
+                <a16:creationId xmlns:a16="http://schemas.microsoft.com/office/drawing/2014/main" id="{52AF3010-AFA6-494D-802B-AAFD04790914}"/>
+              </a:ext>
+            </a:extLst>
+          </p:cNvPr>
+          <p:cNvSpPr txBox="1"/>
+          <p:nvPr/>
+        </p:nvSpPr>
+        <p:spPr>
+          <a:xfrm>
+            <a:off x="8312087" y="3641867"/>
+            <a:ext cx="2715386" cy="338554"/>
+          </a:xfrm>
+          <a:prstGeom prst="rect">
+            <a:avLst/>
+          </a:prstGeom>
+          <a:noFill/>
+        </p:spPr>
+        <p:txBody>
+          <a:bodyPr wrap="square" rtlCol="0">
+            <a:spAutoFit/>
+          </a:bodyPr>
+          <a:lstStyle/>
+          <a:p>
+            <a:r>
+              <a:rPr lang="en-US" sz="800" b="0" i="0" dirty="0" err="1">
+                <a:effectLst/>
+                <a:latin typeface="Arial" panose="020B0604020202020204" pitchFamily="34" charset="0"/>
+              </a:rPr>
+              <a:t>Ramin</a:t>
+            </a:r>
+            <a:r>
+              <a:rPr lang="en-US" sz="800" b="0" i="0" dirty="0">
+                <a:effectLst/>
+                <a:latin typeface="Arial" panose="020B0604020202020204" pitchFamily="34" charset="0"/>
+              </a:rPr>
+              <a:t> </a:t>
+            </a:r>
+            <a:r>
+              <a:rPr lang="en-US" sz="800" b="0" i="0" dirty="0" err="1">
+                <a:effectLst/>
+                <a:latin typeface="Arial" panose="020B0604020202020204" pitchFamily="34" charset="0"/>
+              </a:rPr>
+              <a:t>Rajabioun</a:t>
+            </a:r>
+            <a:r>
+              <a:rPr lang="en-US" sz="800" b="0" i="0" dirty="0">
+                <a:effectLst/>
+                <a:latin typeface="Arial" panose="020B0604020202020204" pitchFamily="34" charset="0"/>
+              </a:rPr>
+              <a:t>. “Cuckoo optimization algorithm”. In: Applied soft computing11.8 (2011),pp. 5508–551</a:t>
+            </a:r>
+            <a:endParaRPr lang="en-US" sz="800" dirty="0"/>
+          </a:p>
+        </p:txBody>
+      </p:sp>
+    </p:spTree>
+    <p:extLst>
+      <p:ext uri="{BB962C8B-B14F-4D97-AF65-F5344CB8AC3E}">
+        <p14:creationId xmlns:p14="http://schemas.microsoft.com/office/powerpoint/2010/main" val="1461392716"/>
+      </p:ext>
+    </p:extLst>
+  </p:cSld>
+  <p:clrMapOvr>
+    <a:overrideClrMapping bg1="dk1" tx1="lt1" bg2="dk2" tx2="lt2" accent1="accent1" accent2="accent2" accent3="accent3" accent4="accent4" accent5="accent5" accent6="accent6" hlink="hlink" folHlink="folHlink"/>
+  </p:clrMapOvr>
+</p:sld>
+</file>
+
+<file path=ppt/slides/slide7.xml><?xml version="1.0" encoding="utf-8"?>
+<p:sld xmlns:a="http://schemas.openxmlformats.org/drawingml/2006/main" xmlns:r="http://schemas.openxmlformats.org/officeDocument/2006/relationships" xmlns:p="http://schemas.openxmlformats.org/presentationml/2006/main">
+  <p:cSld>
+    <p:bg>
+      <p:bgPr>
+        <a:solidFill>
+          <a:schemeClr val="bg1">
+            <a:tint val="95000"/>
+            <a:satMod val="170000"/>
+          </a:schemeClr>
+        </a:solidFill>
+        <a:effectLst/>
+      </p:bgPr>
+    </p:bg>
+    <p:spTree>
+      <p:nvGrpSpPr>
+        <p:cNvPr id="1" name=""/>
+        <p:cNvGrpSpPr/>
+        <p:nvPr/>
+      </p:nvGrpSpPr>
+      <p:grpSpPr>
+        <a:xfrm>
+          <a:off x="0" y="0"/>
+          <a:ext cx="0" cy="0"/>
+          <a:chOff x="0" y="0"/>
+          <a:chExt cx="0" cy="0"/>
+        </a:xfrm>
+      </p:grpSpPr>
+      <p:sp useBgFill="1">
+        <p:nvSpPr>
+          <p:cNvPr id="14" name="Rectangle 7">
+            <a:extLst>
+              <a:ext uri="{FF2B5EF4-FFF2-40B4-BE49-F238E27FC236}">
+                <a16:creationId xmlns:a16="http://schemas.microsoft.com/office/drawing/2014/main" id="{5DB0431E-0B04-44A1-9C51-531E28D18A60}"/>
+              </a:ext>
+              <a:ext uri="{C183D7F6-B498-43B3-948B-1728B52AA6E4}">
+                <adec:decorative xmlns:adec="http://schemas.microsoft.com/office/drawing/2017/decorative" val="1"/>
+              </a:ext>
+            </a:extLst>
+          </p:cNvPr>
+          <p:cNvSpPr>
+            <a:spLocks noGrp="1" noRot="1" noChangeAspect="1" noMove="1" noResize="1" noEditPoints="1" noAdjustHandles="1" noChangeArrowheads="1" noChangeShapeType="1" noTextEdit="1"/>
+          </p:cNvSpPr>
+          <p:nvPr>
+            <p:extLst>
+              <p:ext uri="{386F3935-93C4-4BCD-93E2-E3B085C9AB24}">
+                <p16:designElem xmlns:p16="http://schemas.microsoft.com/office/powerpoint/2015/main" val="1"/>
+              </p:ext>
+            </p:extLst>
+          </p:nvPr>
+        </p:nvSpPr>
+        <p:spPr>
+          <a:xfrm>
+            <a:off x="0" y="0"/>
+            <a:ext cx="12192000" cy="6858000"/>
+          </a:xfrm>
+          <a:prstGeom prst="rect">
+            <a:avLst/>
+          </a:prstGeom>
+          <a:ln>
+            <a:noFill/>
+          </a:ln>
+        </p:spPr>
+        <p:style>
+          <a:lnRef idx="2">
+            <a:schemeClr val="accent1">
+              <a:shade val="50000"/>
+            </a:schemeClr>
+          </a:lnRef>
+          <a:fillRef idx="1">
+            <a:schemeClr val="accent1"/>
+          </a:fillRef>
+          <a:effectRef idx="0">
+            <a:schemeClr val="accent1"/>
+          </a:effectRef>
+          <a:fontRef idx="minor">
+            <a:schemeClr val="lt1"/>
+          </a:fontRef>
+        </p:style>
+        <p:txBody>
+          <a:bodyPr rtlCol="0" anchor="ctr"/>
+          <a:lstStyle/>
+          <a:p>
+            <a:pPr algn="ctr"/>
+            <a:endParaRPr lang="en-US"/>
+          </a:p>
+        </p:txBody>
+      </p:sp>
+      <p:sp>
+        <p:nvSpPr>
+          <p:cNvPr id="2" name="Title 1">
+            <a:extLst>
+              <a:ext uri="{FF2B5EF4-FFF2-40B4-BE49-F238E27FC236}">
+                <a16:creationId xmlns:a16="http://schemas.microsoft.com/office/drawing/2014/main" id="{565DE6B2-5AC6-4C70-9F08-2A6D960838A3}"/>
+              </a:ext>
+            </a:extLst>
+          </p:cNvPr>
+          <p:cNvSpPr>
+            <a:spLocks noGrp="1"/>
+          </p:cNvSpPr>
+          <p:nvPr>
+            <p:ph type="title"/>
+          </p:nvPr>
+        </p:nvSpPr>
+        <p:spPr>
+          <a:xfrm>
+            <a:off x="1261872" y="365760"/>
+            <a:ext cx="9692640" cy="1325562"/>
+          </a:xfrm>
+        </p:spPr>
+        <p:txBody>
+          <a:bodyPr>
+            <a:normAutofit/>
+          </a:bodyPr>
+          <a:lstStyle/>
+          <a:p>
+            <a:r>
+              <a:rPr lang="en-US" dirty="0"/>
+              <a:t>Cuckoo Clustering and Migration</a:t>
+            </a:r>
+          </a:p>
+        </p:txBody>
+      </p:sp>
+      <p:sp>
+        <p:nvSpPr>
+          <p:cNvPr id="3" name="Content Placeholder 2">
+            <a:extLst>
+              <a:ext uri="{FF2B5EF4-FFF2-40B4-BE49-F238E27FC236}">
+                <a16:creationId xmlns:a16="http://schemas.microsoft.com/office/drawing/2014/main" id="{18ED27A9-7C5A-4401-ACBD-37470CB7427E}"/>
+              </a:ext>
+            </a:extLst>
+          </p:cNvPr>
+          <p:cNvSpPr>
+            <a:spLocks noGrp="1"/>
+          </p:cNvSpPr>
+          <p:nvPr>
+            <p:ph idx="1"/>
+          </p:nvPr>
+        </p:nvSpPr>
+        <p:spPr>
+          <a:xfrm>
+            <a:off x="276351" y="1769111"/>
+            <a:ext cx="9385809" cy="4351337"/>
+          </a:xfrm>
+        </p:spPr>
+        <p:txBody>
+          <a:bodyPr>
+            <a:normAutofit/>
+          </a:bodyPr>
+          <a:lstStyle/>
+          <a:p>
+            <a:r>
+              <a:rPr lang="en-US" sz="2000" dirty="0"/>
+              <a:t>To mimic Cuckoo migration, cuckoos are clustered into 3-5 “habitats”</a:t>
+            </a:r>
+          </a:p>
+          <a:p>
+            <a:pPr lvl="1"/>
+            <a:r>
+              <a:rPr lang="en-US" sz="1800" dirty="0"/>
+              <a:t>For the continuous domain and a Euclidean distance function, k-means can be used</a:t>
+            </a:r>
+          </a:p>
+          <a:p>
+            <a:r>
+              <a:rPr lang="en-US" sz="2000" dirty="0"/>
+              <a:t>The best cuckoo in the best habitat is chosen to be the goal point</a:t>
+            </a:r>
+          </a:p>
+          <a:p>
+            <a:r>
+              <a:rPr lang="en-US" sz="2000" dirty="0"/>
+              <a:t>All cuckoos migrate towards the goal point with some random deviation</a:t>
+            </a:r>
+          </a:p>
+        </p:txBody>
+      </p:sp>
+      <p:sp>
+        <p:nvSpPr>
+          <p:cNvPr id="15" name="Rectangle 9">
+            <a:extLst>
+              <a:ext uri="{FF2B5EF4-FFF2-40B4-BE49-F238E27FC236}">
+                <a16:creationId xmlns:a16="http://schemas.microsoft.com/office/drawing/2014/main" id="{6B424749-EEE0-49C9-9ABF-97B171A3EA00}"/>
+              </a:ext>
+              <a:ext uri="{C183D7F6-B498-43B3-948B-1728B52AA6E4}">
+                <adec:decorative xmlns:adec="http://schemas.microsoft.com/office/drawing/2017/decorative" val="1"/>
+              </a:ext>
+            </a:extLst>
+          </p:cNvPr>
+          <p:cNvSpPr>
+            <a:spLocks noGrp="1" noRot="1" noChangeAspect="1" noMove="1" noResize="1" noEditPoints="1" noAdjustHandles="1" noChangeArrowheads="1" noChangeShapeType="1" noTextEdit="1"/>
+          </p:cNvSpPr>
+          <p:nvPr>
+            <p:extLst>
+              <p:ext uri="{386F3935-93C4-4BCD-93E2-E3B085C9AB24}">
+                <p16:designElem xmlns:p16="http://schemas.microsoft.com/office/powerpoint/2015/main" val="1"/>
+              </p:ext>
+            </p:extLst>
+          </p:nvPr>
+        </p:nvSpPr>
+        <p:spPr>
+          <a:xfrm>
+            <a:off x="11277600" y="0"/>
+            <a:ext cx="914400" cy="6858000"/>
+          </a:xfrm>
+          <a:prstGeom prst="rect">
+            <a:avLst/>
+          </a:prstGeom>
+          <a:solidFill>
+            <a:schemeClr val="tx2">
+              <a:lumMod val="75000"/>
+            </a:schemeClr>
+          </a:solidFill>
+          <a:ln>
+            <a:noFill/>
+          </a:ln>
+        </p:spPr>
+        <p:style>
+          <a:lnRef idx="2">
+            <a:schemeClr val="accent1">
+              <a:shade val="50000"/>
+            </a:schemeClr>
+          </a:lnRef>
+          <a:fillRef idx="1">
+            <a:schemeClr val="accent1"/>
+          </a:fillRef>
+          <a:effectRef idx="0">
+            <a:schemeClr val="accent1"/>
+          </a:effectRef>
+          <a:fontRef idx="minor">
+            <a:schemeClr val="lt1"/>
+          </a:fontRef>
+        </p:style>
+      </p:sp>
+      <p:pic>
+        <p:nvPicPr>
+          <p:cNvPr id="5" name="Picture 4">
+            <a:extLst>
+              <a:ext uri="{FF2B5EF4-FFF2-40B4-BE49-F238E27FC236}">
+                <a16:creationId xmlns:a16="http://schemas.microsoft.com/office/drawing/2014/main" id="{5D554994-F297-440E-A207-49916C833EF9}"/>
+              </a:ext>
+            </a:extLst>
+          </p:cNvPr>
+          <p:cNvPicPr>
+            <a:picLocks noChangeAspect="1"/>
+          </p:cNvPicPr>
+          <p:nvPr/>
+        </p:nvPicPr>
+        <p:blipFill>
+          <a:blip r:embed="rId2"/>
+          <a:stretch>
+            <a:fillRect/>
+          </a:stretch>
+        </p:blipFill>
+        <p:spPr>
+          <a:xfrm>
+            <a:off x="565923" y="3784282"/>
+            <a:ext cx="3927833" cy="2876232"/>
+          </a:xfrm>
+          <a:prstGeom prst="rect">
+            <a:avLst/>
+          </a:prstGeom>
+        </p:spPr>
+      </p:pic>
+      <p:sp>
+        <p:nvSpPr>
+          <p:cNvPr id="8" name="TextBox 7">
+            <a:extLst>
+              <a:ext uri="{FF2B5EF4-FFF2-40B4-BE49-F238E27FC236}">
+                <a16:creationId xmlns:a16="http://schemas.microsoft.com/office/drawing/2014/main" id="{4FDEC6A6-E070-4840-B66C-0C8284F8441D}"/>
+              </a:ext>
+            </a:extLst>
+          </p:cNvPr>
+          <p:cNvSpPr txBox="1"/>
+          <p:nvPr/>
+        </p:nvSpPr>
+        <p:spPr>
+          <a:xfrm>
+            <a:off x="4493756" y="6251426"/>
+            <a:ext cx="2715386" cy="338554"/>
+          </a:xfrm>
+          <a:prstGeom prst="rect">
+            <a:avLst/>
+          </a:prstGeom>
+          <a:noFill/>
+        </p:spPr>
+        <p:txBody>
+          <a:bodyPr wrap="square" rtlCol="0">
+            <a:spAutoFit/>
+          </a:bodyPr>
+          <a:lstStyle/>
+          <a:p>
+            <a:r>
+              <a:rPr lang="en-US" sz="800" b="0" i="0" dirty="0" err="1">
+                <a:effectLst/>
+                <a:latin typeface="Arial" panose="020B0604020202020204" pitchFamily="34" charset="0"/>
+              </a:rPr>
+              <a:t>Ramin</a:t>
+            </a:r>
+            <a:r>
+              <a:rPr lang="en-US" sz="800" b="0" i="0" dirty="0">
+                <a:effectLst/>
+                <a:latin typeface="Arial" panose="020B0604020202020204" pitchFamily="34" charset="0"/>
+              </a:rPr>
+              <a:t> </a:t>
+            </a:r>
+            <a:r>
+              <a:rPr lang="en-US" sz="800" b="0" i="0" dirty="0" err="1">
+                <a:effectLst/>
+                <a:latin typeface="Arial" panose="020B0604020202020204" pitchFamily="34" charset="0"/>
+              </a:rPr>
+              <a:t>Rajabioun</a:t>
+            </a:r>
+            <a:r>
+              <a:rPr lang="en-US" sz="800" b="0" i="0" dirty="0">
+                <a:effectLst/>
+                <a:latin typeface="Arial" panose="020B0604020202020204" pitchFamily="34" charset="0"/>
+              </a:rPr>
+              <a:t>. “Cuckoo optimization algorithm”. In: Applied soft computing11.8 (2011),pp. 5508–551</a:t>
+            </a:r>
+            <a:endParaRPr lang="en-US" sz="800" dirty="0"/>
+          </a:p>
+        </p:txBody>
+      </p:sp>
+    </p:spTree>
+    <p:extLst>
+      <p:ext uri="{BB962C8B-B14F-4D97-AF65-F5344CB8AC3E}">
+        <p14:creationId xmlns:p14="http://schemas.microsoft.com/office/powerpoint/2010/main" val="1035429375"/>
+      </p:ext>
+    </p:extLst>
+  </p:cSld>
+  <p:clrMapOvr>
+    <a:overrideClrMapping bg1="dk1" tx1="lt1" bg2="dk2" tx2="lt2" accent1="accent1" accent2="accent2" accent3="accent3" accent4="accent4" accent5="accent5" accent6="accent6" hlink="hlink" folHlink="folHlink"/>
+  </p:clrMapOvr>
+</p:sld>
+</file>
+
+<file path=ppt/slides/slide8.xml><?xml version="1.0" encoding="utf-8"?>
 <p:sld xmlns:a="http://schemas.openxmlformats.org/drawingml/2006/main" xmlns:r="http://schemas.openxmlformats.org/officeDocument/2006/relationships" xmlns:p="http://schemas.openxmlformats.org/presentationml/2006/main">
   <p:cSld>
     <p:bg>
@@ -8831,7 +11132,7 @@
 </p:sld>
 </file>
 
-<file path=ppt/slides/slide7.xml><?xml version="1.0" encoding="utf-8"?>
+<file path=ppt/slides/slide9.xml><?xml version="1.0" encoding="utf-8"?>
 <p:sld xmlns:a="http://schemas.openxmlformats.org/drawingml/2006/main" xmlns:r="http://schemas.openxmlformats.org/officeDocument/2006/relationships" xmlns:p="http://schemas.openxmlformats.org/presentationml/2006/main">
   <p:cSld>
     <p:bg>
@@ -8954,8 +11255,8 @@
           </a:p>
         </p:txBody>
       </p:sp>
-      <mc:AlternateContent xmlns:mc="http://schemas.openxmlformats.org/markup-compatibility/2006">
-        <mc:Choice xmlns:a14="http://schemas.microsoft.com/office/drawing/2010/main" Requires="a14">
+      <mc:AlternateContent xmlns:mc="http://schemas.openxmlformats.org/markup-compatibility/2006" xmlns:a14="http://schemas.microsoft.com/office/drawing/2010/main">
+        <mc:Choice Requires="a14">
           <p:sp>
             <p:nvSpPr>
               <p:cNvPr id="3" name="Content Placeholder 2">
@@ -9137,7 +11438,64 @@
                           <m:t>𝑘</m:t>
                         </m:r>
                       </m:sup>
-                      <m:e/>
+                      <m:e>
+                        <m:r>
+                          <a:rPr lang="en-US" sz="1800" b="0" i="1" smtClean="0">
+                            <a:latin typeface="Cambria Math" panose="02040503050406030204" pitchFamily="18" charset="0"/>
+                          </a:rPr>
+                          <m:t>|</m:t>
+                        </m:r>
+                        <m:sSub>
+                          <m:sSubPr>
+                            <m:ctrlPr>
+                              <a:rPr lang="en-US" sz="1800" b="0" i="1" smtClean="0">
+                                <a:latin typeface="Cambria Math" panose="02040503050406030204" pitchFamily="18" charset="0"/>
+                              </a:rPr>
+                            </m:ctrlPr>
+                          </m:sSubPr>
+                          <m:e>
+                            <m:r>
+                              <a:rPr lang="en-US" sz="1800" b="0" i="1" smtClean="0">
+                                <a:latin typeface="Cambria Math" panose="02040503050406030204" pitchFamily="18" charset="0"/>
+                              </a:rPr>
+                              <m:t>𝑉</m:t>
+                            </m:r>
+                          </m:e>
+                          <m:sub>
+                            <m:r>
+                              <a:rPr lang="en-US" sz="1800" b="0" i="1" smtClean="0">
+                                <a:latin typeface="Cambria Math" panose="02040503050406030204" pitchFamily="18" charset="0"/>
+                              </a:rPr>
+                              <m:t>𝑖</m:t>
+                            </m:r>
+                          </m:sub>
+                        </m:sSub>
+                        <m:sSup>
+                          <m:sSupPr>
+                            <m:ctrlPr>
+                              <a:rPr lang="en-US" sz="1800" b="0" i="1" smtClean="0">
+                                <a:latin typeface="Cambria Math" panose="02040503050406030204" pitchFamily="18" charset="0"/>
+                              </a:rPr>
+                            </m:ctrlPr>
+                          </m:sSupPr>
+                          <m:e>
+                            <m:r>
+                              <a:rPr lang="en-US" sz="1800" b="0" i="1" smtClean="0">
+                                <a:latin typeface="Cambria Math" panose="02040503050406030204" pitchFamily="18" charset="0"/>
+                              </a:rPr>
+                              <m:t>|</m:t>
+                            </m:r>
+                          </m:e>
+                          <m:sup>
+                            <m:r>
+                              <a:rPr lang="en-US" sz="1800" b="0" i="1" smtClean="0">
+                                <a:latin typeface="Cambria Math" panose="02040503050406030204" pitchFamily="18" charset="0"/>
+                              </a:rPr>
+                              <m:t>2</m:t>
+                            </m:r>
+                          </m:sup>
+                        </m:sSup>
+                      </m:e>
                     </m:nary>
                   </m:oMath>
                 </a14:m>
@@ -9449,7 +11807,7 @@
             </p:txBody>
           </p:sp>
         </mc:Choice>
-        <mc:Fallback>
+        <mc:Fallback xmlns="">
           <p:sp>
             <p:nvSpPr>
               <p:cNvPr id="3" name="Content Placeholder 2">
@@ -9554,418 +11912,6 @@
     <p:extLst>
       <p:ext uri="{BB962C8B-B14F-4D97-AF65-F5344CB8AC3E}">
         <p14:creationId xmlns:p14="http://schemas.microsoft.com/office/powerpoint/2010/main" val="876633150"/>
-      </p:ext>
-    </p:extLst>
-  </p:cSld>
-  <p:clrMapOvr>
-    <a:overrideClrMapping bg1="dk1" tx1="lt1" bg2="dk2" tx2="lt2" accent1="accent1" accent2="accent2" accent3="accent3" accent4="accent4" accent5="accent5" accent6="accent6" hlink="hlink" folHlink="folHlink"/>
-  </p:clrMapOvr>
-</p:sld>
-</file>
-
-<file path=ppt/slides/slide8.xml><?xml version="1.0" encoding="utf-8"?>
-<p:sld xmlns:a="http://schemas.openxmlformats.org/drawingml/2006/main" xmlns:r="http://schemas.openxmlformats.org/officeDocument/2006/relationships" xmlns:p="http://schemas.openxmlformats.org/presentationml/2006/main">
-  <p:cSld>
-    <p:bg>
-      <p:bgPr>
-        <a:solidFill>
-          <a:schemeClr val="bg2">
-            <a:lumMod val="75000"/>
-          </a:schemeClr>
-        </a:solidFill>
-        <a:effectLst/>
-      </p:bgPr>
-    </p:bg>
-    <p:spTree>
-      <p:nvGrpSpPr>
-        <p:cNvPr id="1" name=""/>
-        <p:cNvGrpSpPr/>
-        <p:nvPr/>
-      </p:nvGrpSpPr>
-      <p:grpSpPr>
-        <a:xfrm>
-          <a:off x="0" y="0"/>
-          <a:ext cx="0" cy="0"/>
-          <a:chOff x="0" y="0"/>
-          <a:chExt cx="0" cy="0"/>
-        </a:xfrm>
-      </p:grpSpPr>
-      <p:sp>
-        <p:nvSpPr>
-          <p:cNvPr id="7" name="Rectangle 6">
-            <a:extLst>
-              <a:ext uri="{FF2B5EF4-FFF2-40B4-BE49-F238E27FC236}">
-                <a16:creationId xmlns:a16="http://schemas.microsoft.com/office/drawing/2014/main" id="{A6F05DDE-5F2C-44F5-BACC-DED4737B11B8}"/>
-              </a:ext>
-              <a:ext uri="{C183D7F6-B498-43B3-948B-1728B52AA6E4}">
-                <adec:decorative xmlns:adec="http://schemas.microsoft.com/office/drawing/2017/decorative" val="1"/>
-              </a:ext>
-            </a:extLst>
-          </p:cNvPr>
-          <p:cNvSpPr>
-            <a:spLocks noGrp="1" noRot="1" noChangeAspect="1" noMove="1" noResize="1" noEditPoints="1" noAdjustHandles="1" noChangeArrowheads="1" noChangeShapeType="1" noTextEdit="1"/>
-          </p:cNvSpPr>
-          <p:nvPr>
-            <p:extLst>
-              <p:ext uri="{386F3935-93C4-4BCD-93E2-E3B085C9AB24}">
-                <p16:designElem xmlns:p16="http://schemas.microsoft.com/office/powerpoint/2015/main" val="1"/>
-              </p:ext>
-            </p:extLst>
-          </p:nvPr>
-        </p:nvSpPr>
-        <p:spPr>
-          <a:xfrm>
-            <a:off x="0" y="0"/>
-            <a:ext cx="457200" cy="6858000"/>
-          </a:xfrm>
-          <a:prstGeom prst="rect">
-            <a:avLst/>
-          </a:prstGeom>
-          <a:solidFill>
-            <a:schemeClr val="accent1"/>
-          </a:solidFill>
-          <a:ln>
-            <a:noFill/>
-          </a:ln>
-        </p:spPr>
-        <p:style>
-          <a:lnRef idx="2">
-            <a:schemeClr val="accent1">
-              <a:shade val="50000"/>
-            </a:schemeClr>
-          </a:lnRef>
-          <a:fillRef idx="1">
-            <a:schemeClr val="accent1"/>
-          </a:fillRef>
-          <a:effectRef idx="0">
-            <a:schemeClr val="accent1"/>
-          </a:effectRef>
-          <a:fontRef idx="minor">
-            <a:schemeClr val="lt1"/>
-          </a:fontRef>
-        </p:style>
-      </p:sp>
-      <p:sp>
-        <p:nvSpPr>
-          <p:cNvPr id="2" name="Title 1">
-            <a:extLst>
-              <a:ext uri="{FF2B5EF4-FFF2-40B4-BE49-F238E27FC236}">
-                <a16:creationId xmlns:a16="http://schemas.microsoft.com/office/drawing/2014/main" id="{F9B195F7-C8F2-4AEE-838F-FFBF62F056BD}"/>
-              </a:ext>
-            </a:extLst>
-          </p:cNvPr>
-          <p:cNvSpPr>
-            <a:spLocks noGrp="1"/>
-          </p:cNvSpPr>
-          <p:nvPr>
-            <p:ph type="title"/>
-          </p:nvPr>
-        </p:nvSpPr>
-        <p:spPr>
-          <a:xfrm>
-            <a:off x="1261872" y="1028699"/>
-            <a:ext cx="9418320" cy="3862083"/>
-          </a:xfrm>
-        </p:spPr>
-        <p:txBody>
-          <a:bodyPr vert="horz" lIns="91440" tIns="45720" rIns="91440" bIns="45720" rtlCol="0" anchor="ctr">
-            <a:normAutofit/>
-          </a:bodyPr>
-          <a:lstStyle/>
-          <a:p>
-            <a:pPr algn="ctr">
-              <a:lnSpc>
-                <a:spcPct val="85000"/>
-              </a:lnSpc>
-            </a:pPr>
-            <a:r>
-              <a:rPr lang="en-US" sz="6000" dirty="0"/>
-              <a:t>Discretising Cuckoo Optimisation</a:t>
-            </a:r>
-          </a:p>
-        </p:txBody>
-      </p:sp>
-      <p:cxnSp>
-        <p:nvCxnSpPr>
-          <p:cNvPr id="9" name="Straight Connector 8">
-            <a:extLst>
-              <a:ext uri="{FF2B5EF4-FFF2-40B4-BE49-F238E27FC236}">
-                <a16:creationId xmlns:a16="http://schemas.microsoft.com/office/drawing/2014/main" id="{D7E8ECA2-60A0-4D39-817D-F1E982ED7F9B}"/>
-              </a:ext>
-              <a:ext uri="{C183D7F6-B498-43B3-948B-1728B52AA6E4}">
-                <adec:decorative xmlns:adec="http://schemas.microsoft.com/office/drawing/2017/decorative" val="1"/>
-              </a:ext>
-            </a:extLst>
-          </p:cNvPr>
-          <p:cNvCxnSpPr>
-            <a:cxnSpLocks noGrp="1" noRot="1" noChangeAspect="1" noMove="1" noResize="1" noEditPoints="1" noAdjustHandles="1" noChangeArrowheads="1" noChangeShapeType="1"/>
-          </p:cNvCxnSpPr>
-          <p:nvPr>
-            <p:extLst>
-              <p:ext uri="{386F3935-93C4-4BCD-93E2-E3B085C9AB24}">
-                <p16:designElem xmlns:p16="http://schemas.microsoft.com/office/powerpoint/2015/main" val="1"/>
-              </p:ext>
-            </p:extLst>
-          </p:nvPr>
-        </p:nvCxnSpPr>
-        <p:spPr>
-          <a:xfrm flipH="1">
-            <a:off x="5651500" y="5097592"/>
-            <a:ext cx="596394" cy="0"/>
-          </a:xfrm>
-          <a:prstGeom prst="line">
-            <a:avLst/>
-          </a:prstGeom>
-          <a:ln w="12700">
-            <a:solidFill>
-              <a:schemeClr val="tx2"/>
-            </a:solidFill>
-          </a:ln>
-        </p:spPr>
-        <p:style>
-          <a:lnRef idx="1">
-            <a:schemeClr val="accent1"/>
-          </a:lnRef>
-          <a:fillRef idx="0">
-            <a:schemeClr val="accent1"/>
-          </a:fillRef>
-          <a:effectRef idx="0">
-            <a:schemeClr val="accent1"/>
-          </a:effectRef>
-          <a:fontRef idx="minor">
-            <a:schemeClr val="tx1"/>
-          </a:fontRef>
-        </p:style>
-      </p:cxnSp>
-    </p:spTree>
-    <p:extLst>
-      <p:ext uri="{BB962C8B-B14F-4D97-AF65-F5344CB8AC3E}">
-        <p14:creationId xmlns:p14="http://schemas.microsoft.com/office/powerpoint/2010/main" val="3649360045"/>
-      </p:ext>
-    </p:extLst>
-  </p:cSld>
-  <p:clrMapOvr>
-    <a:masterClrMapping/>
-  </p:clrMapOvr>
-</p:sld>
-</file>
-
-<file path=ppt/slides/slide9.xml><?xml version="1.0" encoding="utf-8"?>
-<p:sld xmlns:a="http://schemas.openxmlformats.org/drawingml/2006/main" xmlns:r="http://schemas.openxmlformats.org/officeDocument/2006/relationships" xmlns:p="http://schemas.openxmlformats.org/presentationml/2006/main">
-  <p:cSld>
-    <p:bg>
-      <p:bgPr>
-        <a:solidFill>
-          <a:schemeClr val="bg1">
-            <a:tint val="95000"/>
-            <a:satMod val="170000"/>
-          </a:schemeClr>
-        </a:solidFill>
-        <a:effectLst/>
-      </p:bgPr>
-    </p:bg>
-    <p:spTree>
-      <p:nvGrpSpPr>
-        <p:cNvPr id="1" name=""/>
-        <p:cNvGrpSpPr/>
-        <p:nvPr/>
-      </p:nvGrpSpPr>
-      <p:grpSpPr>
-        <a:xfrm>
-          <a:off x="0" y="0"/>
-          <a:ext cx="0" cy="0"/>
-          <a:chOff x="0" y="0"/>
-          <a:chExt cx="0" cy="0"/>
-        </a:xfrm>
-      </p:grpSpPr>
-      <p:sp useBgFill="1">
-        <p:nvSpPr>
-          <p:cNvPr id="14" name="Rectangle 7">
-            <a:extLst>
-              <a:ext uri="{FF2B5EF4-FFF2-40B4-BE49-F238E27FC236}">
-                <a16:creationId xmlns:a16="http://schemas.microsoft.com/office/drawing/2014/main" id="{5DB0431E-0B04-44A1-9C51-531E28D18A60}"/>
-              </a:ext>
-              <a:ext uri="{C183D7F6-B498-43B3-948B-1728B52AA6E4}">
-                <adec:decorative xmlns:adec="http://schemas.microsoft.com/office/drawing/2017/decorative" val="1"/>
-              </a:ext>
-            </a:extLst>
-          </p:cNvPr>
-          <p:cNvSpPr>
-            <a:spLocks noGrp="1" noRot="1" noChangeAspect="1" noMove="1" noResize="1" noEditPoints="1" noAdjustHandles="1" noChangeArrowheads="1" noChangeShapeType="1" noTextEdit="1"/>
-          </p:cNvSpPr>
-          <p:nvPr>
-            <p:extLst>
-              <p:ext uri="{386F3935-93C4-4BCD-93E2-E3B085C9AB24}">
-                <p16:designElem xmlns:p16="http://schemas.microsoft.com/office/powerpoint/2015/main" val="1"/>
-              </p:ext>
-            </p:extLst>
-          </p:nvPr>
-        </p:nvSpPr>
-        <p:spPr>
-          <a:xfrm>
-            <a:off x="0" y="0"/>
-            <a:ext cx="12192000" cy="6858000"/>
-          </a:xfrm>
-          <a:prstGeom prst="rect">
-            <a:avLst/>
-          </a:prstGeom>
-          <a:ln>
-            <a:noFill/>
-          </a:ln>
-        </p:spPr>
-        <p:style>
-          <a:lnRef idx="2">
-            <a:schemeClr val="accent1">
-              <a:shade val="50000"/>
-            </a:schemeClr>
-          </a:lnRef>
-          <a:fillRef idx="1">
-            <a:schemeClr val="accent1"/>
-          </a:fillRef>
-          <a:effectRef idx="0">
-            <a:schemeClr val="accent1"/>
-          </a:effectRef>
-          <a:fontRef idx="minor">
-            <a:schemeClr val="lt1"/>
-          </a:fontRef>
-        </p:style>
-        <p:txBody>
-          <a:bodyPr rtlCol="0" anchor="ctr"/>
-          <a:lstStyle/>
-          <a:p>
-            <a:pPr algn="ctr"/>
-            <a:endParaRPr lang="en-US"/>
-          </a:p>
-        </p:txBody>
-      </p:sp>
-      <p:sp>
-        <p:nvSpPr>
-          <p:cNvPr id="2" name="Title 1">
-            <a:extLst>
-              <a:ext uri="{FF2B5EF4-FFF2-40B4-BE49-F238E27FC236}">
-                <a16:creationId xmlns:a16="http://schemas.microsoft.com/office/drawing/2014/main" id="{565DE6B2-5AC6-4C70-9F08-2A6D960838A3}"/>
-              </a:ext>
-            </a:extLst>
-          </p:cNvPr>
-          <p:cNvSpPr>
-            <a:spLocks noGrp="1"/>
-          </p:cNvSpPr>
-          <p:nvPr>
-            <p:ph type="title"/>
-          </p:nvPr>
-        </p:nvSpPr>
-        <p:spPr>
-          <a:xfrm>
-            <a:off x="1261872" y="365760"/>
-            <a:ext cx="9692640" cy="1325562"/>
-          </a:xfrm>
-        </p:spPr>
-        <p:txBody>
-          <a:bodyPr>
-            <a:normAutofit/>
-          </a:bodyPr>
-          <a:lstStyle/>
-          <a:p>
-            <a:r>
-              <a:rPr lang="en-US" dirty="0"/>
-              <a:t>Egg Laying and Hatching</a:t>
-            </a:r>
-          </a:p>
-        </p:txBody>
-      </p:sp>
-      <p:sp>
-        <p:nvSpPr>
-          <p:cNvPr id="3" name="Content Placeholder 2">
-            <a:extLst>
-              <a:ext uri="{FF2B5EF4-FFF2-40B4-BE49-F238E27FC236}">
-                <a16:creationId xmlns:a16="http://schemas.microsoft.com/office/drawing/2014/main" id="{18ED27A9-7C5A-4401-ACBD-37470CB7427E}"/>
-              </a:ext>
-            </a:extLst>
-          </p:cNvPr>
-          <p:cNvSpPr>
-            <a:spLocks noGrp="1"/>
-          </p:cNvSpPr>
-          <p:nvPr>
-            <p:ph idx="1"/>
-          </p:nvPr>
-        </p:nvSpPr>
-        <p:spPr>
-          <a:xfrm>
-            <a:off x="1261872" y="1828800"/>
-            <a:ext cx="8595360" cy="4351337"/>
-          </a:xfrm>
-        </p:spPr>
-        <p:txBody>
-          <a:bodyPr>
-            <a:normAutofit/>
-          </a:bodyPr>
-          <a:lstStyle/>
-          <a:p>
-            <a:endParaRPr lang="en-US" sz="1800" dirty="0"/>
-          </a:p>
-        </p:txBody>
-      </p:sp>
-      <p:sp>
-        <p:nvSpPr>
-          <p:cNvPr id="15" name="Rectangle 9">
-            <a:extLst>
-              <a:ext uri="{FF2B5EF4-FFF2-40B4-BE49-F238E27FC236}">
-                <a16:creationId xmlns:a16="http://schemas.microsoft.com/office/drawing/2014/main" id="{6B424749-EEE0-49C9-9ABF-97B171A3EA00}"/>
-              </a:ext>
-              <a:ext uri="{C183D7F6-B498-43B3-948B-1728B52AA6E4}">
-                <adec:decorative xmlns:adec="http://schemas.microsoft.com/office/drawing/2017/decorative" val="1"/>
-              </a:ext>
-            </a:extLst>
-          </p:cNvPr>
-          <p:cNvSpPr>
-            <a:spLocks noGrp="1" noRot="1" noChangeAspect="1" noMove="1" noResize="1" noEditPoints="1" noAdjustHandles="1" noChangeArrowheads="1" noChangeShapeType="1" noTextEdit="1"/>
-          </p:cNvSpPr>
-          <p:nvPr>
-            <p:extLst>
-              <p:ext uri="{386F3935-93C4-4BCD-93E2-E3B085C9AB24}">
-                <p16:designElem xmlns:p16="http://schemas.microsoft.com/office/powerpoint/2015/main" val="1"/>
-              </p:ext>
-            </p:extLst>
-          </p:nvPr>
-        </p:nvSpPr>
-        <p:spPr>
-          <a:xfrm>
-            <a:off x="11277600" y="0"/>
-            <a:ext cx="914400" cy="6858000"/>
-          </a:xfrm>
-          <a:prstGeom prst="rect">
-            <a:avLst/>
-          </a:prstGeom>
-          <a:solidFill>
-            <a:schemeClr val="tx2">
-              <a:lumMod val="75000"/>
-            </a:schemeClr>
-          </a:solidFill>
-          <a:ln>
-            <a:noFill/>
-          </a:ln>
-        </p:spPr>
-        <p:style>
-          <a:lnRef idx="2">
-            <a:schemeClr val="accent1">
-              <a:shade val="50000"/>
-            </a:schemeClr>
-          </a:lnRef>
-          <a:fillRef idx="1">
-            <a:schemeClr val="accent1"/>
-          </a:fillRef>
-          <a:effectRef idx="0">
-            <a:schemeClr val="accent1"/>
-          </a:effectRef>
-          <a:fontRef idx="minor">
-            <a:schemeClr val="lt1"/>
-          </a:fontRef>
-        </p:style>
-      </p:sp>
-    </p:spTree>
-    <p:extLst>
-      <p:ext uri="{BB962C8B-B14F-4D97-AF65-F5344CB8AC3E}">
-        <p14:creationId xmlns:p14="http://schemas.microsoft.com/office/powerpoint/2010/main" val="1098856786"/>
       </p:ext>
     </p:extLst>
   </p:cSld>

--- a/presentation_1_shorter.pptx
+++ b/presentation_1_shorter.pptx
@@ -240,7 +240,7 @@
           <a:p>
             <a:fld id="{776C8E78-E43C-423C-8F84-C588C40EE856}" type="datetimeFigureOut">
               <a:rPr lang="en-US" smtClean="0"/>
-              <a:t>05-Jan-21</a:t>
+              <a:t>10-Jan-21</a:t>
             </a:fld>
             <a:endParaRPr lang="en-US"/>
           </a:p>
@@ -551,7 +551,16 @@
           <a:bodyPr/>
           <a:lstStyle/>
           <a:p>
-            <a:endParaRPr lang="en-US" dirty="0"/>
+            <a:r>
+              <a:rPr lang="en-US" dirty="0"/>
+              <a:t>There’re two algorithms, they’re both continuous optimisation algorithms</a:t>
+            </a:r>
+          </a:p>
+          <a:p>
+            <a:r>
+              <a:rPr lang="en-US" dirty="0"/>
+              <a:t>Mention that Levy flights are an efficient way of stochastically exploring a search space</a:t>
+            </a:r>
           </a:p>
         </p:txBody>
       </p:sp>
@@ -572,7 +581,7 @@
           <a:p>
             <a:fld id="{3BFE5297-BAB1-4F31-9AAE-8087F184D2A2}" type="slidenum">
               <a:rPr lang="en-US" smtClean="0"/>
-              <a:t>8</a:t>
+              <a:t>4</a:t>
             </a:fld>
             <a:endParaRPr lang="en-US"/>
           </a:p>
@@ -581,7 +590,579 @@
     </p:spTree>
     <p:extLst>
       <p:ext uri="{BB962C8B-B14F-4D97-AF65-F5344CB8AC3E}">
-        <p14:creationId xmlns:p14="http://schemas.microsoft.com/office/powerpoint/2010/main" val="288888395"/>
+        <p14:creationId xmlns:p14="http://schemas.microsoft.com/office/powerpoint/2010/main" val="2382751487"/>
+      </p:ext>
+    </p:extLst>
+  </p:cSld>
+  <p:clrMapOvr>
+    <a:masterClrMapping/>
+  </p:clrMapOvr>
+</p:notes>
+</file>
+
+<file path=ppt/notesSlides/notesSlide10.xml><?xml version="1.0" encoding="utf-8"?>
+<p:notes xmlns:a="http://schemas.openxmlformats.org/drawingml/2006/main" xmlns:r="http://schemas.openxmlformats.org/officeDocument/2006/relationships" xmlns:p="http://schemas.openxmlformats.org/presentationml/2006/main">
+  <p:cSld>
+    <p:spTree>
+      <p:nvGrpSpPr>
+        <p:cNvPr id="1" name=""/>
+        <p:cNvGrpSpPr/>
+        <p:nvPr/>
+      </p:nvGrpSpPr>
+      <p:grpSpPr>
+        <a:xfrm>
+          <a:off x="0" y="0"/>
+          <a:ext cx="0" cy="0"/>
+          <a:chOff x="0" y="0"/>
+          <a:chExt cx="0" cy="0"/>
+        </a:xfrm>
+      </p:grpSpPr>
+      <p:sp>
+        <p:nvSpPr>
+          <p:cNvPr id="2" name="Slide Image Placeholder 1"/>
+          <p:cNvSpPr>
+            <a:spLocks noGrp="1" noRot="1" noChangeAspect="1"/>
+          </p:cNvSpPr>
+          <p:nvPr>
+            <p:ph type="sldImg"/>
+          </p:nvPr>
+        </p:nvSpPr>
+        <p:spPr/>
+      </p:sp>
+      <p:sp>
+        <p:nvSpPr>
+          <p:cNvPr id="3" name="Notes Placeholder 2"/>
+          <p:cNvSpPr>
+            <a:spLocks noGrp="1"/>
+          </p:cNvSpPr>
+          <p:nvPr>
+            <p:ph type="body" idx="1"/>
+          </p:nvPr>
+        </p:nvSpPr>
+        <p:spPr/>
+        <p:txBody>
+          <a:bodyPr/>
+          <a:lstStyle/>
+          <a:p>
+            <a:r>
+              <a:rPr lang="en-US" dirty="0"/>
+              <a:t>Bring up the fact that finding a GCOL reconfiguration graph is PSPACE-complete.</a:t>
+            </a:r>
+          </a:p>
+          <a:p>
+            <a:r>
+              <a:rPr lang="en-US" dirty="0"/>
+              <a:t>Thus we can’t achieve idealized migration, the best we can hope for is generating a colouring distance </a:t>
+            </a:r>
+            <a:r>
+              <a:rPr lang="en-US" dirty="0" err="1"/>
+              <a:t>lr</a:t>
+            </a:r>
+            <a:r>
+              <a:rPr lang="en-US" dirty="0"/>
+              <a:t> from y (but not necessarily distance l(1-r) from x).</a:t>
+            </a:r>
+          </a:p>
+        </p:txBody>
+      </p:sp>
+      <p:sp>
+        <p:nvSpPr>
+          <p:cNvPr id="4" name="Slide Number Placeholder 3"/>
+          <p:cNvSpPr>
+            <a:spLocks noGrp="1"/>
+          </p:cNvSpPr>
+          <p:nvPr>
+            <p:ph type="sldNum" sz="quarter" idx="5"/>
+          </p:nvPr>
+        </p:nvSpPr>
+        <p:spPr/>
+        <p:txBody>
+          <a:bodyPr/>
+          <a:lstStyle/>
+          <a:p>
+            <a:fld id="{3BFE5297-BAB1-4F31-9AAE-8087F184D2A2}" type="slidenum">
+              <a:rPr lang="en-US" smtClean="0"/>
+              <a:t>13</a:t>
+            </a:fld>
+            <a:endParaRPr lang="en-US"/>
+          </a:p>
+        </p:txBody>
+      </p:sp>
+    </p:spTree>
+    <p:extLst>
+      <p:ext uri="{BB962C8B-B14F-4D97-AF65-F5344CB8AC3E}">
+        <p14:creationId xmlns:p14="http://schemas.microsoft.com/office/powerpoint/2010/main" val="3423832287"/>
+      </p:ext>
+    </p:extLst>
+  </p:cSld>
+  <p:clrMapOvr>
+    <a:masterClrMapping/>
+  </p:clrMapOvr>
+</p:notes>
+</file>
+
+<file path=ppt/notesSlides/notesSlide11.xml><?xml version="1.0" encoding="utf-8"?>
+<p:notes xmlns:a="http://schemas.openxmlformats.org/drawingml/2006/main" xmlns:r="http://schemas.openxmlformats.org/officeDocument/2006/relationships" xmlns:p="http://schemas.openxmlformats.org/presentationml/2006/main">
+  <p:cSld>
+    <p:spTree>
+      <p:nvGrpSpPr>
+        <p:cNvPr id="1" name=""/>
+        <p:cNvGrpSpPr/>
+        <p:nvPr/>
+      </p:nvGrpSpPr>
+      <p:grpSpPr>
+        <a:xfrm>
+          <a:off x="0" y="0"/>
+          <a:ext cx="0" cy="0"/>
+          <a:chOff x="0" y="0"/>
+          <a:chExt cx="0" cy="0"/>
+        </a:xfrm>
+      </p:grpSpPr>
+      <p:sp>
+        <p:nvSpPr>
+          <p:cNvPr id="2" name="Slide Image Placeholder 1"/>
+          <p:cNvSpPr>
+            <a:spLocks noGrp="1" noRot="1" noChangeAspect="1"/>
+          </p:cNvSpPr>
+          <p:nvPr>
+            <p:ph type="sldImg"/>
+          </p:nvPr>
+        </p:nvSpPr>
+        <p:spPr/>
+      </p:sp>
+      <p:sp>
+        <p:nvSpPr>
+          <p:cNvPr id="3" name="Notes Placeholder 2"/>
+          <p:cNvSpPr>
+            <a:spLocks noGrp="1"/>
+          </p:cNvSpPr>
+          <p:nvPr>
+            <p:ph type="body" idx="1"/>
+          </p:nvPr>
+        </p:nvSpPr>
+        <p:spPr/>
+        <p:txBody>
+          <a:bodyPr/>
+          <a:lstStyle/>
+          <a:p>
+            <a:pPr marL="0" marR="0" lvl="0" indent="0" algn="l" defTabSz="914400" rtl="0" eaLnBrk="1" fontAlgn="auto" latinLnBrk="0" hangingPunct="1">
+              <a:lnSpc>
+                <a:spcPct val="100000"/>
+              </a:lnSpc>
+              <a:spcBef>
+                <a:spcPts val="0"/>
+              </a:spcBef>
+              <a:spcAft>
+                <a:spcPts val="0"/>
+              </a:spcAft>
+              <a:buClrTx/>
+              <a:buSzTx/>
+              <a:buFontTx/>
+              <a:buNone/>
+              <a:tabLst/>
+              <a:defRPr/>
+            </a:pPr>
+            <a:r>
+              <a:rPr lang="en-US" dirty="0"/>
+              <a:t>The only thing necessary to discretise is Levy flights</a:t>
+            </a:r>
+          </a:p>
+        </p:txBody>
+      </p:sp>
+      <p:sp>
+        <p:nvSpPr>
+          <p:cNvPr id="4" name="Slide Number Placeholder 3"/>
+          <p:cNvSpPr>
+            <a:spLocks noGrp="1"/>
+          </p:cNvSpPr>
+          <p:nvPr>
+            <p:ph type="sldNum" sz="quarter" idx="5"/>
+          </p:nvPr>
+        </p:nvSpPr>
+        <p:spPr/>
+        <p:txBody>
+          <a:bodyPr/>
+          <a:lstStyle/>
+          <a:p>
+            <a:fld id="{3BFE5297-BAB1-4F31-9AAE-8087F184D2A2}" type="slidenum">
+              <a:rPr lang="en-US" smtClean="0"/>
+              <a:t>14</a:t>
+            </a:fld>
+            <a:endParaRPr lang="en-US"/>
+          </a:p>
+        </p:txBody>
+      </p:sp>
+    </p:spTree>
+    <p:extLst>
+      <p:ext uri="{BB962C8B-B14F-4D97-AF65-F5344CB8AC3E}">
+        <p14:creationId xmlns:p14="http://schemas.microsoft.com/office/powerpoint/2010/main" val="2526725299"/>
+      </p:ext>
+    </p:extLst>
+  </p:cSld>
+  <p:clrMapOvr>
+    <a:masterClrMapping/>
+  </p:clrMapOvr>
+</p:notes>
+</file>
+
+<file path=ppt/notesSlides/notesSlide12.xml><?xml version="1.0" encoding="utf-8"?>
+<p:notes xmlns:a="http://schemas.openxmlformats.org/drawingml/2006/main" xmlns:r="http://schemas.openxmlformats.org/officeDocument/2006/relationships" xmlns:p="http://schemas.openxmlformats.org/presentationml/2006/main">
+  <p:cSld>
+    <p:spTree>
+      <p:nvGrpSpPr>
+        <p:cNvPr id="1" name=""/>
+        <p:cNvGrpSpPr/>
+        <p:nvPr/>
+      </p:nvGrpSpPr>
+      <p:grpSpPr>
+        <a:xfrm>
+          <a:off x="0" y="0"/>
+          <a:ext cx="0" cy="0"/>
+          <a:chOff x="0" y="0"/>
+          <a:chExt cx="0" cy="0"/>
+        </a:xfrm>
+      </p:grpSpPr>
+      <p:sp>
+        <p:nvSpPr>
+          <p:cNvPr id="2" name="Slide Image Placeholder 1"/>
+          <p:cNvSpPr>
+            <a:spLocks noGrp="1" noRot="1" noChangeAspect="1"/>
+          </p:cNvSpPr>
+          <p:nvPr>
+            <p:ph type="sldImg"/>
+          </p:nvPr>
+        </p:nvSpPr>
+        <p:spPr/>
+      </p:sp>
+      <p:sp>
+        <p:nvSpPr>
+          <p:cNvPr id="3" name="Notes Placeholder 2"/>
+          <p:cNvSpPr>
+            <a:spLocks noGrp="1"/>
+          </p:cNvSpPr>
+          <p:nvPr>
+            <p:ph type="body" idx="1"/>
+          </p:nvPr>
+        </p:nvSpPr>
+        <p:spPr/>
+        <p:txBody>
+          <a:bodyPr/>
+          <a:lstStyle/>
+          <a:p>
+            <a:r>
+              <a:rPr lang="en-US" dirty="0"/>
+              <a:t>Briefly mention why this approach sucks (talk about finding a 50 colouring for a 500 vertex graph) and lead in to the motivation for CSACO</a:t>
+            </a:r>
+          </a:p>
+        </p:txBody>
+      </p:sp>
+      <p:sp>
+        <p:nvSpPr>
+          <p:cNvPr id="4" name="Slide Number Placeholder 3"/>
+          <p:cNvSpPr>
+            <a:spLocks noGrp="1"/>
+          </p:cNvSpPr>
+          <p:nvPr>
+            <p:ph type="sldNum" sz="quarter" idx="5"/>
+          </p:nvPr>
+        </p:nvSpPr>
+        <p:spPr/>
+        <p:txBody>
+          <a:bodyPr/>
+          <a:lstStyle/>
+          <a:p>
+            <a:fld id="{3BFE5297-BAB1-4F31-9AAE-8087F184D2A2}" type="slidenum">
+              <a:rPr lang="en-US" smtClean="0"/>
+              <a:t>15</a:t>
+            </a:fld>
+            <a:endParaRPr lang="en-US"/>
+          </a:p>
+        </p:txBody>
+      </p:sp>
+    </p:spTree>
+    <p:extLst>
+      <p:ext uri="{BB962C8B-B14F-4D97-AF65-F5344CB8AC3E}">
+        <p14:creationId xmlns:p14="http://schemas.microsoft.com/office/powerpoint/2010/main" val="1284234959"/>
+      </p:ext>
+    </p:extLst>
+  </p:cSld>
+  <p:clrMapOvr>
+    <a:masterClrMapping/>
+  </p:clrMapOvr>
+</p:notes>
+</file>
+
+<file path=ppt/notesSlides/notesSlide13.xml><?xml version="1.0" encoding="utf-8"?>
+<p:notes xmlns:a="http://schemas.openxmlformats.org/drawingml/2006/main" xmlns:r="http://schemas.openxmlformats.org/officeDocument/2006/relationships" xmlns:p="http://schemas.openxmlformats.org/presentationml/2006/main">
+  <p:cSld>
+    <p:spTree>
+      <p:nvGrpSpPr>
+        <p:cNvPr id="1" name=""/>
+        <p:cNvGrpSpPr/>
+        <p:nvPr/>
+      </p:nvGrpSpPr>
+      <p:grpSpPr>
+        <a:xfrm>
+          <a:off x="0" y="0"/>
+          <a:ext cx="0" cy="0"/>
+          <a:chOff x="0" y="0"/>
+          <a:chExt cx="0" cy="0"/>
+        </a:xfrm>
+      </p:grpSpPr>
+      <p:sp>
+        <p:nvSpPr>
+          <p:cNvPr id="2" name="Slide Image Placeholder 1"/>
+          <p:cNvSpPr>
+            <a:spLocks noGrp="1" noRot="1" noChangeAspect="1"/>
+          </p:cNvSpPr>
+          <p:nvPr>
+            <p:ph type="sldImg"/>
+          </p:nvPr>
+        </p:nvSpPr>
+        <p:spPr/>
+      </p:sp>
+      <p:sp>
+        <p:nvSpPr>
+          <p:cNvPr id="3" name="Notes Placeholder 2"/>
+          <p:cNvSpPr>
+            <a:spLocks noGrp="1"/>
+          </p:cNvSpPr>
+          <p:nvPr>
+            <p:ph type="body" idx="1"/>
+          </p:nvPr>
+        </p:nvSpPr>
+        <p:spPr/>
+        <p:txBody>
+          <a:bodyPr/>
+          <a:lstStyle/>
+          <a:p>
+            <a:r>
+              <a:rPr lang="en-US" dirty="0"/>
+              <a:t>EMPHASISE THAT IT’S YOUR ALGORITHM</a:t>
+            </a:r>
+          </a:p>
+          <a:p>
+            <a:r>
+              <a:rPr lang="en-US" dirty="0"/>
+              <a:t>Allows you to select a set of vertices in a specific order and recolour them in such a way that uses heuristic information while also learning from previous iterations</a:t>
+            </a:r>
+          </a:p>
+          <a:p>
+            <a:r>
+              <a:rPr lang="en-US" dirty="0"/>
+              <a:t>Very briefly go over weight based on pheromone and heuristic value and state that paths which produce better colourings are given more pheromone</a:t>
+            </a:r>
+          </a:p>
+        </p:txBody>
+      </p:sp>
+      <p:sp>
+        <p:nvSpPr>
+          <p:cNvPr id="4" name="Slide Number Placeholder 3"/>
+          <p:cNvSpPr>
+            <a:spLocks noGrp="1"/>
+          </p:cNvSpPr>
+          <p:nvPr>
+            <p:ph type="sldNum" sz="quarter" idx="5"/>
+          </p:nvPr>
+        </p:nvSpPr>
+        <p:spPr/>
+        <p:txBody>
+          <a:bodyPr/>
+          <a:lstStyle/>
+          <a:p>
+            <a:fld id="{3BFE5297-BAB1-4F31-9AAE-8087F184D2A2}" type="slidenum">
+              <a:rPr lang="en-US" smtClean="0"/>
+              <a:t>16</a:t>
+            </a:fld>
+            <a:endParaRPr lang="en-US"/>
+          </a:p>
+        </p:txBody>
+      </p:sp>
+    </p:spTree>
+    <p:extLst>
+      <p:ext uri="{BB962C8B-B14F-4D97-AF65-F5344CB8AC3E}">
+        <p14:creationId xmlns:p14="http://schemas.microsoft.com/office/powerpoint/2010/main" val="2524706508"/>
+      </p:ext>
+    </p:extLst>
+  </p:cSld>
+  <p:clrMapOvr>
+    <a:masterClrMapping/>
+  </p:clrMapOvr>
+</p:notes>
+</file>
+
+<file path=ppt/notesSlides/notesSlide14.xml><?xml version="1.0" encoding="utf-8"?>
+<p:notes xmlns:a="http://schemas.openxmlformats.org/drawingml/2006/main" xmlns:r="http://schemas.openxmlformats.org/officeDocument/2006/relationships" xmlns:p="http://schemas.openxmlformats.org/presentationml/2006/main">
+  <p:cSld>
+    <p:spTree>
+      <p:nvGrpSpPr>
+        <p:cNvPr id="1" name=""/>
+        <p:cNvGrpSpPr/>
+        <p:nvPr/>
+      </p:nvGrpSpPr>
+      <p:grpSpPr>
+        <a:xfrm>
+          <a:off x="0" y="0"/>
+          <a:ext cx="0" cy="0"/>
+          <a:chOff x="0" y="0"/>
+          <a:chExt cx="0" cy="0"/>
+        </a:xfrm>
+      </p:grpSpPr>
+      <p:sp>
+        <p:nvSpPr>
+          <p:cNvPr id="2" name="Slide Image Placeholder 1"/>
+          <p:cNvSpPr>
+            <a:spLocks noGrp="1" noRot="1" noChangeAspect="1"/>
+          </p:cNvSpPr>
+          <p:nvPr>
+            <p:ph type="sldImg"/>
+          </p:nvPr>
+        </p:nvSpPr>
+        <p:spPr/>
+      </p:sp>
+      <p:sp>
+        <p:nvSpPr>
+          <p:cNvPr id="3" name="Notes Placeholder 2"/>
+          <p:cNvSpPr>
+            <a:spLocks noGrp="1"/>
+          </p:cNvSpPr>
+          <p:nvPr>
+            <p:ph type="body" idx="1"/>
+          </p:nvPr>
+        </p:nvSpPr>
+        <p:spPr/>
+        <p:txBody>
+          <a:bodyPr/>
+          <a:lstStyle/>
+          <a:p>
+            <a:endParaRPr lang="en-US" dirty="0"/>
+          </a:p>
+        </p:txBody>
+      </p:sp>
+      <p:sp>
+        <p:nvSpPr>
+          <p:cNvPr id="4" name="Slide Number Placeholder 3"/>
+          <p:cNvSpPr>
+            <a:spLocks noGrp="1"/>
+          </p:cNvSpPr>
+          <p:nvPr>
+            <p:ph type="sldNum" sz="quarter" idx="5"/>
+          </p:nvPr>
+        </p:nvSpPr>
+        <p:spPr/>
+        <p:txBody>
+          <a:bodyPr/>
+          <a:lstStyle/>
+          <a:p>
+            <a:fld id="{3BFE5297-BAB1-4F31-9AAE-8087F184D2A2}" type="slidenum">
+              <a:rPr lang="en-US" smtClean="0"/>
+              <a:t>17</a:t>
+            </a:fld>
+            <a:endParaRPr lang="en-US"/>
+          </a:p>
+        </p:txBody>
+      </p:sp>
+    </p:spTree>
+    <p:extLst>
+      <p:ext uri="{BB962C8B-B14F-4D97-AF65-F5344CB8AC3E}">
+        <p14:creationId xmlns:p14="http://schemas.microsoft.com/office/powerpoint/2010/main" val="1268163596"/>
+      </p:ext>
+    </p:extLst>
+  </p:cSld>
+  <p:clrMapOvr>
+    <a:masterClrMapping/>
+  </p:clrMapOvr>
+</p:notes>
+</file>
+
+<file path=ppt/notesSlides/notesSlide15.xml><?xml version="1.0" encoding="utf-8"?>
+<p:notes xmlns:a="http://schemas.openxmlformats.org/drawingml/2006/main" xmlns:r="http://schemas.openxmlformats.org/officeDocument/2006/relationships" xmlns:p="http://schemas.openxmlformats.org/presentationml/2006/main">
+  <p:cSld>
+    <p:spTree>
+      <p:nvGrpSpPr>
+        <p:cNvPr id="1" name=""/>
+        <p:cNvGrpSpPr/>
+        <p:nvPr/>
+      </p:nvGrpSpPr>
+      <p:grpSpPr>
+        <a:xfrm>
+          <a:off x="0" y="0"/>
+          <a:ext cx="0" cy="0"/>
+          <a:chOff x="0" y="0"/>
+          <a:chExt cx="0" cy="0"/>
+        </a:xfrm>
+      </p:grpSpPr>
+      <p:sp>
+        <p:nvSpPr>
+          <p:cNvPr id="2" name="Slide Image Placeholder 1"/>
+          <p:cNvSpPr>
+            <a:spLocks noGrp="1" noRot="1" noChangeAspect="1"/>
+          </p:cNvSpPr>
+          <p:nvPr>
+            <p:ph type="sldImg"/>
+          </p:nvPr>
+        </p:nvSpPr>
+        <p:spPr/>
+      </p:sp>
+      <p:sp>
+        <p:nvSpPr>
+          <p:cNvPr id="3" name="Notes Placeholder 2"/>
+          <p:cNvSpPr>
+            <a:spLocks noGrp="1"/>
+          </p:cNvSpPr>
+          <p:nvPr>
+            <p:ph type="body" idx="1"/>
+          </p:nvPr>
+        </p:nvSpPr>
+        <p:spPr/>
+        <p:txBody>
+          <a:bodyPr/>
+          <a:lstStyle/>
+          <a:p>
+            <a:r>
+              <a:rPr lang="en-US" dirty="0"/>
+              <a:t>Very briefly introduce results, state that CSACO does surprisingly well (but also stress that these are very early results)</a:t>
+            </a:r>
+          </a:p>
+          <a:p>
+            <a:r>
+              <a:rPr lang="en-US" dirty="0"/>
+              <a:t>Then ask </a:t>
+            </a:r>
+            <a:r>
+              <a:rPr lang="en-US"/>
+              <a:t>for questions</a:t>
+            </a:r>
+          </a:p>
+        </p:txBody>
+      </p:sp>
+      <p:sp>
+        <p:nvSpPr>
+          <p:cNvPr id="4" name="Slide Number Placeholder 3"/>
+          <p:cNvSpPr>
+            <a:spLocks noGrp="1"/>
+          </p:cNvSpPr>
+          <p:nvPr>
+            <p:ph type="sldNum" sz="quarter" idx="5"/>
+          </p:nvPr>
+        </p:nvSpPr>
+        <p:spPr/>
+        <p:txBody>
+          <a:bodyPr/>
+          <a:lstStyle/>
+          <a:p>
+            <a:fld id="{3BFE5297-BAB1-4F31-9AAE-8087F184D2A2}" type="slidenum">
+              <a:rPr lang="en-US" smtClean="0"/>
+              <a:t>18</a:t>
+            </a:fld>
+            <a:endParaRPr lang="en-US"/>
+          </a:p>
+        </p:txBody>
+      </p:sp>
+    </p:spTree>
+    <p:extLst>
+      <p:ext uri="{BB962C8B-B14F-4D97-AF65-F5344CB8AC3E}">
+        <p14:creationId xmlns:p14="http://schemas.microsoft.com/office/powerpoint/2010/main" val="3097110000"/>
       </p:ext>
     </p:extLst>
   </p:cSld>
@@ -635,7 +1216,10 @@
           <a:bodyPr/>
           <a:lstStyle/>
           <a:p>
-            <a:endParaRPr lang="en-US" dirty="0"/>
+            <a:r>
+              <a:rPr lang="en-US" dirty="0"/>
+              <a:t>Imitates the life span of the entire cuckoo</a:t>
+            </a:r>
           </a:p>
         </p:txBody>
       </p:sp>
@@ -656,7 +1240,7 @@
           <a:p>
             <a:fld id="{3BFE5297-BAB1-4F31-9AAE-8087F184D2A2}" type="slidenum">
               <a:rPr lang="en-US" smtClean="0"/>
-              <a:t>10</a:t>
+              <a:t>5</a:t>
             </a:fld>
             <a:endParaRPr lang="en-US"/>
           </a:p>
@@ -665,7 +1249,7 @@
     </p:spTree>
     <p:extLst>
       <p:ext uri="{BB962C8B-B14F-4D97-AF65-F5344CB8AC3E}">
-        <p14:creationId xmlns:p14="http://schemas.microsoft.com/office/powerpoint/2010/main" val="431545428"/>
+        <p14:creationId xmlns:p14="http://schemas.microsoft.com/office/powerpoint/2010/main" val="1786748636"/>
       </p:ext>
     </p:extLst>
   </p:cSld>
@@ -719,7 +1303,10 @@
           <a:bodyPr/>
           <a:lstStyle/>
           <a:p>
-            <a:endParaRPr lang="en-US" dirty="0"/>
+            <a:r>
+              <a:rPr lang="en-US" dirty="0"/>
+              <a:t>P is a constant parameter of the algorithm</a:t>
+            </a:r>
           </a:p>
         </p:txBody>
       </p:sp>
@@ -740,7 +1327,7 @@
           <a:p>
             <a:fld id="{3BFE5297-BAB1-4F31-9AAE-8087F184D2A2}" type="slidenum">
               <a:rPr lang="en-US" smtClean="0"/>
-              <a:t>14</a:t>
+              <a:t>6</a:t>
             </a:fld>
             <a:endParaRPr lang="en-US"/>
           </a:p>
@@ -749,7 +1336,7 @@
     </p:spTree>
     <p:extLst>
       <p:ext uri="{BB962C8B-B14F-4D97-AF65-F5344CB8AC3E}">
-        <p14:creationId xmlns:p14="http://schemas.microsoft.com/office/powerpoint/2010/main" val="2526725299"/>
+        <p14:creationId xmlns:p14="http://schemas.microsoft.com/office/powerpoint/2010/main" val="950995738"/>
       </p:ext>
     </p:extLst>
   </p:cSld>
@@ -824,7 +1411,7 @@
           <a:p>
             <a:fld id="{3BFE5297-BAB1-4F31-9AAE-8087F184D2A2}" type="slidenum">
               <a:rPr lang="en-US" smtClean="0"/>
-              <a:t>17</a:t>
+              <a:t>7</a:t>
             </a:fld>
             <a:endParaRPr lang="en-US"/>
           </a:p>
@@ -833,7 +1420,479 @@
     </p:spTree>
     <p:extLst>
       <p:ext uri="{BB962C8B-B14F-4D97-AF65-F5344CB8AC3E}">
-        <p14:creationId xmlns:p14="http://schemas.microsoft.com/office/powerpoint/2010/main" val="1268163596"/>
+        <p14:creationId xmlns:p14="http://schemas.microsoft.com/office/powerpoint/2010/main" val="2565120320"/>
+      </p:ext>
+    </p:extLst>
+  </p:cSld>
+  <p:clrMapOvr>
+    <a:masterClrMapping/>
+  </p:clrMapOvr>
+</p:notes>
+</file>
+
+<file path=ppt/notesSlides/notesSlide5.xml><?xml version="1.0" encoding="utf-8"?>
+<p:notes xmlns:a="http://schemas.openxmlformats.org/drawingml/2006/main" xmlns:r="http://schemas.openxmlformats.org/officeDocument/2006/relationships" xmlns:p="http://schemas.openxmlformats.org/presentationml/2006/main">
+  <p:cSld>
+    <p:spTree>
+      <p:nvGrpSpPr>
+        <p:cNvPr id="1" name=""/>
+        <p:cNvGrpSpPr/>
+        <p:nvPr/>
+      </p:nvGrpSpPr>
+      <p:grpSpPr>
+        <a:xfrm>
+          <a:off x="0" y="0"/>
+          <a:ext cx="0" cy="0"/>
+          <a:chOff x="0" y="0"/>
+          <a:chExt cx="0" cy="0"/>
+        </a:xfrm>
+      </p:grpSpPr>
+      <p:sp>
+        <p:nvSpPr>
+          <p:cNvPr id="2" name="Slide Image Placeholder 1"/>
+          <p:cNvSpPr>
+            <a:spLocks noGrp="1" noRot="1" noChangeAspect="1"/>
+          </p:cNvSpPr>
+          <p:nvPr>
+            <p:ph type="sldImg"/>
+          </p:nvPr>
+        </p:nvSpPr>
+        <p:spPr/>
+      </p:sp>
+      <p:sp>
+        <p:nvSpPr>
+          <p:cNvPr id="3" name="Notes Placeholder 2"/>
+          <p:cNvSpPr>
+            <a:spLocks noGrp="1"/>
+          </p:cNvSpPr>
+          <p:nvPr>
+            <p:ph type="body" idx="1"/>
+          </p:nvPr>
+        </p:nvSpPr>
+        <p:spPr/>
+        <p:txBody>
+          <a:bodyPr/>
+          <a:lstStyle/>
+          <a:p>
+            <a:r>
+              <a:rPr lang="en-US" dirty="0"/>
+              <a:t>Now onto discretisation which is the theory of applying continuous algorithms to discrete problems, in this case graph colouring.</a:t>
+            </a:r>
+          </a:p>
+        </p:txBody>
+      </p:sp>
+      <p:sp>
+        <p:nvSpPr>
+          <p:cNvPr id="4" name="Slide Number Placeholder 3"/>
+          <p:cNvSpPr>
+            <a:spLocks noGrp="1"/>
+          </p:cNvSpPr>
+          <p:nvPr>
+            <p:ph type="sldNum" sz="quarter" idx="5"/>
+          </p:nvPr>
+        </p:nvSpPr>
+        <p:spPr/>
+        <p:txBody>
+          <a:bodyPr/>
+          <a:lstStyle/>
+          <a:p>
+            <a:fld id="{3BFE5297-BAB1-4F31-9AAE-8087F184D2A2}" type="slidenum">
+              <a:rPr lang="en-US" smtClean="0"/>
+              <a:t>8</a:t>
+            </a:fld>
+            <a:endParaRPr lang="en-US"/>
+          </a:p>
+        </p:txBody>
+      </p:sp>
+    </p:spTree>
+    <p:extLst>
+      <p:ext uri="{BB962C8B-B14F-4D97-AF65-F5344CB8AC3E}">
+        <p14:creationId xmlns:p14="http://schemas.microsoft.com/office/powerpoint/2010/main" val="288888395"/>
+      </p:ext>
+    </p:extLst>
+  </p:cSld>
+  <p:clrMapOvr>
+    <a:masterClrMapping/>
+  </p:clrMapOvr>
+</p:notes>
+</file>
+
+<file path=ppt/notesSlides/notesSlide6.xml><?xml version="1.0" encoding="utf-8"?>
+<p:notes xmlns:a="http://schemas.openxmlformats.org/drawingml/2006/main" xmlns:r="http://schemas.openxmlformats.org/officeDocument/2006/relationships" xmlns:p="http://schemas.openxmlformats.org/presentationml/2006/main">
+  <p:cSld>
+    <p:spTree>
+      <p:nvGrpSpPr>
+        <p:cNvPr id="1" name=""/>
+        <p:cNvGrpSpPr/>
+        <p:nvPr/>
+      </p:nvGrpSpPr>
+      <p:grpSpPr>
+        <a:xfrm>
+          <a:off x="0" y="0"/>
+          <a:ext cx="0" cy="0"/>
+          <a:chOff x="0" y="0"/>
+          <a:chExt cx="0" cy="0"/>
+        </a:xfrm>
+      </p:grpSpPr>
+      <p:sp>
+        <p:nvSpPr>
+          <p:cNvPr id="2" name="Slide Image Placeholder 1"/>
+          <p:cNvSpPr>
+            <a:spLocks noGrp="1" noRot="1" noChangeAspect="1"/>
+          </p:cNvSpPr>
+          <p:nvPr>
+            <p:ph type="sldImg"/>
+          </p:nvPr>
+        </p:nvSpPr>
+        <p:spPr/>
+      </p:sp>
+      <p:sp>
+        <p:nvSpPr>
+          <p:cNvPr id="3" name="Notes Placeholder 2"/>
+          <p:cNvSpPr>
+            <a:spLocks noGrp="1"/>
+          </p:cNvSpPr>
+          <p:nvPr>
+            <p:ph type="body" idx="1"/>
+          </p:nvPr>
+        </p:nvSpPr>
+        <p:spPr/>
+        <p:txBody>
+          <a:bodyPr/>
+          <a:lstStyle/>
+          <a:p>
+            <a:r>
+              <a:rPr lang="en-US" dirty="0"/>
+              <a:t>State what </a:t>
+            </a:r>
+            <a:r>
+              <a:rPr lang="en-US" dirty="0" err="1"/>
+              <a:t>V_i</a:t>
+            </a:r>
+            <a:r>
+              <a:rPr lang="en-US" dirty="0"/>
+              <a:t> and </a:t>
+            </a:r>
+            <a:r>
+              <a:rPr lang="en-US" dirty="0" err="1"/>
+              <a:t>E_i</a:t>
+            </a:r>
+            <a:r>
+              <a:rPr lang="en-US" dirty="0"/>
+              <a:t> are.</a:t>
+            </a:r>
+          </a:p>
+          <a:p>
+            <a:r>
+              <a:rPr lang="en-US" dirty="0"/>
+              <a:t>State that Penalty reduces to Legal with no conflicts.</a:t>
+            </a:r>
+          </a:p>
+          <a:p>
+            <a:r>
+              <a:rPr lang="en-US" dirty="0"/>
+              <a:t>State that penalty often outperforms the other two and if time briefly mention why (finding paths in GCOL reconfiguration graph is PSPACE-complete).</a:t>
+            </a:r>
+          </a:p>
+        </p:txBody>
+      </p:sp>
+      <p:sp>
+        <p:nvSpPr>
+          <p:cNvPr id="4" name="Slide Number Placeholder 3"/>
+          <p:cNvSpPr>
+            <a:spLocks noGrp="1"/>
+          </p:cNvSpPr>
+          <p:nvPr>
+            <p:ph type="sldNum" sz="quarter" idx="5"/>
+          </p:nvPr>
+        </p:nvSpPr>
+        <p:spPr/>
+        <p:txBody>
+          <a:bodyPr/>
+          <a:lstStyle/>
+          <a:p>
+            <a:fld id="{3BFE5297-BAB1-4F31-9AAE-8087F184D2A2}" type="slidenum">
+              <a:rPr lang="en-US" smtClean="0"/>
+              <a:t>9</a:t>
+            </a:fld>
+            <a:endParaRPr lang="en-US"/>
+          </a:p>
+        </p:txBody>
+      </p:sp>
+    </p:spTree>
+    <p:extLst>
+      <p:ext uri="{BB962C8B-B14F-4D97-AF65-F5344CB8AC3E}">
+        <p14:creationId xmlns:p14="http://schemas.microsoft.com/office/powerpoint/2010/main" val="3888889471"/>
+      </p:ext>
+    </p:extLst>
+  </p:cSld>
+  <p:clrMapOvr>
+    <a:masterClrMapping/>
+  </p:clrMapOvr>
+</p:notes>
+</file>
+
+<file path=ppt/notesSlides/notesSlide7.xml><?xml version="1.0" encoding="utf-8"?>
+<p:notes xmlns:a="http://schemas.openxmlformats.org/drawingml/2006/main" xmlns:r="http://schemas.openxmlformats.org/officeDocument/2006/relationships" xmlns:p="http://schemas.openxmlformats.org/presentationml/2006/main">
+  <p:cSld>
+    <p:spTree>
+      <p:nvGrpSpPr>
+        <p:cNvPr id="1" name=""/>
+        <p:cNvGrpSpPr/>
+        <p:nvPr/>
+      </p:nvGrpSpPr>
+      <p:grpSpPr>
+        <a:xfrm>
+          <a:off x="0" y="0"/>
+          <a:ext cx="0" cy="0"/>
+          <a:chOff x="0" y="0"/>
+          <a:chExt cx="0" cy="0"/>
+        </a:xfrm>
+      </p:grpSpPr>
+      <p:sp>
+        <p:nvSpPr>
+          <p:cNvPr id="2" name="Slide Image Placeholder 1"/>
+          <p:cNvSpPr>
+            <a:spLocks noGrp="1" noRot="1" noChangeAspect="1"/>
+          </p:cNvSpPr>
+          <p:nvPr>
+            <p:ph type="sldImg"/>
+          </p:nvPr>
+        </p:nvSpPr>
+        <p:spPr/>
+      </p:sp>
+      <p:sp>
+        <p:nvSpPr>
+          <p:cNvPr id="3" name="Notes Placeholder 2"/>
+          <p:cNvSpPr>
+            <a:spLocks noGrp="1"/>
+          </p:cNvSpPr>
+          <p:nvPr>
+            <p:ph type="body" idx="1"/>
+          </p:nvPr>
+        </p:nvSpPr>
+        <p:spPr/>
+        <p:txBody>
+          <a:bodyPr/>
+          <a:lstStyle/>
+          <a:p>
+            <a:endParaRPr lang="en-US" dirty="0"/>
+          </a:p>
+        </p:txBody>
+      </p:sp>
+      <p:sp>
+        <p:nvSpPr>
+          <p:cNvPr id="4" name="Slide Number Placeholder 3"/>
+          <p:cNvSpPr>
+            <a:spLocks noGrp="1"/>
+          </p:cNvSpPr>
+          <p:nvPr>
+            <p:ph type="sldNum" sz="quarter" idx="5"/>
+          </p:nvPr>
+        </p:nvSpPr>
+        <p:spPr/>
+        <p:txBody>
+          <a:bodyPr/>
+          <a:lstStyle/>
+          <a:p>
+            <a:fld id="{3BFE5297-BAB1-4F31-9AAE-8087F184D2A2}" type="slidenum">
+              <a:rPr lang="en-US" smtClean="0"/>
+              <a:t>10</a:t>
+            </a:fld>
+            <a:endParaRPr lang="en-US"/>
+          </a:p>
+        </p:txBody>
+      </p:sp>
+    </p:spTree>
+    <p:extLst>
+      <p:ext uri="{BB962C8B-B14F-4D97-AF65-F5344CB8AC3E}">
+        <p14:creationId xmlns:p14="http://schemas.microsoft.com/office/powerpoint/2010/main" val="431545428"/>
+      </p:ext>
+    </p:extLst>
+  </p:cSld>
+  <p:clrMapOvr>
+    <a:masterClrMapping/>
+  </p:clrMapOvr>
+</p:notes>
+</file>
+
+<file path=ppt/notesSlides/notesSlide8.xml><?xml version="1.0" encoding="utf-8"?>
+<p:notes xmlns:a="http://schemas.openxmlformats.org/drawingml/2006/main" xmlns:r="http://schemas.openxmlformats.org/officeDocument/2006/relationships" xmlns:p="http://schemas.openxmlformats.org/presentationml/2006/main">
+  <p:cSld>
+    <p:spTree>
+      <p:nvGrpSpPr>
+        <p:cNvPr id="1" name=""/>
+        <p:cNvGrpSpPr/>
+        <p:nvPr/>
+      </p:nvGrpSpPr>
+      <p:grpSpPr>
+        <a:xfrm>
+          <a:off x="0" y="0"/>
+          <a:ext cx="0" cy="0"/>
+          <a:chOff x="0" y="0"/>
+          <a:chExt cx="0" cy="0"/>
+        </a:xfrm>
+      </p:grpSpPr>
+      <p:sp>
+        <p:nvSpPr>
+          <p:cNvPr id="2" name="Slide Image Placeholder 1"/>
+          <p:cNvSpPr>
+            <a:spLocks noGrp="1" noRot="1" noChangeAspect="1"/>
+          </p:cNvSpPr>
+          <p:nvPr>
+            <p:ph type="sldImg"/>
+          </p:nvPr>
+        </p:nvSpPr>
+        <p:spPr/>
+      </p:sp>
+      <p:sp>
+        <p:nvSpPr>
+          <p:cNvPr id="3" name="Notes Placeholder 2"/>
+          <p:cNvSpPr>
+            <a:spLocks noGrp="1"/>
+          </p:cNvSpPr>
+          <p:nvPr>
+            <p:ph type="body" idx="1"/>
+          </p:nvPr>
+        </p:nvSpPr>
+        <p:spPr/>
+        <p:txBody>
+          <a:bodyPr/>
+          <a:lstStyle/>
+          <a:p>
+            <a:r>
+              <a:rPr lang="en-US" dirty="0"/>
+              <a:t>Emphasise that this a legal approach</a:t>
+            </a:r>
+          </a:p>
+          <a:p>
+            <a:r>
+              <a:rPr lang="en-US" dirty="0"/>
+              <a:t>Egg hatching is identical as it isn’t a problem dependent operator</a:t>
+            </a:r>
+          </a:p>
+        </p:txBody>
+      </p:sp>
+      <p:sp>
+        <p:nvSpPr>
+          <p:cNvPr id="4" name="Slide Number Placeholder 3"/>
+          <p:cNvSpPr>
+            <a:spLocks noGrp="1"/>
+          </p:cNvSpPr>
+          <p:nvPr>
+            <p:ph type="sldNum" sz="quarter" idx="5"/>
+          </p:nvPr>
+        </p:nvSpPr>
+        <p:spPr/>
+        <p:txBody>
+          <a:bodyPr/>
+          <a:lstStyle/>
+          <a:p>
+            <a:fld id="{3BFE5297-BAB1-4F31-9AAE-8087F184D2A2}" type="slidenum">
+              <a:rPr lang="en-US" smtClean="0"/>
+              <a:t>11</a:t>
+            </a:fld>
+            <a:endParaRPr lang="en-US"/>
+          </a:p>
+        </p:txBody>
+      </p:sp>
+    </p:spTree>
+    <p:extLst>
+      <p:ext uri="{BB962C8B-B14F-4D97-AF65-F5344CB8AC3E}">
+        <p14:creationId xmlns:p14="http://schemas.microsoft.com/office/powerpoint/2010/main" val="560170338"/>
+      </p:ext>
+    </p:extLst>
+  </p:cSld>
+  <p:clrMapOvr>
+    <a:masterClrMapping/>
+  </p:clrMapOvr>
+</p:notes>
+</file>
+
+<file path=ppt/notesSlides/notesSlide9.xml><?xml version="1.0" encoding="utf-8"?>
+<p:notes xmlns:a="http://schemas.openxmlformats.org/drawingml/2006/main" xmlns:r="http://schemas.openxmlformats.org/officeDocument/2006/relationships" xmlns:p="http://schemas.openxmlformats.org/presentationml/2006/main">
+  <p:cSld>
+    <p:spTree>
+      <p:nvGrpSpPr>
+        <p:cNvPr id="1" name=""/>
+        <p:cNvGrpSpPr/>
+        <p:nvPr/>
+      </p:nvGrpSpPr>
+      <p:grpSpPr>
+        <a:xfrm>
+          <a:off x="0" y="0"/>
+          <a:ext cx="0" cy="0"/>
+          <a:chOff x="0" y="0"/>
+          <a:chExt cx="0" cy="0"/>
+        </a:xfrm>
+      </p:grpSpPr>
+      <p:sp>
+        <p:nvSpPr>
+          <p:cNvPr id="2" name="Slide Image Placeholder 1"/>
+          <p:cNvSpPr>
+            <a:spLocks noGrp="1" noRot="1" noChangeAspect="1"/>
+          </p:cNvSpPr>
+          <p:nvPr>
+            <p:ph type="sldImg"/>
+          </p:nvPr>
+        </p:nvSpPr>
+        <p:spPr/>
+      </p:sp>
+      <p:sp>
+        <p:nvSpPr>
+          <p:cNvPr id="3" name="Notes Placeholder 2"/>
+          <p:cNvSpPr>
+            <a:spLocks noGrp="1"/>
+          </p:cNvSpPr>
+          <p:nvPr>
+            <p:ph type="body" idx="1"/>
+          </p:nvPr>
+        </p:nvSpPr>
+        <p:spPr/>
+        <p:txBody>
+          <a:bodyPr/>
+          <a:lstStyle/>
+          <a:p>
+            <a:r>
+              <a:rPr lang="en-US" dirty="0"/>
+              <a:t>Briefly explain what a metric space is.</a:t>
+            </a:r>
+          </a:p>
+          <a:p>
+            <a:r>
+              <a:rPr lang="en-US" dirty="0"/>
+              <a:t>STATE THAT I USE HAMMING DISTANCE</a:t>
+            </a:r>
+          </a:p>
+        </p:txBody>
+      </p:sp>
+      <p:sp>
+        <p:nvSpPr>
+          <p:cNvPr id="4" name="Slide Number Placeholder 3"/>
+          <p:cNvSpPr>
+            <a:spLocks noGrp="1"/>
+          </p:cNvSpPr>
+          <p:nvPr>
+            <p:ph type="sldNum" sz="quarter" idx="5"/>
+          </p:nvPr>
+        </p:nvSpPr>
+        <p:spPr/>
+        <p:txBody>
+          <a:bodyPr/>
+          <a:lstStyle/>
+          <a:p>
+            <a:fld id="{3BFE5297-BAB1-4F31-9AAE-8087F184D2A2}" type="slidenum">
+              <a:rPr lang="en-US" smtClean="0"/>
+              <a:t>12</a:t>
+            </a:fld>
+            <a:endParaRPr lang="en-US"/>
+          </a:p>
+        </p:txBody>
+      </p:sp>
+    </p:spTree>
+    <p:extLst>
+      <p:ext uri="{BB962C8B-B14F-4D97-AF65-F5344CB8AC3E}">
+        <p14:creationId xmlns:p14="http://schemas.microsoft.com/office/powerpoint/2010/main" val="1030702372"/>
       </p:ext>
     </p:extLst>
   </p:cSld>
@@ -1011,7 +2070,7 @@
           <a:p>
             <a:fld id="{997E3D89-5AC1-4E29-8B79-6F7A6C159ABA}" type="datetimeFigureOut">
               <a:rPr lang="en-US" smtClean="0"/>
-              <a:t>05-Jan-21</a:t>
+              <a:t>10-Jan-21</a:t>
             </a:fld>
             <a:endParaRPr lang="en-US"/>
           </a:p>
@@ -1239,7 +2298,7 @@
           <a:p>
             <a:fld id="{997E3D89-5AC1-4E29-8B79-6F7A6C159ABA}" type="datetimeFigureOut">
               <a:rPr lang="en-US" smtClean="0"/>
-              <a:t>05-Jan-21</a:t>
+              <a:t>10-Jan-21</a:t>
             </a:fld>
             <a:endParaRPr lang="en-US"/>
           </a:p>
@@ -1419,7 +2478,7 @@
           <a:p>
             <a:fld id="{997E3D89-5AC1-4E29-8B79-6F7A6C159ABA}" type="datetimeFigureOut">
               <a:rPr lang="en-US" smtClean="0"/>
-              <a:t>05-Jan-21</a:t>
+              <a:t>10-Jan-21</a:t>
             </a:fld>
             <a:endParaRPr lang="en-US"/>
           </a:p>
@@ -1589,7 +2648,7 @@
           <a:p>
             <a:fld id="{997E3D89-5AC1-4E29-8B79-6F7A6C159ABA}" type="datetimeFigureOut">
               <a:rPr lang="en-US" smtClean="0"/>
-              <a:t>05-Jan-21</a:t>
+              <a:t>10-Jan-21</a:t>
             </a:fld>
             <a:endParaRPr lang="en-US"/>
           </a:p>
@@ -1843,7 +2902,7 @@
           <a:p>
             <a:fld id="{997E3D89-5AC1-4E29-8B79-6F7A6C159ABA}" type="datetimeFigureOut">
               <a:rPr lang="en-US" smtClean="0"/>
-              <a:t>05-Jan-21</a:t>
+              <a:t>10-Jan-21</a:t>
             </a:fld>
             <a:endParaRPr lang="en-US"/>
           </a:p>
@@ -2169,7 +3228,7 @@
           <a:p>
             <a:fld id="{997E3D89-5AC1-4E29-8B79-6F7A6C159ABA}" type="datetimeFigureOut">
               <a:rPr lang="en-US" smtClean="0"/>
-              <a:t>05-Jan-21</a:t>
+              <a:t>10-Jan-21</a:t>
             </a:fld>
             <a:endParaRPr lang="en-US"/>
           </a:p>
@@ -2620,7 +3679,7 @@
           <a:p>
             <a:fld id="{997E3D89-5AC1-4E29-8B79-6F7A6C159ABA}" type="datetimeFigureOut">
               <a:rPr lang="en-US" smtClean="0"/>
-              <a:t>05-Jan-21</a:t>
+              <a:t>10-Jan-21</a:t>
             </a:fld>
             <a:endParaRPr lang="en-US"/>
           </a:p>
@@ -2738,7 +3797,7 @@
           <a:p>
             <a:fld id="{997E3D89-5AC1-4E29-8B79-6F7A6C159ABA}" type="datetimeFigureOut">
               <a:rPr lang="en-US" smtClean="0"/>
-              <a:t>05-Jan-21</a:t>
+              <a:t>10-Jan-21</a:t>
             </a:fld>
             <a:endParaRPr lang="en-US"/>
           </a:p>
@@ -2833,7 +3892,7 @@
           <a:p>
             <a:fld id="{997E3D89-5AC1-4E29-8B79-6F7A6C159ABA}" type="datetimeFigureOut">
               <a:rPr lang="en-US" smtClean="0"/>
-              <a:t>05-Jan-21</a:t>
+              <a:t>10-Jan-21</a:t>
             </a:fld>
             <a:endParaRPr lang="en-US"/>
           </a:p>
@@ -3120,7 +4179,7 @@
           <a:p>
             <a:fld id="{997E3D89-5AC1-4E29-8B79-6F7A6C159ABA}" type="datetimeFigureOut">
               <a:rPr lang="en-US" smtClean="0"/>
-              <a:t>05-Jan-21</a:t>
+              <a:t>10-Jan-21</a:t>
             </a:fld>
             <a:endParaRPr lang="en-US"/>
           </a:p>
@@ -3442,7 +4501,7 @@
           <a:p>
             <a:fld id="{997E3D89-5AC1-4E29-8B79-6F7A6C159ABA}" type="datetimeFigureOut">
               <a:rPr lang="en-US" smtClean="0"/>
-              <a:t>05-Jan-21</a:t>
+              <a:t>10-Jan-21</a:t>
             </a:fld>
             <a:endParaRPr lang="en-US"/>
           </a:p>
@@ -3696,7 +4755,7 @@
           <a:p>
             <a:fld id="{997E3D89-5AC1-4E29-8B79-6F7A6C159ABA}" type="datetimeFigureOut">
               <a:rPr lang="en-US" smtClean="0"/>
-              <a:t>05-Jan-21</a:t>
+              <a:t>10-Jan-21</a:t>
             </a:fld>
             <a:endParaRPr lang="en-US"/>
           </a:p>
@@ -4644,7 +5703,7 @@
                 <a:ext cx="8595360" cy="4351337"/>
               </a:xfrm>
               <a:blipFill>
-                <a:blip r:embed="rId2"/>
+                <a:blip r:embed="rId3"/>
                 <a:stretch>
                   <a:fillRect l="-426" t="-980"/>
                 </a:stretch>
@@ -5445,7 +6504,7 @@
                 <a:ext cx="8595360" cy="4351337"/>
               </a:xfrm>
               <a:blipFill>
-                <a:blip r:embed="rId2"/>
+                <a:blip r:embed="rId3"/>
                 <a:stretch>
                   <a:fillRect l="-284" t="-980" r="-851"/>
                 </a:stretch>
@@ -5538,7 +6597,7 @@
           <p:nvPr/>
         </p:nvPicPr>
         <p:blipFill>
-          <a:blip r:embed="rId3"/>
+          <a:blip r:embed="rId4"/>
           <a:stretch>
             <a:fillRect/>
           </a:stretch>
@@ -5724,38 +6783,682 @@
           </a:p>
         </p:txBody>
       </p:sp>
-      <p:sp>
-        <p:nvSpPr>
-          <p:cNvPr id="3" name="Content Placeholder 2">
-            <a:extLst>
-              <a:ext uri="{FF2B5EF4-FFF2-40B4-BE49-F238E27FC236}">
-                <a16:creationId xmlns:a16="http://schemas.microsoft.com/office/drawing/2014/main" id="{18ED27A9-7C5A-4401-ACBD-37470CB7427E}"/>
-              </a:ext>
-            </a:extLst>
-          </p:cNvPr>
-          <p:cNvSpPr>
-            <a:spLocks noGrp="1"/>
-          </p:cNvSpPr>
-          <p:nvPr>
-            <p:ph idx="1"/>
-          </p:nvPr>
-        </p:nvSpPr>
-        <p:spPr>
-          <a:xfrm>
-            <a:off x="1261872" y="1828800"/>
-            <a:ext cx="8595360" cy="4351337"/>
-          </a:xfrm>
-        </p:spPr>
-        <p:txBody>
-          <a:bodyPr>
-            <a:normAutofit/>
-          </a:bodyPr>
-          <a:lstStyle/>
-          <a:p>
-            <a:endParaRPr lang="en-US" sz="1800" dirty="0"/>
-          </a:p>
-        </p:txBody>
-      </p:sp>
+      <mc:AlternateContent xmlns:mc="http://schemas.openxmlformats.org/markup-compatibility/2006" xmlns:a14="http://schemas.microsoft.com/office/drawing/2010/main">
+        <mc:Choice Requires="a14">
+          <p:sp>
+            <p:nvSpPr>
+              <p:cNvPr id="3" name="Content Placeholder 2">
+                <a:extLst>
+                  <a:ext uri="{FF2B5EF4-FFF2-40B4-BE49-F238E27FC236}">
+                    <a16:creationId xmlns:a16="http://schemas.microsoft.com/office/drawing/2014/main" id="{18ED27A9-7C5A-4401-ACBD-37470CB7427E}"/>
+                  </a:ext>
+                </a:extLst>
+              </p:cNvPr>
+              <p:cNvSpPr>
+                <a:spLocks noGrp="1"/>
+              </p:cNvSpPr>
+              <p:nvPr>
+                <p:ph idx="1"/>
+              </p:nvPr>
+            </p:nvSpPr>
+            <p:spPr>
+              <a:xfrm>
+                <a:off x="1261872" y="1828800"/>
+                <a:ext cx="8595360" cy="4351337"/>
+              </a:xfrm>
+            </p:spPr>
+            <p:txBody>
+              <a:bodyPr>
+                <a:normAutofit/>
+              </a:bodyPr>
+              <a:lstStyle/>
+              <a:p>
+                <a:r>
+                  <a:rPr lang="en-US" sz="1800" dirty="0"/>
+                  <a:t>Giv</a:t>
+                </a:r>
+                <a:r>
+                  <a:rPr lang="en-US" dirty="0"/>
+                  <a:t>en a cuckoo x and a goal point y, let </a:t>
+                </a:r>
+                <a14:m>
+                  <m:oMath xmlns:m="http://schemas.openxmlformats.org/officeDocument/2006/math">
+                    <m:r>
+                      <a:rPr lang="en-US" b="0" i="1" smtClean="0">
+                        <a:latin typeface="Cambria Math" panose="02040503050406030204" pitchFamily="18" charset="0"/>
+                      </a:rPr>
+                      <m:t>𝑟</m:t>
+                    </m:r>
+                    <m:r>
+                      <a:rPr lang="en-US" b="0" i="1" smtClean="0">
+                        <a:latin typeface="Cambria Math" panose="02040503050406030204" pitchFamily="18" charset="0"/>
+                      </a:rPr>
+                      <m:t>=</m:t>
+                    </m:r>
+                    <m:r>
+                      <a:rPr lang="en-US" b="0" i="1" smtClean="0">
+                        <a:latin typeface="Cambria Math" panose="02040503050406030204" pitchFamily="18" charset="0"/>
+                      </a:rPr>
+                      <m:t>𝑑</m:t>
+                    </m:r>
+                    <m:r>
+                      <a:rPr lang="en-US" b="0" i="1" smtClean="0">
+                        <a:latin typeface="Cambria Math" panose="02040503050406030204" pitchFamily="18" charset="0"/>
+                      </a:rPr>
+                      <m:t>(</m:t>
+                    </m:r>
+                    <m:r>
+                      <a:rPr lang="en-US" b="0" i="1" smtClean="0">
+                        <a:latin typeface="Cambria Math" panose="02040503050406030204" pitchFamily="18" charset="0"/>
+                      </a:rPr>
+                      <m:t>𝑥</m:t>
+                    </m:r>
+                    <m:r>
+                      <a:rPr lang="en-US" b="0" i="1" smtClean="0">
+                        <a:latin typeface="Cambria Math" panose="02040503050406030204" pitchFamily="18" charset="0"/>
+                      </a:rPr>
+                      <m:t>,</m:t>
+                    </m:r>
+                    <m:r>
+                      <a:rPr lang="en-US" b="0" i="1" smtClean="0">
+                        <a:latin typeface="Cambria Math" panose="02040503050406030204" pitchFamily="18" charset="0"/>
+                      </a:rPr>
+                      <m:t>𝑦</m:t>
+                    </m:r>
+                    <m:r>
+                      <a:rPr lang="en-US" b="0" i="1" smtClean="0">
+                        <a:latin typeface="Cambria Math" panose="02040503050406030204" pitchFamily="18" charset="0"/>
+                      </a:rPr>
+                      <m:t>)</m:t>
+                    </m:r>
+                  </m:oMath>
+                </a14:m>
+                <a:endParaRPr lang="en-US" sz="1800" dirty="0"/>
+              </a:p>
+              <a:p>
+                <a:r>
+                  <a:rPr lang="en-US" dirty="0"/>
+                  <a:t>Generate a random number </a:t>
+                </a:r>
+                <a14:m>
+                  <m:oMath xmlns:m="http://schemas.openxmlformats.org/officeDocument/2006/math">
+                    <m:r>
+                      <m:rPr>
+                        <m:sty m:val="p"/>
+                      </m:rPr>
+                      <a:rPr lang="el-GR" i="1" smtClean="0">
+                        <a:latin typeface="Cambria Math" panose="02040503050406030204" pitchFamily="18" charset="0"/>
+                      </a:rPr>
+                      <m:t>λ</m:t>
+                    </m:r>
+                    <m:r>
+                      <a:rPr lang="en-US" b="0" i="1" smtClean="0">
+                        <a:latin typeface="Cambria Math" panose="02040503050406030204" pitchFamily="18" charset="0"/>
+                      </a:rPr>
+                      <m:t> ~ </m:t>
+                    </m:r>
+                    <m:r>
+                      <a:rPr lang="en-US" b="0" i="1" smtClean="0">
+                        <a:latin typeface="Cambria Math" panose="02040503050406030204" pitchFamily="18" charset="0"/>
+                      </a:rPr>
+                      <m:t>𝑈</m:t>
+                    </m:r>
+                    <m:r>
+                      <a:rPr lang="en-US" b="0" i="1" smtClean="0">
+                        <a:latin typeface="Cambria Math" panose="02040503050406030204" pitchFamily="18" charset="0"/>
+                      </a:rPr>
+                      <m:t>(0, 1)</m:t>
+                    </m:r>
+                  </m:oMath>
+                </a14:m>
+                <a:endParaRPr lang="en-US" sz="1800" dirty="0"/>
+              </a:p>
+              <a:p>
+                <a:pPr lvl="1"/>
+                <a:r>
+                  <a:rPr lang="en-US" dirty="0"/>
+                  <a:t>We will generate a colouring distance </a:t>
+                </a:r>
+                <a14:m>
+                  <m:oMath xmlns:m="http://schemas.openxmlformats.org/officeDocument/2006/math">
+                    <m:r>
+                      <a:rPr lang="en-US" b="0" i="1" smtClean="0">
+                        <a:latin typeface="Cambria Math" panose="02040503050406030204" pitchFamily="18" charset="0"/>
+                      </a:rPr>
+                      <m:t>𝑟</m:t>
+                    </m:r>
+                    <m:r>
+                      <m:rPr>
+                        <m:sty m:val="p"/>
+                      </m:rPr>
+                      <a:rPr lang="el-GR" i="1">
+                        <a:latin typeface="Cambria Math" panose="02040503050406030204" pitchFamily="18" charset="0"/>
+                      </a:rPr>
+                      <m:t>λ</m:t>
+                    </m:r>
+                  </m:oMath>
+                </a14:m>
+                <a:r>
+                  <a:rPr lang="en-US" dirty="0"/>
+                  <a:t> from y</a:t>
+                </a:r>
+              </a:p>
+              <a:p>
+                <a:r>
+                  <a:rPr lang="en-US" dirty="0"/>
+                  <a:t>Let </a:t>
+                </a:r>
+                <a14:m>
+                  <m:oMath xmlns:m="http://schemas.openxmlformats.org/officeDocument/2006/math">
+                    <m:r>
+                      <a:rPr lang="en-US" b="0" i="1" smtClean="0">
+                        <a:latin typeface="Cambria Math" panose="02040503050406030204" pitchFamily="18" charset="0"/>
+                      </a:rPr>
+                      <m:t>𝐼</m:t>
+                    </m:r>
+                    <m:r>
+                      <a:rPr lang="en-US" b="0" i="1" smtClean="0">
+                        <a:latin typeface="Cambria Math" panose="02040503050406030204" pitchFamily="18" charset="0"/>
+                      </a:rPr>
+                      <m:t>=</m:t>
+                    </m:r>
+                    <m:d>
+                      <m:dPr>
+                        <m:begChr m:val="{"/>
+                        <m:endChr m:val="|"/>
+                        <m:ctrlPr>
+                          <a:rPr lang="en-US" b="0" i="1" smtClean="0">
+                            <a:latin typeface="Cambria Math" panose="02040503050406030204" pitchFamily="18" charset="0"/>
+                          </a:rPr>
+                        </m:ctrlPr>
+                      </m:dPr>
+                      <m:e>
+                        <m:r>
+                          <a:rPr lang="en-US" b="0" i="1" smtClean="0">
+                            <a:latin typeface="Cambria Math" panose="02040503050406030204" pitchFamily="18" charset="0"/>
+                          </a:rPr>
+                          <m:t>𝑣</m:t>
+                        </m:r>
+                        <m:r>
+                          <a:rPr lang="en-US" b="0" i="1" smtClean="0">
+                            <a:latin typeface="Cambria Math" panose="02040503050406030204" pitchFamily="18" charset="0"/>
+                          </a:rPr>
+                          <m:t> </m:t>
+                        </m:r>
+                      </m:e>
+                    </m:d>
+                    <m:r>
+                      <a:rPr lang="en-US" b="0" i="1" smtClean="0">
+                        <a:latin typeface="Cambria Math" panose="02040503050406030204" pitchFamily="18" charset="0"/>
+                      </a:rPr>
+                      <m:t> </m:t>
+                    </m:r>
+                    <m:sSub>
+                      <m:sSubPr>
+                        <m:ctrlPr>
+                          <a:rPr lang="en-US" b="0" i="1" smtClean="0">
+                            <a:latin typeface="Cambria Math" panose="02040503050406030204" pitchFamily="18" charset="0"/>
+                          </a:rPr>
+                        </m:ctrlPr>
+                      </m:sSubPr>
+                      <m:e>
+                        <m:r>
+                          <a:rPr lang="en-US" b="0" i="1" smtClean="0">
+                            <a:latin typeface="Cambria Math" panose="02040503050406030204" pitchFamily="18" charset="0"/>
+                          </a:rPr>
+                          <m:t>𝑥</m:t>
+                        </m:r>
+                      </m:e>
+                      <m:sub>
+                        <m:r>
+                          <a:rPr lang="en-US" b="0" i="1" smtClean="0">
+                            <a:latin typeface="Cambria Math" panose="02040503050406030204" pitchFamily="18" charset="0"/>
+                          </a:rPr>
+                          <m:t>𝑣</m:t>
+                        </m:r>
+                      </m:sub>
+                    </m:sSub>
+                    <m:r>
+                      <a:rPr lang="en-US" i="1">
+                        <a:latin typeface="Cambria Math" panose="02040503050406030204" pitchFamily="18" charset="0"/>
+                        <a:ea typeface="Cambria Math" panose="02040503050406030204" pitchFamily="18" charset="0"/>
+                      </a:rPr>
+                      <m:t>≠</m:t>
+                    </m:r>
+                    <m:sSub>
+                      <m:sSubPr>
+                        <m:ctrlPr>
+                          <a:rPr lang="en-US" i="1" smtClean="0">
+                            <a:latin typeface="Cambria Math" panose="02040503050406030204" pitchFamily="18" charset="0"/>
+                            <a:ea typeface="Cambria Math" panose="02040503050406030204" pitchFamily="18" charset="0"/>
+                          </a:rPr>
+                        </m:ctrlPr>
+                      </m:sSubPr>
+                      <m:e>
+                        <m:r>
+                          <a:rPr lang="en-US" b="0" i="1" smtClean="0">
+                            <a:latin typeface="Cambria Math" panose="02040503050406030204" pitchFamily="18" charset="0"/>
+                            <a:ea typeface="Cambria Math" panose="02040503050406030204" pitchFamily="18" charset="0"/>
+                          </a:rPr>
+                          <m:t>𝑦</m:t>
+                        </m:r>
+                      </m:e>
+                      <m:sub>
+                        <m:r>
+                          <a:rPr lang="en-US" b="0" i="1" smtClean="0">
+                            <a:latin typeface="Cambria Math" panose="02040503050406030204" pitchFamily="18" charset="0"/>
+                            <a:ea typeface="Cambria Math" panose="02040503050406030204" pitchFamily="18" charset="0"/>
+                          </a:rPr>
+                          <m:t>𝑣</m:t>
+                        </m:r>
+                      </m:sub>
+                    </m:sSub>
+                    <m:r>
+                      <a:rPr lang="en-US" b="0" i="1" smtClean="0">
+                        <a:latin typeface="Cambria Math" panose="02040503050406030204" pitchFamily="18" charset="0"/>
+                        <a:ea typeface="Cambria Math" panose="02040503050406030204" pitchFamily="18" charset="0"/>
+                      </a:rPr>
+                      <m:t>}</m:t>
+                    </m:r>
+                  </m:oMath>
+                </a14:m>
+                <a:r>
+                  <a:rPr lang="en-US" dirty="0"/>
+                  <a:t> be ordered arbitrarily</a:t>
+                </a:r>
+              </a:p>
+              <a:p>
+                <a:pPr lvl="1"/>
+                <a:r>
+                  <a:rPr lang="en-US" dirty="0"/>
+                  <a:t>The set of vertices on which x and y disagree (</a:t>
+                </a:r>
+                <a14:m>
+                  <m:oMath xmlns:m="http://schemas.openxmlformats.org/officeDocument/2006/math">
+                    <m:r>
+                      <a:rPr lang="en-US" b="0" i="1" smtClean="0">
+                        <a:latin typeface="Cambria Math" panose="02040503050406030204" pitchFamily="18" charset="0"/>
+                      </a:rPr>
+                      <m:t>𝑑</m:t>
+                    </m:r>
+                    <m:d>
+                      <m:dPr>
+                        <m:ctrlPr>
+                          <a:rPr lang="en-US" b="0" i="1" smtClean="0">
+                            <a:latin typeface="Cambria Math" panose="02040503050406030204" pitchFamily="18" charset="0"/>
+                          </a:rPr>
+                        </m:ctrlPr>
+                      </m:dPr>
+                      <m:e>
+                        <m:r>
+                          <a:rPr lang="en-US" b="0" i="1" smtClean="0">
+                            <a:latin typeface="Cambria Math" panose="02040503050406030204" pitchFamily="18" charset="0"/>
+                          </a:rPr>
+                          <m:t>𝑥</m:t>
+                        </m:r>
+                        <m:r>
+                          <a:rPr lang="en-US" b="0" i="1" smtClean="0">
+                            <a:latin typeface="Cambria Math" panose="02040503050406030204" pitchFamily="18" charset="0"/>
+                          </a:rPr>
+                          <m:t>,</m:t>
+                        </m:r>
+                        <m:r>
+                          <a:rPr lang="en-US" b="0" i="1" smtClean="0">
+                            <a:latin typeface="Cambria Math" panose="02040503050406030204" pitchFamily="18" charset="0"/>
+                          </a:rPr>
+                          <m:t>𝑦</m:t>
+                        </m:r>
+                      </m:e>
+                    </m:d>
+                    <m:r>
+                      <a:rPr lang="en-US" b="0" i="1" smtClean="0">
+                        <a:latin typeface="Cambria Math" panose="02040503050406030204" pitchFamily="18" charset="0"/>
+                      </a:rPr>
+                      <m:t>=|</m:t>
+                    </m:r>
+                    <m:r>
+                      <a:rPr lang="en-US" b="0" i="1" smtClean="0">
+                        <a:latin typeface="Cambria Math" panose="02040503050406030204" pitchFamily="18" charset="0"/>
+                      </a:rPr>
+                      <m:t>𝐼</m:t>
+                    </m:r>
+                    <m:r>
+                      <a:rPr lang="en-US" b="0" i="1" smtClean="0">
+                        <a:latin typeface="Cambria Math" panose="02040503050406030204" pitchFamily="18" charset="0"/>
+                      </a:rPr>
+                      <m:t>|</m:t>
+                    </m:r>
+                  </m:oMath>
+                </a14:m>
+                <a:r>
+                  <a:rPr lang="en-US" dirty="0"/>
+                  <a:t>)</a:t>
+                </a:r>
+              </a:p>
+              <a:p>
+                <a:r>
+                  <a:rPr lang="en-US" dirty="0"/>
+                  <a:t>For </a:t>
+                </a:r>
+                <a14:m>
+                  <m:oMath xmlns:m="http://schemas.openxmlformats.org/officeDocument/2006/math">
+                    <m:r>
+                      <a:rPr lang="en-US" b="0" i="1" smtClean="0">
+                        <a:latin typeface="Cambria Math" panose="02040503050406030204" pitchFamily="18" charset="0"/>
+                      </a:rPr>
+                      <m:t>𝑖</m:t>
+                    </m:r>
+                  </m:oMath>
+                </a14:m>
+                <a:r>
+                  <a:rPr lang="en-US" dirty="0"/>
+                  <a:t> in </a:t>
+                </a:r>
+                <a14:m>
+                  <m:oMath xmlns:m="http://schemas.openxmlformats.org/officeDocument/2006/math">
+                    <m:sSub>
+                      <m:sSubPr>
+                        <m:ctrlPr>
+                          <a:rPr lang="en-US" i="1" smtClean="0">
+                            <a:latin typeface="Cambria Math" panose="02040503050406030204" pitchFamily="18" charset="0"/>
+                          </a:rPr>
+                        </m:ctrlPr>
+                      </m:sSubPr>
+                      <m:e>
+                        <m:r>
+                          <a:rPr lang="en-US" b="0" i="1" smtClean="0">
+                            <a:latin typeface="Cambria Math" panose="02040503050406030204" pitchFamily="18" charset="0"/>
+                          </a:rPr>
+                          <m:t>𝐼</m:t>
+                        </m:r>
+                      </m:e>
+                      <m:sub>
+                        <m:r>
+                          <a:rPr lang="en-US" b="0" i="1" smtClean="0">
+                            <a:latin typeface="Cambria Math" panose="02040503050406030204" pitchFamily="18" charset="0"/>
+                          </a:rPr>
+                          <m:t>1:</m:t>
+                        </m:r>
+                        <m:r>
+                          <a:rPr lang="en-US" i="1">
+                            <a:latin typeface="Cambria Math" panose="02040503050406030204" pitchFamily="18" charset="0"/>
+                          </a:rPr>
+                          <m:t>𝑟</m:t>
+                        </m:r>
+                        <m:r>
+                          <m:rPr>
+                            <m:sty m:val="p"/>
+                          </m:rPr>
+                          <a:rPr lang="el-GR" i="1">
+                            <a:latin typeface="Cambria Math" panose="02040503050406030204" pitchFamily="18" charset="0"/>
+                          </a:rPr>
+                          <m:t>λ</m:t>
+                        </m:r>
+                      </m:sub>
+                    </m:sSub>
+                  </m:oMath>
+                </a14:m>
+                <a:r>
+                  <a:rPr lang="en-US" dirty="0"/>
+                  <a:t>, recolour </a:t>
+                </a:r>
+                <a14:m>
+                  <m:oMath xmlns:m="http://schemas.openxmlformats.org/officeDocument/2006/math">
+                    <m:r>
+                      <a:rPr lang="en-US" i="1">
+                        <a:latin typeface="Cambria Math" panose="02040503050406030204" pitchFamily="18" charset="0"/>
+                      </a:rPr>
+                      <m:t>𝑖</m:t>
+                    </m:r>
+                  </m:oMath>
+                </a14:m>
+                <a:r>
+                  <a:rPr lang="en-US" dirty="0"/>
+                  <a:t> to </a:t>
+                </a:r>
+                <a14:m>
+                  <m:oMath xmlns:m="http://schemas.openxmlformats.org/officeDocument/2006/math">
+                    <m:sSub>
+                      <m:sSubPr>
+                        <m:ctrlPr>
+                          <a:rPr lang="en-US" i="1" smtClean="0">
+                            <a:latin typeface="Cambria Math" panose="02040503050406030204" pitchFamily="18" charset="0"/>
+                          </a:rPr>
+                        </m:ctrlPr>
+                      </m:sSubPr>
+                      <m:e>
+                        <m:r>
+                          <a:rPr lang="en-US" b="0" i="1" smtClean="0">
+                            <a:latin typeface="Cambria Math" panose="02040503050406030204" pitchFamily="18" charset="0"/>
+                          </a:rPr>
+                          <m:t>𝑦</m:t>
+                        </m:r>
+                      </m:e>
+                      <m:sub>
+                        <m:r>
+                          <a:rPr lang="en-US" b="0" i="1" smtClean="0">
+                            <a:latin typeface="Cambria Math" panose="02040503050406030204" pitchFamily="18" charset="0"/>
+                          </a:rPr>
+                          <m:t>𝑖</m:t>
+                        </m:r>
+                      </m:sub>
+                    </m:sSub>
+                  </m:oMath>
+                </a14:m>
+                <a:endParaRPr lang="en-US" dirty="0"/>
+              </a:p>
+              <a:p>
+                <a:pPr lvl="1"/>
+                <a14:m>
+                  <m:oMath xmlns:m="http://schemas.openxmlformats.org/officeDocument/2006/math">
+                    <m:r>
+                      <a:rPr lang="en-US" b="0" i="1" smtClean="0">
+                        <a:latin typeface="Cambria Math" panose="02040503050406030204" pitchFamily="18" charset="0"/>
+                      </a:rPr>
+                      <m:t>𝑖</m:t>
+                    </m:r>
+                  </m:oMath>
+                </a14:m>
+                <a:r>
+                  <a:rPr lang="en-US" dirty="0"/>
+                  <a:t> contains no conflicts with any vertices in that came before </a:t>
+                </a:r>
+                <a14:m>
+                  <m:oMath xmlns:m="http://schemas.openxmlformats.org/officeDocument/2006/math">
+                    <m:r>
+                      <a:rPr lang="en-US" i="1">
+                        <a:latin typeface="Cambria Math" panose="02040503050406030204" pitchFamily="18" charset="0"/>
+                      </a:rPr>
+                      <m:t>𝑖</m:t>
+                    </m:r>
+                  </m:oMath>
+                </a14:m>
+                <a:r>
+                  <a:rPr lang="en-US" dirty="0"/>
+                  <a:t> in I or any vertices in </a:t>
+                </a:r>
+                <a14:m>
+                  <m:oMath xmlns:m="http://schemas.openxmlformats.org/officeDocument/2006/math">
+                    <m:r>
+                      <a:rPr lang="en-US" b="0" i="1" smtClean="0">
+                        <a:latin typeface="Cambria Math" panose="02040503050406030204" pitchFamily="18" charset="0"/>
+                      </a:rPr>
+                      <m:t>𝑉</m:t>
+                    </m:r>
+                    <m:r>
+                      <a:rPr lang="en-US" b="0" i="1" smtClean="0">
+                        <a:latin typeface="Cambria Math" panose="02040503050406030204" pitchFamily="18" charset="0"/>
+                      </a:rPr>
+                      <m:t> \ </m:t>
+                    </m:r>
+                    <m:r>
+                      <m:rPr>
+                        <m:sty m:val="p"/>
+                      </m:rPr>
+                      <a:rPr lang="en-US" b="0" i="1" smtClean="0">
+                        <a:latin typeface="Cambria Math" panose="02040503050406030204" pitchFamily="18" charset="0"/>
+                      </a:rPr>
+                      <m:t>I</m:t>
+                    </m:r>
+                  </m:oMath>
+                </a14:m>
+                <a:endParaRPr lang="en-US" dirty="0"/>
+              </a:p>
+              <a:p>
+                <a:pPr lvl="1"/>
+                <a:r>
+                  <a:rPr lang="en-US" dirty="0"/>
+                  <a:t>For </a:t>
+                </a:r>
+                <a14:m>
+                  <m:oMath xmlns:m="http://schemas.openxmlformats.org/officeDocument/2006/math">
+                    <m:r>
+                      <a:rPr lang="en-US" b="0" i="1" smtClean="0">
+                        <a:latin typeface="Cambria Math" panose="02040503050406030204" pitchFamily="18" charset="0"/>
+                      </a:rPr>
+                      <m:t>𝑗</m:t>
+                    </m:r>
+                  </m:oMath>
+                </a14:m>
+                <a:r>
+                  <a:rPr lang="en-US" dirty="0"/>
+                  <a:t> in </a:t>
+                </a:r>
+                <a14:m>
+                  <m:oMath xmlns:m="http://schemas.openxmlformats.org/officeDocument/2006/math">
+                    <m:sSub>
+                      <m:sSubPr>
+                        <m:ctrlPr>
+                          <a:rPr lang="en-US" i="1">
+                            <a:latin typeface="Cambria Math" panose="02040503050406030204" pitchFamily="18" charset="0"/>
+                          </a:rPr>
+                        </m:ctrlPr>
+                      </m:sSubPr>
+                      <m:e>
+                        <m:r>
+                          <a:rPr lang="en-US" i="1">
+                            <a:latin typeface="Cambria Math" panose="02040503050406030204" pitchFamily="18" charset="0"/>
+                          </a:rPr>
+                          <m:t>𝐼</m:t>
+                        </m:r>
+                      </m:e>
+                      <m:sub>
+                        <m:r>
+                          <a:rPr lang="en-US" b="0" i="1" smtClean="0">
+                            <a:latin typeface="Cambria Math" panose="02040503050406030204" pitchFamily="18" charset="0"/>
+                          </a:rPr>
+                          <m:t>𝑖</m:t>
+                        </m:r>
+                        <m:r>
+                          <a:rPr lang="en-US" b="0" i="1" smtClean="0">
+                            <a:latin typeface="Cambria Math" panose="02040503050406030204" pitchFamily="18" charset="0"/>
+                          </a:rPr>
+                          <m:t>+1:</m:t>
+                        </m:r>
+                        <m:r>
+                          <a:rPr lang="en-US" i="1">
+                            <a:latin typeface="Cambria Math" panose="02040503050406030204" pitchFamily="18" charset="0"/>
+                          </a:rPr>
+                          <m:t>𝑟</m:t>
+                        </m:r>
+                        <m:r>
+                          <m:rPr>
+                            <m:sty m:val="p"/>
+                          </m:rPr>
+                          <a:rPr lang="el-GR" i="1">
+                            <a:latin typeface="Cambria Math" panose="02040503050406030204" pitchFamily="18" charset="0"/>
+                          </a:rPr>
+                          <m:t>λ</m:t>
+                        </m:r>
+                      </m:sub>
+                    </m:sSub>
+                  </m:oMath>
+                </a14:m>
+                <a:r>
+                  <a:rPr lang="en-US" dirty="0"/>
+                  <a:t>, recolour j to the lowest valid colour different to </a:t>
+                </a:r>
+                <a14:m>
+                  <m:oMath xmlns:m="http://schemas.openxmlformats.org/officeDocument/2006/math">
+                    <m:sSub>
+                      <m:sSubPr>
+                        <m:ctrlPr>
+                          <a:rPr lang="en-US" i="1">
+                            <a:latin typeface="Cambria Math" panose="02040503050406030204" pitchFamily="18" charset="0"/>
+                            <a:ea typeface="Cambria Math" panose="02040503050406030204" pitchFamily="18" charset="0"/>
+                          </a:rPr>
+                        </m:ctrlPr>
+                      </m:sSubPr>
+                      <m:e>
+                        <m:r>
+                          <a:rPr lang="en-US" i="1">
+                            <a:latin typeface="Cambria Math" panose="02040503050406030204" pitchFamily="18" charset="0"/>
+                            <a:ea typeface="Cambria Math" panose="02040503050406030204" pitchFamily="18" charset="0"/>
+                          </a:rPr>
+                          <m:t>𝑦</m:t>
+                        </m:r>
+                      </m:e>
+                      <m:sub>
+                        <m:r>
+                          <a:rPr lang="en-US" b="0" i="1" smtClean="0">
+                            <a:latin typeface="Cambria Math" panose="02040503050406030204" pitchFamily="18" charset="0"/>
+                            <a:ea typeface="Cambria Math" panose="02040503050406030204" pitchFamily="18" charset="0"/>
+                          </a:rPr>
+                          <m:t>𝑗</m:t>
+                        </m:r>
+                      </m:sub>
+                    </m:sSub>
+                  </m:oMath>
+                </a14:m>
+                <a:endParaRPr lang="en-US" dirty="0"/>
+              </a:p>
+            </p:txBody>
+          </p:sp>
+        </mc:Choice>
+        <mc:Fallback xmlns="">
+          <p:sp>
+            <p:nvSpPr>
+              <p:cNvPr id="3" name="Content Placeholder 2">
+                <a:extLst>
+                  <a:ext uri="{FF2B5EF4-FFF2-40B4-BE49-F238E27FC236}">
+                    <a16:creationId xmlns:a16="http://schemas.microsoft.com/office/drawing/2014/main" id="{18ED27A9-7C5A-4401-ACBD-37470CB7427E}"/>
+                  </a:ext>
+                </a:extLst>
+              </p:cNvPr>
+              <p:cNvSpPr>
+                <a:spLocks noGrp="1" noRot="1" noChangeAspect="1" noMove="1" noResize="1" noEditPoints="1" noAdjustHandles="1" noChangeArrowheads="1" noChangeShapeType="1" noTextEdit="1"/>
+              </p:cNvSpPr>
+              <p:nvPr>
+                <p:ph idx="1"/>
+              </p:nvPr>
+            </p:nvSpPr>
+            <p:spPr>
+              <a:xfrm>
+                <a:off x="1261872" y="1828800"/>
+                <a:ext cx="8595360" cy="4351337"/>
+              </a:xfrm>
+              <a:blipFill>
+                <a:blip r:embed="rId3"/>
+                <a:stretch>
+                  <a:fillRect l="-142" t="-1120"/>
+                </a:stretch>
+              </a:blipFill>
+            </p:spPr>
+            <p:txBody>
+              <a:bodyPr/>
+              <a:lstStyle/>
+              <a:p>
+                <a:r>
+                  <a:rPr lang="en-US">
+                    <a:noFill/>
+                  </a:rPr>
+                  <a:t> </a:t>
+                </a:r>
+              </a:p>
+            </p:txBody>
+          </p:sp>
+        </mc:Fallback>
+      </mc:AlternateContent>
       <p:sp>
         <p:nvSpPr>
           <p:cNvPr id="15" name="Rectangle 9">
@@ -7158,7 +8861,7 @@
                 <a:ext cx="8595360" cy="4351337"/>
               </a:xfrm>
               <a:blipFill>
-                <a:blip r:embed="rId2"/>
+                <a:blip r:embed="rId3"/>
                 <a:stretch>
                   <a:fillRect l="-142" t="-980"/>
                 </a:stretch>
@@ -7631,14 +9334,14 @@
           <p:nvPr>
             <p:extLst>
               <p:ext uri="{D42A27DB-BD31-4B8C-83A1-F6EECF244321}">
-                <p14:modId xmlns:p14="http://schemas.microsoft.com/office/powerpoint/2010/main" val="4035118976"/>
+                <p14:modId xmlns:p14="http://schemas.microsoft.com/office/powerpoint/2010/main" val="1600073391"/>
               </p:ext>
             </p:extLst>
           </p:nvPr>
         </p:nvGraphicFramePr>
         <p:xfrm>
           <a:off x="1574800" y="2572845"/>
-          <a:ext cx="8128000" cy="2595880"/>
+          <a:ext cx="8128000" cy="2966720"/>
         </p:xfrm>
         <a:graphic>
           <a:graphicData uri="http://schemas.openxmlformats.org/drawingml/2006/table">
@@ -7835,6 +9538,36 @@
                     <a:p>
                       <a:r>
                         <a:rPr lang="en-US" dirty="0"/>
+                        <a:t>PSO</a:t>
+                      </a:r>
+                    </a:p>
+                  </a:txBody>
+                  <a:tcPr/>
+                </a:tc>
+                <a:tc>
+                  <a:txBody>
+                    <a:bodyPr/>
+                    <a:lstStyle/>
+                    <a:p>
+                      <a:endParaRPr lang="en-US" dirty="0"/>
+                    </a:p>
+                  </a:txBody>
+                  <a:tcPr/>
+                </a:tc>
+                <a:extLst>
+                  <a:ext uri="{0D108BD9-81ED-4DB2-BD59-A6C34878D82A}">
+                    <a16:rowId xmlns:a16="http://schemas.microsoft.com/office/drawing/2014/main" val="3394008471"/>
+                  </a:ext>
+                </a:extLst>
+              </a:tr>
+              <a:tr h="370840">
+                <a:tc>
+                  <a:txBody>
+                    <a:bodyPr/>
+                    <a:lstStyle/>
+                    <a:p>
+                      <a:r>
+                        <a:rPr lang="en-US" dirty="0"/>
                         <a:t>SA</a:t>
                       </a:r>
                     </a:p>
@@ -7853,7 +9586,7 @@
                 </a:tc>
                 <a:extLst>
                   <a:ext uri="{0D108BD9-81ED-4DB2-BD59-A6C34878D82A}">
-                    <a16:rowId xmlns:a16="http://schemas.microsoft.com/office/drawing/2014/main" val="3394008471"/>
+                    <a16:rowId xmlns:a16="http://schemas.microsoft.com/office/drawing/2014/main" val="3219219174"/>
                   </a:ext>
                 </a:extLst>
               </a:tr>
@@ -7891,6 +9624,41 @@
           </a:graphicData>
         </a:graphic>
       </p:graphicFrame>
+      <p:sp>
+        <p:nvSpPr>
+          <p:cNvPr id="3" name="TextBox 2">
+            <a:extLst>
+              <a:ext uri="{FF2B5EF4-FFF2-40B4-BE49-F238E27FC236}">
+                <a16:creationId xmlns:a16="http://schemas.microsoft.com/office/drawing/2014/main" id="{E601F6B3-74C5-4772-BF82-099E85151030}"/>
+              </a:ext>
+            </a:extLst>
+          </p:cNvPr>
+          <p:cNvSpPr txBox="1"/>
+          <p:nvPr/>
+        </p:nvSpPr>
+        <p:spPr>
+          <a:xfrm>
+            <a:off x="1574800" y="1947182"/>
+            <a:ext cx="8128000" cy="369332"/>
+          </a:xfrm>
+          <a:prstGeom prst="rect">
+            <a:avLst/>
+          </a:prstGeom>
+          <a:noFill/>
+        </p:spPr>
+        <p:txBody>
+          <a:bodyPr wrap="square" rtlCol="0">
+            <a:spAutoFit/>
+          </a:bodyPr>
+          <a:lstStyle/>
+          <a:p>
+            <a:r>
+              <a:rPr lang="en-US" dirty="0"/>
+              <a:t>Running Algorithms for 30 minutes (|V| = 250, |E| = 15681)</a:t>
+            </a:r>
+          </a:p>
+        </p:txBody>
+      </p:sp>
     </p:spTree>
     <p:extLst>
       <p:ext uri="{BB962C8B-B14F-4D97-AF65-F5344CB8AC3E}">
@@ -8435,41 +10203,6 @@
           </a:extLst>
         </p:spPr>
       </p:pic>
-      <p:sp>
-        <p:nvSpPr>
-          <p:cNvPr id="4" name="TextBox 3">
-            <a:extLst>
-              <a:ext uri="{FF2B5EF4-FFF2-40B4-BE49-F238E27FC236}">
-                <a16:creationId xmlns:a16="http://schemas.microsoft.com/office/drawing/2014/main" id="{F1690A33-9096-4148-BEAA-3C69F2D5185A}"/>
-              </a:ext>
-            </a:extLst>
-          </p:cNvPr>
-          <p:cNvSpPr txBox="1"/>
-          <p:nvPr/>
-        </p:nvSpPr>
-        <p:spPr>
-          <a:xfrm>
-            <a:off x="8647652" y="3454707"/>
-            <a:ext cx="2413526" cy="338554"/>
-          </a:xfrm>
-          <a:prstGeom prst="rect">
-            <a:avLst/>
-          </a:prstGeom>
-          <a:noFill/>
-        </p:spPr>
-        <p:txBody>
-          <a:bodyPr wrap="square" rtlCol="0">
-            <a:spAutoFit/>
-          </a:bodyPr>
-          <a:lstStyle/>
-          <a:p>
-            <a:r>
-              <a:rPr lang="en-US" sz="800" dirty="0"/>
-              <a:t>https://commons.wikimedia.org/wiki/File:Petersen_graph_3-coloring.svg</a:t>
-            </a:r>
-          </a:p>
-        </p:txBody>
-      </p:sp>
     </p:spTree>
     <p:extLst>
       <p:ext uri="{BB962C8B-B14F-4D97-AF65-F5344CB8AC3E}">
@@ -8663,73 +10396,6 @@
           </a:fontRef>
         </p:style>
       </p:sp>
-      <p:sp>
-        <p:nvSpPr>
-          <p:cNvPr id="6" name="Content Placeholder 2">
-            <a:extLst>
-              <a:ext uri="{FF2B5EF4-FFF2-40B4-BE49-F238E27FC236}">
-                <a16:creationId xmlns:a16="http://schemas.microsoft.com/office/drawing/2014/main" id="{F05EF9AB-80C6-4685-92DB-0D3584F0607B}"/>
-              </a:ext>
-            </a:extLst>
-          </p:cNvPr>
-          <p:cNvSpPr>
-            <a:spLocks noGrp="1"/>
-          </p:cNvSpPr>
-          <p:nvPr>
-            <p:ph idx="1"/>
-          </p:nvPr>
-        </p:nvSpPr>
-        <p:spPr>
-          <a:xfrm>
-            <a:off x="1261872" y="1828800"/>
-            <a:ext cx="7739888" cy="4351337"/>
-          </a:xfrm>
-        </p:spPr>
-        <p:txBody>
-          <a:bodyPr>
-            <a:normAutofit/>
-          </a:bodyPr>
-          <a:lstStyle/>
-          <a:p>
-            <a:endParaRPr lang="en-US" sz="1800" dirty="0"/>
-          </a:p>
-        </p:txBody>
-      </p:sp>
-      <p:sp>
-        <p:nvSpPr>
-          <p:cNvPr id="4" name="TextBox 3">
-            <a:extLst>
-              <a:ext uri="{FF2B5EF4-FFF2-40B4-BE49-F238E27FC236}">
-                <a16:creationId xmlns:a16="http://schemas.microsoft.com/office/drawing/2014/main" id="{4988FE9F-1D78-47D7-9A90-4A5233DCFCE1}"/>
-              </a:ext>
-            </a:extLst>
-          </p:cNvPr>
-          <p:cNvSpPr txBox="1"/>
-          <p:nvPr/>
-        </p:nvSpPr>
-        <p:spPr>
-          <a:xfrm>
-            <a:off x="4805886" y="3971714"/>
-            <a:ext cx="3078480" cy="461665"/>
-          </a:xfrm>
-          <a:prstGeom prst="rect">
-            <a:avLst/>
-          </a:prstGeom>
-          <a:noFill/>
-        </p:spPr>
-        <p:txBody>
-          <a:bodyPr wrap="square" rtlCol="0">
-            <a:spAutoFit/>
-          </a:bodyPr>
-          <a:lstStyle/>
-          <a:p>
-            <a:r>
-              <a:rPr lang="en-US" sz="800" dirty="0"/>
-              <a:t>https://commons.wikimedia.org/wiki/File:Chestnut-winged_Cuckoo_in_Singapore,_Dec_2012,_by_William_Lee.jpg</a:t>
-            </a:r>
-          </a:p>
-        </p:txBody>
-      </p:sp>
       <p:pic>
         <p:nvPicPr>
           <p:cNvPr id="2052" name="Picture 4">
@@ -8759,8 +10425,8 @@
         </p:blipFill>
         <p:spPr bwMode="auto">
           <a:xfrm>
-            <a:off x="4805886" y="1828799"/>
-            <a:ext cx="3126100" cy="2090579"/>
+            <a:off x="3883814" y="3429000"/>
+            <a:ext cx="3723527" cy="2490108"/>
           </a:xfrm>
           <a:prstGeom prst="rect">
             <a:avLst/>
@@ -8779,10 +10445,10 @@
       </p:pic>
       <p:pic>
         <p:nvPicPr>
-          <p:cNvPr id="1026" name="Picture 2">
+          <p:cNvPr id="1032" name="Picture 8">
             <a:extLst>
               <a:ext uri="{FF2B5EF4-FFF2-40B4-BE49-F238E27FC236}">
-                <a16:creationId xmlns:a16="http://schemas.microsoft.com/office/drawing/2014/main" id="{429696A2-58E4-42A9-BCBC-C37BA318EE5F}"/>
+                <a16:creationId xmlns:a16="http://schemas.microsoft.com/office/drawing/2014/main" id="{890C624D-BF97-42E9-809E-6B607E9C8DB4}"/>
               </a:ext>
             </a:extLst>
           </p:cNvPr>
@@ -8806,8 +10472,8 @@
         </p:blipFill>
         <p:spPr bwMode="auto">
           <a:xfrm>
-            <a:off x="1261873" y="1828801"/>
-            <a:ext cx="2950898" cy="2087079"/>
+            <a:off x="7848444" y="1823693"/>
+            <a:ext cx="3239800" cy="2429850"/>
           </a:xfrm>
           <a:prstGeom prst="rect">
             <a:avLst/>
@@ -8824,47 +10490,12 @@
           </a:extLst>
         </p:spPr>
       </p:pic>
-      <p:sp>
-        <p:nvSpPr>
-          <p:cNvPr id="9" name="TextBox 8">
+      <p:pic>
+        <p:nvPicPr>
+          <p:cNvPr id="3" name="Picture 2" descr="When parenting goes cuckoo | Science News for Students">
             <a:extLst>
               <a:ext uri="{FF2B5EF4-FFF2-40B4-BE49-F238E27FC236}">
-                <a16:creationId xmlns:a16="http://schemas.microsoft.com/office/drawing/2014/main" id="{4536C3FB-013D-4CB5-ADEF-B303549B5B8E}"/>
-              </a:ext>
-            </a:extLst>
-          </p:cNvPr>
-          <p:cNvSpPr txBox="1"/>
-          <p:nvPr/>
-        </p:nvSpPr>
-        <p:spPr>
-          <a:xfrm>
-            <a:off x="1251942" y="3971714"/>
-            <a:ext cx="3078480" cy="338554"/>
-          </a:xfrm>
-          <a:prstGeom prst="rect">
-            <a:avLst/>
-          </a:prstGeom>
-          <a:noFill/>
-        </p:spPr>
-        <p:txBody>
-          <a:bodyPr wrap="square" rtlCol="0">
-            <a:spAutoFit/>
-          </a:bodyPr>
-          <a:lstStyle/>
-          <a:p>
-            <a:r>
-              <a:rPr lang="en-US" sz="800" dirty="0"/>
-              <a:t>https://en.wikipedia.org/wiki/Common_cuckoo#/media/File:CuculusCanorusIUCNver2019_3.png</a:t>
-            </a:r>
-          </a:p>
-        </p:txBody>
-      </p:sp>
-      <p:pic>
-        <p:nvPicPr>
-          <p:cNvPr id="1032" name="Picture 8">
-            <a:extLst>
-              <a:ext uri="{FF2B5EF4-FFF2-40B4-BE49-F238E27FC236}">
-                <a16:creationId xmlns:a16="http://schemas.microsoft.com/office/drawing/2014/main" id="{890C624D-BF97-42E9-809E-6B607E9C8DB4}"/>
+                <a16:creationId xmlns:a16="http://schemas.microsoft.com/office/drawing/2014/main" id="{E6417A50-12C2-4EB1-96DA-C19898DF4B75}"/>
               </a:ext>
             </a:extLst>
           </p:cNvPr>
@@ -8888,8 +10519,8 @@
         </p:blipFill>
         <p:spPr bwMode="auto">
           <a:xfrm>
-            <a:off x="8153460" y="1823693"/>
-            <a:ext cx="2801052" cy="2100789"/>
+            <a:off x="259265" y="1823693"/>
+            <a:ext cx="3383446" cy="1809750"/>
           </a:xfrm>
           <a:prstGeom prst="rect">
             <a:avLst/>
@@ -8906,41 +10537,6 @@
           </a:extLst>
         </p:spPr>
       </p:pic>
-      <p:sp>
-        <p:nvSpPr>
-          <p:cNvPr id="16" name="TextBox 15">
-            <a:extLst>
-              <a:ext uri="{FF2B5EF4-FFF2-40B4-BE49-F238E27FC236}">
-                <a16:creationId xmlns:a16="http://schemas.microsoft.com/office/drawing/2014/main" id="{B5ADD4E2-C562-4E51-AB12-13C43A8D72B2}"/>
-              </a:ext>
-            </a:extLst>
-          </p:cNvPr>
-          <p:cNvSpPr txBox="1"/>
-          <p:nvPr/>
-        </p:nvSpPr>
-        <p:spPr>
-          <a:xfrm>
-            <a:off x="8196293" y="3971715"/>
-            <a:ext cx="2715386" cy="461665"/>
-          </a:xfrm>
-          <a:prstGeom prst="rect">
-            <a:avLst/>
-          </a:prstGeom>
-          <a:noFill/>
-        </p:spPr>
-        <p:txBody>
-          <a:bodyPr wrap="square" rtlCol="0">
-            <a:spAutoFit/>
-          </a:bodyPr>
-          <a:lstStyle/>
-          <a:p>
-            <a:r>
-              <a:rPr lang="en-US" sz="800" dirty="0"/>
-              <a:t>https://en.wikipedia.org/wiki/Brood_parasite#/media/File:Eastern_Phoebe-nest-Brown-headed-Cowbird-egg.jpg</a:t>
-            </a:r>
-          </a:p>
-        </p:txBody>
-      </p:sp>
     </p:spTree>
     <p:extLst>
       <p:ext uri="{BB962C8B-B14F-4D97-AF65-F5344CB8AC3E}">
@@ -9077,8 +10673,8 @@
           </a:p>
         </p:txBody>
       </p:sp>
-      <mc:AlternateContent xmlns:mc="http://schemas.openxmlformats.org/markup-compatibility/2006">
-        <mc:Choice xmlns:a14="http://schemas.microsoft.com/office/drawing/2010/main" Requires="a14">
+      <mc:AlternateContent xmlns:mc="http://schemas.openxmlformats.org/markup-compatibility/2006" xmlns:a14="http://schemas.microsoft.com/office/drawing/2010/main">
+        <mc:Choice Requires="a14">
           <p:sp>
             <p:nvSpPr>
               <p:cNvPr id="3" name="Content Placeholder 2">
@@ -9177,7 +10773,7 @@
             </p:txBody>
           </p:sp>
         </mc:Choice>
-        <mc:Fallback>
+        <mc:Fallback xmlns="">
           <p:sp>
             <p:nvSpPr>
               <p:cNvPr id="3" name="Content Placeholder 2">
@@ -9200,7 +10796,7 @@
                 <a:ext cx="8595360" cy="4351337"/>
               </a:xfrm>
               <a:blipFill>
-                <a:blip r:embed="rId2"/>
+                <a:blip r:embed="rId3"/>
                 <a:stretch>
                   <a:fillRect l="-426" t="-980"/>
                 </a:stretch>
@@ -9293,7 +10889,7 @@
           <p:nvPr/>
         </p:nvPicPr>
         <p:blipFill>
-          <a:blip r:embed="rId3">
+          <a:blip r:embed="rId4">
             <a:extLst>
               <a:ext uri="{28A0092B-C50C-407E-A947-70E740481C1C}">
                 <a14:useLocalDpi xmlns:a14="http://schemas.microsoft.com/office/drawing/2010/main" val="0"/>
@@ -9329,7 +10925,7 @@
           <p:nvPr/>
         </p:nvPicPr>
         <p:blipFill>
-          <a:blip r:embed="rId4">
+          <a:blip r:embed="rId5">
             <a:extLst>
               <a:ext uri="{28A0092B-C50C-407E-A947-70E740481C1C}">
                 <a14:useLocalDpi xmlns:a14="http://schemas.microsoft.com/office/drawing/2010/main" val="0"/>
@@ -9647,7 +11243,7 @@
           <p:nvPr/>
         </p:nvPicPr>
         <p:blipFill>
-          <a:blip r:embed="rId2">
+          <a:blip r:embed="rId3">
             <a:extLst>
               <a:ext uri="{28A0092B-C50C-407E-A947-70E740481C1C}">
                 <a14:useLocalDpi xmlns:a14="http://schemas.microsoft.com/office/drawing/2010/main" val="0"/>
@@ -9679,105 +11275,6 @@
           </a:extLst>
         </p:spPr>
       </p:pic>
-      <p:sp>
-        <p:nvSpPr>
-          <p:cNvPr id="7" name="TextBox 6">
-            <a:extLst>
-              <a:ext uri="{FF2B5EF4-FFF2-40B4-BE49-F238E27FC236}">
-                <a16:creationId xmlns:a16="http://schemas.microsoft.com/office/drawing/2014/main" id="{F05AEB06-26B8-4A4B-996E-F6C8328E3AAA}"/>
-              </a:ext>
-            </a:extLst>
-          </p:cNvPr>
-          <p:cNvSpPr txBox="1"/>
-          <p:nvPr/>
-        </p:nvSpPr>
-        <p:spPr>
-          <a:xfrm>
-            <a:off x="8999434" y="4719703"/>
-            <a:ext cx="2278166" cy="338554"/>
-          </a:xfrm>
-          <a:prstGeom prst="rect">
-            <a:avLst/>
-          </a:prstGeom>
-          <a:noFill/>
-        </p:spPr>
-        <p:txBody>
-          <a:bodyPr wrap="square" rtlCol="0">
-            <a:spAutoFit/>
-          </a:bodyPr>
-          <a:lstStyle/>
-          <a:p>
-            <a:r>
-              <a:rPr lang="en-US" sz="800" b="0" i="0" dirty="0">
-                <a:effectLst/>
-                <a:latin typeface="Arial" panose="020B0604020202020204" pitchFamily="34" charset="0"/>
-              </a:rPr>
-              <a:t>https://en.wikipedia.org/wiki/Cuckoo#/media/File:Cacomantis_flabelliformis.jpg</a:t>
-            </a:r>
-            <a:endParaRPr lang="en-US" sz="800" dirty="0"/>
-          </a:p>
-        </p:txBody>
-      </p:sp>
-      <p:sp>
-        <p:nvSpPr>
-          <p:cNvPr id="10" name="TextBox 9">
-            <a:extLst>
-              <a:ext uri="{FF2B5EF4-FFF2-40B4-BE49-F238E27FC236}">
-                <a16:creationId xmlns:a16="http://schemas.microsoft.com/office/drawing/2014/main" id="{E27741F2-C244-499D-8753-EB75DDA5B4C6}"/>
-              </a:ext>
-            </a:extLst>
-          </p:cNvPr>
-          <p:cNvSpPr txBox="1"/>
-          <p:nvPr/>
-        </p:nvSpPr>
-        <p:spPr>
-          <a:xfrm>
-            <a:off x="5452660" y="4627190"/>
-            <a:ext cx="2715386" cy="338554"/>
-          </a:xfrm>
-          <a:prstGeom prst="rect">
-            <a:avLst/>
-          </a:prstGeom>
-          <a:noFill/>
-        </p:spPr>
-        <p:txBody>
-          <a:bodyPr wrap="square" rtlCol="0">
-            <a:spAutoFit/>
-          </a:bodyPr>
-          <a:lstStyle/>
-          <a:p>
-            <a:r>
-              <a:rPr lang="en-US" sz="800" b="0" i="0" dirty="0" err="1">
-                <a:effectLst/>
-                <a:latin typeface="Arial" panose="020B0604020202020204" pitchFamily="34" charset="0"/>
-              </a:rPr>
-              <a:t>Ramin</a:t>
-            </a:r>
-            <a:r>
-              <a:rPr lang="en-US" sz="800" b="0" i="0" dirty="0">
-                <a:effectLst/>
-                <a:latin typeface="Arial" panose="020B0604020202020204" pitchFamily="34" charset="0"/>
-              </a:rPr>
-              <a:t> </a:t>
-            </a:r>
-            <a:r>
-              <a:rPr lang="en-US" sz="800" b="0" i="0" dirty="0" err="1">
-                <a:effectLst/>
-                <a:latin typeface="Arial" panose="020B0604020202020204" pitchFamily="34" charset="0"/>
-              </a:rPr>
-              <a:t>Rajabioun</a:t>
-            </a:r>
-            <a:r>
-              <a:rPr lang="en-US" sz="800" b="0" i="0" dirty="0">
-                <a:effectLst/>
-                <a:latin typeface="Arial" panose="020B0604020202020204" pitchFamily="34" charset="0"/>
-              </a:rPr>
-              <a:t>. “Cuckoo optimization algorithm”. In: Applied soft computing11.8 (2011),pp. 5508–551</a:t>
-            </a:r>
-            <a:endParaRPr lang="en-US" sz="800" dirty="0"/>
-          </a:p>
-        </p:txBody>
-      </p:sp>
       <p:pic>
         <p:nvPicPr>
           <p:cNvPr id="8" name="Picture 7" descr="A picture containing writing implement, pencil, stationary&#10;&#10;Description automatically generated">
@@ -9793,7 +11290,7 @@
           <p:nvPr/>
         </p:nvPicPr>
         <p:blipFill>
-          <a:blip r:embed="rId3">
+          <a:blip r:embed="rId4">
             <a:extLst>
               <a:ext uri="{28A0092B-C50C-407E-A947-70E740481C1C}">
                 <a14:useLocalDpi xmlns:a14="http://schemas.microsoft.com/office/drawing/2010/main" val="0"/>
@@ -9950,8 +11447,8 @@
           </a:p>
         </p:txBody>
       </p:sp>
-      <mc:AlternateContent xmlns:mc="http://schemas.openxmlformats.org/markup-compatibility/2006">
-        <mc:Choice xmlns:a14="http://schemas.microsoft.com/office/drawing/2010/main" Requires="a14">
+      <mc:AlternateContent xmlns:mc="http://schemas.openxmlformats.org/markup-compatibility/2006" xmlns:a14="http://schemas.microsoft.com/office/drawing/2010/main">
+        <mc:Choice Requires="a14">
           <p:sp>
             <p:nvSpPr>
               <p:cNvPr id="3" name="Content Placeholder 2">
@@ -10404,7 +11901,7 @@
             </p:txBody>
           </p:sp>
         </mc:Choice>
-        <mc:Fallback>
+        <mc:Fallback xmlns="">
           <p:sp>
             <p:nvSpPr>
               <p:cNvPr id="3" name="Content Placeholder 2">
@@ -10427,7 +11924,7 @@
                 <a:ext cx="7557008" cy="4351337"/>
               </a:xfrm>
               <a:blipFill>
-                <a:blip r:embed="rId2"/>
+                <a:blip r:embed="rId3"/>
                 <a:stretch>
                   <a:fillRect l="-323" t="-1120"/>
                 </a:stretch>
@@ -10520,7 +12017,7 @@
           <p:nvPr/>
         </p:nvPicPr>
         <p:blipFill>
-          <a:blip r:embed="rId3"/>
+          <a:blip r:embed="rId4"/>
           <a:stretch>
             <a:fillRect/>
           </a:stretch>
@@ -10565,6 +12062,12 @@
           <a:p>
             <a:r>
               <a:rPr lang="en-US" sz="800" b="0" i="0" dirty="0" err="1">
+                <a:solidFill>
+                  <a:schemeClr val="bg2">
+                    <a:lumMod val="60000"/>
+                    <a:lumOff val="40000"/>
+                  </a:schemeClr>
+                </a:solidFill>
                 <a:effectLst/>
                 <a:latin typeface="Arial" panose="020B0604020202020204" pitchFamily="34" charset="0"/>
               </a:rPr>
@@ -10572,6 +12075,12 @@
             </a:r>
             <a:r>
               <a:rPr lang="en-US" sz="800" b="0" i="0" dirty="0">
+                <a:solidFill>
+                  <a:schemeClr val="bg2">
+                    <a:lumMod val="60000"/>
+                    <a:lumOff val="40000"/>
+                  </a:schemeClr>
+                </a:solidFill>
                 <a:effectLst/>
                 <a:latin typeface="Arial" panose="020B0604020202020204" pitchFamily="34" charset="0"/>
               </a:rPr>
@@ -10579,6 +12088,12 @@
             </a:r>
             <a:r>
               <a:rPr lang="en-US" sz="800" b="0" i="0" dirty="0" err="1">
+                <a:solidFill>
+                  <a:schemeClr val="bg2">
+                    <a:lumMod val="60000"/>
+                    <a:lumOff val="40000"/>
+                  </a:schemeClr>
+                </a:solidFill>
                 <a:effectLst/>
                 <a:latin typeface="Arial" panose="020B0604020202020204" pitchFamily="34" charset="0"/>
               </a:rPr>
@@ -10586,12 +12101,25 @@
             </a:r>
             <a:r>
               <a:rPr lang="en-US" sz="800" b="0" i="0" dirty="0">
+                <a:solidFill>
+                  <a:schemeClr val="bg2">
+                    <a:lumMod val="60000"/>
+                    <a:lumOff val="40000"/>
+                  </a:schemeClr>
+                </a:solidFill>
                 <a:effectLst/>
                 <a:latin typeface="Arial" panose="020B0604020202020204" pitchFamily="34" charset="0"/>
               </a:rPr>
               <a:t>. “Cuckoo optimization algorithm”. In: Applied soft computing11.8 (2011),pp. 5508–551</a:t>
             </a:r>
-            <a:endParaRPr lang="en-US" sz="800" dirty="0"/>
+            <a:endParaRPr lang="en-US" sz="800" dirty="0">
+              <a:solidFill>
+                <a:schemeClr val="bg2">
+                  <a:lumMod val="60000"/>
+                  <a:lumOff val="40000"/>
+                </a:schemeClr>
+              </a:solidFill>
+            </a:endParaRPr>
           </a:p>
         </p:txBody>
       </p:sp>
@@ -10857,7 +12385,7 @@
           <p:nvPr/>
         </p:nvPicPr>
         <p:blipFill>
-          <a:blip r:embed="rId2"/>
+          <a:blip r:embed="rId3"/>
           <a:stretch>
             <a:fillRect/>
           </a:stretch>
@@ -10902,6 +12430,12 @@
           <a:p>
             <a:r>
               <a:rPr lang="en-US" sz="800" b="0" i="0" dirty="0" err="1">
+                <a:solidFill>
+                  <a:schemeClr val="bg2">
+                    <a:lumMod val="60000"/>
+                    <a:lumOff val="40000"/>
+                  </a:schemeClr>
+                </a:solidFill>
                 <a:effectLst/>
                 <a:latin typeface="Arial" panose="020B0604020202020204" pitchFamily="34" charset="0"/>
               </a:rPr>
@@ -10909,6 +12443,12 @@
             </a:r>
             <a:r>
               <a:rPr lang="en-US" sz="800" b="0" i="0" dirty="0">
+                <a:solidFill>
+                  <a:schemeClr val="bg2">
+                    <a:lumMod val="60000"/>
+                    <a:lumOff val="40000"/>
+                  </a:schemeClr>
+                </a:solidFill>
                 <a:effectLst/>
                 <a:latin typeface="Arial" panose="020B0604020202020204" pitchFamily="34" charset="0"/>
               </a:rPr>
@@ -10916,6 +12456,12 @@
             </a:r>
             <a:r>
               <a:rPr lang="en-US" sz="800" b="0" i="0" dirty="0" err="1">
+                <a:solidFill>
+                  <a:schemeClr val="bg2">
+                    <a:lumMod val="60000"/>
+                    <a:lumOff val="40000"/>
+                  </a:schemeClr>
+                </a:solidFill>
                 <a:effectLst/>
                 <a:latin typeface="Arial" panose="020B0604020202020204" pitchFamily="34" charset="0"/>
               </a:rPr>
@@ -10923,12 +12469,25 @@
             </a:r>
             <a:r>
               <a:rPr lang="en-US" sz="800" b="0" i="0" dirty="0">
+                <a:solidFill>
+                  <a:schemeClr val="bg2">
+                    <a:lumMod val="60000"/>
+                    <a:lumOff val="40000"/>
+                  </a:schemeClr>
+                </a:solidFill>
                 <a:effectLst/>
                 <a:latin typeface="Arial" panose="020B0604020202020204" pitchFamily="34" charset="0"/>
               </a:rPr>
               <a:t>. “Cuckoo optimization algorithm”. In: Applied soft computing11.8 (2011),pp. 5508–551</a:t>
             </a:r>
-            <a:endParaRPr lang="en-US" sz="800" dirty="0"/>
+            <a:endParaRPr lang="en-US" sz="800" dirty="0">
+              <a:solidFill>
+                <a:schemeClr val="bg2">
+                  <a:lumMod val="60000"/>
+                  <a:lumOff val="40000"/>
+                </a:schemeClr>
+              </a:solidFill>
+            </a:endParaRPr>
           </a:p>
         </p:txBody>
       </p:sp>
@@ -11830,7 +13389,7 @@
                 <a:ext cx="8595360" cy="4351337"/>
               </a:xfrm>
               <a:blipFill>
-                <a:blip r:embed="rId2"/>
+                <a:blip r:embed="rId3"/>
                 <a:stretch>
                   <a:fillRect l="-284" t="-1681" b="-11485"/>
                 </a:stretch>

--- a/presentation_1_shorter.pptx
+++ b/presentation_1_shorter.pptx
@@ -240,7 +240,7 @@
           <a:p>
             <a:fld id="{776C8E78-E43C-423C-8F84-C588C40EE856}" type="datetimeFigureOut">
               <a:rPr lang="en-US" smtClean="0"/>
-              <a:t>10-Jan-21</a:t>
+              <a:t>12-Jan-21</a:t>
             </a:fld>
             <a:endParaRPr lang="en-US"/>
           </a:p>
@@ -2070,7 +2070,7 @@
           <a:p>
             <a:fld id="{997E3D89-5AC1-4E29-8B79-6F7A6C159ABA}" type="datetimeFigureOut">
               <a:rPr lang="en-US" smtClean="0"/>
-              <a:t>10-Jan-21</a:t>
+              <a:t>12-Jan-21</a:t>
             </a:fld>
             <a:endParaRPr lang="en-US"/>
           </a:p>
@@ -2298,7 +2298,7 @@
           <a:p>
             <a:fld id="{997E3D89-5AC1-4E29-8B79-6F7A6C159ABA}" type="datetimeFigureOut">
               <a:rPr lang="en-US" smtClean="0"/>
-              <a:t>10-Jan-21</a:t>
+              <a:t>12-Jan-21</a:t>
             </a:fld>
             <a:endParaRPr lang="en-US"/>
           </a:p>
@@ -2478,7 +2478,7 @@
           <a:p>
             <a:fld id="{997E3D89-5AC1-4E29-8B79-6F7A6C159ABA}" type="datetimeFigureOut">
               <a:rPr lang="en-US" smtClean="0"/>
-              <a:t>10-Jan-21</a:t>
+              <a:t>12-Jan-21</a:t>
             </a:fld>
             <a:endParaRPr lang="en-US"/>
           </a:p>
@@ -2648,7 +2648,7 @@
           <a:p>
             <a:fld id="{997E3D89-5AC1-4E29-8B79-6F7A6C159ABA}" type="datetimeFigureOut">
               <a:rPr lang="en-US" smtClean="0"/>
-              <a:t>10-Jan-21</a:t>
+              <a:t>12-Jan-21</a:t>
             </a:fld>
             <a:endParaRPr lang="en-US"/>
           </a:p>
@@ -2902,7 +2902,7 @@
           <a:p>
             <a:fld id="{997E3D89-5AC1-4E29-8B79-6F7A6C159ABA}" type="datetimeFigureOut">
               <a:rPr lang="en-US" smtClean="0"/>
-              <a:t>10-Jan-21</a:t>
+              <a:t>12-Jan-21</a:t>
             </a:fld>
             <a:endParaRPr lang="en-US"/>
           </a:p>
@@ -3228,7 +3228,7 @@
           <a:p>
             <a:fld id="{997E3D89-5AC1-4E29-8B79-6F7A6C159ABA}" type="datetimeFigureOut">
               <a:rPr lang="en-US" smtClean="0"/>
-              <a:t>10-Jan-21</a:t>
+              <a:t>12-Jan-21</a:t>
             </a:fld>
             <a:endParaRPr lang="en-US"/>
           </a:p>
@@ -3679,7 +3679,7 @@
           <a:p>
             <a:fld id="{997E3D89-5AC1-4E29-8B79-6F7A6C159ABA}" type="datetimeFigureOut">
               <a:rPr lang="en-US" smtClean="0"/>
-              <a:t>10-Jan-21</a:t>
+              <a:t>12-Jan-21</a:t>
             </a:fld>
             <a:endParaRPr lang="en-US"/>
           </a:p>
@@ -3797,7 +3797,7 @@
           <a:p>
             <a:fld id="{997E3D89-5AC1-4E29-8B79-6F7A6C159ABA}" type="datetimeFigureOut">
               <a:rPr lang="en-US" smtClean="0"/>
-              <a:t>10-Jan-21</a:t>
+              <a:t>12-Jan-21</a:t>
             </a:fld>
             <a:endParaRPr lang="en-US"/>
           </a:p>
@@ -3892,7 +3892,7 @@
           <a:p>
             <a:fld id="{997E3D89-5AC1-4E29-8B79-6F7A6C159ABA}" type="datetimeFigureOut">
               <a:rPr lang="en-US" smtClean="0"/>
-              <a:t>10-Jan-21</a:t>
+              <a:t>12-Jan-21</a:t>
             </a:fld>
             <a:endParaRPr lang="en-US"/>
           </a:p>
@@ -4179,7 +4179,7 @@
           <a:p>
             <a:fld id="{997E3D89-5AC1-4E29-8B79-6F7A6C159ABA}" type="datetimeFigureOut">
               <a:rPr lang="en-US" smtClean="0"/>
-              <a:t>10-Jan-21</a:t>
+              <a:t>12-Jan-21</a:t>
             </a:fld>
             <a:endParaRPr lang="en-US"/>
           </a:p>
@@ -4501,7 +4501,7 @@
           <a:p>
             <a:fld id="{997E3D89-5AC1-4E29-8B79-6F7A6C159ABA}" type="datetimeFigureOut">
               <a:rPr lang="en-US" smtClean="0"/>
-              <a:t>10-Jan-21</a:t>
+              <a:t>12-Jan-21</a:t>
             </a:fld>
             <a:endParaRPr lang="en-US"/>
           </a:p>
@@ -4755,7 +4755,7 @@
           <a:p>
             <a:fld id="{997E3D89-5AC1-4E29-8B79-6F7A6C159ABA}" type="datetimeFigureOut">
               <a:rPr lang="en-US" smtClean="0"/>
-              <a:t>10-Jan-21</a:t>
+              <a:t>12-Jan-21</a:t>
             </a:fld>
             <a:endParaRPr lang="en-US"/>
           </a:p>
@@ -6783,8 +6783,8 @@
           </a:p>
         </p:txBody>
       </p:sp>
-      <mc:AlternateContent xmlns:mc="http://schemas.openxmlformats.org/markup-compatibility/2006" xmlns:a14="http://schemas.microsoft.com/office/drawing/2010/main">
-        <mc:Choice Requires="a14">
+      <mc:AlternateContent xmlns:mc="http://schemas.openxmlformats.org/markup-compatibility/2006">
+        <mc:Choice xmlns:a14="http://schemas.microsoft.com/office/drawing/2010/main" Requires="a14">
           <p:sp>
             <p:nvSpPr>
               <p:cNvPr id="3" name="Content Placeholder 2">
@@ -6814,66 +6814,540 @@
               <a:lstStyle/>
               <a:p>
                 <a:r>
-                  <a:rPr lang="en-US" sz="1800" dirty="0"/>
-                  <a:t>Giv</a:t>
-                </a:r>
-                <a:r>
-                  <a:rPr lang="en-US" dirty="0"/>
-                  <a:t>en a cuckoo x and a goal point y, let </a:t>
+                  <a:rPr lang="en-US" sz="2000" dirty="0"/>
+                  <a:t>It’s computationally hard (PSPACE-complete for </a:t>
                 </a:r>
                 <a14:m>
                   <m:oMath xmlns:m="http://schemas.openxmlformats.org/officeDocument/2006/math">
                     <m:r>
-                      <a:rPr lang="en-US" b="0" i="1" smtClean="0">
+                      <a:rPr lang="en-US" sz="2000" b="0" i="1" smtClean="0">
+                        <a:latin typeface="Cambria Math" panose="02040503050406030204" pitchFamily="18" charset="0"/>
+                      </a:rPr>
+                      <m:t>𝑘</m:t>
+                    </m:r>
+                    <m:r>
+                      <a:rPr lang="en-US" sz="2000" b="0" i="1" smtClean="0">
+                        <a:latin typeface="Cambria Math" panose="02040503050406030204" pitchFamily="18" charset="0"/>
+                      </a:rPr>
+                      <m:t>≥4</m:t>
+                    </m:r>
+                  </m:oMath>
+                </a14:m>
+                <a:r>
+                  <a:rPr lang="en-US" sz="2000" dirty="0"/>
+                  <a:t>) to find a direct path from one colouring to another</a:t>
+                </a:r>
+              </a:p>
+              <a:p>
+                <a:r>
+                  <a:rPr lang="en-US" sz="2000" dirty="0"/>
+                  <a:t>Hence the legal implementation of cuckoo migration is less strict</a:t>
+                </a:r>
+              </a:p>
+              <a:p>
+                <a:pPr lvl="1"/>
+                <a:r>
+                  <a:rPr lang="en-US" sz="1800" dirty="0"/>
+                  <a:t>When migrating x to y, we generate a colouring based off x distance </a:t>
+                </a:r>
+                <a14:m>
+                  <m:oMath xmlns:m="http://schemas.openxmlformats.org/officeDocument/2006/math">
+                    <m:r>
+                      <a:rPr lang="en-US" sz="1800" b="0" i="1" smtClean="0">
+                        <a:latin typeface="Cambria Math" panose="02040503050406030204" pitchFamily="18" charset="0"/>
+                      </a:rPr>
+                      <m:t>𝜆</m:t>
+                    </m:r>
+                    <m:r>
+                      <a:rPr lang="en-US" sz="1800" b="0" i="1" smtClean="0">
+                        <a:latin typeface="Cambria Math" panose="02040503050406030204" pitchFamily="18" charset="0"/>
+                      </a:rPr>
+                      <m:t>𝑑</m:t>
+                    </m:r>
+                  </m:oMath>
+                </a14:m>
+                <a:r>
+                  <a:rPr lang="en-US" sz="1800" dirty="0"/>
+                  <a:t> from y (but not necessarily distance </a:t>
+                </a:r>
+                <a14:m>
+                  <m:oMath xmlns:m="http://schemas.openxmlformats.org/officeDocument/2006/math">
+                    <m:d>
+                      <m:dPr>
+                        <m:ctrlPr>
+                          <a:rPr lang="en-US" sz="1800" b="0" i="1" smtClean="0">
+                            <a:latin typeface="Cambria Math" panose="02040503050406030204" pitchFamily="18" charset="0"/>
+                          </a:rPr>
+                        </m:ctrlPr>
+                      </m:dPr>
+                      <m:e>
+                        <m:r>
+                          <a:rPr lang="en-US" sz="1800" b="0" i="1" smtClean="0">
+                            <a:latin typeface="Cambria Math" panose="02040503050406030204" pitchFamily="18" charset="0"/>
+                          </a:rPr>
+                          <m:t>1−</m:t>
+                        </m:r>
+                        <m:r>
+                          <a:rPr lang="en-US" sz="1800" b="0" i="1" smtClean="0">
+                            <a:latin typeface="Cambria Math" panose="02040503050406030204" pitchFamily="18" charset="0"/>
+                          </a:rPr>
+                          <m:t>𝜆</m:t>
+                        </m:r>
+                      </m:e>
+                    </m:d>
+                    <m:r>
+                      <a:rPr lang="en-US" sz="1800" b="0" i="1" smtClean="0">
+                        <a:latin typeface="Cambria Math" panose="02040503050406030204" pitchFamily="18" charset="0"/>
+                      </a:rPr>
+                      <m:t>𝑑</m:t>
+                    </m:r>
+                  </m:oMath>
+                </a14:m>
+                <a:r>
+                  <a:rPr lang="en-US" sz="1800" dirty="0"/>
+                  <a:t> from x)</a:t>
+                </a:r>
+              </a:p>
+              <a:p>
+                <a:r>
+                  <a:rPr lang="en-US" sz="2000" dirty="0"/>
+                  <a:t>Iteratively recolour vertices from x to their colour in y, cleaning up conflicts as they arise</a:t>
+                </a:r>
+              </a:p>
+            </p:txBody>
+          </p:sp>
+        </mc:Choice>
+        <mc:Fallback>
+          <p:sp>
+            <p:nvSpPr>
+              <p:cNvPr id="3" name="Content Placeholder 2">
+                <a:extLst>
+                  <a:ext uri="{FF2B5EF4-FFF2-40B4-BE49-F238E27FC236}">
+                    <a16:creationId xmlns:a16="http://schemas.microsoft.com/office/drawing/2014/main" id="{18ED27A9-7C5A-4401-ACBD-37470CB7427E}"/>
+                  </a:ext>
+                </a:extLst>
+              </p:cNvPr>
+              <p:cNvSpPr>
+                <a:spLocks noGrp="1" noRot="1" noChangeAspect="1" noMove="1" noResize="1" noEditPoints="1" noAdjustHandles="1" noChangeArrowheads="1" noChangeShapeType="1" noTextEdit="1"/>
+              </p:cNvSpPr>
+              <p:nvPr>
+                <p:ph idx="1"/>
+              </p:nvPr>
+            </p:nvSpPr>
+            <p:spPr>
+              <a:xfrm>
+                <a:off x="1261872" y="1828800"/>
+                <a:ext cx="8595360" cy="4351337"/>
+              </a:xfrm>
+              <a:blipFill>
+                <a:blip r:embed="rId3"/>
+                <a:stretch>
+                  <a:fillRect l="-284" t="-1120"/>
+                </a:stretch>
+              </a:blipFill>
+            </p:spPr>
+            <p:txBody>
+              <a:bodyPr/>
+              <a:lstStyle/>
+              <a:p>
+                <a:r>
+                  <a:rPr lang="en-GB">
+                    <a:noFill/>
+                  </a:rPr>
+                  <a:t> </a:t>
+                </a:r>
+              </a:p>
+            </p:txBody>
+          </p:sp>
+        </mc:Fallback>
+      </mc:AlternateContent>
+      <p:sp>
+        <p:nvSpPr>
+          <p:cNvPr id="15" name="Rectangle 9">
+            <a:extLst>
+              <a:ext uri="{FF2B5EF4-FFF2-40B4-BE49-F238E27FC236}">
+                <a16:creationId xmlns:a16="http://schemas.microsoft.com/office/drawing/2014/main" id="{6B424749-EEE0-49C9-9ABF-97B171A3EA00}"/>
+              </a:ext>
+              <a:ext uri="{C183D7F6-B498-43B3-948B-1728B52AA6E4}">
+                <adec:decorative xmlns:adec="http://schemas.microsoft.com/office/drawing/2017/decorative" val="1"/>
+              </a:ext>
+            </a:extLst>
+          </p:cNvPr>
+          <p:cNvSpPr>
+            <a:spLocks noGrp="1" noRot="1" noChangeAspect="1" noMove="1" noResize="1" noEditPoints="1" noAdjustHandles="1" noChangeArrowheads="1" noChangeShapeType="1" noTextEdit="1"/>
+          </p:cNvSpPr>
+          <p:nvPr>
+            <p:extLst>
+              <p:ext uri="{386F3935-93C4-4BCD-93E2-E3B085C9AB24}">
+                <p16:designElem xmlns:p16="http://schemas.microsoft.com/office/powerpoint/2015/main" val="1"/>
+              </p:ext>
+            </p:extLst>
+          </p:nvPr>
+        </p:nvSpPr>
+        <p:spPr>
+          <a:xfrm>
+            <a:off x="11277600" y="0"/>
+            <a:ext cx="914400" cy="6858000"/>
+          </a:xfrm>
+          <a:prstGeom prst="rect">
+            <a:avLst/>
+          </a:prstGeom>
+          <a:solidFill>
+            <a:schemeClr val="tx2">
+              <a:lumMod val="75000"/>
+            </a:schemeClr>
+          </a:solidFill>
+          <a:ln>
+            <a:noFill/>
+          </a:ln>
+        </p:spPr>
+        <p:style>
+          <a:lnRef idx="2">
+            <a:schemeClr val="accent1">
+              <a:shade val="50000"/>
+            </a:schemeClr>
+          </a:lnRef>
+          <a:fillRef idx="1">
+            <a:schemeClr val="accent1"/>
+          </a:fillRef>
+          <a:effectRef idx="0">
+            <a:schemeClr val="accent1"/>
+          </a:effectRef>
+          <a:fontRef idx="minor">
+            <a:schemeClr val="lt1"/>
+          </a:fontRef>
+        </p:style>
+      </p:sp>
+      <mc:AlternateContent xmlns:mc="http://schemas.openxmlformats.org/markup-compatibility/2006">
+        <mc:Choice xmlns:a14="http://schemas.microsoft.com/office/drawing/2010/main" Requires="a14">
+          <p:sp>
+            <p:nvSpPr>
+              <p:cNvPr id="6" name="Content Placeholder 2">
+                <a:extLst>
+                  <a:ext uri="{FF2B5EF4-FFF2-40B4-BE49-F238E27FC236}">
+                    <a16:creationId xmlns:a16="http://schemas.microsoft.com/office/drawing/2014/main" id="{92EAE445-CB2F-48D3-94CA-8DF6C13E97A1}"/>
+                  </a:ext>
+                </a:extLst>
+              </p:cNvPr>
+              <p:cNvSpPr txBox="1">
+                <a:spLocks/>
+              </p:cNvSpPr>
+              <p:nvPr/>
+            </p:nvSpPr>
+            <p:spPr>
+              <a:xfrm>
+                <a:off x="3421492" y="-3200400"/>
+                <a:ext cx="8595360" cy="4351337"/>
+              </a:xfrm>
+              <a:prstGeom prst="rect">
+                <a:avLst/>
+              </a:prstGeom>
+            </p:spPr>
+            <p:txBody>
+              <a:bodyPr vert="horz" lIns="91440" tIns="45720" rIns="91440" bIns="45720" rtlCol="0">
+                <a:normAutofit/>
+              </a:bodyPr>
+              <a:lstStyle>
+                <a:lvl1pPr marL="182880" indent="-182880" algn="l" defTabSz="914400" rtl="0" eaLnBrk="1" latinLnBrk="0" hangingPunct="1">
+                  <a:lnSpc>
+                    <a:spcPct val="95000"/>
+                  </a:lnSpc>
+                  <a:spcBef>
+                    <a:spcPts val="1400"/>
+                  </a:spcBef>
+                  <a:spcAft>
+                    <a:spcPts val="200"/>
+                  </a:spcAft>
+                  <a:buClr>
+                    <a:schemeClr val="accent1"/>
+                  </a:buClr>
+                  <a:buSzPct val="80000"/>
+                  <a:buFont typeface="Arial" pitchFamily="34" charset="0"/>
+                  <a:buChar char="•"/>
+                  <a:defRPr sz="1800" kern="1200" spc="10" baseline="0">
+                    <a:solidFill>
+                      <a:schemeClr val="tx1"/>
+                    </a:solidFill>
+                    <a:latin typeface="+mn-lt"/>
+                    <a:ea typeface="+mn-ea"/>
+                    <a:cs typeface="+mn-cs"/>
+                  </a:defRPr>
+                </a:lvl1pPr>
+                <a:lvl2pPr marL="457200" indent="-182880" algn="l" defTabSz="914400" rtl="0" eaLnBrk="1" latinLnBrk="0" hangingPunct="1">
+                  <a:lnSpc>
+                    <a:spcPct val="90000"/>
+                  </a:lnSpc>
+                  <a:spcBef>
+                    <a:spcPts val="300"/>
+                  </a:spcBef>
+                  <a:spcAft>
+                    <a:spcPts val="300"/>
+                  </a:spcAft>
+                  <a:buClr>
+                    <a:schemeClr val="accent1"/>
+                  </a:buClr>
+                  <a:buFont typeface="Wingdings 2" pitchFamily="18" charset="2"/>
+                  <a:buChar char=""/>
+                  <a:defRPr sz="1600" kern="1200">
+                    <a:solidFill>
+                      <a:schemeClr val="tx1">
+                        <a:lumMod val="85000"/>
+                        <a:lumOff val="15000"/>
+                      </a:schemeClr>
+                    </a:solidFill>
+                    <a:latin typeface="+mn-lt"/>
+                    <a:ea typeface="+mn-ea"/>
+                    <a:cs typeface="+mn-cs"/>
+                  </a:defRPr>
+                </a:lvl2pPr>
+                <a:lvl3pPr marL="731520" indent="-182880" algn="l" defTabSz="914400" rtl="0" eaLnBrk="1" latinLnBrk="0" hangingPunct="1">
+                  <a:lnSpc>
+                    <a:spcPct val="90000"/>
+                  </a:lnSpc>
+                  <a:spcBef>
+                    <a:spcPts val="300"/>
+                  </a:spcBef>
+                  <a:spcAft>
+                    <a:spcPts val="300"/>
+                  </a:spcAft>
+                  <a:buClr>
+                    <a:schemeClr val="accent1"/>
+                  </a:buClr>
+                  <a:buFont typeface="Wingdings 2" pitchFamily="18" charset="2"/>
+                  <a:buChar char=""/>
+                  <a:defRPr sz="1400" kern="1200">
+                    <a:solidFill>
+                      <a:schemeClr val="tx1">
+                        <a:lumMod val="85000"/>
+                        <a:lumOff val="15000"/>
+                      </a:schemeClr>
+                    </a:solidFill>
+                    <a:latin typeface="+mn-lt"/>
+                    <a:ea typeface="+mn-ea"/>
+                    <a:cs typeface="+mn-cs"/>
+                  </a:defRPr>
+                </a:lvl3pPr>
+                <a:lvl4pPr marL="1005840" indent="-182880" algn="l" defTabSz="914400" rtl="0" eaLnBrk="1" latinLnBrk="0" hangingPunct="1">
+                  <a:lnSpc>
+                    <a:spcPct val="90000"/>
+                  </a:lnSpc>
+                  <a:spcBef>
+                    <a:spcPts val="300"/>
+                  </a:spcBef>
+                  <a:spcAft>
+                    <a:spcPts val="300"/>
+                  </a:spcAft>
+                  <a:buClr>
+                    <a:schemeClr val="accent1"/>
+                  </a:buClr>
+                  <a:buFont typeface="Wingdings 2" pitchFamily="18" charset="2"/>
+                  <a:buChar char=""/>
+                  <a:defRPr sz="1400" kern="1200">
+                    <a:solidFill>
+                      <a:schemeClr val="tx1">
+                        <a:lumMod val="85000"/>
+                        <a:lumOff val="15000"/>
+                      </a:schemeClr>
+                    </a:solidFill>
+                    <a:latin typeface="+mn-lt"/>
+                    <a:ea typeface="+mn-ea"/>
+                    <a:cs typeface="+mn-cs"/>
+                  </a:defRPr>
+                </a:lvl4pPr>
+                <a:lvl5pPr marL="1280160" indent="-182880" algn="l" defTabSz="914400" rtl="0" eaLnBrk="1" latinLnBrk="0" hangingPunct="1">
+                  <a:lnSpc>
+                    <a:spcPct val="90000"/>
+                  </a:lnSpc>
+                  <a:spcBef>
+                    <a:spcPts val="300"/>
+                  </a:spcBef>
+                  <a:spcAft>
+                    <a:spcPts val="300"/>
+                  </a:spcAft>
+                  <a:buClr>
+                    <a:schemeClr val="accent1"/>
+                  </a:buClr>
+                  <a:buFont typeface="Wingdings 2" pitchFamily="18" charset="2"/>
+                  <a:buChar char=""/>
+                  <a:defRPr sz="1400" kern="1200">
+                    <a:solidFill>
+                      <a:schemeClr val="tx1">
+                        <a:lumMod val="85000"/>
+                        <a:lumOff val="15000"/>
+                      </a:schemeClr>
+                    </a:solidFill>
+                    <a:latin typeface="+mn-lt"/>
+                    <a:ea typeface="+mn-ea"/>
+                    <a:cs typeface="+mn-cs"/>
+                  </a:defRPr>
+                </a:lvl5pPr>
+                <a:lvl6pPr marL="1600000" indent="-228600" algn="l" defTabSz="914400" rtl="0" eaLnBrk="1" latinLnBrk="0" hangingPunct="1">
+                  <a:lnSpc>
+                    <a:spcPct val="90000"/>
+                  </a:lnSpc>
+                  <a:spcBef>
+                    <a:spcPts val="300"/>
+                  </a:spcBef>
+                  <a:spcAft>
+                    <a:spcPts val="300"/>
+                  </a:spcAft>
+                  <a:buClr>
+                    <a:schemeClr val="accent1"/>
+                  </a:buClr>
+                  <a:buFont typeface="Wingdings 2" pitchFamily="18" charset="2"/>
+                  <a:buChar char=""/>
+                  <a:defRPr sz="1400" kern="1200">
+                    <a:solidFill>
+                      <a:schemeClr val="tx1">
+                        <a:lumMod val="85000"/>
+                        <a:lumOff val="15000"/>
+                      </a:schemeClr>
+                    </a:solidFill>
+                    <a:latin typeface="+mn-lt"/>
+                    <a:ea typeface="+mn-ea"/>
+                    <a:cs typeface="+mn-cs"/>
+                  </a:defRPr>
+                </a:lvl6pPr>
+                <a:lvl7pPr marL="1900000" indent="-228600" algn="l" defTabSz="914400" rtl="0" eaLnBrk="1" latinLnBrk="0" hangingPunct="1">
+                  <a:lnSpc>
+                    <a:spcPct val="90000"/>
+                  </a:lnSpc>
+                  <a:spcBef>
+                    <a:spcPts val="300"/>
+                  </a:spcBef>
+                  <a:spcAft>
+                    <a:spcPts val="300"/>
+                  </a:spcAft>
+                  <a:buClr>
+                    <a:schemeClr val="accent1"/>
+                  </a:buClr>
+                  <a:buFont typeface="Wingdings 2" pitchFamily="18" charset="2"/>
+                  <a:buChar char=""/>
+                  <a:defRPr sz="1400" kern="1200">
+                    <a:solidFill>
+                      <a:schemeClr val="tx1">
+                        <a:lumMod val="85000"/>
+                        <a:lumOff val="15000"/>
+                      </a:schemeClr>
+                    </a:solidFill>
+                    <a:latin typeface="+mn-lt"/>
+                    <a:ea typeface="+mn-ea"/>
+                    <a:cs typeface="+mn-cs"/>
+                  </a:defRPr>
+                </a:lvl7pPr>
+                <a:lvl8pPr marL="2200000" indent="-228600" algn="l" defTabSz="914400" rtl="0" eaLnBrk="1" latinLnBrk="0" hangingPunct="1">
+                  <a:lnSpc>
+                    <a:spcPct val="90000"/>
+                  </a:lnSpc>
+                  <a:spcBef>
+                    <a:spcPts val="300"/>
+                  </a:spcBef>
+                  <a:spcAft>
+                    <a:spcPts val="300"/>
+                  </a:spcAft>
+                  <a:buClr>
+                    <a:schemeClr val="accent1"/>
+                  </a:buClr>
+                  <a:buFont typeface="Wingdings 2" pitchFamily="18" charset="2"/>
+                  <a:buChar char=""/>
+                  <a:defRPr sz="1400" kern="1200">
+                    <a:solidFill>
+                      <a:schemeClr val="tx1">
+                        <a:lumMod val="85000"/>
+                        <a:lumOff val="15000"/>
+                      </a:schemeClr>
+                    </a:solidFill>
+                    <a:latin typeface="+mn-lt"/>
+                    <a:ea typeface="+mn-ea"/>
+                    <a:cs typeface="+mn-cs"/>
+                  </a:defRPr>
+                </a:lvl8pPr>
+                <a:lvl9pPr marL="2500000" indent="-228600" algn="l" defTabSz="914400" rtl="0" eaLnBrk="1" latinLnBrk="0" hangingPunct="1">
+                  <a:lnSpc>
+                    <a:spcPct val="90000"/>
+                  </a:lnSpc>
+                  <a:spcBef>
+                    <a:spcPts val="300"/>
+                  </a:spcBef>
+                  <a:spcAft>
+                    <a:spcPts val="300"/>
+                  </a:spcAft>
+                  <a:buClr>
+                    <a:schemeClr val="accent1"/>
+                  </a:buClr>
+                  <a:buFont typeface="Wingdings 2" pitchFamily="18" charset="2"/>
+                  <a:buChar char=""/>
+                  <a:defRPr sz="1400" kern="1200">
+                    <a:solidFill>
+                      <a:schemeClr val="tx1">
+                        <a:lumMod val="85000"/>
+                        <a:lumOff val="15000"/>
+                      </a:schemeClr>
+                    </a:solidFill>
+                    <a:latin typeface="+mn-lt"/>
+                    <a:ea typeface="+mn-ea"/>
+                    <a:cs typeface="+mn-cs"/>
+                  </a:defRPr>
+                </a:lvl9pPr>
+              </a:lstStyle>
+              <a:p>
+                <a:r>
+                  <a:rPr lang="en-US" dirty="0"/>
+                  <a:t>Given a cuckoo x and a goal point y, let </a:t>
+                </a:r>
+                <a14:m>
+                  <m:oMath xmlns:m="http://schemas.openxmlformats.org/officeDocument/2006/math">
+                    <m:r>
+                      <a:rPr lang="en-US" i="1" smtClean="0">
                         <a:latin typeface="Cambria Math" panose="02040503050406030204" pitchFamily="18" charset="0"/>
                       </a:rPr>
                       <m:t>𝑟</m:t>
                     </m:r>
                     <m:r>
-                      <a:rPr lang="en-US" b="0" i="1" smtClean="0">
+                      <a:rPr lang="en-US" i="1" smtClean="0">
                         <a:latin typeface="Cambria Math" panose="02040503050406030204" pitchFamily="18" charset="0"/>
                       </a:rPr>
                       <m:t>=</m:t>
                     </m:r>
                     <m:r>
-                      <a:rPr lang="en-US" b="0" i="1" smtClean="0">
+                      <a:rPr lang="en-US" i="1" smtClean="0">
                         <a:latin typeface="Cambria Math" panose="02040503050406030204" pitchFamily="18" charset="0"/>
                       </a:rPr>
                       <m:t>𝑑</m:t>
                     </m:r>
                     <m:r>
-                      <a:rPr lang="en-US" b="0" i="1" smtClean="0">
+                      <a:rPr lang="en-US" i="1" smtClean="0">
                         <a:latin typeface="Cambria Math" panose="02040503050406030204" pitchFamily="18" charset="0"/>
                       </a:rPr>
                       <m:t>(</m:t>
                     </m:r>
                     <m:r>
-                      <a:rPr lang="en-US" b="0" i="1" smtClean="0">
+                      <a:rPr lang="en-US" i="1" smtClean="0">
                         <a:latin typeface="Cambria Math" panose="02040503050406030204" pitchFamily="18" charset="0"/>
                       </a:rPr>
                       <m:t>𝑥</m:t>
                     </m:r>
                     <m:r>
-                      <a:rPr lang="en-US" b="0" i="1" smtClean="0">
+                      <a:rPr lang="en-US" i="1" smtClean="0">
                         <a:latin typeface="Cambria Math" panose="02040503050406030204" pitchFamily="18" charset="0"/>
                       </a:rPr>
                       <m:t>,</m:t>
                     </m:r>
                     <m:r>
-                      <a:rPr lang="en-US" b="0" i="1" smtClean="0">
+                      <a:rPr lang="en-US" i="1" smtClean="0">
                         <a:latin typeface="Cambria Math" panose="02040503050406030204" pitchFamily="18" charset="0"/>
                       </a:rPr>
                       <m:t>𝑦</m:t>
                     </m:r>
                     <m:r>
-                      <a:rPr lang="en-US" b="0" i="1" smtClean="0">
+                      <a:rPr lang="en-US" i="1" smtClean="0">
                         <a:latin typeface="Cambria Math" panose="02040503050406030204" pitchFamily="18" charset="0"/>
                       </a:rPr>
                       <m:t>)</m:t>
                     </m:r>
                   </m:oMath>
                 </a14:m>
-                <a:endParaRPr lang="en-US" sz="1800" dirty="0"/>
+                <a:endParaRPr lang="en-US" dirty="0"/>
               </a:p>
               <a:p>
                 <a:r>
@@ -6892,26 +7366,26 @@
                       <m:t>λ</m:t>
                     </m:r>
                     <m:r>
-                      <a:rPr lang="en-US" b="0" i="1" smtClean="0">
+                      <a:rPr lang="en-US" i="1" smtClean="0">
                         <a:latin typeface="Cambria Math" panose="02040503050406030204" pitchFamily="18" charset="0"/>
                       </a:rPr>
                       <m:t> ~ </m:t>
                     </m:r>
                     <m:r>
-                      <a:rPr lang="en-US" b="0" i="1" smtClean="0">
+                      <a:rPr lang="en-US" i="1" smtClean="0">
                         <a:latin typeface="Cambria Math" panose="02040503050406030204" pitchFamily="18" charset="0"/>
                       </a:rPr>
                       <m:t>𝑈</m:t>
                     </m:r>
                     <m:r>
-                      <a:rPr lang="en-US" b="0" i="1" smtClean="0">
+                      <a:rPr lang="en-US" i="1" smtClean="0">
                         <a:latin typeface="Cambria Math" panose="02040503050406030204" pitchFamily="18" charset="0"/>
                       </a:rPr>
                       <m:t>(0, 1)</m:t>
                     </m:r>
                   </m:oMath>
                 </a14:m>
-                <a:endParaRPr lang="en-US" sz="1800" dirty="0"/>
+                <a:endParaRPr lang="en-US" dirty="0"/>
               </a:p>
               <a:p>
                 <a:pPr lvl="1"/>
@@ -6922,7 +7396,7 @@
                 <a14:m>
                   <m:oMath xmlns:m="http://schemas.openxmlformats.org/officeDocument/2006/math">
                     <m:r>
-                      <a:rPr lang="en-US" b="0" i="1" smtClean="0">
+                      <a:rPr lang="en-US" i="1" smtClean="0">
                         <a:latin typeface="Cambria Math" panose="02040503050406030204" pitchFamily="18" charset="0"/>
                       </a:rPr>
                       <m:t>𝑟</m:t>
@@ -6951,13 +7425,13 @@
                 <a14:m>
                   <m:oMath xmlns:m="http://schemas.openxmlformats.org/officeDocument/2006/math">
                     <m:r>
-                      <a:rPr lang="en-US" b="0" i="1" smtClean="0">
+                      <a:rPr lang="en-US" i="1" smtClean="0">
                         <a:latin typeface="Cambria Math" panose="02040503050406030204" pitchFamily="18" charset="0"/>
                       </a:rPr>
                       <m:t>𝐼</m:t>
                     </m:r>
                     <m:r>
-                      <a:rPr lang="en-US" b="0" i="1" smtClean="0">
+                      <a:rPr lang="en-US" i="1" smtClean="0">
                         <a:latin typeface="Cambria Math" panose="02040503050406030204" pitchFamily="18" charset="0"/>
                       </a:rPr>
                       <m:t>=</m:t>
@@ -6967,20 +7441,20 @@
                         <m:begChr m:val="{"/>
                         <m:endChr m:val="|"/>
                         <m:ctrlPr>
-                          <a:rPr lang="en-US" b="0" i="1" smtClean="0">
+                          <a:rPr lang="en-US" i="1" smtClean="0">
                             <a:latin typeface="Cambria Math" panose="02040503050406030204" pitchFamily="18" charset="0"/>
                           </a:rPr>
                         </m:ctrlPr>
                       </m:dPr>
                       <m:e>
                         <m:r>
-                          <a:rPr lang="en-US" b="0" i="1" smtClean="0">
+                          <a:rPr lang="en-US" i="1" smtClean="0">
                             <a:latin typeface="Cambria Math" panose="02040503050406030204" pitchFamily="18" charset="0"/>
                           </a:rPr>
                           <m:t>𝑣</m:t>
                         </m:r>
                         <m:r>
-                          <a:rPr lang="en-US" b="0" i="1" smtClean="0">
+                          <a:rPr lang="en-US" i="1" smtClean="0">
                             <a:latin typeface="Cambria Math" panose="02040503050406030204" pitchFamily="18" charset="0"/>
                           </a:rPr>
                           <m:t> </m:t>
@@ -6988,7 +7462,7 @@
                       </m:e>
                     </m:d>
                     <m:r>
-                      <a:rPr lang="en-US" b="0" i="1" smtClean="0">
+                      <a:rPr lang="en-US" i="1" smtClean="0">
                         <a:latin typeface="Cambria Math" panose="02040503050406030204" pitchFamily="18" charset="0"/>
                       </a:rPr>
                       <m:t> </m:t>
@@ -6996,14 +7470,14 @@
                     <m:sSub>
                       <m:sSubPr>
                         <m:ctrlPr>
-                          <a:rPr lang="en-US" b="0" i="1" smtClean="0">
+                          <a:rPr lang="en-US" i="1" smtClean="0">
                             <a:latin typeface="Cambria Math" panose="02040503050406030204" pitchFamily="18" charset="0"/>
                           </a:rPr>
                         </m:ctrlPr>
                       </m:sSubPr>
                       <m:e>
                         <m:r>
-                          <a:rPr lang="en-US" b="0" i="1" smtClean="0">
+                          <a:rPr lang="en-US" i="1" smtClean="0">
                             <a:latin typeface="Cambria Math" panose="02040503050406030204" pitchFamily="18" charset="0"/>
                           </a:rPr>
                           <m:t>𝑥</m:t>
@@ -7011,7 +7485,7 @@
                       </m:e>
                       <m:sub>
                         <m:r>
-                          <a:rPr lang="en-US" b="0" i="1" smtClean="0">
+                          <a:rPr lang="en-US" i="1" smtClean="0">
                             <a:latin typeface="Cambria Math" panose="02040503050406030204" pitchFamily="18" charset="0"/>
                           </a:rPr>
                           <m:t>𝑣</m:t>
@@ -7036,7 +7510,7 @@
                       </m:sSubPr>
                       <m:e>
                         <m:r>
-                          <a:rPr lang="en-US" b="0" i="1" smtClean="0">
+                          <a:rPr lang="en-US" i="1" smtClean="0">
                             <a:latin typeface="Cambria Math" panose="02040503050406030204" pitchFamily="18" charset="0"/>
                             <a:ea typeface="Cambria Math" panose="02040503050406030204" pitchFamily="18" charset="0"/>
                           </a:rPr>
@@ -7045,7 +7519,7 @@
                       </m:e>
                       <m:sub>
                         <m:r>
-                          <a:rPr lang="en-US" b="0" i="1" smtClean="0">
+                          <a:rPr lang="en-US" i="1" smtClean="0">
                             <a:latin typeface="Cambria Math" panose="02040503050406030204" pitchFamily="18" charset="0"/>
                             <a:ea typeface="Cambria Math" panose="02040503050406030204" pitchFamily="18" charset="0"/>
                           </a:rPr>
@@ -7054,7 +7528,7 @@
                       </m:sub>
                     </m:sSub>
                     <m:r>
-                      <a:rPr lang="en-US" b="0" i="1" smtClean="0">
+                      <a:rPr lang="en-US" i="1" smtClean="0">
                         <a:latin typeface="Cambria Math" panose="02040503050406030204" pitchFamily="18" charset="0"/>
                         <a:ea typeface="Cambria Math" panose="02040503050406030204" pitchFamily="18" charset="0"/>
                       </a:rPr>
@@ -7076,7 +7550,7 @@
                 <a14:m>
                   <m:oMath xmlns:m="http://schemas.openxmlformats.org/officeDocument/2006/math">
                     <m:r>
-                      <a:rPr lang="en-US" b="0" i="1" smtClean="0">
+                      <a:rPr lang="en-US" i="1" smtClean="0">
                         <a:latin typeface="Cambria Math" panose="02040503050406030204" pitchFamily="18" charset="0"/>
                       </a:rPr>
                       <m:t>𝑑</m:t>
@@ -7084,26 +7558,26 @@
                     <m:d>
                       <m:dPr>
                         <m:ctrlPr>
-                          <a:rPr lang="en-US" b="0" i="1" smtClean="0">
+                          <a:rPr lang="en-US" i="1" smtClean="0">
                             <a:latin typeface="Cambria Math" panose="02040503050406030204" pitchFamily="18" charset="0"/>
                           </a:rPr>
                         </m:ctrlPr>
                       </m:dPr>
                       <m:e>
                         <m:r>
-                          <a:rPr lang="en-US" b="0" i="1" smtClean="0">
+                          <a:rPr lang="en-US" i="1" smtClean="0">
                             <a:latin typeface="Cambria Math" panose="02040503050406030204" pitchFamily="18" charset="0"/>
                           </a:rPr>
                           <m:t>𝑥</m:t>
                         </m:r>
                         <m:r>
-                          <a:rPr lang="en-US" b="0" i="1" smtClean="0">
+                          <a:rPr lang="en-US" i="1" smtClean="0">
                             <a:latin typeface="Cambria Math" panose="02040503050406030204" pitchFamily="18" charset="0"/>
                           </a:rPr>
                           <m:t>,</m:t>
                         </m:r>
                         <m:r>
-                          <a:rPr lang="en-US" b="0" i="1" smtClean="0">
+                          <a:rPr lang="en-US" i="1" smtClean="0">
                             <a:latin typeface="Cambria Math" panose="02040503050406030204" pitchFamily="18" charset="0"/>
                           </a:rPr>
                           <m:t>𝑦</m:t>
@@ -7111,19 +7585,19 @@
                       </m:e>
                     </m:d>
                     <m:r>
-                      <a:rPr lang="en-US" b="0" i="1" smtClean="0">
+                      <a:rPr lang="en-US" i="1" smtClean="0">
                         <a:latin typeface="Cambria Math" panose="02040503050406030204" pitchFamily="18" charset="0"/>
                       </a:rPr>
                       <m:t>=|</m:t>
                     </m:r>
                     <m:r>
-                      <a:rPr lang="en-US" b="0" i="1" smtClean="0">
+                      <a:rPr lang="en-US" i="1" smtClean="0">
                         <a:latin typeface="Cambria Math" panose="02040503050406030204" pitchFamily="18" charset="0"/>
                       </a:rPr>
                       <m:t>𝐼</m:t>
                     </m:r>
                     <m:r>
-                      <a:rPr lang="en-US" b="0" i="1" smtClean="0">
+                      <a:rPr lang="en-US" i="1" smtClean="0">
                         <a:latin typeface="Cambria Math" panose="02040503050406030204" pitchFamily="18" charset="0"/>
                       </a:rPr>
                       <m:t>|</m:t>
@@ -7143,7 +7617,7 @@
                 <a14:m>
                   <m:oMath xmlns:m="http://schemas.openxmlformats.org/officeDocument/2006/math">
                     <m:r>
-                      <a:rPr lang="en-US" b="0" i="1" smtClean="0">
+                      <a:rPr lang="en-US" i="1" smtClean="0">
                         <a:latin typeface="Cambria Math" panose="02040503050406030204" pitchFamily="18" charset="0"/>
                       </a:rPr>
                       <m:t>𝑖</m:t>
@@ -7166,7 +7640,7 @@
                       </m:sSubPr>
                       <m:e>
                         <m:r>
-                          <a:rPr lang="en-US" b="0" i="1" smtClean="0">
+                          <a:rPr lang="en-US" i="1" smtClean="0">
                             <a:latin typeface="Cambria Math" panose="02040503050406030204" pitchFamily="18" charset="0"/>
                           </a:rPr>
                           <m:t>𝐼</m:t>
@@ -7174,7 +7648,7 @@
                       </m:e>
                       <m:sub>
                         <m:r>
-                          <a:rPr lang="en-US" b="0" i="1" smtClean="0">
+                          <a:rPr lang="en-US" i="1" smtClean="0">
                             <a:latin typeface="Cambria Math" panose="02040503050406030204" pitchFamily="18" charset="0"/>
                           </a:rPr>
                           <m:t>1:</m:t>
@@ -7228,7 +7702,7 @@
                       </m:sSubPr>
                       <m:e>
                         <m:r>
-                          <a:rPr lang="en-US" b="0" i="1" smtClean="0">
+                          <a:rPr lang="en-US" i="1" smtClean="0">
                             <a:latin typeface="Cambria Math" panose="02040503050406030204" pitchFamily="18" charset="0"/>
                           </a:rPr>
                           <m:t>𝑦</m:t>
@@ -7236,7 +7710,7 @@
                       </m:e>
                       <m:sub>
                         <m:r>
-                          <a:rPr lang="en-US" b="0" i="1" smtClean="0">
+                          <a:rPr lang="en-US" i="1" smtClean="0">
                             <a:latin typeface="Cambria Math" panose="02040503050406030204" pitchFamily="18" charset="0"/>
                           </a:rPr>
                           <m:t>𝑖</m:t>
@@ -7252,7 +7726,7 @@
                 <a14:m>
                   <m:oMath xmlns:m="http://schemas.openxmlformats.org/officeDocument/2006/math">
                     <m:r>
-                      <a:rPr lang="en-US" b="0" i="1" smtClean="0">
+                      <a:rPr lang="en-US" i="1" smtClean="0">
                         <a:latin typeface="Cambria Math" panose="02040503050406030204" pitchFamily="18" charset="0"/>
                       </a:rPr>
                       <m:t>𝑖</m:t>
@@ -7280,13 +7754,13 @@
                 <a14:m>
                   <m:oMath xmlns:m="http://schemas.openxmlformats.org/officeDocument/2006/math">
                     <m:r>
-                      <a:rPr lang="en-US" b="0" i="1" smtClean="0">
+                      <a:rPr lang="en-US" i="1" smtClean="0">
                         <a:latin typeface="Cambria Math" panose="02040503050406030204" pitchFamily="18" charset="0"/>
                       </a:rPr>
                       <m:t>𝑉</m:t>
                     </m:r>
                     <m:r>
-                      <a:rPr lang="en-US" b="0" i="1" smtClean="0">
+                      <a:rPr lang="en-US" i="1" smtClean="0">
                         <a:latin typeface="Cambria Math" panose="02040503050406030204" pitchFamily="18" charset="0"/>
                       </a:rPr>
                       <m:t> \ </m:t>
@@ -7295,7 +7769,7 @@
                       <m:rPr>
                         <m:sty m:val="p"/>
                       </m:rPr>
-                      <a:rPr lang="en-US" b="0" i="1" smtClean="0">
+                      <a:rPr lang="en-US" i="1" smtClean="0">
                         <a:latin typeface="Cambria Math" panose="02040503050406030204" pitchFamily="18" charset="0"/>
                       </a:rPr>
                       <m:t>I</m:t>
@@ -7313,7 +7787,7 @@
                 <a14:m>
                   <m:oMath xmlns:m="http://schemas.openxmlformats.org/officeDocument/2006/math">
                     <m:r>
-                      <a:rPr lang="en-US" b="0" i="1" smtClean="0">
+                      <a:rPr lang="en-US" i="1" smtClean="0">
                         <a:latin typeface="Cambria Math" panose="02040503050406030204" pitchFamily="18" charset="0"/>
                       </a:rPr>
                       <m:t>𝑗</m:t>
@@ -7344,13 +7818,13 @@
                       </m:e>
                       <m:sub>
                         <m:r>
-                          <a:rPr lang="en-US" b="0" i="1" smtClean="0">
+                          <a:rPr lang="en-US" i="1" smtClean="0">
                             <a:latin typeface="Cambria Math" panose="02040503050406030204" pitchFamily="18" charset="0"/>
                           </a:rPr>
                           <m:t>𝑖</m:t>
                         </m:r>
                         <m:r>
-                          <a:rPr lang="en-US" b="0" i="1" smtClean="0">
+                          <a:rPr lang="en-US" i="1" smtClean="0">
                             <a:latin typeface="Cambria Math" panose="02040503050406030204" pitchFamily="18" charset="0"/>
                           </a:rPr>
                           <m:t>+1:</m:t>
@@ -7400,7 +7874,7 @@
                       </m:e>
                       <m:sub>
                         <m:r>
-                          <a:rPr lang="en-US" b="0" i="1" smtClean="0">
+                          <a:rPr lang="en-US" i="1" smtClean="0">
                             <a:latin typeface="Cambria Math" panose="02040503050406030204" pitchFamily="18" charset="0"/>
                             <a:ea typeface="Cambria Math" panose="02040503050406030204" pitchFamily="18" charset="0"/>
                           </a:rPr>
@@ -7415,30 +7889,31 @@
             </p:txBody>
           </p:sp>
         </mc:Choice>
-        <mc:Fallback xmlns="">
+        <mc:Fallback>
           <p:sp>
             <p:nvSpPr>
-              <p:cNvPr id="3" name="Content Placeholder 2">
+              <p:cNvPr id="6" name="Content Placeholder 2">
                 <a:extLst>
                   <a:ext uri="{FF2B5EF4-FFF2-40B4-BE49-F238E27FC236}">
-                    <a16:creationId xmlns:a16="http://schemas.microsoft.com/office/drawing/2014/main" id="{18ED27A9-7C5A-4401-ACBD-37470CB7427E}"/>
+                    <a16:creationId xmlns:a16="http://schemas.microsoft.com/office/drawing/2014/main" id="{92EAE445-CB2F-48D3-94CA-8DF6C13E97A1}"/>
                   </a:ext>
                 </a:extLst>
               </p:cNvPr>
-              <p:cNvSpPr>
-                <a:spLocks noGrp="1" noRot="1" noChangeAspect="1" noMove="1" noResize="1" noEditPoints="1" noAdjustHandles="1" noChangeArrowheads="1" noChangeShapeType="1" noTextEdit="1"/>
+              <p:cNvSpPr txBox="1">
+                <a:spLocks noRot="1" noChangeAspect="1" noMove="1" noResize="1" noEditPoints="1" noAdjustHandles="1" noChangeArrowheads="1" noChangeShapeType="1" noTextEdit="1"/>
               </p:cNvSpPr>
-              <p:nvPr>
-                <p:ph idx="1"/>
-              </p:nvPr>
+              <p:nvPr/>
             </p:nvSpPr>
             <p:spPr>
               <a:xfrm>
-                <a:off x="1261872" y="1828800"/>
+                <a:off x="3421492" y="-3200400"/>
                 <a:ext cx="8595360" cy="4351337"/>
               </a:xfrm>
+              <a:prstGeom prst="rect">
+                <a:avLst/>
+              </a:prstGeom>
               <a:blipFill>
-                <a:blip r:embed="rId3"/>
+                <a:blip r:embed="rId4"/>
                 <a:stretch>
                   <a:fillRect l="-142" t="-1120"/>
                 </a:stretch>
@@ -7449,7 +7924,7 @@
               <a:lstStyle/>
               <a:p>
                 <a:r>
-                  <a:rPr lang="en-US">
+                  <a:rPr lang="en-GB">
                     <a:noFill/>
                   </a:rPr>
                   <a:t> </a:t>
@@ -7459,63 +7934,6 @@
           </p:sp>
         </mc:Fallback>
       </mc:AlternateContent>
-      <p:sp>
-        <p:nvSpPr>
-          <p:cNvPr id="15" name="Rectangle 9">
-            <a:extLst>
-              <a:ext uri="{FF2B5EF4-FFF2-40B4-BE49-F238E27FC236}">
-                <a16:creationId xmlns:a16="http://schemas.microsoft.com/office/drawing/2014/main" id="{6B424749-EEE0-49C9-9ABF-97B171A3EA00}"/>
-              </a:ext>
-              <a:ext uri="{C183D7F6-B498-43B3-948B-1728B52AA6E4}">
-                <adec:decorative xmlns:adec="http://schemas.microsoft.com/office/drawing/2017/decorative" val="1"/>
-              </a:ext>
-            </a:extLst>
-          </p:cNvPr>
-          <p:cNvSpPr>
-            <a:spLocks noGrp="1" noRot="1" noChangeAspect="1" noMove="1" noResize="1" noEditPoints="1" noAdjustHandles="1" noChangeArrowheads="1" noChangeShapeType="1" noTextEdit="1"/>
-          </p:cNvSpPr>
-          <p:nvPr>
-            <p:extLst>
-              <p:ext uri="{386F3935-93C4-4BCD-93E2-E3B085C9AB24}">
-                <p16:designElem xmlns:p16="http://schemas.microsoft.com/office/powerpoint/2015/main" val="1"/>
-              </p:ext>
-            </p:extLst>
-          </p:nvPr>
-        </p:nvSpPr>
-        <p:spPr>
-          <a:xfrm>
-            <a:off x="11277600" y="0"/>
-            <a:ext cx="914400" cy="6858000"/>
-          </a:xfrm>
-          <a:prstGeom prst="rect">
-            <a:avLst/>
-          </a:prstGeom>
-          <a:solidFill>
-            <a:schemeClr val="tx2">
-              <a:lumMod val="75000"/>
-            </a:schemeClr>
-          </a:solidFill>
-          <a:ln>
-            <a:noFill/>
-          </a:ln>
-        </p:spPr>
-        <p:style>
-          <a:lnRef idx="2">
-            <a:schemeClr val="accent1">
-              <a:shade val="50000"/>
-            </a:schemeClr>
-          </a:lnRef>
-          <a:fillRef idx="1">
-            <a:schemeClr val="accent1"/>
-          </a:fillRef>
-          <a:effectRef idx="0">
-            <a:schemeClr val="accent1"/>
-          </a:effectRef>
-          <a:fontRef idx="minor">
-            <a:schemeClr val="lt1"/>
-          </a:fontRef>
-        </p:style>
-      </p:sp>
     </p:spTree>
     <p:extLst>
       <p:ext uri="{BB962C8B-B14F-4D97-AF65-F5344CB8AC3E}">
@@ -8088,8 +8506,8 @@
           </a:p>
         </p:txBody>
       </p:sp>
-      <mc:AlternateContent xmlns:mc="http://schemas.openxmlformats.org/markup-compatibility/2006" xmlns:a14="http://schemas.microsoft.com/office/drawing/2010/main">
-        <mc:Choice Requires="a14">
+      <mc:AlternateContent xmlns:mc="http://schemas.openxmlformats.org/markup-compatibility/2006">
+        <mc:Choice xmlns:a14="http://schemas.microsoft.com/office/drawing/2010/main" Requires="a14">
           <p:sp>
             <p:nvSpPr>
               <p:cNvPr id="3" name="Content Placeholder 2">
@@ -8120,7 +8538,7 @@
               <a:p>
                 <a:r>
                   <a:rPr lang="en-US" sz="1800" dirty="0"/>
-                  <a:t>Pheromone graph </a:t>
+                  <a:t>A weighted Pheromone Graph </a:t>
                 </a:r>
                 <a14:m>
                   <m:oMath xmlns:m="http://schemas.openxmlformats.org/officeDocument/2006/math">
@@ -8134,74 +8552,8 @@
                   </m:oMath>
                 </a14:m>
                 <a:r>
-                  <a:rPr lang="en-US" sz="1800" dirty="0"/>
-                  <a:t> initialised to </a:t>
-                </a:r>
-                <a14:m>
-                  <m:oMath xmlns:m="http://schemas.openxmlformats.org/officeDocument/2006/math">
-                    <m:acc>
-                      <m:accPr>
-                        <m:chr m:val="̅"/>
-                        <m:ctrlPr>
-                          <a:rPr lang="en-US" sz="1800" i="1" smtClean="0">
-                            <a:latin typeface="Cambria Math" panose="02040503050406030204" pitchFamily="18" charset="0"/>
-                          </a:rPr>
-                        </m:ctrlPr>
-                      </m:accPr>
-                      <m:e>
-                        <m:r>
-                          <a:rPr lang="en-US" sz="1800" b="0" i="1" smtClean="0">
-                            <a:latin typeface="Cambria Math" panose="02040503050406030204" pitchFamily="18" charset="0"/>
-                          </a:rPr>
-                          <m:t>𝐺</m:t>
-                        </m:r>
-                      </m:e>
-                    </m:acc>
-                  </m:oMath>
-                </a14:m>
-                <a:endParaRPr lang="en-US" sz="1800" dirty="0"/>
-              </a:p>
-              <a:p>
-                <a:pPr lvl="1"/>
-                <a14:m>
-                  <m:oMath xmlns:m="http://schemas.openxmlformats.org/officeDocument/2006/math">
-                    <m:sSub>
-                      <m:sSubPr>
-                        <m:ctrlPr>
-                          <a:rPr lang="en-US" i="1" smtClean="0">
-                            <a:latin typeface="Cambria Math" panose="02040503050406030204" pitchFamily="18" charset="0"/>
-                          </a:rPr>
-                        </m:ctrlPr>
-                      </m:sSubPr>
-                      <m:e>
-                        <m:r>
-                          <a:rPr lang="en-US" i="1" smtClean="0">
-                            <a:latin typeface="Cambria Math" panose="02040503050406030204" pitchFamily="18" charset="0"/>
-                            <a:ea typeface="Cambria Math" panose="02040503050406030204" pitchFamily="18" charset="0"/>
-                          </a:rPr>
-                          <m:t>𝜏</m:t>
-                        </m:r>
-                      </m:e>
-                      <m:sub>
-                        <m:r>
-                          <a:rPr lang="en-US" b="0" i="1" smtClean="0">
-                            <a:latin typeface="Cambria Math" panose="02040503050406030204" pitchFamily="18" charset="0"/>
-                          </a:rPr>
-                          <m:t>𝑢𝑣</m:t>
-                        </m:r>
-                      </m:sub>
-                    </m:sSub>
-                    <m:r>
-                      <a:rPr lang="en-US" b="0" i="1" smtClean="0">
-                        <a:latin typeface="Cambria Math" panose="02040503050406030204" pitchFamily="18" charset="0"/>
-                      </a:rPr>
-                      <m:t>=1</m:t>
-                    </m:r>
-                  </m:oMath>
-                </a14:m>
-                <a:r>
                   <a:rPr lang="en-US" dirty="0"/>
-                  <a:t> if u and v aren’t adjacent, 0 otherwise</a:t>
+                  <a:t> is used to store the value of selecting one vertex from another</a:t>
                 </a:r>
               </a:p>
               <a:p>
@@ -8218,616 +8570,40 @@
                 <a:pPr lvl="1"/>
                 <a:r>
                   <a:rPr lang="en-US" dirty="0"/>
-                  <a:t>Generate a number M. Beginning from the vertex with highest degree, iteratively select M vertices according to the transition rule</a:t>
+                  <a:t>Generate a number M. Beginning from the vertex with highest degree, iteratively select M vertices with probability according to their weight</a:t>
                 </a:r>
               </a:p>
               <a:p>
                 <a:pPr lvl="1"/>
-                <a14:m>
-                  <m:oMath xmlns:m="http://schemas.openxmlformats.org/officeDocument/2006/math">
-                    <m:r>
-                      <a:rPr lang="en-US" b="0" i="1" smtClean="0">
-                        <a:latin typeface="Cambria Math" panose="02040503050406030204" pitchFamily="18" charset="0"/>
-                      </a:rPr>
-                      <m:t>𝑃</m:t>
-                    </m:r>
-                    <m:d>
-                      <m:dPr>
-                        <m:ctrlPr>
-                          <a:rPr lang="en-US" b="0" i="1" smtClean="0">
-                            <a:latin typeface="Cambria Math" panose="02040503050406030204" pitchFamily="18" charset="0"/>
-                          </a:rPr>
-                        </m:ctrlPr>
-                      </m:dPr>
-                      <m:e>
-                        <m:r>
-                          <a:rPr lang="en-US" b="0" i="1" smtClean="0">
-                            <a:latin typeface="Cambria Math" panose="02040503050406030204" pitchFamily="18" charset="0"/>
-                          </a:rPr>
-                          <m:t>𝑠𝑒𝑙𝑒𝑐𝑡𝑖𝑛𝑔</m:t>
-                        </m:r>
-                        <m:r>
-                          <a:rPr lang="en-US" b="0" i="1" smtClean="0">
-                            <a:latin typeface="Cambria Math" panose="02040503050406030204" pitchFamily="18" charset="0"/>
-                          </a:rPr>
-                          <m:t> </m:t>
-                        </m:r>
-                        <m:r>
-                          <a:rPr lang="en-US" b="0" i="1" smtClean="0">
-                            <a:latin typeface="Cambria Math" panose="02040503050406030204" pitchFamily="18" charset="0"/>
-                          </a:rPr>
-                          <m:t>𝑣</m:t>
-                        </m:r>
-                        <m:r>
-                          <a:rPr lang="en-US" b="0" i="1" smtClean="0">
-                            <a:latin typeface="Cambria Math" panose="02040503050406030204" pitchFamily="18" charset="0"/>
-                          </a:rPr>
-                          <m:t> </m:t>
-                        </m:r>
-                        <m:r>
-                          <a:rPr lang="en-US" b="0" i="1" smtClean="0">
-                            <a:latin typeface="Cambria Math" panose="02040503050406030204" pitchFamily="18" charset="0"/>
-                          </a:rPr>
-                          <m:t>𝑓𝑟𝑜𝑚</m:t>
-                        </m:r>
-                        <m:r>
-                          <a:rPr lang="en-US" b="0" i="1" smtClean="0">
-                            <a:latin typeface="Cambria Math" panose="02040503050406030204" pitchFamily="18" charset="0"/>
-                          </a:rPr>
-                          <m:t> </m:t>
-                        </m:r>
-                        <m:r>
-                          <a:rPr lang="en-US" b="0" i="1" smtClean="0">
-                            <a:latin typeface="Cambria Math" panose="02040503050406030204" pitchFamily="18" charset="0"/>
-                          </a:rPr>
-                          <m:t>𝑢</m:t>
-                        </m:r>
-                      </m:e>
-                    </m:d>
-                    <m:r>
-                      <a:rPr lang="en-US" b="0" i="1" smtClean="0">
-                        <a:latin typeface="Cambria Math" panose="02040503050406030204" pitchFamily="18" charset="0"/>
-                      </a:rPr>
-                      <m:t>=</m:t>
-                    </m:r>
-                    <m:f>
-                      <m:fPr>
-                        <m:ctrlPr>
-                          <a:rPr lang="en-US" b="0" i="1" smtClean="0">
-                            <a:latin typeface="Cambria Math" panose="02040503050406030204" pitchFamily="18" charset="0"/>
-                          </a:rPr>
-                        </m:ctrlPr>
-                      </m:fPr>
-                      <m:num>
-                        <m:sSubSup>
-                          <m:sSubSupPr>
-                            <m:ctrlPr>
-                              <a:rPr lang="en-US" b="0" i="1" smtClean="0">
-                                <a:latin typeface="Cambria Math" panose="02040503050406030204" pitchFamily="18" charset="0"/>
-                              </a:rPr>
-                            </m:ctrlPr>
-                          </m:sSubSupPr>
-                          <m:e>
-                            <m:r>
-                              <a:rPr lang="en-US" b="0" i="1" smtClean="0">
-                                <a:latin typeface="Cambria Math" panose="02040503050406030204" pitchFamily="18" charset="0"/>
-                                <a:ea typeface="Cambria Math" panose="02040503050406030204" pitchFamily="18" charset="0"/>
-                              </a:rPr>
-                              <m:t>𝜏</m:t>
-                            </m:r>
-                          </m:e>
-                          <m:sub>
-                            <m:r>
-                              <a:rPr lang="en-US" b="0" i="1" smtClean="0">
-                                <a:latin typeface="Cambria Math" panose="02040503050406030204" pitchFamily="18" charset="0"/>
-                              </a:rPr>
-                              <m:t>𝑢𝑣</m:t>
-                            </m:r>
-                          </m:sub>
-                          <m:sup>
-                            <m:r>
-                              <a:rPr lang="en-US" b="0" i="1" smtClean="0">
-                                <a:latin typeface="Cambria Math" panose="02040503050406030204" pitchFamily="18" charset="0"/>
-                                <a:ea typeface="Cambria Math" panose="02040503050406030204" pitchFamily="18" charset="0"/>
-                              </a:rPr>
-                              <m:t>𝛼</m:t>
-                            </m:r>
-                          </m:sup>
-                        </m:sSubSup>
-                        <m:sSubSup>
-                          <m:sSubSupPr>
-                            <m:ctrlPr>
-                              <a:rPr lang="en-US" b="0" i="1" smtClean="0">
-                                <a:latin typeface="Cambria Math" panose="02040503050406030204" pitchFamily="18" charset="0"/>
-                              </a:rPr>
-                            </m:ctrlPr>
-                          </m:sSubSupPr>
-                          <m:e>
-                            <m:r>
-                              <a:rPr lang="el-GR" i="1">
-                                <a:latin typeface="Cambria Math" panose="02040503050406030204" pitchFamily="18" charset="0"/>
-                              </a:rPr>
-                              <m:t>𝜂</m:t>
-                            </m:r>
-                          </m:e>
-                          <m:sub>
-                            <m:r>
-                              <a:rPr lang="en-US" b="0" i="1" smtClean="0">
-                                <a:latin typeface="Cambria Math" panose="02040503050406030204" pitchFamily="18" charset="0"/>
-                              </a:rPr>
-                              <m:t>𝑣</m:t>
-                            </m:r>
-                          </m:sub>
-                          <m:sup>
-                            <m:r>
-                              <a:rPr lang="en-US" b="0" i="1" smtClean="0">
-                                <a:latin typeface="Cambria Math" panose="02040503050406030204" pitchFamily="18" charset="0"/>
-                                <a:ea typeface="Cambria Math" panose="02040503050406030204" pitchFamily="18" charset="0"/>
-                              </a:rPr>
-                              <m:t>𝛽</m:t>
-                            </m:r>
-                          </m:sup>
-                        </m:sSubSup>
-                      </m:num>
-                      <m:den>
-                        <m:nary>
-                          <m:naryPr>
-                            <m:chr m:val="∑"/>
-                            <m:supHide m:val="on"/>
-                            <m:ctrlPr>
-                              <a:rPr lang="en-US" b="0" i="1" smtClean="0">
-                                <a:latin typeface="Cambria Math" panose="02040503050406030204" pitchFamily="18" charset="0"/>
-                              </a:rPr>
-                            </m:ctrlPr>
-                          </m:naryPr>
-                          <m:sub>
-                            <m:r>
-                              <m:rPr>
-                                <m:brk m:alnAt="7"/>
-                              </m:rPr>
-                              <a:rPr lang="en-US" b="0" i="1" smtClean="0">
-                                <a:latin typeface="Cambria Math" panose="02040503050406030204" pitchFamily="18" charset="0"/>
-                              </a:rPr>
-                              <m:t>𝑙</m:t>
-                            </m:r>
-                            <m:r>
-                              <a:rPr lang="en-US" b="0" i="1" smtClean="0">
-                                <a:latin typeface="Cambria Math" panose="02040503050406030204" pitchFamily="18" charset="0"/>
-                                <a:ea typeface="Cambria Math" panose="02040503050406030204" pitchFamily="18" charset="0"/>
-                              </a:rPr>
-                              <m:t>∈(</m:t>
-                            </m:r>
-                            <m:r>
-                              <a:rPr lang="en-US" b="0" i="1" smtClean="0">
-                                <a:latin typeface="Cambria Math" panose="02040503050406030204" pitchFamily="18" charset="0"/>
-                                <a:ea typeface="Cambria Math" panose="02040503050406030204" pitchFamily="18" charset="0"/>
-                              </a:rPr>
-                              <m:t>𝑉</m:t>
-                            </m:r>
-                            <m:r>
-                              <a:rPr lang="en-US" b="0" i="1" smtClean="0">
-                                <a:latin typeface="Cambria Math" panose="02040503050406030204" pitchFamily="18" charset="0"/>
-                                <a:ea typeface="Cambria Math" panose="02040503050406030204" pitchFamily="18" charset="0"/>
-                              </a:rPr>
-                              <m:t>\</m:t>
-                            </m:r>
-                            <m:r>
-                              <m:rPr>
-                                <m:sty m:val="p"/>
-                              </m:rPr>
-                              <a:rPr lang="en-US" b="0" i="1" smtClean="0">
-                                <a:latin typeface="Cambria Math" panose="02040503050406030204" pitchFamily="18" charset="0"/>
-                                <a:ea typeface="Cambria Math" panose="02040503050406030204" pitchFamily="18" charset="0"/>
-                              </a:rPr>
-                              <m:t>T</m:t>
-                            </m:r>
-                            <m:r>
-                              <a:rPr lang="en-US" b="0" i="1" smtClean="0">
-                                <a:latin typeface="Cambria Math" panose="02040503050406030204" pitchFamily="18" charset="0"/>
-                                <a:ea typeface="Cambria Math" panose="02040503050406030204" pitchFamily="18" charset="0"/>
-                              </a:rPr>
-                              <m:t>)</m:t>
-                            </m:r>
-                          </m:sub>
-                          <m:sup/>
-                          <m:e>
-                            <m:sSubSup>
-                              <m:sSubSupPr>
-                                <m:ctrlPr>
-                                  <a:rPr lang="en-US" i="1">
-                                    <a:latin typeface="Cambria Math" panose="02040503050406030204" pitchFamily="18" charset="0"/>
-                                  </a:rPr>
-                                </m:ctrlPr>
-                              </m:sSubSupPr>
-                              <m:e>
-                                <m:r>
-                                  <a:rPr lang="en-US" i="1">
-                                    <a:latin typeface="Cambria Math" panose="02040503050406030204" pitchFamily="18" charset="0"/>
-                                    <a:ea typeface="Cambria Math" panose="02040503050406030204" pitchFamily="18" charset="0"/>
-                                  </a:rPr>
-                                  <m:t>𝜏</m:t>
-                                </m:r>
-                              </m:e>
-                              <m:sub>
-                                <m:r>
-                                  <a:rPr lang="en-US" i="1">
-                                    <a:latin typeface="Cambria Math" panose="02040503050406030204" pitchFamily="18" charset="0"/>
-                                  </a:rPr>
-                                  <m:t>𝑢</m:t>
-                                </m:r>
-                                <m:r>
-                                  <a:rPr lang="en-US" b="0" i="1" smtClean="0">
-                                    <a:latin typeface="Cambria Math" panose="02040503050406030204" pitchFamily="18" charset="0"/>
-                                  </a:rPr>
-                                  <m:t>𝑙</m:t>
-                                </m:r>
-                              </m:sub>
-                              <m:sup>
-                                <m:r>
-                                  <a:rPr lang="en-US" i="1">
-                                    <a:latin typeface="Cambria Math" panose="02040503050406030204" pitchFamily="18" charset="0"/>
-                                    <a:ea typeface="Cambria Math" panose="02040503050406030204" pitchFamily="18" charset="0"/>
-                                  </a:rPr>
-                                  <m:t>𝛼</m:t>
-                                </m:r>
-                              </m:sup>
-                            </m:sSubSup>
-                            <m:sSubSup>
-                              <m:sSubSupPr>
-                                <m:ctrlPr>
-                                  <a:rPr lang="en-US" i="1">
-                                    <a:latin typeface="Cambria Math" panose="02040503050406030204" pitchFamily="18" charset="0"/>
-                                  </a:rPr>
-                                </m:ctrlPr>
-                              </m:sSubSupPr>
-                              <m:e>
-                                <m:r>
-                                  <a:rPr lang="el-GR" i="1">
-                                    <a:latin typeface="Cambria Math" panose="02040503050406030204" pitchFamily="18" charset="0"/>
-                                  </a:rPr>
-                                  <m:t>𝜂</m:t>
-                                </m:r>
-                              </m:e>
-                              <m:sub>
-                                <m:r>
-                                  <a:rPr lang="en-US" b="0" i="1" smtClean="0">
-                                    <a:latin typeface="Cambria Math" panose="02040503050406030204" pitchFamily="18" charset="0"/>
-                                  </a:rPr>
-                                  <m:t>𝑙</m:t>
-                                </m:r>
-                              </m:sub>
-                              <m:sup>
-                                <m:r>
-                                  <a:rPr lang="en-US" i="1">
-                                    <a:latin typeface="Cambria Math" panose="02040503050406030204" pitchFamily="18" charset="0"/>
-                                    <a:ea typeface="Cambria Math" panose="02040503050406030204" pitchFamily="18" charset="0"/>
-                                  </a:rPr>
-                                  <m:t>𝛽</m:t>
-                                </m:r>
-                              </m:sup>
-                            </m:sSubSup>
-                          </m:e>
-                        </m:nary>
-                      </m:den>
-                    </m:f>
-                  </m:oMath>
-                </a14:m>
-                <a:endParaRPr lang="en-US" dirty="0"/>
-              </a:p>
-              <a:p>
-                <a:pPr lvl="1"/>
-                <a14:m>
-                  <m:oMath xmlns:m="http://schemas.openxmlformats.org/officeDocument/2006/math">
-                    <m:sSub>
-                      <m:sSubPr>
-                        <m:ctrlPr>
-                          <a:rPr lang="en-US" i="1" smtClean="0">
-                            <a:latin typeface="Cambria Math" panose="02040503050406030204" pitchFamily="18" charset="0"/>
-                          </a:rPr>
-                        </m:ctrlPr>
-                      </m:sSubPr>
-                      <m:e>
-                        <m:r>
-                          <a:rPr lang="el-GR" i="1">
-                            <a:latin typeface="Cambria Math" panose="02040503050406030204" pitchFamily="18" charset="0"/>
-                          </a:rPr>
-                          <m:t>𝜂</m:t>
-                        </m:r>
-                      </m:e>
-                      <m:sub>
-                        <m:r>
-                          <a:rPr lang="en-US" b="0" i="1" smtClean="0">
-                            <a:latin typeface="Cambria Math" panose="02040503050406030204" pitchFamily="18" charset="0"/>
-                          </a:rPr>
-                          <m:t>𝑣</m:t>
-                        </m:r>
-                      </m:sub>
-                    </m:sSub>
-                  </m:oMath>
-                </a14:m>
                 <a:r>
                   <a:rPr lang="en-US" dirty="0"/>
-                  <a:t> is the degree of saturation of v (the number of different colours adjacent to v)</a:t>
+                  <a:t>A vertex’s weight is the product of its heuristic value and the pheromone weight when moving from the current vertex</a:t>
                 </a:r>
               </a:p>
               <a:p>
                 <a:r>
                   <a:rPr lang="en-US" dirty="0"/>
-                  <a:t>After performing all </a:t>
+                  <a:t>After performing a </a:t>
                 </a:r>
                 <a:r>
-                  <a:rPr lang="en-US" sz="2000" dirty="0"/>
-                  <a:t>Lévy flights, </a:t>
+                  <a:rPr lang="en-US" sz="1800" dirty="0"/>
+                  <a:t>Lévy flight, </a:t>
                 </a:r>
                 <a14:m>
                   <m:oMath xmlns:m="http://schemas.openxmlformats.org/officeDocument/2006/math">
-                    <m:sSub>
-                      <m:sSubPr>
-                        <m:ctrlPr>
-                          <a:rPr lang="en-US" sz="2000" i="1" smtClean="0">
-                            <a:latin typeface="Cambria Math" panose="02040503050406030204" pitchFamily="18" charset="0"/>
-                          </a:rPr>
-                        </m:ctrlPr>
-                      </m:sSubPr>
-                      <m:e>
-                        <m:r>
-                          <a:rPr lang="en-US" sz="2000" i="1" smtClean="0">
-                            <a:latin typeface="Cambria Math" panose="02040503050406030204" pitchFamily="18" charset="0"/>
-                            <a:ea typeface="Cambria Math" panose="02040503050406030204" pitchFamily="18" charset="0"/>
-                          </a:rPr>
-                          <m:t>𝜏</m:t>
-                        </m:r>
-                      </m:e>
-                      <m:sub>
-                        <m:r>
-                          <a:rPr lang="en-US" sz="2000" b="0" i="1" smtClean="0">
-                            <a:latin typeface="Cambria Math" panose="02040503050406030204" pitchFamily="18" charset="0"/>
-                          </a:rPr>
-                          <m:t>𝑢𝑣</m:t>
-                        </m:r>
-                      </m:sub>
-                    </m:sSub>
                     <m:r>
-                      <a:rPr lang="en-US" sz="2000" b="0" i="1" smtClean="0">
-                        <a:latin typeface="Cambria Math" panose="02040503050406030204" pitchFamily="18" charset="0"/>
-                      </a:rPr>
-                      <m:t>=</m:t>
-                    </m:r>
-                    <m:d>
-                      <m:dPr>
-                        <m:ctrlPr>
-                          <a:rPr lang="en-US" sz="2000" b="0" i="1" smtClean="0">
-                            <a:latin typeface="Cambria Math" panose="02040503050406030204" pitchFamily="18" charset="0"/>
-                          </a:rPr>
-                        </m:ctrlPr>
-                      </m:dPr>
-                      <m:e>
-                        <m:r>
-                          <a:rPr lang="en-US" sz="2000" b="0" i="1" smtClean="0">
-                            <a:latin typeface="Cambria Math" panose="02040503050406030204" pitchFamily="18" charset="0"/>
-                          </a:rPr>
-                          <m:t>1−</m:t>
-                        </m:r>
-                        <m:r>
-                          <a:rPr lang="en-US" sz="2000" b="0" i="1" smtClean="0">
-                            <a:latin typeface="Cambria Math" panose="02040503050406030204" pitchFamily="18" charset="0"/>
-                            <a:ea typeface="Cambria Math" panose="02040503050406030204" pitchFamily="18" charset="0"/>
-                          </a:rPr>
-                          <m:t>𝜌</m:t>
-                        </m:r>
-                      </m:e>
-                    </m:d>
-                    <m:sSub>
-                      <m:sSubPr>
-                        <m:ctrlPr>
-                          <a:rPr lang="en-US" sz="2000" b="0" i="1" smtClean="0">
-                            <a:latin typeface="Cambria Math" panose="02040503050406030204" pitchFamily="18" charset="0"/>
-                            <a:ea typeface="Cambria Math" panose="02040503050406030204" pitchFamily="18" charset="0"/>
-                          </a:rPr>
-                        </m:ctrlPr>
-                      </m:sSubPr>
-                      <m:e>
-                        <m:r>
-                          <a:rPr lang="en-US" sz="2000" b="0" i="1" smtClean="0">
-                            <a:latin typeface="Cambria Math" panose="02040503050406030204" pitchFamily="18" charset="0"/>
-                            <a:ea typeface="Cambria Math" panose="02040503050406030204" pitchFamily="18" charset="0"/>
-                          </a:rPr>
-                          <m:t>𝜏</m:t>
-                        </m:r>
-                      </m:e>
-                      <m:sub>
-                        <m:r>
-                          <a:rPr lang="en-US" sz="2000" b="0" i="1" smtClean="0">
-                            <a:latin typeface="Cambria Math" panose="02040503050406030204" pitchFamily="18" charset="0"/>
-                            <a:ea typeface="Cambria Math" panose="02040503050406030204" pitchFamily="18" charset="0"/>
-                          </a:rPr>
-                          <m:t>𝑢𝑣</m:t>
-                        </m:r>
-                      </m:sub>
-                    </m:sSub>
-                    <m:r>
-                      <a:rPr lang="en-US" sz="2000" b="0" i="1" smtClean="0">
+                      <a:rPr lang="en-US" sz="1800" i="1" smtClean="0">
                         <a:latin typeface="Cambria Math" panose="02040503050406030204" pitchFamily="18" charset="0"/>
                         <a:ea typeface="Cambria Math" panose="02040503050406030204" pitchFamily="18" charset="0"/>
                       </a:rPr>
-                      <m:t>+∆</m:t>
+                      <m:t>𝜏</m:t>
                     </m:r>
-                    <m:sSub>
-                      <m:sSubPr>
-                        <m:ctrlPr>
-                          <a:rPr lang="en-US" sz="2000" b="0" i="1" smtClean="0">
-                            <a:latin typeface="Cambria Math" panose="02040503050406030204" pitchFamily="18" charset="0"/>
-                            <a:ea typeface="Cambria Math" panose="02040503050406030204" pitchFamily="18" charset="0"/>
-                          </a:rPr>
-                        </m:ctrlPr>
-                      </m:sSubPr>
-                      <m:e>
-                        <m:r>
-                          <a:rPr lang="en-US" sz="2000" b="0" i="1" smtClean="0">
-                            <a:latin typeface="Cambria Math" panose="02040503050406030204" pitchFamily="18" charset="0"/>
-                            <a:ea typeface="Cambria Math" panose="02040503050406030204" pitchFamily="18" charset="0"/>
-                          </a:rPr>
-                          <m:t>𝜏</m:t>
-                        </m:r>
-                      </m:e>
-                      <m:sub>
-                        <m:r>
-                          <a:rPr lang="en-US" sz="2000" b="0" i="1" smtClean="0">
-                            <a:latin typeface="Cambria Math" panose="02040503050406030204" pitchFamily="18" charset="0"/>
-                            <a:ea typeface="Cambria Math" panose="02040503050406030204" pitchFamily="18" charset="0"/>
-                          </a:rPr>
-                          <m:t>𝑢𝑣</m:t>
-                        </m:r>
-                      </m:sub>
-                    </m:sSub>
                   </m:oMath>
                 </a14:m>
-                <a:endParaRPr lang="en-US" dirty="0"/>
-              </a:p>
-              <a:p>
-                <a:pPr lvl="1"/>
-                <a14:m>
-                  <m:oMath xmlns:m="http://schemas.openxmlformats.org/officeDocument/2006/math">
-                    <m:r>
-                      <a:rPr lang="en-US" sz="1600" b="0" i="1" smtClean="0">
-                        <a:latin typeface="Cambria Math" panose="02040503050406030204" pitchFamily="18" charset="0"/>
-                        <a:ea typeface="Cambria Math" panose="02040503050406030204" pitchFamily="18" charset="0"/>
-                      </a:rPr>
-                      <m:t>∆</m:t>
-                    </m:r>
-                    <m:sSub>
-                      <m:sSubPr>
-                        <m:ctrlPr>
-                          <a:rPr lang="en-US" sz="1600" b="0" i="1" smtClean="0">
-                            <a:latin typeface="Cambria Math" panose="02040503050406030204" pitchFamily="18" charset="0"/>
-                            <a:ea typeface="Cambria Math" panose="02040503050406030204" pitchFamily="18" charset="0"/>
-                          </a:rPr>
-                        </m:ctrlPr>
-                      </m:sSubPr>
-                      <m:e>
-                        <m:r>
-                          <a:rPr lang="en-US" sz="1600" b="0" i="1" smtClean="0">
-                            <a:latin typeface="Cambria Math" panose="02040503050406030204" pitchFamily="18" charset="0"/>
-                            <a:ea typeface="Cambria Math" panose="02040503050406030204" pitchFamily="18" charset="0"/>
-                          </a:rPr>
-                          <m:t>𝜏</m:t>
-                        </m:r>
-                      </m:e>
-                      <m:sub>
-                        <m:r>
-                          <a:rPr lang="en-US" sz="1600" b="0" i="1" smtClean="0">
-                            <a:latin typeface="Cambria Math" panose="02040503050406030204" pitchFamily="18" charset="0"/>
-                            <a:ea typeface="Cambria Math" panose="02040503050406030204" pitchFamily="18" charset="0"/>
-                          </a:rPr>
-                          <m:t>𝑢𝑣</m:t>
-                        </m:r>
-                      </m:sub>
-                    </m:sSub>
-                    <m:r>
-                      <a:rPr lang="en-US" sz="1600" b="0" i="1" smtClean="0">
-                        <a:latin typeface="Cambria Math" panose="02040503050406030204" pitchFamily="18" charset="0"/>
-                        <a:ea typeface="Cambria Math" panose="02040503050406030204" pitchFamily="18" charset="0"/>
-                      </a:rPr>
-                      <m:t>=</m:t>
-                    </m:r>
-                    <m:nary>
-                      <m:naryPr>
-                        <m:chr m:val="∑"/>
-                        <m:supHide m:val="on"/>
-                        <m:ctrlPr>
-                          <a:rPr lang="en-US" sz="1600" b="0" i="1" smtClean="0">
-                            <a:latin typeface="Cambria Math" panose="02040503050406030204" pitchFamily="18" charset="0"/>
-                            <a:ea typeface="Cambria Math" panose="02040503050406030204" pitchFamily="18" charset="0"/>
-                          </a:rPr>
-                        </m:ctrlPr>
-                      </m:naryPr>
-                      <m:sub>
-                        <m:r>
-                          <m:rPr>
-                            <m:brk m:alnAt="7"/>
-                          </m:rPr>
-                          <a:rPr lang="en-US" sz="1600" b="0" i="1" smtClean="0">
-                            <a:latin typeface="Cambria Math" panose="02040503050406030204" pitchFamily="18" charset="0"/>
-                            <a:ea typeface="Cambria Math" panose="02040503050406030204" pitchFamily="18" charset="0"/>
-                          </a:rPr>
-                          <m:t>𝑐</m:t>
-                        </m:r>
-                        <m:r>
-                          <a:rPr lang="en-US" sz="1600" b="0" i="1" smtClean="0">
-                            <a:latin typeface="Cambria Math" panose="02040503050406030204" pitchFamily="18" charset="0"/>
-                            <a:ea typeface="Cambria Math" panose="02040503050406030204" pitchFamily="18" charset="0"/>
-                          </a:rPr>
-                          <m:t>∈</m:t>
-                        </m:r>
-                        <m:r>
-                          <a:rPr lang="en-US" sz="1600" b="0" i="1" smtClean="0">
-                            <a:latin typeface="Cambria Math" panose="02040503050406030204" pitchFamily="18" charset="0"/>
-                            <a:ea typeface="Cambria Math" panose="02040503050406030204" pitchFamily="18" charset="0"/>
-                          </a:rPr>
-                          <m:t>𝑃</m:t>
-                        </m:r>
-                      </m:sub>
-                      <m:sup/>
-                      <m:e>
-                        <m:r>
-                          <a:rPr lang="en-US" sz="1600" b="0" i="1" smtClean="0">
-                            <a:latin typeface="Cambria Math" panose="02040503050406030204" pitchFamily="18" charset="0"/>
-                            <a:ea typeface="Cambria Math" panose="02040503050406030204" pitchFamily="18" charset="0"/>
-                          </a:rPr>
-                          <m:t>1−</m:t>
-                        </m:r>
-                        <m:r>
-                          <a:rPr lang="en-US" sz="1600" b="0" i="1" smtClean="0">
-                            <a:latin typeface="Cambria Math" panose="02040503050406030204" pitchFamily="18" charset="0"/>
-                            <a:ea typeface="Cambria Math" panose="02040503050406030204" pitchFamily="18" charset="0"/>
-                          </a:rPr>
-                          <m:t>𝜎</m:t>
-                        </m:r>
-                        <m:r>
-                          <a:rPr lang="en-US" sz="1600" b="0" i="1" smtClean="0">
-                            <a:latin typeface="Cambria Math" panose="02040503050406030204" pitchFamily="18" charset="0"/>
-                            <a:ea typeface="Cambria Math" panose="02040503050406030204" pitchFamily="18" charset="0"/>
-                          </a:rPr>
-                          <m:t>(</m:t>
-                        </m:r>
-                        <m:r>
-                          <a:rPr lang="en-US" sz="1600" b="0" i="1" smtClean="0">
-                            <a:latin typeface="Cambria Math" panose="02040503050406030204" pitchFamily="18" charset="0"/>
-                            <a:ea typeface="Cambria Math" panose="02040503050406030204" pitchFamily="18" charset="0"/>
-                          </a:rPr>
-                          <m:t>𝑓</m:t>
-                        </m:r>
-                        <m:d>
-                          <m:dPr>
-                            <m:ctrlPr>
-                              <a:rPr lang="en-US" sz="1600" b="0" i="1" smtClean="0">
-                                <a:latin typeface="Cambria Math" panose="02040503050406030204" pitchFamily="18" charset="0"/>
-                                <a:ea typeface="Cambria Math" panose="02040503050406030204" pitchFamily="18" charset="0"/>
-                              </a:rPr>
-                            </m:ctrlPr>
-                          </m:dPr>
-                          <m:e>
-                            <m:r>
-                              <a:rPr lang="en-US" sz="1600" b="0" i="1" smtClean="0">
-                                <a:latin typeface="Cambria Math" panose="02040503050406030204" pitchFamily="18" charset="0"/>
-                                <a:ea typeface="Cambria Math" panose="02040503050406030204" pitchFamily="18" charset="0"/>
-                              </a:rPr>
-                              <m:t>𝑐</m:t>
-                            </m:r>
-                          </m:e>
-                        </m:d>
-                        <m:r>
-                          <a:rPr lang="en-US" sz="1600" b="0" i="1" smtClean="0">
-                            <a:latin typeface="Cambria Math" panose="02040503050406030204" pitchFamily="18" charset="0"/>
-                            <a:ea typeface="Cambria Math" panose="02040503050406030204" pitchFamily="18" charset="0"/>
-                          </a:rPr>
-                          <m:t>)</m:t>
-                        </m:r>
-                      </m:e>
-                    </m:nary>
-                  </m:oMath>
-                </a14:m>
-                <a:endParaRPr lang="en-US" dirty="0"/>
+                <a:r>
+                  <a:rPr lang="en-US" dirty="0"/>
+                  <a:t> is updated so more weight is given to paths that created better solutions</a:t>
+                </a:r>
               </a:p>
               <a:p>
                 <a:r>
@@ -8838,7 +8614,7 @@
             </p:txBody>
           </p:sp>
         </mc:Choice>
-        <mc:Fallback xmlns="">
+        <mc:Fallback>
           <p:sp>
             <p:nvSpPr>
               <p:cNvPr id="3" name="Content Placeholder 2">
@@ -8863,7 +8639,7 @@
               <a:blipFill>
                 <a:blip r:embed="rId3"/>
                 <a:stretch>
-                  <a:fillRect l="-142" t="-980"/>
+                  <a:fillRect l="-142" t="-1120" r="-355"/>
                 </a:stretch>
               </a:blipFill>
             </p:spPr>
@@ -8872,7 +8648,7 @@
               <a:lstStyle/>
               <a:p>
                 <a:r>
-                  <a:rPr lang="en-US">
+                  <a:rPr lang="en-GB">
                     <a:noFill/>
                   </a:rPr>
                   <a:t> </a:t>

--- a/presentation_1_shorter.pptx
+++ b/presentation_1_shorter.pptx
@@ -5,13 +5,13 @@
     <p:sldMasterId id="2147483857" r:id="rId1"/>
   </p:sldMasterIdLst>
   <p:notesMasterIdLst>
-    <p:notesMasterId r:id="rId20"/>
+    <p:notesMasterId r:id="rId19"/>
   </p:notesMasterIdLst>
   <p:sldIdLst>
     <p:sldId id="256" r:id="rId2"/>
     <p:sldId id="257" r:id="rId3"/>
     <p:sldId id="258" r:id="rId4"/>
-    <p:sldId id="259" r:id="rId5"/>
+    <p:sldId id="284" r:id="rId5"/>
     <p:sldId id="260" r:id="rId6"/>
     <p:sldId id="282" r:id="rId7"/>
     <p:sldId id="283" r:id="rId8"/>
@@ -20,12 +20,11 @@
     <p:sldId id="269" r:id="rId11"/>
     <p:sldId id="270" r:id="rId12"/>
     <p:sldId id="271" r:id="rId13"/>
-    <p:sldId id="272" r:id="rId14"/>
+    <p:sldId id="285" r:id="rId14"/>
     <p:sldId id="273" r:id="rId15"/>
     <p:sldId id="274" r:id="rId16"/>
     <p:sldId id="275" r:id="rId17"/>
-    <p:sldId id="280" r:id="rId18"/>
-    <p:sldId id="281" r:id="rId19"/>
+    <p:sldId id="281" r:id="rId18"/>
   </p:sldIdLst>
   <p:sldSz cx="12192000" cy="6858000"/>
   <p:notesSz cx="6858000" cy="9144000"/>
@@ -132,7 +131,7 @@
             <p14:sldId id="256"/>
             <p14:sldId id="257"/>
             <p14:sldId id="258"/>
-            <p14:sldId id="259"/>
+            <p14:sldId id="284"/>
             <p14:sldId id="260"/>
             <p14:sldId id="282"/>
             <p14:sldId id="283"/>
@@ -141,11 +140,10 @@
             <p14:sldId id="269"/>
             <p14:sldId id="270"/>
             <p14:sldId id="271"/>
-            <p14:sldId id="272"/>
+            <p14:sldId id="285"/>
             <p14:sldId id="273"/>
             <p14:sldId id="274"/>
             <p14:sldId id="275"/>
-            <p14:sldId id="280"/>
             <p14:sldId id="281"/>
           </p14:sldIdLst>
         </p14:section>
@@ -240,7 +238,7 @@
           <a:p>
             <a:fld id="{776C8E78-E43C-423C-8F84-C588C40EE856}" type="datetimeFigureOut">
               <a:rPr lang="en-US" smtClean="0"/>
-              <a:t>12-Jan-21</a:t>
+              <a:t>15-Jan-21</a:t>
             </a:fld>
             <a:endParaRPr lang="en-US"/>
           </a:p>
@@ -551,16 +549,7 @@
           <a:bodyPr/>
           <a:lstStyle/>
           <a:p>
-            <a:r>
-              <a:rPr lang="en-US" dirty="0"/>
-              <a:t>There’re two algorithms, they’re both continuous optimisation algorithms</a:t>
-            </a:r>
-          </a:p>
-          <a:p>
-            <a:r>
-              <a:rPr lang="en-US" dirty="0"/>
-              <a:t>Mention that Levy flights are an efficient way of stochastically exploring a search space</a:t>
-            </a:r>
+            <a:endParaRPr lang="en-US" dirty="0"/>
           </a:p>
         </p:txBody>
       </p:sp>
@@ -581,7 +570,7 @@
           <a:p>
             <a:fld id="{3BFE5297-BAB1-4F31-9AAE-8087F184D2A2}" type="slidenum">
               <a:rPr lang="en-US" smtClean="0"/>
-              <a:t>4</a:t>
+              <a:t>1</a:t>
             </a:fld>
             <a:endParaRPr lang="en-US"/>
           </a:p>
@@ -590,7 +579,7 @@
     </p:spTree>
     <p:extLst>
       <p:ext uri="{BB962C8B-B14F-4D97-AF65-F5344CB8AC3E}">
-        <p14:creationId xmlns:p14="http://schemas.microsoft.com/office/powerpoint/2010/main" val="2382751487"/>
+        <p14:creationId xmlns:p14="http://schemas.microsoft.com/office/powerpoint/2010/main" val="2653743988"/>
       </p:ext>
     </p:extLst>
   </p:cSld>
@@ -646,22 +635,19 @@
           <a:p>
             <a:r>
               <a:rPr lang="en-US" dirty="0"/>
-              <a:t>Bring up the fact that finding a GCOL reconfiguration graph is PSPACE-complete.</a:t>
+              <a:t>Briefly explain what a metric space is.</a:t>
             </a:r>
           </a:p>
           <a:p>
             <a:r>
               <a:rPr lang="en-US" dirty="0"/>
-              <a:t>Thus we can’t achieve idealized migration, the best we can hope for is generating a colouring distance </a:t>
-            </a:r>
-            <a:r>
-              <a:rPr lang="en-US" dirty="0" err="1"/>
-              <a:t>lr</a:t>
-            </a:r>
-            <a:r>
-              <a:rPr lang="en-US" dirty="0"/>
-              <a:t> from y (but not necessarily distance l(1-r) from x).</a:t>
-            </a:r>
+              <a:t>State </a:t>
+            </a:r>
+            <a:r>
+              <a:rPr lang="en-US"/>
+              <a:t>H distance</a:t>
+            </a:r>
+            <a:endParaRPr lang="en-US" dirty="0"/>
           </a:p>
         </p:txBody>
       </p:sp>
@@ -682,7 +668,7 @@
           <a:p>
             <a:fld id="{3BFE5297-BAB1-4F31-9AAE-8087F184D2A2}" type="slidenum">
               <a:rPr lang="en-US" smtClean="0"/>
-              <a:t>13</a:t>
+              <a:t>12</a:t>
             </a:fld>
             <a:endParaRPr lang="en-US"/>
           </a:p>
@@ -691,7 +677,7 @@
     </p:spTree>
     <p:extLst>
       <p:ext uri="{BB962C8B-B14F-4D97-AF65-F5344CB8AC3E}">
-        <p14:creationId xmlns:p14="http://schemas.microsoft.com/office/powerpoint/2010/main" val="3423832287"/>
+        <p14:creationId xmlns:p14="http://schemas.microsoft.com/office/powerpoint/2010/main" val="1030702372"/>
       </p:ext>
     </p:extLst>
   </p:cSld>
@@ -745,26 +731,21 @@
           <a:bodyPr/>
           <a:lstStyle/>
           <a:p>
-            <a:pPr marL="0" marR="0" lvl="0" indent="0" algn="l" defTabSz="914400" rtl="0" eaLnBrk="1" fontAlgn="auto" latinLnBrk="0" hangingPunct="1">
-              <a:lnSpc>
-                <a:spcPct val="100000"/>
-              </a:lnSpc>
-              <a:spcBef>
-                <a:spcPts val="0"/>
-              </a:spcBef>
-              <a:spcAft>
-                <a:spcPts val="0"/>
-              </a:spcAft>
-              <a:buClrTx/>
-              <a:buSzTx/>
-              <a:buFontTx/>
-              <a:buNone/>
-              <a:tabLst/>
-              <a:defRPr/>
-            </a:pPr>
             <a:r>
               <a:rPr lang="en-US" dirty="0"/>
-              <a:t>The only thing necessary to discretise is Levy flights</a:t>
+              <a:t>EMPHASISE THAT IT’S YOUR ALGORITHM</a:t>
+            </a:r>
+          </a:p>
+          <a:p>
+            <a:r>
+              <a:rPr lang="en-US" dirty="0"/>
+              <a:t>Allows you to select a set of vertices in a specific order and recolour them in such a way that uses heuristic information while also learning from previous iterations</a:t>
+            </a:r>
+          </a:p>
+          <a:p>
+            <a:r>
+              <a:rPr lang="en-US" dirty="0"/>
+              <a:t>Very briefly go over weight based on pheromone and heuristic value and state that paths which produce better colourings are given more pheromone</a:t>
             </a:r>
           </a:p>
         </p:txBody>
@@ -786,7 +767,7 @@
           <a:p>
             <a:fld id="{3BFE5297-BAB1-4F31-9AAE-8087F184D2A2}" type="slidenum">
               <a:rPr lang="en-US" smtClean="0"/>
-              <a:t>14</a:t>
+              <a:t>13</a:t>
             </a:fld>
             <a:endParaRPr lang="en-US"/>
           </a:p>
@@ -795,7 +776,7 @@
     </p:spTree>
     <p:extLst>
       <p:ext uri="{BB962C8B-B14F-4D97-AF65-F5344CB8AC3E}">
-        <p14:creationId xmlns:p14="http://schemas.microsoft.com/office/powerpoint/2010/main" val="2526725299"/>
+        <p14:creationId xmlns:p14="http://schemas.microsoft.com/office/powerpoint/2010/main" val="1953580217"/>
       </p:ext>
     </p:extLst>
   </p:cSld>
@@ -849,9 +830,26 @@
           <a:bodyPr/>
           <a:lstStyle/>
           <a:p>
+            <a:pPr marL="0" marR="0" lvl="0" indent="0" algn="l" defTabSz="914400" rtl="0" eaLnBrk="1" fontAlgn="auto" latinLnBrk="0" hangingPunct="1">
+              <a:lnSpc>
+                <a:spcPct val="100000"/>
+              </a:lnSpc>
+              <a:spcBef>
+                <a:spcPts val="0"/>
+              </a:spcBef>
+              <a:spcAft>
+                <a:spcPts val="0"/>
+              </a:spcAft>
+              <a:buClrTx/>
+              <a:buSzTx/>
+              <a:buFontTx/>
+              <a:buNone/>
+              <a:tabLst/>
+              <a:defRPr/>
+            </a:pPr>
             <a:r>
               <a:rPr lang="en-US" dirty="0"/>
-              <a:t>Briefly mention why this approach sucks (talk about finding a 50 colouring for a 500 vertex graph) and lead in to the motivation for CSACO</a:t>
+              <a:t>The only thing necessary to discretise is Levy flights</a:t>
             </a:r>
           </a:p>
         </p:txBody>
@@ -873,7 +871,7 @@
           <a:p>
             <a:fld id="{3BFE5297-BAB1-4F31-9AAE-8087F184D2A2}" type="slidenum">
               <a:rPr lang="en-US" smtClean="0"/>
-              <a:t>15</a:t>
+              <a:t>14</a:t>
             </a:fld>
             <a:endParaRPr lang="en-US"/>
           </a:p>
@@ -882,7 +880,7 @@
     </p:spTree>
     <p:extLst>
       <p:ext uri="{BB962C8B-B14F-4D97-AF65-F5344CB8AC3E}">
-        <p14:creationId xmlns:p14="http://schemas.microsoft.com/office/powerpoint/2010/main" val="1284234959"/>
+        <p14:creationId xmlns:p14="http://schemas.microsoft.com/office/powerpoint/2010/main" val="2526725299"/>
       </p:ext>
     </p:extLst>
   </p:cSld>
@@ -938,19 +936,7 @@
           <a:p>
             <a:r>
               <a:rPr lang="en-US" dirty="0"/>
-              <a:t>EMPHASISE THAT IT’S YOUR ALGORITHM</a:t>
-            </a:r>
-          </a:p>
-          <a:p>
-            <a:r>
-              <a:rPr lang="en-US" dirty="0"/>
-              <a:t>Allows you to select a set of vertices in a specific order and recolour them in such a way that uses heuristic information while also learning from previous iterations</a:t>
-            </a:r>
-          </a:p>
-          <a:p>
-            <a:r>
-              <a:rPr lang="en-US" dirty="0"/>
-              <a:t>Very briefly go over weight based on pheromone and heuristic value and state that paths which produce better colourings are given more pheromone</a:t>
+              <a:t>Briefly mention why this approach sucks (talk about finding a 50 colouring for a 500 vertex graph) and lead in to the motivation for CSACO</a:t>
             </a:r>
           </a:p>
         </p:txBody>
@@ -972,7 +958,7 @@
           <a:p>
             <a:fld id="{3BFE5297-BAB1-4F31-9AAE-8087F184D2A2}" type="slidenum">
               <a:rPr lang="en-US" smtClean="0"/>
-              <a:t>16</a:t>
+              <a:t>15</a:t>
             </a:fld>
             <a:endParaRPr lang="en-US"/>
           </a:p>
@@ -981,7 +967,7 @@
     </p:spTree>
     <p:extLst>
       <p:ext uri="{BB962C8B-B14F-4D97-AF65-F5344CB8AC3E}">
-        <p14:creationId xmlns:p14="http://schemas.microsoft.com/office/powerpoint/2010/main" val="2524706508"/>
+        <p14:creationId xmlns:p14="http://schemas.microsoft.com/office/powerpoint/2010/main" val="1284234959"/>
       </p:ext>
     </p:extLst>
   </p:cSld>
@@ -1035,7 +1021,22 @@
           <a:bodyPr/>
           <a:lstStyle/>
           <a:p>
-            <a:endParaRPr lang="en-US" dirty="0"/>
+            <a:r>
+              <a:rPr lang="en-US" dirty="0"/>
+              <a:t>EMPHASISE THAT IT’S YOUR ALGORITHM</a:t>
+            </a:r>
+          </a:p>
+          <a:p>
+            <a:r>
+              <a:rPr lang="en-US" dirty="0"/>
+              <a:t>Allows you to select a set of vertices in a specific order and recolour them in such a way that uses heuristic information while also learning from previous iterations</a:t>
+            </a:r>
+          </a:p>
+          <a:p>
+            <a:r>
+              <a:rPr lang="en-US" dirty="0"/>
+              <a:t>Very briefly go over weight based on pheromone and heuristic value and state that paths which produce better colourings are given more pheromone</a:t>
+            </a:r>
           </a:p>
         </p:txBody>
       </p:sp>
@@ -1056,7 +1057,7 @@
           <a:p>
             <a:fld id="{3BFE5297-BAB1-4F31-9AAE-8087F184D2A2}" type="slidenum">
               <a:rPr lang="en-US" smtClean="0"/>
-              <a:t>17</a:t>
+              <a:t>16</a:t>
             </a:fld>
             <a:endParaRPr lang="en-US"/>
           </a:p>
@@ -1065,7 +1066,7 @@
     </p:spTree>
     <p:extLst>
       <p:ext uri="{BB962C8B-B14F-4D97-AF65-F5344CB8AC3E}">
-        <p14:creationId xmlns:p14="http://schemas.microsoft.com/office/powerpoint/2010/main" val="1268163596"/>
+        <p14:creationId xmlns:p14="http://schemas.microsoft.com/office/powerpoint/2010/main" val="2524706508"/>
       </p:ext>
     </p:extLst>
   </p:cSld>
@@ -1127,11 +1128,7 @@
           <a:p>
             <a:r>
               <a:rPr lang="en-US" dirty="0"/>
-              <a:t>Then ask </a:t>
-            </a:r>
-            <a:r>
-              <a:rPr lang="en-US"/>
-              <a:t>for questions</a:t>
+              <a:t>Then ask for questions</a:t>
             </a:r>
           </a:p>
         </p:txBody>
@@ -1153,7 +1150,7 @@
           <a:p>
             <a:fld id="{3BFE5297-BAB1-4F31-9AAE-8087F184D2A2}" type="slidenum">
               <a:rPr lang="en-US" smtClean="0"/>
-              <a:t>18</a:t>
+              <a:t>17</a:t>
             </a:fld>
             <a:endParaRPr lang="en-US"/>
           </a:p>
@@ -1218,7 +1215,13 @@
           <a:p>
             <a:r>
               <a:rPr lang="en-US" dirty="0"/>
-              <a:t>Imitates the life span of the entire cuckoo</a:t>
+              <a:t>There’re two algorithms, they’re both continuous optimisation algorithms</a:t>
+            </a:r>
+          </a:p>
+          <a:p>
+            <a:r>
+              <a:rPr lang="en-US" dirty="0"/>
+              <a:t>Mention that Levy flights are an efficient way of stochastically exploring a search space</a:t>
             </a:r>
           </a:p>
         </p:txBody>
@@ -1240,7 +1243,7 @@
           <a:p>
             <a:fld id="{3BFE5297-BAB1-4F31-9AAE-8087F184D2A2}" type="slidenum">
               <a:rPr lang="en-US" smtClean="0"/>
-              <a:t>5</a:t>
+              <a:t>4</a:t>
             </a:fld>
             <a:endParaRPr lang="en-US"/>
           </a:p>
@@ -1249,7 +1252,7 @@
     </p:spTree>
     <p:extLst>
       <p:ext uri="{BB962C8B-B14F-4D97-AF65-F5344CB8AC3E}">
-        <p14:creationId xmlns:p14="http://schemas.microsoft.com/office/powerpoint/2010/main" val="1786748636"/>
+        <p14:creationId xmlns:p14="http://schemas.microsoft.com/office/powerpoint/2010/main" val="2230096350"/>
       </p:ext>
     </p:extLst>
   </p:cSld>
@@ -1305,7 +1308,7 @@
           <a:p>
             <a:r>
               <a:rPr lang="en-US" dirty="0"/>
-              <a:t>P is a constant parameter of the algorithm</a:t>
+              <a:t>Imitates the life span of the entire cuckoo</a:t>
             </a:r>
           </a:p>
         </p:txBody>
@@ -1327,7 +1330,7 @@
           <a:p>
             <a:fld id="{3BFE5297-BAB1-4F31-9AAE-8087F184D2A2}" type="slidenum">
               <a:rPr lang="en-US" smtClean="0"/>
-              <a:t>6</a:t>
+              <a:t>5</a:t>
             </a:fld>
             <a:endParaRPr lang="en-US"/>
           </a:p>
@@ -1336,7 +1339,7 @@
     </p:spTree>
     <p:extLst>
       <p:ext uri="{BB962C8B-B14F-4D97-AF65-F5344CB8AC3E}">
-        <p14:creationId xmlns:p14="http://schemas.microsoft.com/office/powerpoint/2010/main" val="950995738"/>
+        <p14:creationId xmlns:p14="http://schemas.microsoft.com/office/powerpoint/2010/main" val="1786748636"/>
       </p:ext>
     </p:extLst>
   </p:cSld>
@@ -1390,7 +1393,10 @@
           <a:bodyPr/>
           <a:lstStyle/>
           <a:p>
-            <a:endParaRPr lang="en-US" dirty="0"/>
+            <a:r>
+              <a:rPr lang="en-US" dirty="0"/>
+              <a:t>P is a constant parameter of the algorithm</a:t>
+            </a:r>
           </a:p>
         </p:txBody>
       </p:sp>
@@ -1411,7 +1417,7 @@
           <a:p>
             <a:fld id="{3BFE5297-BAB1-4F31-9AAE-8087F184D2A2}" type="slidenum">
               <a:rPr lang="en-US" smtClean="0"/>
-              <a:t>7</a:t>
+              <a:t>6</a:t>
             </a:fld>
             <a:endParaRPr lang="en-US"/>
           </a:p>
@@ -1420,7 +1426,7 @@
     </p:spTree>
     <p:extLst>
       <p:ext uri="{BB962C8B-B14F-4D97-AF65-F5344CB8AC3E}">
-        <p14:creationId xmlns:p14="http://schemas.microsoft.com/office/powerpoint/2010/main" val="2565120320"/>
+        <p14:creationId xmlns:p14="http://schemas.microsoft.com/office/powerpoint/2010/main" val="950995738"/>
       </p:ext>
     </p:extLst>
   </p:cSld>
@@ -1474,10 +1480,7 @@
           <a:bodyPr/>
           <a:lstStyle/>
           <a:p>
-            <a:r>
-              <a:rPr lang="en-US" dirty="0"/>
-              <a:t>Now onto discretisation which is the theory of applying continuous algorithms to discrete problems, in this case graph colouring.</a:t>
-            </a:r>
+            <a:endParaRPr lang="en-US" dirty="0"/>
           </a:p>
         </p:txBody>
       </p:sp>
@@ -1498,7 +1501,7 @@
           <a:p>
             <a:fld id="{3BFE5297-BAB1-4F31-9AAE-8087F184D2A2}" type="slidenum">
               <a:rPr lang="en-US" smtClean="0"/>
-              <a:t>8</a:t>
+              <a:t>7</a:t>
             </a:fld>
             <a:endParaRPr lang="en-US"/>
           </a:p>
@@ -1507,7 +1510,7 @@
     </p:spTree>
     <p:extLst>
       <p:ext uri="{BB962C8B-B14F-4D97-AF65-F5344CB8AC3E}">
-        <p14:creationId xmlns:p14="http://schemas.microsoft.com/office/powerpoint/2010/main" val="288888395"/>
+        <p14:creationId xmlns:p14="http://schemas.microsoft.com/office/powerpoint/2010/main" val="2565120320"/>
       </p:ext>
     </p:extLst>
   </p:cSld>
@@ -1563,35 +1566,7 @@
           <a:p>
             <a:r>
               <a:rPr lang="en-US" dirty="0"/>
-              <a:t>State what </a:t>
-            </a:r>
-            <a:r>
-              <a:rPr lang="en-US" dirty="0" err="1"/>
-              <a:t>V_i</a:t>
-            </a:r>
-            <a:r>
-              <a:rPr lang="en-US" dirty="0"/>
-              <a:t> and </a:t>
-            </a:r>
-            <a:r>
-              <a:rPr lang="en-US" dirty="0" err="1"/>
-              <a:t>E_i</a:t>
-            </a:r>
-            <a:r>
-              <a:rPr lang="en-US" dirty="0"/>
-              <a:t> are.</a:t>
-            </a:r>
-          </a:p>
-          <a:p>
-            <a:r>
-              <a:rPr lang="en-US" dirty="0"/>
-              <a:t>State that Penalty reduces to Legal with no conflicts.</a:t>
-            </a:r>
-          </a:p>
-          <a:p>
-            <a:r>
-              <a:rPr lang="en-US" dirty="0"/>
-              <a:t>State that penalty often outperforms the other two and if time briefly mention why (finding paths in GCOL reconfiguration graph is PSPACE-complete).</a:t>
+              <a:t>Now onto discretisation which is the theory of applying continuous algorithms to discrete problems, in this case graph colouring.</a:t>
             </a:r>
           </a:p>
         </p:txBody>
@@ -1613,7 +1588,7 @@
           <a:p>
             <a:fld id="{3BFE5297-BAB1-4F31-9AAE-8087F184D2A2}" type="slidenum">
               <a:rPr lang="en-US" smtClean="0"/>
-              <a:t>9</a:t>
+              <a:t>8</a:t>
             </a:fld>
             <a:endParaRPr lang="en-US"/>
           </a:p>
@@ -1622,7 +1597,7 @@
     </p:spTree>
     <p:extLst>
       <p:ext uri="{BB962C8B-B14F-4D97-AF65-F5344CB8AC3E}">
-        <p14:creationId xmlns:p14="http://schemas.microsoft.com/office/powerpoint/2010/main" val="3888889471"/>
+        <p14:creationId xmlns:p14="http://schemas.microsoft.com/office/powerpoint/2010/main" val="288888395"/>
       </p:ext>
     </p:extLst>
   </p:cSld>
@@ -1676,7 +1651,38 @@
           <a:bodyPr/>
           <a:lstStyle/>
           <a:p>
-            <a:endParaRPr lang="en-US" dirty="0"/>
+            <a:r>
+              <a:rPr lang="en-US" dirty="0"/>
+              <a:t>State what </a:t>
+            </a:r>
+            <a:r>
+              <a:rPr lang="en-US" dirty="0" err="1"/>
+              <a:t>V_i</a:t>
+            </a:r>
+            <a:r>
+              <a:rPr lang="en-US" dirty="0"/>
+              <a:t> and </a:t>
+            </a:r>
+            <a:r>
+              <a:rPr lang="en-US" dirty="0" err="1"/>
+              <a:t>E_i</a:t>
+            </a:r>
+            <a:r>
+              <a:rPr lang="en-US" dirty="0"/>
+              <a:t> are.</a:t>
+            </a:r>
+          </a:p>
+          <a:p>
+            <a:r>
+              <a:rPr lang="en-US" dirty="0"/>
+              <a:t>State that Penalty reduces to Legal with no conflicts.</a:t>
+            </a:r>
+          </a:p>
+          <a:p>
+            <a:r>
+              <a:rPr lang="en-US" dirty="0"/>
+              <a:t>State that penalty often outperforms the other two and if time briefly mention why (finding paths in GCOL reconfiguration graph is PSPACE-complete).</a:t>
+            </a:r>
           </a:p>
         </p:txBody>
       </p:sp>
@@ -1697,7 +1703,7 @@
           <a:p>
             <a:fld id="{3BFE5297-BAB1-4F31-9AAE-8087F184D2A2}" type="slidenum">
               <a:rPr lang="en-US" smtClean="0"/>
-              <a:t>10</a:t>
+              <a:t>9</a:t>
             </a:fld>
             <a:endParaRPr lang="en-US"/>
           </a:p>
@@ -1706,7 +1712,7 @@
     </p:spTree>
     <p:extLst>
       <p:ext uri="{BB962C8B-B14F-4D97-AF65-F5344CB8AC3E}">
-        <p14:creationId xmlns:p14="http://schemas.microsoft.com/office/powerpoint/2010/main" val="431545428"/>
+        <p14:creationId xmlns:p14="http://schemas.microsoft.com/office/powerpoint/2010/main" val="3888889471"/>
       </p:ext>
     </p:extLst>
   </p:cSld>
@@ -1760,16 +1766,7 @@
           <a:bodyPr/>
           <a:lstStyle/>
           <a:p>
-            <a:r>
-              <a:rPr lang="en-US" dirty="0"/>
-              <a:t>Emphasise that this a legal approach</a:t>
-            </a:r>
-          </a:p>
-          <a:p>
-            <a:r>
-              <a:rPr lang="en-US" dirty="0"/>
-              <a:t>Egg hatching is identical as it isn’t a problem dependent operator</a:t>
-            </a:r>
+            <a:endParaRPr lang="en-US" dirty="0"/>
           </a:p>
         </p:txBody>
       </p:sp>
@@ -1790,7 +1787,7 @@
           <a:p>
             <a:fld id="{3BFE5297-BAB1-4F31-9AAE-8087F184D2A2}" type="slidenum">
               <a:rPr lang="en-US" smtClean="0"/>
-              <a:t>11</a:t>
+              <a:t>10</a:t>
             </a:fld>
             <a:endParaRPr lang="en-US"/>
           </a:p>
@@ -1799,7 +1796,7 @@
     </p:spTree>
     <p:extLst>
       <p:ext uri="{BB962C8B-B14F-4D97-AF65-F5344CB8AC3E}">
-        <p14:creationId xmlns:p14="http://schemas.microsoft.com/office/powerpoint/2010/main" val="560170338"/>
+        <p14:creationId xmlns:p14="http://schemas.microsoft.com/office/powerpoint/2010/main" val="431545428"/>
       </p:ext>
     </p:extLst>
   </p:cSld>
@@ -1855,13 +1852,13 @@
           <a:p>
             <a:r>
               <a:rPr lang="en-US" dirty="0"/>
-              <a:t>Briefly explain what a metric space is.</a:t>
+              <a:t>Emphasise that this a legal approach</a:t>
             </a:r>
           </a:p>
           <a:p>
             <a:r>
               <a:rPr lang="en-US" dirty="0"/>
-              <a:t>STATE THAT I USE HAMMING DISTANCE</a:t>
+              <a:t>Egg hatching is identical as it isn’t a problem dependent operator</a:t>
             </a:r>
           </a:p>
         </p:txBody>
@@ -1883,7 +1880,7 @@
           <a:p>
             <a:fld id="{3BFE5297-BAB1-4F31-9AAE-8087F184D2A2}" type="slidenum">
               <a:rPr lang="en-US" smtClean="0"/>
-              <a:t>12</a:t>
+              <a:t>11</a:t>
             </a:fld>
             <a:endParaRPr lang="en-US"/>
           </a:p>
@@ -1892,7 +1889,7 @@
     </p:spTree>
     <p:extLst>
       <p:ext uri="{BB962C8B-B14F-4D97-AF65-F5344CB8AC3E}">
-        <p14:creationId xmlns:p14="http://schemas.microsoft.com/office/powerpoint/2010/main" val="1030702372"/>
+        <p14:creationId xmlns:p14="http://schemas.microsoft.com/office/powerpoint/2010/main" val="560170338"/>
       </p:ext>
     </p:extLst>
   </p:cSld>
@@ -2070,7 +2067,7 @@
           <a:p>
             <a:fld id="{997E3D89-5AC1-4E29-8B79-6F7A6C159ABA}" type="datetimeFigureOut">
               <a:rPr lang="en-US" smtClean="0"/>
-              <a:t>12-Jan-21</a:t>
+              <a:t>15-Jan-21</a:t>
             </a:fld>
             <a:endParaRPr lang="en-US"/>
           </a:p>
@@ -2298,7 +2295,7 @@
           <a:p>
             <a:fld id="{997E3D89-5AC1-4E29-8B79-6F7A6C159ABA}" type="datetimeFigureOut">
               <a:rPr lang="en-US" smtClean="0"/>
-              <a:t>12-Jan-21</a:t>
+              <a:t>15-Jan-21</a:t>
             </a:fld>
             <a:endParaRPr lang="en-US"/>
           </a:p>
@@ -2478,7 +2475,7 @@
           <a:p>
             <a:fld id="{997E3D89-5AC1-4E29-8B79-6F7A6C159ABA}" type="datetimeFigureOut">
               <a:rPr lang="en-US" smtClean="0"/>
-              <a:t>12-Jan-21</a:t>
+              <a:t>15-Jan-21</a:t>
             </a:fld>
             <a:endParaRPr lang="en-US"/>
           </a:p>
@@ -2648,7 +2645,7 @@
           <a:p>
             <a:fld id="{997E3D89-5AC1-4E29-8B79-6F7A6C159ABA}" type="datetimeFigureOut">
               <a:rPr lang="en-US" smtClean="0"/>
-              <a:t>12-Jan-21</a:t>
+              <a:t>15-Jan-21</a:t>
             </a:fld>
             <a:endParaRPr lang="en-US"/>
           </a:p>
@@ -2902,7 +2899,7 @@
           <a:p>
             <a:fld id="{997E3D89-5AC1-4E29-8B79-6F7A6C159ABA}" type="datetimeFigureOut">
               <a:rPr lang="en-US" smtClean="0"/>
-              <a:t>12-Jan-21</a:t>
+              <a:t>15-Jan-21</a:t>
             </a:fld>
             <a:endParaRPr lang="en-US"/>
           </a:p>
@@ -3228,7 +3225,7 @@
           <a:p>
             <a:fld id="{997E3D89-5AC1-4E29-8B79-6F7A6C159ABA}" type="datetimeFigureOut">
               <a:rPr lang="en-US" smtClean="0"/>
-              <a:t>12-Jan-21</a:t>
+              <a:t>15-Jan-21</a:t>
             </a:fld>
             <a:endParaRPr lang="en-US"/>
           </a:p>
@@ -3679,7 +3676,7 @@
           <a:p>
             <a:fld id="{997E3D89-5AC1-4E29-8B79-6F7A6C159ABA}" type="datetimeFigureOut">
               <a:rPr lang="en-US" smtClean="0"/>
-              <a:t>12-Jan-21</a:t>
+              <a:t>15-Jan-21</a:t>
             </a:fld>
             <a:endParaRPr lang="en-US"/>
           </a:p>
@@ -3797,7 +3794,7 @@
           <a:p>
             <a:fld id="{997E3D89-5AC1-4E29-8B79-6F7A6C159ABA}" type="datetimeFigureOut">
               <a:rPr lang="en-US" smtClean="0"/>
-              <a:t>12-Jan-21</a:t>
+              <a:t>15-Jan-21</a:t>
             </a:fld>
             <a:endParaRPr lang="en-US"/>
           </a:p>
@@ -3892,7 +3889,7 @@
           <a:p>
             <a:fld id="{997E3D89-5AC1-4E29-8B79-6F7A6C159ABA}" type="datetimeFigureOut">
               <a:rPr lang="en-US" smtClean="0"/>
-              <a:t>12-Jan-21</a:t>
+              <a:t>15-Jan-21</a:t>
             </a:fld>
             <a:endParaRPr lang="en-US"/>
           </a:p>
@@ -4179,7 +4176,7 @@
           <a:p>
             <a:fld id="{997E3D89-5AC1-4E29-8B79-6F7A6C159ABA}" type="datetimeFigureOut">
               <a:rPr lang="en-US" smtClean="0"/>
-              <a:t>12-Jan-21</a:t>
+              <a:t>15-Jan-21</a:t>
             </a:fld>
             <a:endParaRPr lang="en-US"/>
           </a:p>
@@ -4501,7 +4498,7 @@
           <a:p>
             <a:fld id="{997E3D89-5AC1-4E29-8B79-6F7A6C159ABA}" type="datetimeFigureOut">
               <a:rPr lang="en-US" smtClean="0"/>
-              <a:t>12-Jan-21</a:t>
+              <a:t>15-Jan-21</a:t>
             </a:fld>
             <a:endParaRPr lang="en-US"/>
           </a:p>
@@ -4755,7 +4752,7 @@
           <a:p>
             <a:fld id="{997E3D89-5AC1-4E29-8B79-6F7A6C159ABA}" type="datetimeFigureOut">
               <a:rPr lang="en-US" smtClean="0"/>
-              <a:t>12-Jan-21</a:t>
+              <a:t>15-Jan-21</a:t>
             </a:fld>
             <a:endParaRPr lang="en-US"/>
           </a:p>
@@ -5229,6 +5226,16 @@
 <file path=ppt/slides/slide1.xml><?xml version="1.0" encoding="utf-8"?>
 <p:sld xmlns:a="http://schemas.openxmlformats.org/drawingml/2006/main" xmlns:r="http://schemas.openxmlformats.org/officeDocument/2006/relationships" xmlns:p="http://schemas.openxmlformats.org/presentationml/2006/main">
   <p:cSld>
+    <p:bg>
+      <p:bgPr>
+        <a:solidFill>
+          <a:schemeClr val="bg2">
+            <a:lumMod val="75000"/>
+          </a:schemeClr>
+        </a:solidFill>
+        <a:effectLst/>
+      </p:bgPr>
+    </p:bg>
     <p:spTree>
       <p:nvGrpSpPr>
         <p:cNvPr id="1" name=""/>
@@ -5259,14 +5266,185 @@
             <p:ph type="ctrTitle"/>
           </p:nvPr>
         </p:nvSpPr>
-        <p:spPr/>
-        <p:txBody>
-          <a:bodyPr/>
+        <p:spPr>
+          <a:xfrm>
+            <a:off x="4608404" y="1020209"/>
+            <a:ext cx="6756282" cy="4041648"/>
+          </a:xfrm>
+        </p:spPr>
+        <p:txBody>
+          <a:bodyPr>
+            <a:normAutofit/>
+          </a:bodyPr>
           <a:lstStyle/>
           <a:p>
             <a:r>
               <a:rPr lang="en-US" dirty="0"/>
-              <a:t>Graph Colouring with Cuckoo Algorithms</a:t>
+              <a:t>Graph </a:t>
+            </a:r>
+            <a:r>
+              <a:rPr lang="en-US" dirty="0" err="1"/>
+              <a:t>Colouring</a:t>
+            </a:r>
+            <a:r>
+              <a:rPr lang="en-US" dirty="0"/>
+              <a:t> with Cuckoo Algorithms</a:t>
+            </a:r>
+          </a:p>
+        </p:txBody>
+      </p:sp>
+      <p:sp>
+        <p:nvSpPr>
+          <p:cNvPr id="12" name="Rectangle 11">
+            <a:extLst>
+              <a:ext uri="{FF2B5EF4-FFF2-40B4-BE49-F238E27FC236}">
+                <a16:creationId xmlns:a16="http://schemas.microsoft.com/office/drawing/2014/main" id="{A0F80B31-D942-4321-A7CC-3FF24C30A9FC}"/>
+              </a:ext>
+              <a:ext uri="{C183D7F6-B498-43B3-948B-1728B52AA6E4}">
+                <adec:decorative xmlns:adec="http://schemas.microsoft.com/office/drawing/2017/decorative" val="1"/>
+              </a:ext>
+            </a:extLst>
+          </p:cNvPr>
+          <p:cNvSpPr>
+            <a:spLocks noGrp="1" noRot="1" noChangeAspect="1" noMove="1" noResize="1" noEditPoints="1" noAdjustHandles="1" noChangeArrowheads="1" noChangeShapeType="1" noTextEdit="1"/>
+          </p:cNvSpPr>
+          <p:nvPr>
+            <p:extLst>
+              <p:ext uri="{386F3935-93C4-4BCD-93E2-E3B085C9AB24}">
+                <p16:designElem xmlns:p16="http://schemas.microsoft.com/office/powerpoint/2015/main" val="1"/>
+              </p:ext>
+            </p:extLst>
+          </p:nvPr>
+        </p:nvSpPr>
+        <p:spPr>
+          <a:xfrm>
+            <a:off x="0" y="0"/>
+            <a:ext cx="3568372" cy="6858000"/>
+          </a:xfrm>
+          <a:prstGeom prst="rect">
+            <a:avLst/>
+          </a:prstGeom>
+          <a:solidFill>
+            <a:schemeClr val="accent1"/>
+          </a:solidFill>
+          <a:ln>
+            <a:noFill/>
+          </a:ln>
+        </p:spPr>
+        <p:style>
+          <a:lnRef idx="2">
+            <a:schemeClr val="accent1">
+              <a:shade val="50000"/>
+            </a:schemeClr>
+          </a:lnRef>
+          <a:fillRef idx="1">
+            <a:schemeClr val="accent1"/>
+          </a:fillRef>
+          <a:effectRef idx="0">
+            <a:schemeClr val="accent1"/>
+          </a:effectRef>
+          <a:fontRef idx="minor">
+            <a:schemeClr val="lt1"/>
+          </a:fontRef>
+        </p:style>
+        <p:txBody>
+          <a:bodyPr rtlCol="0" anchor="ctr"/>
+          <a:lstStyle/>
+          <a:p>
+            <a:pPr algn="ctr"/>
+            <a:endParaRPr lang="en-US"/>
+          </a:p>
+        </p:txBody>
+      </p:sp>
+      <p:sp>
+        <p:nvSpPr>
+          <p:cNvPr id="14" name="Rectangle 13">
+            <a:extLst>
+              <a:ext uri="{FF2B5EF4-FFF2-40B4-BE49-F238E27FC236}">
+                <a16:creationId xmlns:a16="http://schemas.microsoft.com/office/drawing/2014/main" id="{27DE213B-0A4F-4E9E-9153-8B0C2D0469BE}"/>
+              </a:ext>
+              <a:ext uri="{C183D7F6-B498-43B3-948B-1728B52AA6E4}">
+                <adec:decorative xmlns:adec="http://schemas.microsoft.com/office/drawing/2017/decorative" val="1"/>
+              </a:ext>
+            </a:extLst>
+          </p:cNvPr>
+          <p:cNvSpPr>
+            <a:spLocks noGrp="1" noRot="1" noChangeAspect="1" noMove="1" noResize="1" noEditPoints="1" noAdjustHandles="1" noChangeArrowheads="1" noChangeShapeType="1" noTextEdit="1"/>
+          </p:cNvSpPr>
+          <p:nvPr>
+            <p:extLst>
+              <p:ext uri="{386F3935-93C4-4BCD-93E2-E3B085C9AB24}">
+                <p16:designElem xmlns:p16="http://schemas.microsoft.com/office/powerpoint/2015/main" val="1"/>
+              </p:ext>
+            </p:extLst>
+          </p:nvPr>
+        </p:nvSpPr>
+        <p:spPr>
+          <a:xfrm>
+            <a:off x="3569969" y="0"/>
+            <a:ext cx="457200" cy="6858000"/>
+          </a:xfrm>
+          <a:prstGeom prst="rect">
+            <a:avLst/>
+          </a:prstGeom>
+          <a:solidFill>
+            <a:schemeClr val="accent1">
+              <a:lumMod val="75000"/>
+              <a:alpha val="60000"/>
+            </a:schemeClr>
+          </a:solidFill>
+          <a:ln>
+            <a:noFill/>
+          </a:ln>
+        </p:spPr>
+        <p:style>
+          <a:lnRef idx="2">
+            <a:schemeClr val="accent1">
+              <a:shade val="50000"/>
+            </a:schemeClr>
+          </a:lnRef>
+          <a:fillRef idx="1">
+            <a:schemeClr val="accent1"/>
+          </a:fillRef>
+          <a:effectRef idx="0">
+            <a:schemeClr val="accent1"/>
+          </a:effectRef>
+          <a:fontRef idx="minor">
+            <a:schemeClr val="lt1"/>
+          </a:fontRef>
+        </p:style>
+      </p:sp>
+      <p:sp>
+        <p:nvSpPr>
+          <p:cNvPr id="3" name="TextBox 2">
+            <a:extLst>
+              <a:ext uri="{FF2B5EF4-FFF2-40B4-BE49-F238E27FC236}">
+                <a16:creationId xmlns:a16="http://schemas.microsoft.com/office/drawing/2014/main" id="{A88ED74B-A6EB-48BD-B4B9-6C3152312377}"/>
+              </a:ext>
+            </a:extLst>
+          </p:cNvPr>
+          <p:cNvSpPr txBox="1"/>
+          <p:nvPr/>
+        </p:nvSpPr>
+        <p:spPr>
+          <a:xfrm>
+            <a:off x="4608404" y="5566354"/>
+            <a:ext cx="6364396" cy="369332"/>
+          </a:xfrm>
+          <a:prstGeom prst="rect">
+            <a:avLst/>
+          </a:prstGeom>
+          <a:noFill/>
+        </p:spPr>
+        <p:txBody>
+          <a:bodyPr wrap="square" rtlCol="0">
+            <a:spAutoFit/>
+          </a:bodyPr>
+          <a:lstStyle/>
+          <a:p>
+            <a:r>
+              <a:rPr lang="en-US" dirty="0"/>
+              <a:t>Jacob Howes</a:t>
             </a:r>
           </a:p>
         </p:txBody>
@@ -5313,7 +5491,7 @@
       </p:grpSpPr>
       <p:sp>
         <p:nvSpPr>
-          <p:cNvPr id="7" name="Rectangle 6">
+          <p:cNvPr id="14" name="Rectangle 13">
             <a:extLst>
               <a:ext uri="{FF2B5EF4-FFF2-40B4-BE49-F238E27FC236}">
                 <a16:creationId xmlns:a16="http://schemas.microsoft.com/office/drawing/2014/main" id="{A6F05DDE-5F2C-44F5-BACC-DED4737B11B8}"/>
@@ -5384,43 +5562,43 @@
         </p:nvSpPr>
         <p:spPr>
           <a:xfrm>
-            <a:off x="1261872" y="1028699"/>
-            <a:ext cx="9418320" cy="3862083"/>
+            <a:off x="4651947" y="758952"/>
+            <a:ext cx="6323519" cy="4041648"/>
           </a:xfrm>
         </p:spPr>
         <p:txBody>
-          <a:bodyPr vert="horz" lIns="91440" tIns="45720" rIns="91440" bIns="45720" rtlCol="0" anchor="ctr">
+          <a:bodyPr vert="horz" lIns="91440" tIns="45720" rIns="91440" bIns="45720" rtlCol="0" anchor="b">
             <a:normAutofit/>
           </a:bodyPr>
           <a:lstStyle/>
           <a:p>
-            <a:pPr algn="ctr">
+            <a:pPr>
               <a:lnSpc>
                 <a:spcPct val="85000"/>
               </a:lnSpc>
             </a:pPr>
             <a:r>
-              <a:rPr lang="en-US" sz="6000" dirty="0"/>
+              <a:rPr lang="en-US" sz="7200"/>
               <a:t>Discretising Cuckoo Optimisation</a:t>
             </a:r>
           </a:p>
         </p:txBody>
       </p:sp>
-      <p:cxnSp>
-        <p:nvCxnSpPr>
-          <p:cNvPr id="9" name="Straight Connector 8">
+      <p:sp>
+        <p:nvSpPr>
+          <p:cNvPr id="16" name="Rectangle 15">
             <a:extLst>
               <a:ext uri="{FF2B5EF4-FFF2-40B4-BE49-F238E27FC236}">
-                <a16:creationId xmlns:a16="http://schemas.microsoft.com/office/drawing/2014/main" id="{D7E8ECA2-60A0-4D39-817D-F1E982ED7F9B}"/>
+                <a16:creationId xmlns:a16="http://schemas.microsoft.com/office/drawing/2014/main" id="{A0F80B31-D942-4321-A7CC-3FF24C30A9FC}"/>
               </a:ext>
               <a:ext uri="{C183D7F6-B498-43B3-948B-1728B52AA6E4}">
                 <adec:decorative xmlns:adec="http://schemas.microsoft.com/office/drawing/2017/decorative" val="1"/>
               </a:ext>
             </a:extLst>
           </p:cNvPr>
-          <p:cNvCxnSpPr>
-            <a:cxnSpLocks noGrp="1" noRot="1" noChangeAspect="1" noMove="1" noResize="1" noEditPoints="1" noAdjustHandles="1" noChangeArrowheads="1" noChangeShapeType="1"/>
-          </p:cNvCxnSpPr>
+          <p:cNvSpPr>
+            <a:spLocks noGrp="1" noRot="1" noChangeAspect="1" noMove="1" noResize="1" noEditPoints="1" noAdjustHandles="1" noChangeArrowheads="1" noChangeShapeType="1" noTextEdit="1"/>
+          </p:cNvSpPr>
           <p:nvPr>
             <p:extLst>
               <p:ext uri="{386F3935-93C4-4BCD-93E2-E3B085C9AB24}">
@@ -5428,36 +5606,105 @@
               </p:ext>
             </p:extLst>
           </p:nvPr>
-        </p:nvCxnSpPr>
+        </p:nvSpPr>
         <p:spPr>
-          <a:xfrm flipH="1">
-            <a:off x="5651500" y="5097592"/>
-            <a:ext cx="596394" cy="0"/>
+          <a:xfrm>
+            <a:off x="0" y="0"/>
+            <a:ext cx="3568372" cy="6858000"/>
           </a:xfrm>
-          <a:prstGeom prst="line">
+          <a:prstGeom prst="rect">
             <a:avLst/>
           </a:prstGeom>
-          <a:ln w="12700">
-            <a:solidFill>
-              <a:schemeClr val="tx2"/>
-            </a:solidFill>
+          <a:solidFill>
+            <a:schemeClr val="accent1"/>
+          </a:solidFill>
+          <a:ln>
+            <a:noFill/>
           </a:ln>
         </p:spPr>
         <p:style>
-          <a:lnRef idx="1">
-            <a:schemeClr val="accent1"/>
+          <a:lnRef idx="2">
+            <a:schemeClr val="accent1">
+              <a:shade val="50000"/>
+            </a:schemeClr>
           </a:lnRef>
-          <a:fillRef idx="0">
+          <a:fillRef idx="1">
             <a:schemeClr val="accent1"/>
           </a:fillRef>
           <a:effectRef idx="0">
             <a:schemeClr val="accent1"/>
           </a:effectRef>
           <a:fontRef idx="minor">
-            <a:schemeClr val="tx1"/>
+            <a:schemeClr val="lt1"/>
           </a:fontRef>
         </p:style>
-      </p:cxnSp>
+        <p:txBody>
+          <a:bodyPr rtlCol="0" anchor="ctr"/>
+          <a:lstStyle/>
+          <a:p>
+            <a:pPr algn="ctr"/>
+            <a:endParaRPr lang="en-US"/>
+          </a:p>
+        </p:txBody>
+      </p:sp>
+      <p:sp>
+        <p:nvSpPr>
+          <p:cNvPr id="18" name="Rectangle 17">
+            <a:extLst>
+              <a:ext uri="{FF2B5EF4-FFF2-40B4-BE49-F238E27FC236}">
+                <a16:creationId xmlns:a16="http://schemas.microsoft.com/office/drawing/2014/main" id="{27DE213B-0A4F-4E9E-9153-8B0C2D0469BE}"/>
+              </a:ext>
+              <a:ext uri="{C183D7F6-B498-43B3-948B-1728B52AA6E4}">
+                <adec:decorative xmlns:adec="http://schemas.microsoft.com/office/drawing/2017/decorative" val="1"/>
+              </a:ext>
+            </a:extLst>
+          </p:cNvPr>
+          <p:cNvSpPr>
+            <a:spLocks noGrp="1" noRot="1" noChangeAspect="1" noMove="1" noResize="1" noEditPoints="1" noAdjustHandles="1" noChangeArrowheads="1" noChangeShapeType="1" noTextEdit="1"/>
+          </p:cNvSpPr>
+          <p:nvPr>
+            <p:extLst>
+              <p:ext uri="{386F3935-93C4-4BCD-93E2-E3B085C9AB24}">
+                <p16:designElem xmlns:p16="http://schemas.microsoft.com/office/powerpoint/2015/main" val="1"/>
+              </p:ext>
+            </p:extLst>
+          </p:nvPr>
+        </p:nvSpPr>
+        <p:spPr>
+          <a:xfrm>
+            <a:off x="3569969" y="0"/>
+            <a:ext cx="457200" cy="6858000"/>
+          </a:xfrm>
+          <a:prstGeom prst="rect">
+            <a:avLst/>
+          </a:prstGeom>
+          <a:solidFill>
+            <a:schemeClr val="accent1">
+              <a:lumMod val="75000"/>
+              <a:alpha val="60000"/>
+            </a:schemeClr>
+          </a:solidFill>
+          <a:ln>
+            <a:noFill/>
+          </a:ln>
+        </p:spPr>
+        <p:style>
+          <a:lnRef idx="2">
+            <a:schemeClr val="accent1">
+              <a:shade val="50000"/>
+            </a:schemeClr>
+          </a:lnRef>
+          <a:fillRef idx="1">
+            <a:schemeClr val="accent1"/>
+          </a:fillRef>
+          <a:effectRef idx="0">
+            <a:schemeClr val="accent1"/>
+          </a:effectRef>
+          <a:fontRef idx="minor">
+            <a:schemeClr val="lt1"/>
+          </a:fontRef>
+        </p:style>
+      </p:sp>
     </p:spTree>
     <p:extLst>
       <p:ext uri="{BB962C8B-B14F-4D97-AF65-F5344CB8AC3E}">
@@ -5501,7 +5748,7 @@
       </p:grpSpPr>
       <p:sp useBgFill="1">
         <p:nvSpPr>
-          <p:cNvPr id="14" name="Rectangle 7">
+          <p:cNvPr id="76" name="Rectangle 75">
             <a:extLst>
               <a:ext uri="{FF2B5EF4-FFF2-40B4-BE49-F238E27FC236}">
                 <a16:creationId xmlns:a16="http://schemas.microsoft.com/office/drawing/2014/main" id="{5DB0431E-0B04-44A1-9C51-531E28D18A60}"/>
@@ -5614,8 +5861,8 @@
             </p:nvSpPr>
             <p:spPr>
               <a:xfrm>
-                <a:off x="1261872" y="1828800"/>
-                <a:ext cx="8595360" cy="4351337"/>
+                <a:off x="1237488" y="1850775"/>
+                <a:ext cx="8595360" cy="2423886"/>
               </a:xfrm>
             </p:spPr>
             <p:txBody>
@@ -5626,39 +5873,55 @@
               <a:p>
                 <a:r>
                   <a:rPr lang="en-US" sz="2000" dirty="0"/>
-                  <a:t>In the legal version, r random vertices are recoloured the smallest valid colour different to their current one</a:t>
+                  <a:t>In the legal version, r random vertices are </a:t>
+                </a:r>
+                <a:r>
+                  <a:rPr lang="en-US" sz="2000" dirty="0" err="1"/>
+                  <a:t>recoloured</a:t>
+                </a:r>
+                <a:r>
+                  <a:rPr lang="en-US" sz="2000" dirty="0"/>
+                  <a:t> the smallest valid </a:t>
+                </a:r>
+                <a:r>
+                  <a:rPr lang="en-US" sz="2000" dirty="0" err="1"/>
+                  <a:t>colour</a:t>
+                </a:r>
+                <a:r>
+                  <a:rPr lang="en-US" sz="2000" dirty="0"/>
+                  <a:t> different to their current one</a:t>
                 </a:r>
               </a:p>
               <a:p>
                 <a:pPr lvl="1"/>
                 <a:r>
-                  <a:rPr lang="en-US" sz="1800" dirty="0"/>
+                  <a:rPr lang="en-US" sz="2000" dirty="0"/>
                   <a:t>Where </a:t>
                 </a:r>
                 <a14:m>
                   <m:oMath xmlns:m="http://schemas.openxmlformats.org/officeDocument/2006/math">
                     <m:r>
-                      <a:rPr lang="en-US" sz="1800" b="0" i="1" smtClean="0">
+                      <a:rPr lang="en-US" sz="2000" b="0" i="1">
                         <a:latin typeface="Cambria Math" panose="02040503050406030204" pitchFamily="18" charset="0"/>
                       </a:rPr>
                       <m:t>𝑟</m:t>
                     </m:r>
                     <m:r>
-                      <a:rPr lang="en-US" sz="1800" b="0" i="1" smtClean="0">
+                      <a:rPr lang="en-US" sz="2000" b="0" i="1">
                         <a:latin typeface="Cambria Math" panose="02040503050406030204" pitchFamily="18" charset="0"/>
                         <a:ea typeface="Cambria Math" panose="02040503050406030204" pitchFamily="18" charset="0"/>
                       </a:rPr>
                       <m:t>∈[1,</m:t>
                     </m:r>
                     <m:r>
-                      <a:rPr lang="en-US" sz="1800" b="0" i="1" smtClean="0">
+                      <a:rPr lang="en-US" sz="2000" b="0" i="1">
                         <a:latin typeface="Cambria Math" panose="02040503050406030204" pitchFamily="18" charset="0"/>
                         <a:ea typeface="Cambria Math" panose="02040503050406030204" pitchFamily="18" charset="0"/>
                       </a:rPr>
                       <m:t>𝐸𝐿𝑅</m:t>
                     </m:r>
                     <m:r>
-                      <a:rPr lang="en-US" sz="1800" b="0" i="1" smtClean="0">
+                      <a:rPr lang="en-US" sz="2000" b="0" i="1">
                         <a:latin typeface="Cambria Math" panose="02040503050406030204" pitchFamily="18" charset="0"/>
                         <a:ea typeface="Cambria Math" panose="02040503050406030204" pitchFamily="18" charset="0"/>
                       </a:rPr>
@@ -5667,13 +5930,13 @@
                   </m:oMath>
                 </a14:m>
                 <a:r>
-                  <a:rPr lang="en-US" sz="1800" dirty="0"/>
+                  <a:rPr lang="en-US" sz="2000" dirty="0"/>
                   <a:t> is a random integer</a:t>
                 </a:r>
               </a:p>
               <a:p>
                 <a:r>
-                  <a:rPr lang="en-US" sz="2200" dirty="0"/>
+                  <a:rPr lang="en-US" sz="2000" dirty="0"/>
                   <a:t>Egg hatching is identical to the continuous version</a:t>
                 </a:r>
               </a:p>
@@ -5699,13 +5962,13 @@
             </p:nvSpPr>
             <p:spPr>
               <a:xfrm>
-                <a:off x="1261872" y="1828800"/>
-                <a:ext cx="8595360" cy="4351337"/>
+                <a:off x="1237488" y="1850775"/>
+                <a:ext cx="8595360" cy="2423886"/>
               </a:xfrm>
               <a:blipFill>
                 <a:blip r:embed="rId3"/>
                 <a:stretch>
-                  <a:fillRect l="-426" t="-980"/>
+                  <a:fillRect l="-295" t="-2083"/>
                 </a:stretch>
               </a:blipFill>
             </p:spPr>
@@ -5724,9 +5987,66 @@
           </p:sp>
         </mc:Fallback>
       </mc:AlternateContent>
-      <p:sp>
-        <p:nvSpPr>
-          <p:cNvPr id="15" name="Rectangle 9">
+      <p:pic>
+        <p:nvPicPr>
+          <p:cNvPr id="1028" name="Picture 4" descr="Russian cuckoo invasion spells trouble for Alaskan birds, study finds |  Illinois">
+            <a:extLst>
+              <a:ext uri="{FF2B5EF4-FFF2-40B4-BE49-F238E27FC236}">
+                <a16:creationId xmlns:a16="http://schemas.microsoft.com/office/drawing/2014/main" id="{2619C355-4DBE-5844-A189-13F056C1BD49}"/>
+              </a:ext>
+            </a:extLst>
+          </p:cNvPr>
+          <p:cNvPicPr>
+            <a:picLocks noChangeAspect="1" noChangeArrowheads="1"/>
+          </p:cNvPicPr>
+          <p:nvPr/>
+        </p:nvPicPr>
+        <p:blipFill>
+          <a:blip r:embed="rId4">
+            <a:alphaModFix amt="70000"/>
+            <a:extLst>
+              <a:ext uri="{28A0092B-C50C-407E-A947-70E740481C1C}">
+                <a14:useLocalDpi xmlns:a14="http://schemas.microsoft.com/office/drawing/2010/main" val="0"/>
+              </a:ext>
+            </a:extLst>
+          </a:blip>
+          <a:srcRect/>
+          <a:stretch>
+            <a:fillRect/>
+          </a:stretch>
+        </p:blipFill>
+        <p:spPr bwMode="auto">
+          <a:xfrm>
+            <a:off x="6386286" y="3565772"/>
+            <a:ext cx="4568226" cy="3045484"/>
+          </a:xfrm>
+          <a:prstGeom prst="rect">
+            <a:avLst/>
+          </a:prstGeom>
+          <a:ln>
+            <a:noFill/>
+          </a:ln>
+          <a:effectLst>
+            <a:outerShdw blurRad="190500" algn="tl" rotWithShape="0">
+              <a:srgbClr val="000000">
+                <a:alpha val="70000"/>
+              </a:srgbClr>
+            </a:outerShdw>
+          </a:effectLst>
+          <a:extLst>
+            <a:ext uri="{909E8E84-426E-40DD-AFC4-6F175D3DCCD1}">
+              <a14:hiddenFill xmlns:a14="http://schemas.microsoft.com/office/drawing/2010/main">
+                <a:solidFill>
+                  <a:srgbClr val="FFFFFF"/>
+                </a:solidFill>
+              </a14:hiddenFill>
+            </a:ext>
+          </a:extLst>
+        </p:spPr>
+      </p:pic>
+      <p:sp>
+        <p:nvSpPr>
+          <p:cNvPr id="78" name="Rectangle 77">
             <a:extLst>
               <a:ext uri="{FF2B5EF4-FFF2-40B4-BE49-F238E27FC236}">
                 <a16:creationId xmlns:a16="http://schemas.microsoft.com/office/drawing/2014/main" id="{6B424749-EEE0-49C9-9ABF-97B171A3EA00}"/>
@@ -5900,8 +6220,8 @@
         </p:nvSpPr>
         <p:spPr>
           <a:xfrm>
-            <a:off x="1261872" y="365760"/>
-            <a:ext cx="9692640" cy="1325562"/>
+            <a:off x="1261872" y="503238"/>
+            <a:ext cx="3150471" cy="1013459"/>
           </a:xfrm>
         </p:spPr>
         <p:txBody>
@@ -5937,8 +6257,8 @@
             </p:nvSpPr>
             <p:spPr>
               <a:xfrm>
-                <a:off x="1261872" y="1828800"/>
-                <a:ext cx="8595360" cy="4351337"/>
+                <a:off x="937614" y="1777529"/>
+                <a:ext cx="8595360" cy="3662373"/>
               </a:xfrm>
             </p:spPr>
             <p:txBody>
@@ -6500,13 +6820,13 @@
             </p:nvSpPr>
             <p:spPr>
               <a:xfrm>
-                <a:off x="1261872" y="1828800"/>
-                <a:ext cx="8595360" cy="4351337"/>
+                <a:off x="937614" y="1777529"/>
+                <a:ext cx="8595360" cy="3662373"/>
               </a:xfrm>
               <a:blipFill>
                 <a:blip r:embed="rId3"/>
                 <a:stretch>
-                  <a:fillRect l="-284" t="-980" r="-851"/>
+                  <a:fillRect l="-147" t="-1730" r="-885" b="-5190"/>
                 </a:stretch>
               </a:blipFill>
             </p:spPr>
@@ -6604,12 +6924,42 @@
         </p:blipFill>
         <p:spPr>
           <a:xfrm>
-            <a:off x="6096000" y="3974476"/>
-            <a:ext cx="4210050" cy="1809750"/>
+            <a:off x="5559552" y="3974476"/>
+            <a:ext cx="5069531" cy="2179210"/>
           </a:xfrm>
           <a:prstGeom prst="rect">
             <a:avLst/>
           </a:prstGeom>
+          <a:solidFill>
+            <a:srgbClr val="FFFFFF">
+              <a:shade val="85000"/>
+            </a:srgbClr>
+          </a:solidFill>
+          <a:ln w="88900" cap="sq">
+            <a:solidFill>
+              <a:srgbClr val="FFFFFF"/>
+            </a:solidFill>
+            <a:miter lim="800000"/>
+          </a:ln>
+          <a:effectLst>
+            <a:outerShdw blurRad="55000" dist="18000" dir="5400000" algn="tl" rotWithShape="0">
+              <a:srgbClr val="000000">
+                <a:alpha val="40000"/>
+              </a:srgbClr>
+            </a:outerShdw>
+          </a:effectLst>
+          <a:scene3d>
+            <a:camera prst="orthographicFront"/>
+            <a:lightRig rig="twoPt" dir="t">
+              <a:rot lat="0" lon="0" rev="7200000"/>
+            </a:lightRig>
+          </a:scene3d>
+          <a:sp3d>
+            <a:bevelT w="25400" h="19050"/>
+            <a:contourClr>
+              <a:srgbClr val="FFFFFF"/>
+            </a:contourClr>
+          </a:sp3d>
         </p:spPr>
       </p:pic>
       <p:sp>
@@ -6626,7 +6976,7 @@
         </p:nvSpPr>
         <p:spPr>
           <a:xfrm>
-            <a:off x="6096000" y="5784226"/>
+            <a:off x="6096000" y="6153686"/>
             <a:ext cx="4210050" cy="338554"/>
           </a:xfrm>
           <a:prstGeom prst="rect">
@@ -6690,7 +7040,7 @@
       </p:grpSpPr>
       <p:sp useBgFill="1">
         <p:nvSpPr>
-          <p:cNvPr id="14" name="Rectangle 7">
+          <p:cNvPr id="76" name="Rectangle 75">
             <a:extLst>
               <a:ext uri="{FF2B5EF4-FFF2-40B4-BE49-F238E27FC236}">
                 <a16:creationId xmlns:a16="http://schemas.microsoft.com/office/drawing/2014/main" id="{5DB0431E-0B04-44A1-9C51-531E28D18A60}"/>
@@ -6750,220 +7100,7 @@
       </p:sp>
       <p:sp>
         <p:nvSpPr>
-          <p:cNvPr id="2" name="Title 1">
-            <a:extLst>
-              <a:ext uri="{FF2B5EF4-FFF2-40B4-BE49-F238E27FC236}">
-                <a16:creationId xmlns:a16="http://schemas.microsoft.com/office/drawing/2014/main" id="{565DE6B2-5AC6-4C70-9F08-2A6D960838A3}"/>
-              </a:ext>
-            </a:extLst>
-          </p:cNvPr>
-          <p:cNvSpPr>
-            <a:spLocks noGrp="1"/>
-          </p:cNvSpPr>
-          <p:nvPr>
-            <p:ph type="title"/>
-          </p:nvPr>
-        </p:nvSpPr>
-        <p:spPr>
-          <a:xfrm>
-            <a:off x="1261872" y="365760"/>
-            <a:ext cx="9692640" cy="1325562"/>
-          </a:xfrm>
-        </p:spPr>
-        <p:txBody>
-          <a:bodyPr>
-            <a:normAutofit/>
-          </a:bodyPr>
-          <a:lstStyle/>
-          <a:p>
-            <a:r>
-              <a:rPr lang="en-US" dirty="0"/>
-              <a:t>Migrating</a:t>
-            </a:r>
-          </a:p>
-        </p:txBody>
-      </p:sp>
-      <mc:AlternateContent xmlns:mc="http://schemas.openxmlformats.org/markup-compatibility/2006">
-        <mc:Choice xmlns:a14="http://schemas.microsoft.com/office/drawing/2010/main" Requires="a14">
-          <p:sp>
-            <p:nvSpPr>
-              <p:cNvPr id="3" name="Content Placeholder 2">
-                <a:extLst>
-                  <a:ext uri="{FF2B5EF4-FFF2-40B4-BE49-F238E27FC236}">
-                    <a16:creationId xmlns:a16="http://schemas.microsoft.com/office/drawing/2014/main" id="{18ED27A9-7C5A-4401-ACBD-37470CB7427E}"/>
-                  </a:ext>
-                </a:extLst>
-              </p:cNvPr>
-              <p:cNvSpPr>
-                <a:spLocks noGrp="1"/>
-              </p:cNvSpPr>
-              <p:nvPr>
-                <p:ph idx="1"/>
-              </p:nvPr>
-            </p:nvSpPr>
-            <p:spPr>
-              <a:xfrm>
-                <a:off x="1261872" y="1828800"/>
-                <a:ext cx="8595360" cy="4351337"/>
-              </a:xfrm>
-            </p:spPr>
-            <p:txBody>
-              <a:bodyPr>
-                <a:normAutofit/>
-              </a:bodyPr>
-              <a:lstStyle/>
-              <a:p>
-                <a:r>
-                  <a:rPr lang="en-US" sz="2000" dirty="0"/>
-                  <a:t>It’s computationally hard (PSPACE-complete for </a:t>
-                </a:r>
-                <a14:m>
-                  <m:oMath xmlns:m="http://schemas.openxmlformats.org/officeDocument/2006/math">
-                    <m:r>
-                      <a:rPr lang="en-US" sz="2000" b="0" i="1" smtClean="0">
-                        <a:latin typeface="Cambria Math" panose="02040503050406030204" pitchFamily="18" charset="0"/>
-                      </a:rPr>
-                      <m:t>𝑘</m:t>
-                    </m:r>
-                    <m:r>
-                      <a:rPr lang="en-US" sz="2000" b="0" i="1" smtClean="0">
-                        <a:latin typeface="Cambria Math" panose="02040503050406030204" pitchFamily="18" charset="0"/>
-                      </a:rPr>
-                      <m:t>≥4</m:t>
-                    </m:r>
-                  </m:oMath>
-                </a14:m>
-                <a:r>
-                  <a:rPr lang="en-US" sz="2000" dirty="0"/>
-                  <a:t>) to find a direct path from one colouring to another</a:t>
-                </a:r>
-              </a:p>
-              <a:p>
-                <a:r>
-                  <a:rPr lang="en-US" sz="2000" dirty="0"/>
-                  <a:t>Hence the legal implementation of cuckoo migration is less strict</a:t>
-                </a:r>
-              </a:p>
-              <a:p>
-                <a:pPr lvl="1"/>
-                <a:r>
-                  <a:rPr lang="en-US" sz="1800" dirty="0"/>
-                  <a:t>When migrating x to y, we generate a colouring based off x distance </a:t>
-                </a:r>
-                <a14:m>
-                  <m:oMath xmlns:m="http://schemas.openxmlformats.org/officeDocument/2006/math">
-                    <m:r>
-                      <a:rPr lang="en-US" sz="1800" b="0" i="1" smtClean="0">
-                        <a:latin typeface="Cambria Math" panose="02040503050406030204" pitchFamily="18" charset="0"/>
-                      </a:rPr>
-                      <m:t>𝜆</m:t>
-                    </m:r>
-                    <m:r>
-                      <a:rPr lang="en-US" sz="1800" b="0" i="1" smtClean="0">
-                        <a:latin typeface="Cambria Math" panose="02040503050406030204" pitchFamily="18" charset="0"/>
-                      </a:rPr>
-                      <m:t>𝑑</m:t>
-                    </m:r>
-                  </m:oMath>
-                </a14:m>
-                <a:r>
-                  <a:rPr lang="en-US" sz="1800" dirty="0"/>
-                  <a:t> from y (but not necessarily distance </a:t>
-                </a:r>
-                <a14:m>
-                  <m:oMath xmlns:m="http://schemas.openxmlformats.org/officeDocument/2006/math">
-                    <m:d>
-                      <m:dPr>
-                        <m:ctrlPr>
-                          <a:rPr lang="en-US" sz="1800" b="0" i="1" smtClean="0">
-                            <a:latin typeface="Cambria Math" panose="02040503050406030204" pitchFamily="18" charset="0"/>
-                          </a:rPr>
-                        </m:ctrlPr>
-                      </m:dPr>
-                      <m:e>
-                        <m:r>
-                          <a:rPr lang="en-US" sz="1800" b="0" i="1" smtClean="0">
-                            <a:latin typeface="Cambria Math" panose="02040503050406030204" pitchFamily="18" charset="0"/>
-                          </a:rPr>
-                          <m:t>1−</m:t>
-                        </m:r>
-                        <m:r>
-                          <a:rPr lang="en-US" sz="1800" b="0" i="1" smtClean="0">
-                            <a:latin typeface="Cambria Math" panose="02040503050406030204" pitchFamily="18" charset="0"/>
-                          </a:rPr>
-                          <m:t>𝜆</m:t>
-                        </m:r>
-                      </m:e>
-                    </m:d>
-                    <m:r>
-                      <a:rPr lang="en-US" sz="1800" b="0" i="1" smtClean="0">
-                        <a:latin typeface="Cambria Math" panose="02040503050406030204" pitchFamily="18" charset="0"/>
-                      </a:rPr>
-                      <m:t>𝑑</m:t>
-                    </m:r>
-                  </m:oMath>
-                </a14:m>
-                <a:r>
-                  <a:rPr lang="en-US" sz="1800" dirty="0"/>
-                  <a:t> from x)</a:t>
-                </a:r>
-              </a:p>
-              <a:p>
-                <a:r>
-                  <a:rPr lang="en-US" sz="2000" dirty="0"/>
-                  <a:t>Iteratively recolour vertices from x to their colour in y, cleaning up conflicts as they arise</a:t>
-                </a:r>
-              </a:p>
-            </p:txBody>
-          </p:sp>
-        </mc:Choice>
-        <mc:Fallback>
-          <p:sp>
-            <p:nvSpPr>
-              <p:cNvPr id="3" name="Content Placeholder 2">
-                <a:extLst>
-                  <a:ext uri="{FF2B5EF4-FFF2-40B4-BE49-F238E27FC236}">
-                    <a16:creationId xmlns:a16="http://schemas.microsoft.com/office/drawing/2014/main" id="{18ED27A9-7C5A-4401-ACBD-37470CB7427E}"/>
-                  </a:ext>
-                </a:extLst>
-              </p:cNvPr>
-              <p:cNvSpPr>
-                <a:spLocks noGrp="1" noRot="1" noChangeAspect="1" noMove="1" noResize="1" noEditPoints="1" noAdjustHandles="1" noChangeArrowheads="1" noChangeShapeType="1" noTextEdit="1"/>
-              </p:cNvSpPr>
-              <p:nvPr>
-                <p:ph idx="1"/>
-              </p:nvPr>
-            </p:nvSpPr>
-            <p:spPr>
-              <a:xfrm>
-                <a:off x="1261872" y="1828800"/>
-                <a:ext cx="8595360" cy="4351337"/>
-              </a:xfrm>
-              <a:blipFill>
-                <a:blip r:embed="rId3"/>
-                <a:stretch>
-                  <a:fillRect l="-284" t="-1120"/>
-                </a:stretch>
-              </a:blipFill>
-            </p:spPr>
-            <p:txBody>
-              <a:bodyPr/>
-              <a:lstStyle/>
-              <a:p>
-                <a:r>
-                  <a:rPr lang="en-GB">
-                    <a:noFill/>
-                  </a:rPr>
-                  <a:t> </a:t>
-                </a:r>
-              </a:p>
-            </p:txBody>
-          </p:sp>
-        </mc:Fallback>
-      </mc:AlternateContent>
-      <p:sp>
-        <p:nvSpPr>
-          <p:cNvPr id="15" name="Rectangle 9">
+          <p:cNvPr id="78" name="Rectangle 77">
             <a:extLst>
               <a:ext uri="{FF2B5EF4-FFF2-40B4-BE49-F238E27FC236}">
                 <a16:creationId xmlns:a16="http://schemas.microsoft.com/office/drawing/2014/main" id="{6B424749-EEE0-49C9-9ABF-97B171A3EA00}"/>
@@ -7018,14 +7155,2132 @@
           </a:fontRef>
         </p:style>
       </p:sp>
+      <p:sp>
+        <p:nvSpPr>
+          <p:cNvPr id="5" name="Title 4">
+            <a:extLst>
+              <a:ext uri="{FF2B5EF4-FFF2-40B4-BE49-F238E27FC236}">
+                <a16:creationId xmlns:a16="http://schemas.microsoft.com/office/drawing/2014/main" id="{C7A60C13-3155-7949-819F-9C5EE7735D02}"/>
+              </a:ext>
+            </a:extLst>
+          </p:cNvPr>
+          <p:cNvSpPr>
+            <a:spLocks noGrp="1"/>
+          </p:cNvSpPr>
+          <p:nvPr>
+            <p:ph type="title"/>
+          </p:nvPr>
+        </p:nvSpPr>
+        <p:spPr/>
+        <p:txBody>
+          <a:bodyPr/>
+          <a:lstStyle/>
+          <a:p>
+            <a:r>
+              <a:rPr lang="en-US" dirty="0"/>
+              <a:t>Migrating</a:t>
+            </a:r>
+          </a:p>
+        </p:txBody>
+      </p:sp>
+      <mc:AlternateContent xmlns:mc="http://schemas.openxmlformats.org/markup-compatibility/2006" xmlns:a14="http://schemas.microsoft.com/office/drawing/2010/main">
+        <mc:Choice Requires="a14">
+          <p:sp>
+            <p:nvSpPr>
+              <p:cNvPr id="7" name="Content Placeholder 6">
+                <a:extLst>
+                  <a:ext uri="{FF2B5EF4-FFF2-40B4-BE49-F238E27FC236}">
+                    <a16:creationId xmlns:a16="http://schemas.microsoft.com/office/drawing/2014/main" id="{1C157E23-963C-9344-B604-24B8B0817678}"/>
+                  </a:ext>
+                </a:extLst>
+              </p:cNvPr>
+              <p:cNvSpPr>
+                <a:spLocks noGrp="1"/>
+              </p:cNvSpPr>
+              <p:nvPr>
+                <p:ph idx="1"/>
+              </p:nvPr>
+            </p:nvSpPr>
+            <p:spPr>
+              <a:xfrm>
+                <a:off x="1261872" y="2057082"/>
+                <a:ext cx="8595360" cy="3135086"/>
+              </a:xfrm>
+            </p:spPr>
+            <p:txBody>
+              <a:bodyPr>
+                <a:normAutofit/>
+              </a:bodyPr>
+              <a:lstStyle/>
+              <a:p>
+                <a:r>
+                  <a:rPr lang="en-US" sz="2000" dirty="0">
+                    <a:solidFill>
+                      <a:schemeClr val="tx1"/>
+                    </a:solidFill>
+                  </a:rPr>
+                  <a:t>It’s computationally hard (PSPACE-complete for </a:t>
+                </a:r>
+                <a14:m>
+                  <m:oMath xmlns:m="http://schemas.openxmlformats.org/officeDocument/2006/math">
+                    <m:r>
+                      <a:rPr lang="en-US" sz="2000" i="1">
+                        <a:solidFill>
+                          <a:schemeClr val="tx1"/>
+                        </a:solidFill>
+                        <a:latin typeface="Cambria Math" panose="02040503050406030204" pitchFamily="18" charset="0"/>
+                      </a:rPr>
+                      <m:t>𝑘</m:t>
+                    </m:r>
+                    <m:r>
+                      <a:rPr lang="en-US" sz="2000" i="1">
+                        <a:solidFill>
+                          <a:schemeClr val="tx1"/>
+                        </a:solidFill>
+                        <a:latin typeface="Cambria Math" panose="02040503050406030204" pitchFamily="18" charset="0"/>
+                      </a:rPr>
+                      <m:t>≥4</m:t>
+                    </m:r>
+                  </m:oMath>
+                </a14:m>
+                <a:r>
+                  <a:rPr lang="en-US" sz="2000" dirty="0">
+                    <a:solidFill>
+                      <a:schemeClr val="tx1"/>
+                    </a:solidFill>
+                  </a:rPr>
+                  <a:t>) to find a direct path from one </a:t>
+                </a:r>
+                <a:r>
+                  <a:rPr lang="en-US" sz="2000" dirty="0" err="1">
+                    <a:solidFill>
+                      <a:schemeClr val="tx1"/>
+                    </a:solidFill>
+                  </a:rPr>
+                  <a:t>colouring</a:t>
+                </a:r>
+                <a:r>
+                  <a:rPr lang="en-US" sz="2000" dirty="0">
+                    <a:solidFill>
+                      <a:schemeClr val="tx1"/>
+                    </a:solidFill>
+                  </a:rPr>
+                  <a:t> to another</a:t>
+                </a:r>
+              </a:p>
+              <a:p>
+                <a:r>
+                  <a:rPr lang="en-US" sz="2000" dirty="0">
+                    <a:solidFill>
+                      <a:schemeClr val="tx1"/>
+                    </a:solidFill>
+                  </a:rPr>
+                  <a:t>Hence the legal implementation of cuckoo migration is less strict</a:t>
+                </a:r>
+              </a:p>
+              <a:p>
+                <a:pPr lvl="1"/>
+                <a:r>
+                  <a:rPr lang="en-US" sz="2000" dirty="0">
+                    <a:solidFill>
+                      <a:schemeClr val="tx1"/>
+                    </a:solidFill>
+                  </a:rPr>
+                  <a:t>When migrating x to y, we generate a </a:t>
+                </a:r>
+                <a:r>
+                  <a:rPr lang="en-US" sz="2000" dirty="0" err="1">
+                    <a:solidFill>
+                      <a:schemeClr val="tx1"/>
+                    </a:solidFill>
+                  </a:rPr>
+                  <a:t>colouring</a:t>
+                </a:r>
+                <a:r>
+                  <a:rPr lang="en-US" sz="2000" dirty="0">
+                    <a:solidFill>
+                      <a:schemeClr val="tx1"/>
+                    </a:solidFill>
+                  </a:rPr>
+                  <a:t> based off x distance </a:t>
+                </a:r>
+                <a14:m>
+                  <m:oMath xmlns:m="http://schemas.openxmlformats.org/officeDocument/2006/math">
+                    <m:r>
+                      <a:rPr lang="en-US" sz="2000" i="1">
+                        <a:solidFill>
+                          <a:schemeClr val="tx1"/>
+                        </a:solidFill>
+                        <a:latin typeface="Cambria Math" panose="02040503050406030204" pitchFamily="18" charset="0"/>
+                      </a:rPr>
+                      <m:t>𝜆</m:t>
+                    </m:r>
+                    <m:r>
+                      <a:rPr lang="en-US" sz="2000" i="1">
+                        <a:solidFill>
+                          <a:schemeClr val="tx1"/>
+                        </a:solidFill>
+                        <a:latin typeface="Cambria Math" panose="02040503050406030204" pitchFamily="18" charset="0"/>
+                      </a:rPr>
+                      <m:t>𝑑</m:t>
+                    </m:r>
+                  </m:oMath>
+                </a14:m>
+                <a:r>
+                  <a:rPr lang="en-US" sz="2000" dirty="0">
+                    <a:solidFill>
+                      <a:schemeClr val="tx1"/>
+                    </a:solidFill>
+                  </a:rPr>
+                  <a:t> from y (but not necessarily distance </a:t>
+                </a:r>
+                <a14:m>
+                  <m:oMath xmlns:m="http://schemas.openxmlformats.org/officeDocument/2006/math">
+                    <m:d>
+                      <m:dPr>
+                        <m:ctrlPr>
+                          <a:rPr lang="en-US" sz="2000" i="1">
+                            <a:solidFill>
+                              <a:schemeClr val="tx1"/>
+                            </a:solidFill>
+                            <a:latin typeface="Cambria Math" panose="02040503050406030204" pitchFamily="18" charset="0"/>
+                          </a:rPr>
+                        </m:ctrlPr>
+                      </m:dPr>
+                      <m:e>
+                        <m:r>
+                          <a:rPr lang="en-US" sz="2000" i="1">
+                            <a:solidFill>
+                              <a:schemeClr val="tx1"/>
+                            </a:solidFill>
+                            <a:latin typeface="Cambria Math" panose="02040503050406030204" pitchFamily="18" charset="0"/>
+                          </a:rPr>
+                          <m:t>1−</m:t>
+                        </m:r>
+                        <m:r>
+                          <a:rPr lang="en-US" sz="2000" i="1">
+                            <a:solidFill>
+                              <a:schemeClr val="tx1"/>
+                            </a:solidFill>
+                            <a:latin typeface="Cambria Math" panose="02040503050406030204" pitchFamily="18" charset="0"/>
+                          </a:rPr>
+                          <m:t>𝜆</m:t>
+                        </m:r>
+                      </m:e>
+                    </m:d>
+                    <m:r>
+                      <a:rPr lang="en-US" sz="2000" i="1">
+                        <a:solidFill>
+                          <a:schemeClr val="tx1"/>
+                        </a:solidFill>
+                        <a:latin typeface="Cambria Math" panose="02040503050406030204" pitchFamily="18" charset="0"/>
+                      </a:rPr>
+                      <m:t>𝑑</m:t>
+                    </m:r>
+                  </m:oMath>
+                </a14:m>
+                <a:r>
+                  <a:rPr lang="en-US" sz="2000" dirty="0">
+                    <a:solidFill>
+                      <a:schemeClr val="tx1"/>
+                    </a:solidFill>
+                  </a:rPr>
+                  <a:t> from x)</a:t>
+                </a:r>
+              </a:p>
+              <a:p>
+                <a:r>
+                  <a:rPr lang="en-US" sz="2000" dirty="0">
+                    <a:solidFill>
+                      <a:schemeClr val="tx1"/>
+                    </a:solidFill>
+                  </a:rPr>
+                  <a:t>Iteratively </a:t>
+                </a:r>
+                <a:r>
+                  <a:rPr lang="en-US" sz="2000" dirty="0" err="1">
+                    <a:solidFill>
+                      <a:schemeClr val="tx1"/>
+                    </a:solidFill>
+                  </a:rPr>
+                  <a:t>recolour</a:t>
+                </a:r>
+                <a:r>
+                  <a:rPr lang="en-US" sz="2000" dirty="0">
+                    <a:solidFill>
+                      <a:schemeClr val="tx1"/>
+                    </a:solidFill>
+                  </a:rPr>
+                  <a:t> vertices from x to their </a:t>
+                </a:r>
+                <a:r>
+                  <a:rPr lang="en-US" sz="2000" dirty="0" err="1">
+                    <a:solidFill>
+                      <a:schemeClr val="tx1"/>
+                    </a:solidFill>
+                  </a:rPr>
+                  <a:t>colour</a:t>
+                </a:r>
+                <a:r>
+                  <a:rPr lang="en-US" sz="2000" dirty="0">
+                    <a:solidFill>
+                      <a:schemeClr val="tx1"/>
+                    </a:solidFill>
+                  </a:rPr>
+                  <a:t> in y, cleaning up conflicts as they arise</a:t>
+                </a:r>
+              </a:p>
+            </p:txBody>
+          </p:sp>
+        </mc:Choice>
+        <mc:Fallback xmlns="">
+          <p:sp>
+            <p:nvSpPr>
+              <p:cNvPr id="7" name="Content Placeholder 6">
+                <a:extLst>
+                  <a:ext uri="{FF2B5EF4-FFF2-40B4-BE49-F238E27FC236}">
+                    <a16:creationId xmlns:a16="http://schemas.microsoft.com/office/drawing/2014/main" id="{1C157E23-963C-9344-B604-24B8B0817678}"/>
+                  </a:ext>
+                </a:extLst>
+              </p:cNvPr>
+              <p:cNvSpPr>
+                <a:spLocks noGrp="1" noRot="1" noChangeAspect="1" noMove="1" noResize="1" noEditPoints="1" noAdjustHandles="1" noChangeArrowheads="1" noChangeShapeType="1" noTextEdit="1"/>
+              </p:cNvSpPr>
+              <p:nvPr>
+                <p:ph idx="1"/>
+              </p:nvPr>
+            </p:nvSpPr>
+            <p:spPr>
+              <a:xfrm>
+                <a:off x="1261872" y="2057082"/>
+                <a:ext cx="8595360" cy="3135086"/>
+              </a:xfrm>
+              <a:blipFill>
+                <a:blip r:embed="rId3"/>
+                <a:stretch>
+                  <a:fillRect l="-295" t="-1613" r="-1032"/>
+                </a:stretch>
+              </a:blipFill>
+            </p:spPr>
+            <p:txBody>
+              <a:bodyPr/>
+              <a:lstStyle/>
+              <a:p>
+                <a:r>
+                  <a:rPr lang="en-US">
+                    <a:noFill/>
+                  </a:rPr>
+                  <a:t> </a:t>
+                </a:r>
+              </a:p>
+            </p:txBody>
+          </p:sp>
+        </mc:Fallback>
+      </mc:AlternateContent>
+    </p:spTree>
+    <p:extLst>
+      <p:ext uri="{BB962C8B-B14F-4D97-AF65-F5344CB8AC3E}">
+        <p14:creationId xmlns:p14="http://schemas.microsoft.com/office/powerpoint/2010/main" val="3711418571"/>
+      </p:ext>
+    </p:extLst>
+  </p:cSld>
+  <p:clrMapOvr>
+    <a:overrideClrMapping bg1="dk1" tx1="lt1" bg2="dk2" tx2="lt2" accent1="accent1" accent2="accent2" accent3="accent3" accent4="accent4" accent5="accent5" accent6="accent6" hlink="hlink" folHlink="folHlink"/>
+  </p:clrMapOvr>
+</p:sld>
+</file>
+
+<file path=ppt/slides/slide14.xml><?xml version="1.0" encoding="utf-8"?>
+<p:sld xmlns:a="http://schemas.openxmlformats.org/drawingml/2006/main" xmlns:r="http://schemas.openxmlformats.org/officeDocument/2006/relationships" xmlns:p="http://schemas.openxmlformats.org/presentationml/2006/main">
+  <p:cSld>
+    <p:bg>
+      <p:bgPr>
+        <a:solidFill>
+          <a:schemeClr val="bg2">
+            <a:lumMod val="75000"/>
+          </a:schemeClr>
+        </a:solidFill>
+        <a:effectLst/>
+      </p:bgPr>
+    </p:bg>
+    <p:spTree>
+      <p:nvGrpSpPr>
+        <p:cNvPr id="1" name=""/>
+        <p:cNvGrpSpPr/>
+        <p:nvPr/>
+      </p:nvGrpSpPr>
+      <p:grpSpPr>
+        <a:xfrm>
+          <a:off x="0" y="0"/>
+          <a:ext cx="0" cy="0"/>
+          <a:chOff x="0" y="0"/>
+          <a:chExt cx="0" cy="0"/>
+        </a:xfrm>
+      </p:grpSpPr>
+      <p:sp>
+        <p:nvSpPr>
+          <p:cNvPr id="14" name="Rectangle 13">
+            <a:extLst>
+              <a:ext uri="{FF2B5EF4-FFF2-40B4-BE49-F238E27FC236}">
+                <a16:creationId xmlns:a16="http://schemas.microsoft.com/office/drawing/2014/main" id="{A6F05DDE-5F2C-44F5-BACC-DED4737B11B8}"/>
+              </a:ext>
+              <a:ext uri="{C183D7F6-B498-43B3-948B-1728B52AA6E4}">
+                <adec:decorative xmlns:adec="http://schemas.microsoft.com/office/drawing/2017/decorative" val="1"/>
+              </a:ext>
+            </a:extLst>
+          </p:cNvPr>
+          <p:cNvSpPr>
+            <a:spLocks noGrp="1" noRot="1" noChangeAspect="1" noMove="1" noResize="1" noEditPoints="1" noAdjustHandles="1" noChangeArrowheads="1" noChangeShapeType="1" noTextEdit="1"/>
+          </p:cNvSpPr>
+          <p:nvPr>
+            <p:extLst>
+              <p:ext uri="{386F3935-93C4-4BCD-93E2-E3B085C9AB24}">
+                <p16:designElem xmlns:p16="http://schemas.microsoft.com/office/powerpoint/2015/main" val="1"/>
+              </p:ext>
+            </p:extLst>
+          </p:nvPr>
+        </p:nvSpPr>
+        <p:spPr>
+          <a:xfrm>
+            <a:off x="0" y="0"/>
+            <a:ext cx="457200" cy="6858000"/>
+          </a:xfrm>
+          <a:prstGeom prst="rect">
+            <a:avLst/>
+          </a:prstGeom>
+          <a:solidFill>
+            <a:schemeClr val="accent1"/>
+          </a:solidFill>
+          <a:ln>
+            <a:noFill/>
+          </a:ln>
+        </p:spPr>
+        <p:style>
+          <a:lnRef idx="2">
+            <a:schemeClr val="accent1">
+              <a:shade val="50000"/>
+            </a:schemeClr>
+          </a:lnRef>
+          <a:fillRef idx="1">
+            <a:schemeClr val="accent1"/>
+          </a:fillRef>
+          <a:effectRef idx="0">
+            <a:schemeClr val="accent1"/>
+          </a:effectRef>
+          <a:fontRef idx="minor">
+            <a:schemeClr val="lt1"/>
+          </a:fontRef>
+        </p:style>
+      </p:sp>
+      <p:sp>
+        <p:nvSpPr>
+          <p:cNvPr id="2" name="Title 1">
+            <a:extLst>
+              <a:ext uri="{FF2B5EF4-FFF2-40B4-BE49-F238E27FC236}">
+                <a16:creationId xmlns:a16="http://schemas.microsoft.com/office/drawing/2014/main" id="{F9B195F7-C8F2-4AEE-838F-FFBF62F056BD}"/>
+              </a:ext>
+            </a:extLst>
+          </p:cNvPr>
+          <p:cNvSpPr>
+            <a:spLocks noGrp="1"/>
+          </p:cNvSpPr>
+          <p:nvPr>
+            <p:ph type="title"/>
+          </p:nvPr>
+        </p:nvSpPr>
+        <p:spPr>
+          <a:xfrm>
+            <a:off x="4651947" y="758952"/>
+            <a:ext cx="6323519" cy="4041648"/>
+          </a:xfrm>
+        </p:spPr>
+        <p:txBody>
+          <a:bodyPr vert="horz" lIns="91440" tIns="45720" rIns="91440" bIns="45720" rtlCol="0" anchor="b">
+            <a:normAutofit/>
+          </a:bodyPr>
+          <a:lstStyle/>
+          <a:p>
+            <a:pPr>
+              <a:lnSpc>
+                <a:spcPct val="85000"/>
+              </a:lnSpc>
+            </a:pPr>
+            <a:r>
+              <a:rPr lang="en-US" sz="7200"/>
+              <a:t>Discretising Cuckoo Search</a:t>
+            </a:r>
+          </a:p>
+        </p:txBody>
+      </p:sp>
+      <p:sp>
+        <p:nvSpPr>
+          <p:cNvPr id="16" name="Rectangle 15">
+            <a:extLst>
+              <a:ext uri="{FF2B5EF4-FFF2-40B4-BE49-F238E27FC236}">
+                <a16:creationId xmlns:a16="http://schemas.microsoft.com/office/drawing/2014/main" id="{A0F80B31-D942-4321-A7CC-3FF24C30A9FC}"/>
+              </a:ext>
+              <a:ext uri="{C183D7F6-B498-43B3-948B-1728B52AA6E4}">
+                <adec:decorative xmlns:adec="http://schemas.microsoft.com/office/drawing/2017/decorative" val="1"/>
+              </a:ext>
+            </a:extLst>
+          </p:cNvPr>
+          <p:cNvSpPr>
+            <a:spLocks noGrp="1" noRot="1" noChangeAspect="1" noMove="1" noResize="1" noEditPoints="1" noAdjustHandles="1" noChangeArrowheads="1" noChangeShapeType="1" noTextEdit="1"/>
+          </p:cNvSpPr>
+          <p:nvPr>
+            <p:extLst>
+              <p:ext uri="{386F3935-93C4-4BCD-93E2-E3B085C9AB24}">
+                <p16:designElem xmlns:p16="http://schemas.microsoft.com/office/powerpoint/2015/main" val="1"/>
+              </p:ext>
+            </p:extLst>
+          </p:nvPr>
+        </p:nvSpPr>
+        <p:spPr>
+          <a:xfrm>
+            <a:off x="0" y="0"/>
+            <a:ext cx="3568372" cy="6858000"/>
+          </a:xfrm>
+          <a:prstGeom prst="rect">
+            <a:avLst/>
+          </a:prstGeom>
+          <a:solidFill>
+            <a:schemeClr val="accent1"/>
+          </a:solidFill>
+          <a:ln>
+            <a:noFill/>
+          </a:ln>
+        </p:spPr>
+        <p:style>
+          <a:lnRef idx="2">
+            <a:schemeClr val="accent1">
+              <a:shade val="50000"/>
+            </a:schemeClr>
+          </a:lnRef>
+          <a:fillRef idx="1">
+            <a:schemeClr val="accent1"/>
+          </a:fillRef>
+          <a:effectRef idx="0">
+            <a:schemeClr val="accent1"/>
+          </a:effectRef>
+          <a:fontRef idx="minor">
+            <a:schemeClr val="lt1"/>
+          </a:fontRef>
+        </p:style>
+        <p:txBody>
+          <a:bodyPr rtlCol="0" anchor="ctr"/>
+          <a:lstStyle/>
+          <a:p>
+            <a:pPr algn="ctr"/>
+            <a:endParaRPr lang="en-US"/>
+          </a:p>
+        </p:txBody>
+      </p:sp>
+      <p:sp>
+        <p:nvSpPr>
+          <p:cNvPr id="18" name="Rectangle 17">
+            <a:extLst>
+              <a:ext uri="{FF2B5EF4-FFF2-40B4-BE49-F238E27FC236}">
+                <a16:creationId xmlns:a16="http://schemas.microsoft.com/office/drawing/2014/main" id="{27DE213B-0A4F-4E9E-9153-8B0C2D0469BE}"/>
+              </a:ext>
+              <a:ext uri="{C183D7F6-B498-43B3-948B-1728B52AA6E4}">
+                <adec:decorative xmlns:adec="http://schemas.microsoft.com/office/drawing/2017/decorative" val="1"/>
+              </a:ext>
+            </a:extLst>
+          </p:cNvPr>
+          <p:cNvSpPr>
+            <a:spLocks noGrp="1" noRot="1" noChangeAspect="1" noMove="1" noResize="1" noEditPoints="1" noAdjustHandles="1" noChangeArrowheads="1" noChangeShapeType="1" noTextEdit="1"/>
+          </p:cNvSpPr>
+          <p:nvPr>
+            <p:extLst>
+              <p:ext uri="{386F3935-93C4-4BCD-93E2-E3B085C9AB24}">
+                <p16:designElem xmlns:p16="http://schemas.microsoft.com/office/powerpoint/2015/main" val="1"/>
+              </p:ext>
+            </p:extLst>
+          </p:nvPr>
+        </p:nvSpPr>
+        <p:spPr>
+          <a:xfrm>
+            <a:off x="3569969" y="0"/>
+            <a:ext cx="457200" cy="6858000"/>
+          </a:xfrm>
+          <a:prstGeom prst="rect">
+            <a:avLst/>
+          </a:prstGeom>
+          <a:solidFill>
+            <a:schemeClr val="accent1">
+              <a:lumMod val="75000"/>
+              <a:alpha val="60000"/>
+            </a:schemeClr>
+          </a:solidFill>
+          <a:ln>
+            <a:noFill/>
+          </a:ln>
+        </p:spPr>
+        <p:style>
+          <a:lnRef idx="2">
+            <a:schemeClr val="accent1">
+              <a:shade val="50000"/>
+            </a:schemeClr>
+          </a:lnRef>
+          <a:fillRef idx="1">
+            <a:schemeClr val="accent1"/>
+          </a:fillRef>
+          <a:effectRef idx="0">
+            <a:schemeClr val="accent1"/>
+          </a:effectRef>
+          <a:fontRef idx="minor">
+            <a:schemeClr val="lt1"/>
+          </a:fontRef>
+        </p:style>
+      </p:sp>
+    </p:spTree>
+    <p:extLst>
+      <p:ext uri="{BB962C8B-B14F-4D97-AF65-F5344CB8AC3E}">
+        <p14:creationId xmlns:p14="http://schemas.microsoft.com/office/powerpoint/2010/main" val="4956655"/>
+      </p:ext>
+    </p:extLst>
+  </p:cSld>
+  <p:clrMapOvr>
+    <a:masterClrMapping/>
+  </p:clrMapOvr>
+</p:sld>
+</file>
+
+<file path=ppt/slides/slide15.xml><?xml version="1.0" encoding="utf-8"?>
+<p:sld xmlns:a="http://schemas.openxmlformats.org/drawingml/2006/main" xmlns:r="http://schemas.openxmlformats.org/officeDocument/2006/relationships" xmlns:p="http://schemas.openxmlformats.org/presentationml/2006/main">
+  <p:cSld>
+    <p:bg>
+      <p:bgPr>
+        <a:solidFill>
+          <a:schemeClr val="bg1">
+            <a:tint val="95000"/>
+            <a:satMod val="170000"/>
+          </a:schemeClr>
+        </a:solidFill>
+        <a:effectLst/>
+      </p:bgPr>
+    </p:bg>
+    <p:spTree>
+      <p:nvGrpSpPr>
+        <p:cNvPr id="1" name=""/>
+        <p:cNvGrpSpPr/>
+        <p:nvPr/>
+      </p:nvGrpSpPr>
+      <p:grpSpPr>
+        <a:xfrm>
+          <a:off x="0" y="0"/>
+          <a:ext cx="0" cy="0"/>
+          <a:chOff x="0" y="0"/>
+          <a:chExt cx="0" cy="0"/>
+        </a:xfrm>
+      </p:grpSpPr>
+      <p:sp useBgFill="1">
+        <p:nvSpPr>
+          <p:cNvPr id="20" name="Rectangle 19">
+            <a:extLst>
+              <a:ext uri="{FF2B5EF4-FFF2-40B4-BE49-F238E27FC236}">
+                <a16:creationId xmlns:a16="http://schemas.microsoft.com/office/drawing/2014/main" id="{5DB0431E-0B04-44A1-9C51-531E28D18A60}"/>
+              </a:ext>
+              <a:ext uri="{C183D7F6-B498-43B3-948B-1728B52AA6E4}">
+                <adec:decorative xmlns:adec="http://schemas.microsoft.com/office/drawing/2017/decorative" val="1"/>
+              </a:ext>
+            </a:extLst>
+          </p:cNvPr>
+          <p:cNvSpPr>
+            <a:spLocks noGrp="1" noRot="1" noChangeAspect="1" noMove="1" noResize="1" noEditPoints="1" noAdjustHandles="1" noChangeArrowheads="1" noChangeShapeType="1" noTextEdit="1"/>
+          </p:cNvSpPr>
+          <p:nvPr>
+            <p:extLst>
+              <p:ext uri="{386F3935-93C4-4BCD-93E2-E3B085C9AB24}">
+                <p16:designElem xmlns:p16="http://schemas.microsoft.com/office/powerpoint/2015/main" val="1"/>
+              </p:ext>
+            </p:extLst>
+          </p:nvPr>
+        </p:nvSpPr>
+        <p:spPr>
+          <a:xfrm>
+            <a:off x="0" y="0"/>
+            <a:ext cx="12192000" cy="6858000"/>
+          </a:xfrm>
+          <a:prstGeom prst="rect">
+            <a:avLst/>
+          </a:prstGeom>
+          <a:ln>
+            <a:noFill/>
+          </a:ln>
+        </p:spPr>
+        <p:style>
+          <a:lnRef idx="2">
+            <a:schemeClr val="accent1">
+              <a:shade val="50000"/>
+            </a:schemeClr>
+          </a:lnRef>
+          <a:fillRef idx="1">
+            <a:schemeClr val="accent1"/>
+          </a:fillRef>
+          <a:effectRef idx="0">
+            <a:schemeClr val="accent1"/>
+          </a:effectRef>
+          <a:fontRef idx="minor">
+            <a:schemeClr val="lt1"/>
+          </a:fontRef>
+        </p:style>
+        <p:txBody>
+          <a:bodyPr rtlCol="0" anchor="ctr"/>
+          <a:lstStyle/>
+          <a:p>
+            <a:pPr algn="ctr"/>
+            <a:endParaRPr lang="en-US"/>
+          </a:p>
+        </p:txBody>
+      </p:sp>
+      <p:sp>
+        <p:nvSpPr>
+          <p:cNvPr id="2" name="Title 1">
+            <a:extLst>
+              <a:ext uri="{FF2B5EF4-FFF2-40B4-BE49-F238E27FC236}">
+                <a16:creationId xmlns:a16="http://schemas.microsoft.com/office/drawing/2014/main" id="{565DE6B2-5AC6-4C70-9F08-2A6D960838A3}"/>
+              </a:ext>
+            </a:extLst>
+          </p:cNvPr>
+          <p:cNvSpPr>
+            <a:spLocks noGrp="1"/>
+          </p:cNvSpPr>
+          <p:nvPr>
+            <p:ph type="title"/>
+          </p:nvPr>
+        </p:nvSpPr>
+        <p:spPr>
+          <a:xfrm>
+            <a:off x="1261872" y="365760"/>
+            <a:ext cx="4834128" cy="1325562"/>
+          </a:xfrm>
+        </p:spPr>
+        <p:txBody>
+          <a:bodyPr>
+            <a:normAutofit/>
+          </a:bodyPr>
+          <a:lstStyle/>
+          <a:p>
+            <a:r>
+              <a:rPr lang="en-US" dirty="0"/>
+              <a:t>Simple Approach</a:t>
+            </a:r>
+          </a:p>
+        </p:txBody>
+      </p:sp>
+      <p:sp>
+        <p:nvSpPr>
+          <p:cNvPr id="3" name="Content Placeholder 2">
+            <a:extLst>
+              <a:ext uri="{FF2B5EF4-FFF2-40B4-BE49-F238E27FC236}">
+                <a16:creationId xmlns:a16="http://schemas.microsoft.com/office/drawing/2014/main" id="{18ED27A9-7C5A-4401-ACBD-37470CB7427E}"/>
+              </a:ext>
+            </a:extLst>
+          </p:cNvPr>
+          <p:cNvSpPr>
+            <a:spLocks noGrp="1"/>
+          </p:cNvSpPr>
+          <p:nvPr>
+            <p:ph idx="1"/>
+          </p:nvPr>
+        </p:nvSpPr>
+        <p:spPr>
+          <a:xfrm>
+            <a:off x="1261872" y="2196981"/>
+            <a:ext cx="8595360" cy="2336800"/>
+          </a:xfrm>
+        </p:spPr>
+        <p:txBody>
+          <a:bodyPr>
+            <a:normAutofit/>
+          </a:bodyPr>
+          <a:lstStyle/>
+          <a:p>
+            <a:r>
+              <a:rPr lang="en-US" sz="2000" dirty="0"/>
+              <a:t>Only thing necessary to discretise is the Lévy flight operator</a:t>
+            </a:r>
+          </a:p>
+          <a:p>
+            <a:r>
+              <a:rPr lang="en-US" sz="2000" dirty="0"/>
+              <a:t>Select M vertices (where M is drawn from a Lévy distribution) and </a:t>
+            </a:r>
+            <a:r>
+              <a:rPr lang="en-US" sz="2000" dirty="0" err="1"/>
+              <a:t>recolour</a:t>
+            </a:r>
+            <a:r>
+              <a:rPr lang="en-US" sz="2000" dirty="0"/>
+              <a:t> them randomly</a:t>
+            </a:r>
+          </a:p>
+          <a:p>
+            <a:r>
+              <a:rPr lang="en-US" sz="2000" dirty="0"/>
+              <a:t>In practice, produces poor results</a:t>
+            </a:r>
+          </a:p>
+        </p:txBody>
+      </p:sp>
+      <p:sp>
+        <p:nvSpPr>
+          <p:cNvPr id="22" name="Rectangle 21">
+            <a:extLst>
+              <a:ext uri="{FF2B5EF4-FFF2-40B4-BE49-F238E27FC236}">
+                <a16:creationId xmlns:a16="http://schemas.microsoft.com/office/drawing/2014/main" id="{6B424749-EEE0-49C9-9ABF-97B171A3EA00}"/>
+              </a:ext>
+              <a:ext uri="{C183D7F6-B498-43B3-948B-1728B52AA6E4}">
+                <adec:decorative xmlns:adec="http://schemas.microsoft.com/office/drawing/2017/decorative" val="1"/>
+              </a:ext>
+            </a:extLst>
+          </p:cNvPr>
+          <p:cNvSpPr>
+            <a:spLocks noGrp="1" noRot="1" noChangeAspect="1" noMove="1" noResize="1" noEditPoints="1" noAdjustHandles="1" noChangeArrowheads="1" noChangeShapeType="1" noTextEdit="1"/>
+          </p:cNvSpPr>
+          <p:nvPr>
+            <p:extLst>
+              <p:ext uri="{386F3935-93C4-4BCD-93E2-E3B085C9AB24}">
+                <p16:designElem xmlns:p16="http://schemas.microsoft.com/office/powerpoint/2015/main" val="1"/>
+              </p:ext>
+            </p:extLst>
+          </p:nvPr>
+        </p:nvSpPr>
+        <p:spPr>
+          <a:xfrm>
+            <a:off x="11277600" y="0"/>
+            <a:ext cx="914400" cy="6858000"/>
+          </a:xfrm>
+          <a:prstGeom prst="rect">
+            <a:avLst/>
+          </a:prstGeom>
+          <a:solidFill>
+            <a:schemeClr val="tx2">
+              <a:lumMod val="75000"/>
+            </a:schemeClr>
+          </a:solidFill>
+          <a:ln>
+            <a:noFill/>
+          </a:ln>
+        </p:spPr>
+        <p:style>
+          <a:lnRef idx="2">
+            <a:schemeClr val="accent1">
+              <a:shade val="50000"/>
+            </a:schemeClr>
+          </a:lnRef>
+          <a:fillRef idx="1">
+            <a:schemeClr val="accent1"/>
+          </a:fillRef>
+          <a:effectRef idx="0">
+            <a:schemeClr val="accent1"/>
+          </a:effectRef>
+          <a:fontRef idx="minor">
+            <a:schemeClr val="lt1"/>
+          </a:fontRef>
+        </p:style>
+      </p:sp>
+      <p:pic>
+        <p:nvPicPr>
+          <p:cNvPr id="8" name="Picture 2" descr="Cuckoo migratory short-cut costs them dearly -">
+            <a:extLst>
+              <a:ext uri="{FF2B5EF4-FFF2-40B4-BE49-F238E27FC236}">
+                <a16:creationId xmlns:a16="http://schemas.microsoft.com/office/drawing/2014/main" id="{05A7128C-61A9-354B-A71A-17E09DC78EE2}"/>
+              </a:ext>
+            </a:extLst>
+          </p:cNvPr>
+          <p:cNvPicPr>
+            <a:picLocks noChangeAspect="1" noChangeArrowheads="1"/>
+          </p:cNvPicPr>
+          <p:nvPr/>
+        </p:nvPicPr>
+        <p:blipFill rotWithShape="1">
+          <a:blip r:embed="rId3">
+            <a:duotone>
+              <a:prstClr val="black"/>
+              <a:schemeClr val="tx2">
+                <a:tint val="45000"/>
+                <a:satMod val="400000"/>
+              </a:schemeClr>
+            </a:duotone>
+            <a:alphaModFix amt="85000"/>
+            <a:extLst>
+              <a:ext uri="{28A0092B-C50C-407E-A947-70E740481C1C}">
+                <a14:useLocalDpi xmlns:a14="http://schemas.microsoft.com/office/drawing/2010/main" val="0"/>
+              </a:ext>
+            </a:extLst>
+          </a:blip>
+          <a:srcRect b="7986"/>
+          <a:stretch/>
+        </p:blipFill>
+        <p:spPr bwMode="auto">
+          <a:xfrm>
+            <a:off x="6067408" y="3577772"/>
+            <a:ext cx="5051696" cy="3067837"/>
+          </a:xfrm>
+          <a:prstGeom prst="rect">
+            <a:avLst/>
+          </a:prstGeom>
+          <a:noFill/>
+          <a:extLst>
+            <a:ext uri="{909E8E84-426E-40DD-AFC4-6F175D3DCCD1}">
+              <a14:hiddenFill xmlns:a14="http://schemas.microsoft.com/office/drawing/2010/main">
+                <a:solidFill>
+                  <a:srgbClr val="FFFFFF"/>
+                </a:solidFill>
+              </a14:hiddenFill>
+            </a:ext>
+          </a:extLst>
+        </p:spPr>
+      </p:pic>
+    </p:spTree>
+    <p:extLst>
+      <p:ext uri="{BB962C8B-B14F-4D97-AF65-F5344CB8AC3E}">
+        <p14:creationId xmlns:p14="http://schemas.microsoft.com/office/powerpoint/2010/main" val="678330779"/>
+      </p:ext>
+    </p:extLst>
+  </p:cSld>
+  <p:clrMapOvr>
+    <a:overrideClrMapping bg1="dk1" tx1="lt1" bg2="dk2" tx2="lt2" accent1="accent1" accent2="accent2" accent3="accent3" accent4="accent4" accent5="accent5" accent6="accent6" hlink="hlink" folHlink="folHlink"/>
+  </p:clrMapOvr>
+</p:sld>
+</file>
+
+<file path=ppt/slides/slide16.xml><?xml version="1.0" encoding="utf-8"?>
+<p:sld xmlns:a="http://schemas.openxmlformats.org/drawingml/2006/main" xmlns:r="http://schemas.openxmlformats.org/officeDocument/2006/relationships" xmlns:p="http://schemas.openxmlformats.org/presentationml/2006/main">
+  <p:cSld>
+    <p:bg>
+      <p:bgPr>
+        <a:solidFill>
+          <a:schemeClr val="bg1">
+            <a:tint val="95000"/>
+            <a:satMod val="170000"/>
+          </a:schemeClr>
+        </a:solidFill>
+        <a:effectLst/>
+      </p:bgPr>
+    </p:bg>
+    <p:spTree>
+      <p:nvGrpSpPr>
+        <p:cNvPr id="1" name=""/>
+        <p:cNvGrpSpPr/>
+        <p:nvPr/>
+      </p:nvGrpSpPr>
+      <p:grpSpPr>
+        <a:xfrm>
+          <a:off x="0" y="0"/>
+          <a:ext cx="0" cy="0"/>
+          <a:chOff x="0" y="0"/>
+          <a:chExt cx="0" cy="0"/>
+        </a:xfrm>
+      </p:grpSpPr>
+      <p:sp useBgFill="1">
+        <p:nvSpPr>
+          <p:cNvPr id="76" name="Rectangle 75">
+            <a:extLst>
+              <a:ext uri="{FF2B5EF4-FFF2-40B4-BE49-F238E27FC236}">
+                <a16:creationId xmlns:a16="http://schemas.microsoft.com/office/drawing/2014/main" id="{5DB0431E-0B04-44A1-9C51-531E28D18A60}"/>
+              </a:ext>
+              <a:ext uri="{C183D7F6-B498-43B3-948B-1728B52AA6E4}">
+                <adec:decorative xmlns:adec="http://schemas.microsoft.com/office/drawing/2017/decorative" val="1"/>
+              </a:ext>
+            </a:extLst>
+          </p:cNvPr>
+          <p:cNvSpPr>
+            <a:spLocks noGrp="1" noRot="1" noChangeAspect="1" noMove="1" noResize="1" noEditPoints="1" noAdjustHandles="1" noChangeArrowheads="1" noChangeShapeType="1" noTextEdit="1"/>
+          </p:cNvSpPr>
+          <p:nvPr>
+            <p:extLst>
+              <p:ext uri="{386F3935-93C4-4BCD-93E2-E3B085C9AB24}">
+                <p16:designElem xmlns:p16="http://schemas.microsoft.com/office/powerpoint/2015/main" val="1"/>
+              </p:ext>
+            </p:extLst>
+          </p:nvPr>
+        </p:nvSpPr>
+        <p:spPr>
+          <a:xfrm>
+            <a:off x="0" y="0"/>
+            <a:ext cx="12192000" cy="6858000"/>
+          </a:xfrm>
+          <a:prstGeom prst="rect">
+            <a:avLst/>
+          </a:prstGeom>
+          <a:ln>
+            <a:noFill/>
+          </a:ln>
+        </p:spPr>
+        <p:style>
+          <a:lnRef idx="2">
+            <a:schemeClr val="accent1">
+              <a:shade val="50000"/>
+            </a:schemeClr>
+          </a:lnRef>
+          <a:fillRef idx="1">
+            <a:schemeClr val="accent1"/>
+          </a:fillRef>
+          <a:effectRef idx="0">
+            <a:schemeClr val="accent1"/>
+          </a:effectRef>
+          <a:fontRef idx="minor">
+            <a:schemeClr val="lt1"/>
+          </a:fontRef>
+        </p:style>
+        <p:txBody>
+          <a:bodyPr rtlCol="0" anchor="ctr"/>
+          <a:lstStyle/>
+          <a:p>
+            <a:pPr algn="ctr"/>
+            <a:endParaRPr lang="en-US"/>
+          </a:p>
+        </p:txBody>
+      </p:sp>
+      <p:sp>
+        <p:nvSpPr>
+          <p:cNvPr id="2" name="Title 1">
+            <a:extLst>
+              <a:ext uri="{FF2B5EF4-FFF2-40B4-BE49-F238E27FC236}">
+                <a16:creationId xmlns:a16="http://schemas.microsoft.com/office/drawing/2014/main" id="{565DE6B2-5AC6-4C70-9F08-2A6D960838A3}"/>
+              </a:ext>
+            </a:extLst>
+          </p:cNvPr>
+          <p:cNvSpPr>
+            <a:spLocks noGrp="1"/>
+          </p:cNvSpPr>
+          <p:nvPr>
+            <p:ph type="title"/>
+          </p:nvPr>
+        </p:nvSpPr>
+        <p:spPr>
+          <a:xfrm>
+            <a:off x="116114" y="467882"/>
+            <a:ext cx="11277600" cy="893036"/>
+          </a:xfrm>
+        </p:spPr>
+        <p:txBody>
+          <a:bodyPr>
+            <a:normAutofit/>
+          </a:bodyPr>
+          <a:lstStyle/>
+          <a:p>
+            <a:pPr algn="ctr"/>
+            <a:r>
+              <a:rPr lang="en-US" dirty="0"/>
+              <a:t>Ant Colony </a:t>
+            </a:r>
+            <a:r>
+              <a:rPr lang="en-US" dirty="0" err="1"/>
+              <a:t>Optimisation</a:t>
+            </a:r>
+            <a:r>
+              <a:rPr lang="en-US" dirty="0"/>
+              <a:t> Hybrid</a:t>
+            </a:r>
+          </a:p>
+        </p:txBody>
+      </p:sp>
+      <mc:AlternateContent xmlns:mc="http://schemas.openxmlformats.org/markup-compatibility/2006" xmlns:a14="http://schemas.microsoft.com/office/drawing/2010/main">
+        <mc:Choice Requires="a14">
+          <p:sp>
+            <p:nvSpPr>
+              <p:cNvPr id="3" name="Content Placeholder 2">
+                <a:extLst>
+                  <a:ext uri="{FF2B5EF4-FFF2-40B4-BE49-F238E27FC236}">
+                    <a16:creationId xmlns:a16="http://schemas.microsoft.com/office/drawing/2014/main" id="{18ED27A9-7C5A-4401-ACBD-37470CB7427E}"/>
+                  </a:ext>
+                </a:extLst>
+              </p:cNvPr>
+              <p:cNvSpPr>
+                <a:spLocks noGrp="1"/>
+              </p:cNvSpPr>
+              <p:nvPr>
+                <p:ph idx="1"/>
+              </p:nvPr>
+            </p:nvSpPr>
+            <p:spPr>
+              <a:xfrm>
+                <a:off x="1261872" y="1828800"/>
+                <a:ext cx="8595360" cy="4561318"/>
+              </a:xfrm>
+            </p:spPr>
+            <p:txBody>
+              <a:bodyPr>
+                <a:normAutofit/>
+              </a:bodyPr>
+              <a:lstStyle/>
+              <a:p>
+                <a:r>
+                  <a:rPr lang="en-US" sz="2000" dirty="0"/>
+                  <a:t>A weighted Pheromone Graph </a:t>
+                </a:r>
+                <a14:m>
+                  <m:oMath xmlns:m="http://schemas.openxmlformats.org/officeDocument/2006/math">
+                    <m:r>
+                      <a:rPr lang="en-US" sz="2000" i="1">
+                        <a:latin typeface="Cambria Math" panose="02040503050406030204" pitchFamily="18" charset="0"/>
+                        <a:ea typeface="Cambria Math" panose="02040503050406030204" pitchFamily="18" charset="0"/>
+                      </a:rPr>
+                      <m:t>𝜏</m:t>
+                    </m:r>
+                  </m:oMath>
+                </a14:m>
+                <a:r>
+                  <a:rPr lang="en-US" sz="2000" dirty="0"/>
+                  <a:t> is used to store the value of selecting one vertex from another</a:t>
+                </a:r>
+              </a:p>
+              <a:p>
+                <a:r>
+                  <a:rPr lang="en-US" sz="2000" dirty="0"/>
+                  <a:t>Lévy flights:</a:t>
+                </a:r>
+              </a:p>
+              <a:p>
+                <a:pPr lvl="1"/>
+                <a:r>
+                  <a:rPr lang="en-US" sz="2000" dirty="0"/>
+                  <a:t>Generate a number M. Beginning from the vertex with highest degree, iteratively select M vertices with probability according to their weight</a:t>
+                </a:r>
+              </a:p>
+              <a:p>
+                <a:pPr lvl="1"/>
+                <a:r>
+                  <a:rPr lang="en-US" sz="2000" dirty="0"/>
+                  <a:t>A vertex’s weight is the product of its heuristic value and the pheromone weight when moving from the current vertex</a:t>
+                </a:r>
+              </a:p>
+              <a:p>
+                <a:r>
+                  <a:rPr lang="en-US" sz="2000" dirty="0"/>
+                  <a:t>After performing a Lévy flight, </a:t>
+                </a:r>
+                <a14:m>
+                  <m:oMath xmlns:m="http://schemas.openxmlformats.org/officeDocument/2006/math">
+                    <m:r>
+                      <a:rPr lang="en-US" sz="2000" i="1">
+                        <a:latin typeface="Cambria Math" panose="02040503050406030204" pitchFamily="18" charset="0"/>
+                        <a:ea typeface="Cambria Math" panose="02040503050406030204" pitchFamily="18" charset="0"/>
+                      </a:rPr>
+                      <m:t>𝜏</m:t>
+                    </m:r>
+                  </m:oMath>
+                </a14:m>
+                <a:r>
+                  <a:rPr lang="en-US" sz="2000" dirty="0"/>
+                  <a:t> is updated so more weight is given to paths that created better solutions</a:t>
+                </a:r>
+              </a:p>
+              <a:p>
+                <a:r>
+                  <a:rPr lang="en-US" sz="2000" dirty="0"/>
+                  <a:t>Takes into account heuristic information while also learning from previous iterations and maintaining a degree of randomness</a:t>
+                </a:r>
+              </a:p>
+            </p:txBody>
+          </p:sp>
+        </mc:Choice>
+        <mc:Fallback xmlns="">
+          <p:sp>
+            <p:nvSpPr>
+              <p:cNvPr id="3" name="Content Placeholder 2">
+                <a:extLst>
+                  <a:ext uri="{FF2B5EF4-FFF2-40B4-BE49-F238E27FC236}">
+                    <a16:creationId xmlns:a16="http://schemas.microsoft.com/office/drawing/2014/main" id="{18ED27A9-7C5A-4401-ACBD-37470CB7427E}"/>
+                  </a:ext>
+                </a:extLst>
+              </p:cNvPr>
+              <p:cNvSpPr>
+                <a:spLocks noGrp="1" noRot="1" noChangeAspect="1" noMove="1" noResize="1" noEditPoints="1" noAdjustHandles="1" noChangeArrowheads="1" noChangeShapeType="1" noTextEdit="1"/>
+              </p:cNvSpPr>
+              <p:nvPr>
+                <p:ph idx="1"/>
+              </p:nvPr>
+            </p:nvSpPr>
+            <p:spPr>
+              <a:xfrm>
+                <a:off x="1261872" y="1828800"/>
+                <a:ext cx="8595360" cy="4561318"/>
+              </a:xfrm>
+              <a:blipFill>
+                <a:blip r:embed="rId3"/>
+                <a:stretch>
+                  <a:fillRect l="-295" t="-1389" r="-1032"/>
+                </a:stretch>
+              </a:blipFill>
+            </p:spPr>
+            <p:txBody>
+              <a:bodyPr/>
+              <a:lstStyle/>
+              <a:p>
+                <a:r>
+                  <a:rPr lang="en-US">
+                    <a:noFill/>
+                  </a:rPr>
+                  <a:t> </a:t>
+                </a:r>
+              </a:p>
+            </p:txBody>
+          </p:sp>
+        </mc:Fallback>
+      </mc:AlternateContent>
+      <p:sp>
+        <p:nvSpPr>
+          <p:cNvPr id="78" name="Rectangle 77">
+            <a:extLst>
+              <a:ext uri="{FF2B5EF4-FFF2-40B4-BE49-F238E27FC236}">
+                <a16:creationId xmlns:a16="http://schemas.microsoft.com/office/drawing/2014/main" id="{6B424749-EEE0-49C9-9ABF-97B171A3EA00}"/>
+              </a:ext>
+              <a:ext uri="{C183D7F6-B498-43B3-948B-1728B52AA6E4}">
+                <adec:decorative xmlns:adec="http://schemas.microsoft.com/office/drawing/2017/decorative" val="1"/>
+              </a:ext>
+            </a:extLst>
+          </p:cNvPr>
+          <p:cNvSpPr>
+            <a:spLocks noGrp="1" noRot="1" noChangeAspect="1" noMove="1" noResize="1" noEditPoints="1" noAdjustHandles="1" noChangeArrowheads="1" noChangeShapeType="1" noTextEdit="1"/>
+          </p:cNvSpPr>
+          <p:nvPr>
+            <p:extLst>
+              <p:ext uri="{386F3935-93C4-4BCD-93E2-E3B085C9AB24}">
+                <p16:designElem xmlns:p16="http://schemas.microsoft.com/office/powerpoint/2015/main" val="1"/>
+              </p:ext>
+            </p:extLst>
+          </p:nvPr>
+        </p:nvSpPr>
+        <p:spPr>
+          <a:xfrm>
+            <a:off x="11277600" y="0"/>
+            <a:ext cx="914400" cy="6858000"/>
+          </a:xfrm>
+          <a:prstGeom prst="rect">
+            <a:avLst/>
+          </a:prstGeom>
+          <a:solidFill>
+            <a:schemeClr val="tx2">
+              <a:lumMod val="75000"/>
+            </a:schemeClr>
+          </a:solidFill>
+          <a:ln>
+            <a:noFill/>
+          </a:ln>
+        </p:spPr>
+        <p:style>
+          <a:lnRef idx="2">
+            <a:schemeClr val="accent1">
+              <a:shade val="50000"/>
+            </a:schemeClr>
+          </a:lnRef>
+          <a:fillRef idx="1">
+            <a:schemeClr val="accent1"/>
+          </a:fillRef>
+          <a:effectRef idx="0">
+            <a:schemeClr val="accent1"/>
+          </a:effectRef>
+          <a:fontRef idx="minor">
+            <a:schemeClr val="lt1"/>
+          </a:fontRef>
+        </p:style>
+      </p:sp>
+    </p:spTree>
+    <p:extLst>
+      <p:ext uri="{BB962C8B-B14F-4D97-AF65-F5344CB8AC3E}">
+        <p14:creationId xmlns:p14="http://schemas.microsoft.com/office/powerpoint/2010/main" val="3451720746"/>
+      </p:ext>
+    </p:extLst>
+  </p:cSld>
+  <p:clrMapOvr>
+    <a:overrideClrMapping bg1="dk1" tx1="lt1" bg2="dk2" tx2="lt2" accent1="accent1" accent2="accent2" accent3="accent3" accent4="accent4" accent5="accent5" accent6="accent6" hlink="hlink" folHlink="folHlink"/>
+  </p:clrMapOvr>
+</p:sld>
+</file>
+
+<file path=ppt/slides/slide17.xml><?xml version="1.0" encoding="utf-8"?>
+<p:sld xmlns:a="http://schemas.openxmlformats.org/drawingml/2006/main" xmlns:r="http://schemas.openxmlformats.org/officeDocument/2006/relationships" xmlns:p="http://schemas.openxmlformats.org/presentationml/2006/main">
+  <p:cSld>
+    <p:bg>
+      <p:bgPr>
+        <a:solidFill>
+          <a:schemeClr val="bg1">
+            <a:tint val="95000"/>
+            <a:satMod val="170000"/>
+          </a:schemeClr>
+        </a:solidFill>
+        <a:effectLst/>
+      </p:bgPr>
+    </p:bg>
+    <p:spTree>
+      <p:nvGrpSpPr>
+        <p:cNvPr id="1" name=""/>
+        <p:cNvGrpSpPr/>
+        <p:nvPr/>
+      </p:nvGrpSpPr>
+      <p:grpSpPr>
+        <a:xfrm>
+          <a:off x="0" y="0"/>
+          <a:ext cx="0" cy="0"/>
+          <a:chOff x="0" y="0"/>
+          <a:chExt cx="0" cy="0"/>
+        </a:xfrm>
+      </p:grpSpPr>
+      <p:sp useBgFill="1">
+        <p:nvSpPr>
+          <p:cNvPr id="14" name="Rectangle 7">
+            <a:extLst>
+              <a:ext uri="{FF2B5EF4-FFF2-40B4-BE49-F238E27FC236}">
+                <a16:creationId xmlns:a16="http://schemas.microsoft.com/office/drawing/2014/main" id="{5DB0431E-0B04-44A1-9C51-531E28D18A60}"/>
+              </a:ext>
+              <a:ext uri="{C183D7F6-B498-43B3-948B-1728B52AA6E4}">
+                <adec:decorative xmlns:adec="http://schemas.microsoft.com/office/drawing/2017/decorative" val="1"/>
+              </a:ext>
+            </a:extLst>
+          </p:cNvPr>
+          <p:cNvSpPr>
+            <a:spLocks noGrp="1" noRot="1" noChangeAspect="1" noMove="1" noResize="1" noEditPoints="1" noAdjustHandles="1" noChangeArrowheads="1" noChangeShapeType="1" noTextEdit="1"/>
+          </p:cNvSpPr>
+          <p:nvPr>
+            <p:extLst>
+              <p:ext uri="{386F3935-93C4-4BCD-93E2-E3B085C9AB24}">
+                <p16:designElem xmlns:p16="http://schemas.microsoft.com/office/powerpoint/2015/main" val="1"/>
+              </p:ext>
+            </p:extLst>
+          </p:nvPr>
+        </p:nvSpPr>
+        <p:spPr>
+          <a:xfrm>
+            <a:off x="0" y="0"/>
+            <a:ext cx="12192000" cy="6858000"/>
+          </a:xfrm>
+          <a:prstGeom prst="rect">
+            <a:avLst/>
+          </a:prstGeom>
+          <a:ln>
+            <a:noFill/>
+          </a:ln>
+        </p:spPr>
+        <p:style>
+          <a:lnRef idx="2">
+            <a:schemeClr val="accent1">
+              <a:shade val="50000"/>
+            </a:schemeClr>
+          </a:lnRef>
+          <a:fillRef idx="1">
+            <a:schemeClr val="accent1"/>
+          </a:fillRef>
+          <a:effectRef idx="0">
+            <a:schemeClr val="accent1"/>
+          </a:effectRef>
+          <a:fontRef idx="minor">
+            <a:schemeClr val="lt1"/>
+          </a:fontRef>
+        </p:style>
+        <p:txBody>
+          <a:bodyPr rtlCol="0" anchor="ctr"/>
+          <a:lstStyle/>
+          <a:p>
+            <a:pPr algn="ctr"/>
+            <a:endParaRPr lang="en-US"/>
+          </a:p>
+        </p:txBody>
+      </p:sp>
+      <p:sp>
+        <p:nvSpPr>
+          <p:cNvPr id="2" name="Title 1">
+            <a:extLst>
+              <a:ext uri="{FF2B5EF4-FFF2-40B4-BE49-F238E27FC236}">
+                <a16:creationId xmlns:a16="http://schemas.microsoft.com/office/drawing/2014/main" id="{565DE6B2-5AC6-4C70-9F08-2A6D960838A3}"/>
+              </a:ext>
+            </a:extLst>
+          </p:cNvPr>
+          <p:cNvSpPr>
+            <a:spLocks noGrp="1"/>
+          </p:cNvSpPr>
+          <p:nvPr>
+            <p:ph type="title"/>
+          </p:nvPr>
+        </p:nvSpPr>
+        <p:spPr>
+          <a:xfrm>
+            <a:off x="1189301" y="480013"/>
+            <a:ext cx="5748528" cy="980122"/>
+          </a:xfrm>
+        </p:spPr>
+        <p:txBody>
+          <a:bodyPr>
+            <a:normAutofit/>
+          </a:bodyPr>
+          <a:lstStyle/>
+          <a:p>
+            <a:r>
+              <a:rPr lang="en-US" dirty="0"/>
+              <a:t>Preliminary Results</a:t>
+            </a:r>
+          </a:p>
+        </p:txBody>
+      </p:sp>
+      <p:sp>
+        <p:nvSpPr>
+          <p:cNvPr id="15" name="Rectangle 9">
+            <a:extLst>
+              <a:ext uri="{FF2B5EF4-FFF2-40B4-BE49-F238E27FC236}">
+                <a16:creationId xmlns:a16="http://schemas.microsoft.com/office/drawing/2014/main" id="{6B424749-EEE0-49C9-9ABF-97B171A3EA00}"/>
+              </a:ext>
+              <a:ext uri="{C183D7F6-B498-43B3-948B-1728B52AA6E4}">
+                <adec:decorative xmlns:adec="http://schemas.microsoft.com/office/drawing/2017/decorative" val="1"/>
+              </a:ext>
+            </a:extLst>
+          </p:cNvPr>
+          <p:cNvSpPr>
+            <a:spLocks noGrp="1" noRot="1" noChangeAspect="1" noMove="1" noResize="1" noEditPoints="1" noAdjustHandles="1" noChangeArrowheads="1" noChangeShapeType="1" noTextEdit="1"/>
+          </p:cNvSpPr>
+          <p:nvPr>
+            <p:extLst>
+              <p:ext uri="{386F3935-93C4-4BCD-93E2-E3B085C9AB24}">
+                <p16:designElem xmlns:p16="http://schemas.microsoft.com/office/powerpoint/2015/main" val="1"/>
+              </p:ext>
+            </p:extLst>
+          </p:nvPr>
+        </p:nvSpPr>
+        <p:spPr>
+          <a:xfrm>
+            <a:off x="11277600" y="0"/>
+            <a:ext cx="914400" cy="6858000"/>
+          </a:xfrm>
+          <a:prstGeom prst="rect">
+            <a:avLst/>
+          </a:prstGeom>
+          <a:solidFill>
+            <a:schemeClr val="tx2">
+              <a:lumMod val="75000"/>
+            </a:schemeClr>
+          </a:solidFill>
+          <a:ln>
+            <a:noFill/>
+          </a:ln>
+        </p:spPr>
+        <p:style>
+          <a:lnRef idx="2">
+            <a:schemeClr val="accent1">
+              <a:shade val="50000"/>
+            </a:schemeClr>
+          </a:lnRef>
+          <a:fillRef idx="1">
+            <a:schemeClr val="accent1"/>
+          </a:fillRef>
+          <a:effectRef idx="0">
+            <a:schemeClr val="accent1"/>
+          </a:effectRef>
+          <a:fontRef idx="minor">
+            <a:schemeClr val="lt1"/>
+          </a:fontRef>
+        </p:style>
+      </p:sp>
+      <p:graphicFrame>
+        <p:nvGraphicFramePr>
+          <p:cNvPr id="5" name="Table 5">
+            <a:extLst>
+              <a:ext uri="{FF2B5EF4-FFF2-40B4-BE49-F238E27FC236}">
+                <a16:creationId xmlns:a16="http://schemas.microsoft.com/office/drawing/2014/main" id="{2995FB61-491B-4C30-AF9C-DC47E108D63B}"/>
+              </a:ext>
+            </a:extLst>
+          </p:cNvPr>
+          <p:cNvGraphicFramePr>
+            <a:graphicFrameLocks noGrp="1"/>
+          </p:cNvGraphicFramePr>
+          <p:nvPr>
+            <p:extLst>
+              <p:ext uri="{D42A27DB-BD31-4B8C-83A1-F6EECF244321}">
+                <p14:modId xmlns:p14="http://schemas.microsoft.com/office/powerpoint/2010/main" val="2826279499"/>
+              </p:ext>
+            </p:extLst>
+          </p:nvPr>
+        </p:nvGraphicFramePr>
+        <p:xfrm>
+          <a:off x="1328057" y="2543903"/>
+          <a:ext cx="8128000" cy="3169920"/>
+        </p:xfrm>
+        <a:graphic>
+          <a:graphicData uri="http://schemas.openxmlformats.org/drawingml/2006/table">
+            <a:tbl>
+              <a:tblPr firstRow="1" bandRow="1">
+                <a:tableStyleId>{5C22544A-7EE6-4342-B048-85BDC9FD1C3A}</a:tableStyleId>
+              </a:tblPr>
+              <a:tblGrid>
+                <a:gridCol w="4064000">
+                  <a:extLst>
+                    <a:ext uri="{9D8B030D-6E8A-4147-A177-3AD203B41FA5}">
+                      <a16:colId xmlns:a16="http://schemas.microsoft.com/office/drawing/2014/main" val="2712318329"/>
+                    </a:ext>
+                  </a:extLst>
+                </a:gridCol>
+                <a:gridCol w="4064000">
+                  <a:extLst>
+                    <a:ext uri="{9D8B030D-6E8A-4147-A177-3AD203B41FA5}">
+                      <a16:colId xmlns:a16="http://schemas.microsoft.com/office/drawing/2014/main" val="222711"/>
+                    </a:ext>
+                  </a:extLst>
+                </a:gridCol>
+              </a:tblGrid>
+              <a:tr h="370840">
+                <a:tc>
+                  <a:txBody>
+                    <a:bodyPr/>
+                    <a:lstStyle/>
+                    <a:p>
+                      <a:r>
+                        <a:rPr lang="en-US" sz="2000" dirty="0"/>
+                        <a:t>Algorithm</a:t>
+                      </a:r>
+                    </a:p>
+                  </a:txBody>
+                  <a:tcPr/>
+                </a:tc>
+                <a:tc>
+                  <a:txBody>
+                    <a:bodyPr/>
+                    <a:lstStyle/>
+                    <a:p>
+                      <a:r>
+                        <a:rPr lang="en-US" sz="2000" dirty="0"/>
+                        <a:t>Number of Colours</a:t>
+                      </a:r>
+                    </a:p>
+                  </a:txBody>
+                  <a:tcPr/>
+                </a:tc>
+                <a:extLst>
+                  <a:ext uri="{0D108BD9-81ED-4DB2-BD59-A6C34878D82A}">
+                    <a16:rowId xmlns:a16="http://schemas.microsoft.com/office/drawing/2014/main" val="428780276"/>
+                  </a:ext>
+                </a:extLst>
+              </a:tr>
+              <a:tr h="370840">
+                <a:tc>
+                  <a:txBody>
+                    <a:bodyPr/>
+                    <a:lstStyle/>
+                    <a:p>
+                      <a:r>
+                        <a:rPr lang="en-US" sz="2000" dirty="0"/>
+                        <a:t>CSACO</a:t>
+                      </a:r>
+                    </a:p>
+                  </a:txBody>
+                  <a:tcPr>
+                    <a:solidFill>
+                      <a:srgbClr val="FFC000"/>
+                    </a:solidFill>
+                  </a:tcPr>
+                </a:tc>
+                <a:tc>
+                  <a:txBody>
+                    <a:bodyPr/>
+                    <a:lstStyle/>
+                    <a:p>
+                      <a:r>
+                        <a:rPr lang="en-US" sz="2000" dirty="0"/>
+                        <a:t>32</a:t>
+                      </a:r>
+                    </a:p>
+                  </a:txBody>
+                  <a:tcPr>
+                    <a:solidFill>
+                      <a:srgbClr val="FFC000"/>
+                    </a:solidFill>
+                  </a:tcPr>
+                </a:tc>
+                <a:extLst>
+                  <a:ext uri="{0D108BD9-81ED-4DB2-BD59-A6C34878D82A}">
+                    <a16:rowId xmlns:a16="http://schemas.microsoft.com/office/drawing/2014/main" val="88201004"/>
+                  </a:ext>
+                </a:extLst>
+              </a:tr>
+              <a:tr h="370840">
+                <a:tc>
+                  <a:txBody>
+                    <a:bodyPr/>
+                    <a:lstStyle/>
+                    <a:p>
+                      <a:r>
+                        <a:rPr lang="en-US" sz="2000" dirty="0"/>
+                        <a:t>TABUCOL</a:t>
+                      </a:r>
+                    </a:p>
+                  </a:txBody>
+                  <a:tcPr/>
+                </a:tc>
+                <a:tc>
+                  <a:txBody>
+                    <a:bodyPr/>
+                    <a:lstStyle/>
+                    <a:p>
+                      <a:r>
+                        <a:rPr lang="en-US" sz="2000" dirty="0"/>
+                        <a:t>35</a:t>
+                      </a:r>
+                    </a:p>
+                  </a:txBody>
+                  <a:tcPr/>
+                </a:tc>
+                <a:extLst>
+                  <a:ext uri="{0D108BD9-81ED-4DB2-BD59-A6C34878D82A}">
+                    <a16:rowId xmlns:a16="http://schemas.microsoft.com/office/drawing/2014/main" val="2142817177"/>
+                  </a:ext>
+                </a:extLst>
+              </a:tr>
+              <a:tr h="370840">
+                <a:tc>
+                  <a:txBody>
+                    <a:bodyPr/>
+                    <a:lstStyle/>
+                    <a:p>
+                      <a:r>
+                        <a:rPr lang="en-US" sz="2000" dirty="0"/>
+                        <a:t>COA</a:t>
+                      </a:r>
+                    </a:p>
+                  </a:txBody>
+                  <a:tcPr>
+                    <a:solidFill>
+                      <a:srgbClr val="FFC000"/>
+                    </a:solidFill>
+                  </a:tcPr>
+                </a:tc>
+                <a:tc>
+                  <a:txBody>
+                    <a:bodyPr/>
+                    <a:lstStyle/>
+                    <a:p>
+                      <a:r>
+                        <a:rPr lang="en-US" sz="2000" dirty="0"/>
+                        <a:t>37</a:t>
+                      </a:r>
+                    </a:p>
+                  </a:txBody>
+                  <a:tcPr>
+                    <a:solidFill>
+                      <a:srgbClr val="FFC000"/>
+                    </a:solidFill>
+                  </a:tcPr>
+                </a:tc>
+                <a:extLst>
+                  <a:ext uri="{0D108BD9-81ED-4DB2-BD59-A6C34878D82A}">
+                    <a16:rowId xmlns:a16="http://schemas.microsoft.com/office/drawing/2014/main" val="2146664271"/>
+                  </a:ext>
+                </a:extLst>
+              </a:tr>
+              <a:tr h="370840">
+                <a:tc>
+                  <a:txBody>
+                    <a:bodyPr/>
+                    <a:lstStyle/>
+                    <a:p>
+                      <a:r>
+                        <a:rPr lang="en-US" sz="2000" dirty="0"/>
+                        <a:t>ACO</a:t>
+                      </a:r>
+                    </a:p>
+                  </a:txBody>
+                  <a:tcPr/>
+                </a:tc>
+                <a:tc>
+                  <a:txBody>
+                    <a:bodyPr/>
+                    <a:lstStyle/>
+                    <a:p>
+                      <a:r>
+                        <a:rPr lang="en-US" sz="2000" dirty="0"/>
+                        <a:t>39</a:t>
+                      </a:r>
+                    </a:p>
+                  </a:txBody>
+                  <a:tcPr/>
+                </a:tc>
+                <a:extLst>
+                  <a:ext uri="{0D108BD9-81ED-4DB2-BD59-A6C34878D82A}">
+                    <a16:rowId xmlns:a16="http://schemas.microsoft.com/office/drawing/2014/main" val="1255556595"/>
+                  </a:ext>
+                </a:extLst>
+              </a:tr>
+              <a:tr h="370840">
+                <a:tc>
+                  <a:txBody>
+                    <a:bodyPr/>
+                    <a:lstStyle/>
+                    <a:p>
+                      <a:r>
+                        <a:rPr lang="en-US" sz="2000" dirty="0"/>
+                        <a:t>SA</a:t>
+                      </a:r>
+                    </a:p>
+                  </a:txBody>
+                  <a:tcPr/>
+                </a:tc>
+                <a:tc>
+                  <a:txBody>
+                    <a:bodyPr/>
+                    <a:lstStyle/>
+                    <a:p>
+                      <a:r>
+                        <a:rPr lang="en-US" sz="2000" dirty="0"/>
+                        <a:t>42</a:t>
+                      </a:r>
+                    </a:p>
+                  </a:txBody>
+                  <a:tcPr/>
+                </a:tc>
+                <a:extLst>
+                  <a:ext uri="{0D108BD9-81ED-4DB2-BD59-A6C34878D82A}">
+                    <a16:rowId xmlns:a16="http://schemas.microsoft.com/office/drawing/2014/main" val="3394008471"/>
+                  </a:ext>
+                </a:extLst>
+              </a:tr>
+              <a:tr h="370840">
+                <a:tc>
+                  <a:txBody>
+                    <a:bodyPr/>
+                    <a:lstStyle/>
+                    <a:p>
+                      <a:r>
+                        <a:rPr lang="en-US" sz="2000" dirty="0"/>
+                        <a:t>GA (with GPX)</a:t>
+                      </a:r>
+                    </a:p>
+                  </a:txBody>
+                  <a:tcPr/>
+                </a:tc>
+                <a:tc>
+                  <a:txBody>
+                    <a:bodyPr/>
+                    <a:lstStyle/>
+                    <a:p>
+                      <a:r>
+                        <a:rPr lang="en-US" sz="2000" dirty="0"/>
+                        <a:t>44</a:t>
+                      </a:r>
+                    </a:p>
+                  </a:txBody>
+                  <a:tcPr/>
+                </a:tc>
+                <a:extLst>
+                  <a:ext uri="{0D108BD9-81ED-4DB2-BD59-A6C34878D82A}">
+                    <a16:rowId xmlns:a16="http://schemas.microsoft.com/office/drawing/2014/main" val="3219219174"/>
+                  </a:ext>
+                </a:extLst>
+              </a:tr>
+              <a:tr h="370840">
+                <a:tc>
+                  <a:txBody>
+                    <a:bodyPr/>
+                    <a:lstStyle/>
+                    <a:p>
+                      <a:r>
+                        <a:rPr lang="en-US" sz="2000" dirty="0"/>
+                        <a:t>PSO</a:t>
+                      </a:r>
+                    </a:p>
+                  </a:txBody>
+                  <a:tcPr/>
+                </a:tc>
+                <a:tc>
+                  <a:txBody>
+                    <a:bodyPr/>
+                    <a:lstStyle/>
+                    <a:p>
+                      <a:r>
+                        <a:rPr lang="en-US" sz="2000" dirty="0"/>
+                        <a:t>44</a:t>
+                      </a:r>
+                    </a:p>
+                  </a:txBody>
+                  <a:tcPr/>
+                </a:tc>
+                <a:extLst>
+                  <a:ext uri="{0D108BD9-81ED-4DB2-BD59-A6C34878D82A}">
+                    <a16:rowId xmlns:a16="http://schemas.microsoft.com/office/drawing/2014/main" val="1876939863"/>
+                  </a:ext>
+                </a:extLst>
+              </a:tr>
+            </a:tbl>
+          </a:graphicData>
+        </a:graphic>
+      </p:graphicFrame>
+      <p:sp>
+        <p:nvSpPr>
+          <p:cNvPr id="3" name="TextBox 2">
+            <a:extLst>
+              <a:ext uri="{FF2B5EF4-FFF2-40B4-BE49-F238E27FC236}">
+                <a16:creationId xmlns:a16="http://schemas.microsoft.com/office/drawing/2014/main" id="{E601F6B3-74C5-4772-BF82-099E85151030}"/>
+              </a:ext>
+            </a:extLst>
+          </p:cNvPr>
+          <p:cNvSpPr txBox="1"/>
+          <p:nvPr/>
+        </p:nvSpPr>
+        <p:spPr>
+          <a:xfrm>
+            <a:off x="1189301" y="1575409"/>
+            <a:ext cx="8128000" cy="707886"/>
+          </a:xfrm>
+          <a:prstGeom prst="rect">
+            <a:avLst/>
+          </a:prstGeom>
+          <a:noFill/>
+        </p:spPr>
+        <p:txBody>
+          <a:bodyPr wrap="square" rtlCol="0">
+            <a:spAutoFit/>
+          </a:bodyPr>
+          <a:lstStyle/>
+          <a:p>
+            <a:r>
+              <a:rPr lang="en-US" sz="2000" dirty="0"/>
+              <a:t>Running Algorithms for 15 minutes</a:t>
+            </a:r>
+          </a:p>
+          <a:p>
+            <a:r>
+              <a:rPr lang="en-US" sz="2000" dirty="0"/>
+              <a:t>Graph dsjc250.5:|V| = 250, |E| = 15681, Best known k = 28</a:t>
+            </a:r>
+          </a:p>
+        </p:txBody>
+      </p:sp>
+      <p:sp>
+        <p:nvSpPr>
+          <p:cNvPr id="7" name="TextBox 6">
+            <a:extLst>
+              <a:ext uri="{FF2B5EF4-FFF2-40B4-BE49-F238E27FC236}">
+                <a16:creationId xmlns:a16="http://schemas.microsoft.com/office/drawing/2014/main" id="{0A328CCA-D93A-4429-92FD-E9DD74B4526F}"/>
+              </a:ext>
+            </a:extLst>
+          </p:cNvPr>
+          <p:cNvSpPr txBox="1"/>
+          <p:nvPr/>
+        </p:nvSpPr>
+        <p:spPr>
+          <a:xfrm>
+            <a:off x="1574800" y="5890581"/>
+            <a:ext cx="8128000" cy="307777"/>
+          </a:xfrm>
+          <a:prstGeom prst="rect">
+            <a:avLst/>
+          </a:prstGeom>
+          <a:noFill/>
+        </p:spPr>
+        <p:txBody>
+          <a:bodyPr wrap="square" rtlCol="0">
+            <a:spAutoFit/>
+          </a:bodyPr>
+          <a:lstStyle/>
+          <a:p>
+            <a:r>
+              <a:rPr lang="en-US" sz="1400" dirty="0"/>
+              <a:t>      = My Algorithm</a:t>
+            </a:r>
+          </a:p>
+        </p:txBody>
+      </p:sp>
+      <p:sp>
+        <p:nvSpPr>
+          <p:cNvPr id="4" name="Rectangle 3">
+            <a:extLst>
+              <a:ext uri="{FF2B5EF4-FFF2-40B4-BE49-F238E27FC236}">
+                <a16:creationId xmlns:a16="http://schemas.microsoft.com/office/drawing/2014/main" id="{AA6CE6C1-418E-4270-ABA9-5064B7F88373}"/>
+              </a:ext>
+            </a:extLst>
+          </p:cNvPr>
+          <p:cNvSpPr>
+            <a:spLocks noChangeAspect="1"/>
+          </p:cNvSpPr>
+          <p:nvPr/>
+        </p:nvSpPr>
+        <p:spPr>
+          <a:xfrm>
+            <a:off x="1574800" y="5874358"/>
+            <a:ext cx="324000" cy="324000"/>
+          </a:xfrm>
+          <a:prstGeom prst="rect">
+            <a:avLst/>
+          </a:prstGeom>
+          <a:solidFill>
+            <a:srgbClr val="FFC000"/>
+          </a:solidFill>
+          <a:ln>
+            <a:noFill/>
+          </a:ln>
+        </p:spPr>
+        <p:style>
+          <a:lnRef idx="2">
+            <a:schemeClr val="accent1">
+              <a:shade val="50000"/>
+            </a:schemeClr>
+          </a:lnRef>
+          <a:fillRef idx="1">
+            <a:schemeClr val="accent1"/>
+          </a:fillRef>
+          <a:effectRef idx="0">
+            <a:schemeClr val="accent1"/>
+          </a:effectRef>
+          <a:fontRef idx="minor">
+            <a:schemeClr val="lt1"/>
+          </a:fontRef>
+        </p:style>
+        <p:txBody>
+          <a:bodyPr rtlCol="0" anchor="ctr"/>
+          <a:lstStyle/>
+          <a:p>
+            <a:pPr algn="ctr"/>
+            <a:endParaRPr lang="en-US"/>
+          </a:p>
+        </p:txBody>
+      </p:sp>
+    </p:spTree>
+    <p:extLst>
+      <p:ext uri="{BB962C8B-B14F-4D97-AF65-F5344CB8AC3E}">
+        <p14:creationId xmlns:p14="http://schemas.microsoft.com/office/powerpoint/2010/main" val="2715916359"/>
+      </p:ext>
+    </p:extLst>
+  </p:cSld>
+  <p:clrMapOvr>
+    <a:overrideClrMapping bg1="dk1" tx1="lt1" bg2="dk2" tx2="lt2" accent1="accent1" accent2="accent2" accent3="accent3" accent4="accent4" accent5="accent5" accent6="accent6" hlink="hlink" folHlink="folHlink"/>
+  </p:clrMapOvr>
+</p:sld>
+</file>
+
+<file path=ppt/slides/slide2.xml><?xml version="1.0" encoding="utf-8"?>
+<p:sld xmlns:a="http://schemas.openxmlformats.org/drawingml/2006/main" xmlns:r="http://schemas.openxmlformats.org/officeDocument/2006/relationships" xmlns:p="http://schemas.openxmlformats.org/presentationml/2006/main">
+  <p:cSld>
+    <p:bg>
+      <p:bgPr>
+        <a:solidFill>
+          <a:schemeClr val="bg1">
+            <a:tint val="95000"/>
+            <a:satMod val="170000"/>
+          </a:schemeClr>
+        </a:solidFill>
+        <a:effectLst/>
+      </p:bgPr>
+    </p:bg>
+    <p:spTree>
+      <p:nvGrpSpPr>
+        <p:cNvPr id="1" name=""/>
+        <p:cNvGrpSpPr/>
+        <p:nvPr/>
+      </p:nvGrpSpPr>
+      <p:grpSpPr>
+        <a:xfrm>
+          <a:off x="0" y="0"/>
+          <a:ext cx="0" cy="0"/>
+          <a:chOff x="0" y="0"/>
+          <a:chExt cx="0" cy="0"/>
+        </a:xfrm>
+      </p:grpSpPr>
+      <p:sp useBgFill="1">
+        <p:nvSpPr>
+          <p:cNvPr id="14" name="Rectangle 7">
+            <a:extLst>
+              <a:ext uri="{FF2B5EF4-FFF2-40B4-BE49-F238E27FC236}">
+                <a16:creationId xmlns:a16="http://schemas.microsoft.com/office/drawing/2014/main" id="{5DB0431E-0B04-44A1-9C51-531E28D18A60}"/>
+              </a:ext>
+              <a:ext uri="{C183D7F6-B498-43B3-948B-1728B52AA6E4}">
+                <adec:decorative xmlns:adec="http://schemas.microsoft.com/office/drawing/2017/decorative" val="1"/>
+              </a:ext>
+            </a:extLst>
+          </p:cNvPr>
+          <p:cNvSpPr>
+            <a:spLocks noGrp="1" noRot="1" noChangeAspect="1" noMove="1" noResize="1" noEditPoints="1" noAdjustHandles="1" noChangeArrowheads="1" noChangeShapeType="1" noTextEdit="1"/>
+          </p:cNvSpPr>
+          <p:nvPr>
+            <p:extLst>
+              <p:ext uri="{386F3935-93C4-4BCD-93E2-E3B085C9AB24}">
+                <p16:designElem xmlns:p16="http://schemas.microsoft.com/office/powerpoint/2015/main" val="1"/>
+              </p:ext>
+            </p:extLst>
+          </p:nvPr>
+        </p:nvSpPr>
+        <p:spPr>
+          <a:xfrm>
+            <a:off x="0" y="0"/>
+            <a:ext cx="12192000" cy="6858000"/>
+          </a:xfrm>
+          <a:prstGeom prst="rect">
+            <a:avLst/>
+          </a:prstGeom>
+          <a:ln>
+            <a:noFill/>
+          </a:ln>
+        </p:spPr>
+        <p:style>
+          <a:lnRef idx="2">
+            <a:schemeClr val="accent1">
+              <a:shade val="50000"/>
+            </a:schemeClr>
+          </a:lnRef>
+          <a:fillRef idx="1">
+            <a:schemeClr val="accent1"/>
+          </a:fillRef>
+          <a:effectRef idx="0">
+            <a:schemeClr val="accent1"/>
+          </a:effectRef>
+          <a:fontRef idx="minor">
+            <a:schemeClr val="lt1"/>
+          </a:fontRef>
+        </p:style>
+        <p:txBody>
+          <a:bodyPr rtlCol="0" anchor="ctr"/>
+          <a:lstStyle/>
+          <a:p>
+            <a:pPr algn="ctr"/>
+            <a:endParaRPr lang="en-US"/>
+          </a:p>
+        </p:txBody>
+      </p:sp>
+      <p:sp>
+        <p:nvSpPr>
+          <p:cNvPr id="2" name="Title 1">
+            <a:extLst>
+              <a:ext uri="{FF2B5EF4-FFF2-40B4-BE49-F238E27FC236}">
+                <a16:creationId xmlns:a16="http://schemas.microsoft.com/office/drawing/2014/main" id="{565DE6B2-5AC6-4C70-9F08-2A6D960838A3}"/>
+              </a:ext>
+            </a:extLst>
+          </p:cNvPr>
+          <p:cNvSpPr>
+            <a:spLocks noGrp="1"/>
+          </p:cNvSpPr>
+          <p:nvPr>
+            <p:ph type="title"/>
+          </p:nvPr>
+        </p:nvSpPr>
+        <p:spPr>
+          <a:xfrm>
+            <a:off x="889062" y="795021"/>
+            <a:ext cx="4542028" cy="916622"/>
+          </a:xfrm>
+        </p:spPr>
+        <p:txBody>
+          <a:bodyPr>
+            <a:normAutofit/>
+          </a:bodyPr>
+          <a:lstStyle/>
+          <a:p>
+            <a:r>
+              <a:rPr lang="en-US" dirty="0"/>
+              <a:t>Graph Colouring</a:t>
+            </a:r>
+          </a:p>
+        </p:txBody>
+      </p:sp>
+      <p:sp>
+        <p:nvSpPr>
+          <p:cNvPr id="15" name="Rectangle 9">
+            <a:extLst>
+              <a:ext uri="{FF2B5EF4-FFF2-40B4-BE49-F238E27FC236}">
+                <a16:creationId xmlns:a16="http://schemas.microsoft.com/office/drawing/2014/main" id="{6B424749-EEE0-49C9-9ABF-97B171A3EA00}"/>
+              </a:ext>
+              <a:ext uri="{C183D7F6-B498-43B3-948B-1728B52AA6E4}">
+                <adec:decorative xmlns:adec="http://schemas.microsoft.com/office/drawing/2017/decorative" val="1"/>
+              </a:ext>
+            </a:extLst>
+          </p:cNvPr>
+          <p:cNvSpPr>
+            <a:spLocks noGrp="1" noRot="1" noChangeAspect="1" noMove="1" noResize="1" noEditPoints="1" noAdjustHandles="1" noChangeArrowheads="1" noChangeShapeType="1" noTextEdit="1"/>
+          </p:cNvSpPr>
+          <p:nvPr>
+            <p:extLst>
+              <p:ext uri="{386F3935-93C4-4BCD-93E2-E3B085C9AB24}">
+                <p16:designElem xmlns:p16="http://schemas.microsoft.com/office/powerpoint/2015/main" val="1"/>
+              </p:ext>
+            </p:extLst>
+          </p:nvPr>
+        </p:nvSpPr>
+        <p:spPr>
+          <a:xfrm>
+            <a:off x="11277600" y="0"/>
+            <a:ext cx="914400" cy="6858000"/>
+          </a:xfrm>
+          <a:prstGeom prst="rect">
+            <a:avLst/>
+          </a:prstGeom>
+          <a:solidFill>
+            <a:schemeClr val="tx2">
+              <a:lumMod val="75000"/>
+            </a:schemeClr>
+          </a:solidFill>
+          <a:ln>
+            <a:noFill/>
+          </a:ln>
+        </p:spPr>
+        <p:style>
+          <a:lnRef idx="2">
+            <a:schemeClr val="accent1">
+              <a:shade val="50000"/>
+            </a:schemeClr>
+          </a:lnRef>
+          <a:fillRef idx="1">
+            <a:schemeClr val="accent1"/>
+          </a:fillRef>
+          <a:effectRef idx="0">
+            <a:schemeClr val="accent1"/>
+          </a:effectRef>
+          <a:fontRef idx="minor">
+            <a:schemeClr val="lt1"/>
+          </a:fontRef>
+        </p:style>
+      </p:sp>
+      <p:pic>
+        <p:nvPicPr>
+          <p:cNvPr id="6" name="Picture 2" descr="Chromatic number of complement of Petersen graph - Mathematics Stack  Exchange">
+            <a:extLst>
+              <a:ext uri="{FF2B5EF4-FFF2-40B4-BE49-F238E27FC236}">
+                <a16:creationId xmlns:a16="http://schemas.microsoft.com/office/drawing/2014/main" id="{EA921C35-7DE9-4942-BB6E-84F7682C9345}"/>
+              </a:ext>
+            </a:extLst>
+          </p:cNvPr>
+          <p:cNvPicPr>
+            <a:picLocks noChangeAspect="1" noChangeArrowheads="1"/>
+          </p:cNvPicPr>
+          <p:nvPr/>
+        </p:nvPicPr>
+        <p:blipFill>
+          <a:blip r:embed="rId2">
+            <a:extLst>
+              <a:ext uri="{28A0092B-C50C-407E-A947-70E740481C1C}">
+                <a14:useLocalDpi xmlns:a14="http://schemas.microsoft.com/office/drawing/2010/main" val="0"/>
+              </a:ext>
+            </a:extLst>
+          </a:blip>
+          <a:srcRect/>
+          <a:stretch>
+            <a:fillRect/>
+          </a:stretch>
+        </p:blipFill>
+        <p:spPr bwMode="auto">
+          <a:xfrm>
+            <a:off x="7854418" y="423943"/>
+            <a:ext cx="3196335" cy="3063715"/>
+          </a:xfrm>
+          <a:prstGeom prst="rect">
+            <a:avLst/>
+          </a:prstGeom>
+          <a:noFill/>
+          <a:extLst>
+            <a:ext uri="{909E8E84-426E-40DD-AFC4-6F175D3DCCD1}">
+              <a14:hiddenFill xmlns:a14="http://schemas.microsoft.com/office/drawing/2010/main">
+                <a:solidFill>
+                  <a:srgbClr val="FFFFFF"/>
+                </a:solidFill>
+              </a14:hiddenFill>
+            </a:ext>
+          </a:extLst>
+        </p:spPr>
+      </p:pic>
       <mc:AlternateContent xmlns:mc="http://schemas.openxmlformats.org/markup-compatibility/2006">
         <mc:Choice xmlns:a14="http://schemas.microsoft.com/office/drawing/2010/main" Requires="a14">
           <p:sp>
             <p:nvSpPr>
-              <p:cNvPr id="6" name="Content Placeholder 2">
+              <p:cNvPr id="7" name="Content Placeholder 2">
                 <a:extLst>
                   <a:ext uri="{FF2B5EF4-FFF2-40B4-BE49-F238E27FC236}">
-                    <a16:creationId xmlns:a16="http://schemas.microsoft.com/office/drawing/2014/main" id="{92EAE445-CB2F-48D3-94CA-8DF6C13E97A1}"/>
+                    <a16:creationId xmlns:a16="http://schemas.microsoft.com/office/drawing/2014/main" id="{08EE1DFF-2526-4163-B012-7B1090204C70}"/>
                   </a:ext>
                 </a:extLst>
               </p:cNvPr>
@@ -7036,8 +9291,8 @@
             </p:nvSpPr>
             <p:spPr>
               <a:xfrm>
-                <a:off x="3421492" y="-3200400"/>
-                <a:ext cx="8595360" cy="4351337"/>
+                <a:off x="939862" y="1955801"/>
+                <a:ext cx="7739888" cy="3581400"/>
               </a:xfrm>
               <a:prstGeom prst="rect">
                 <a:avLst/>
@@ -7292,2316 +9547,6 @@
               </a:lstStyle>
               <a:p>
                 <a:r>
-                  <a:rPr lang="en-US" dirty="0"/>
-                  <a:t>Given a cuckoo x and a goal point y, let </a:t>
-                </a:r>
-                <a14:m>
-                  <m:oMath xmlns:m="http://schemas.openxmlformats.org/officeDocument/2006/math">
-                    <m:r>
-                      <a:rPr lang="en-US" i="1" smtClean="0">
-                        <a:latin typeface="Cambria Math" panose="02040503050406030204" pitchFamily="18" charset="0"/>
-                      </a:rPr>
-                      <m:t>𝑟</m:t>
-                    </m:r>
-                    <m:r>
-                      <a:rPr lang="en-US" i="1" smtClean="0">
-                        <a:latin typeface="Cambria Math" panose="02040503050406030204" pitchFamily="18" charset="0"/>
-                      </a:rPr>
-                      <m:t>=</m:t>
-                    </m:r>
-                    <m:r>
-                      <a:rPr lang="en-US" i="1" smtClean="0">
-                        <a:latin typeface="Cambria Math" panose="02040503050406030204" pitchFamily="18" charset="0"/>
-                      </a:rPr>
-                      <m:t>𝑑</m:t>
-                    </m:r>
-                    <m:r>
-                      <a:rPr lang="en-US" i="1" smtClean="0">
-                        <a:latin typeface="Cambria Math" panose="02040503050406030204" pitchFamily="18" charset="0"/>
-                      </a:rPr>
-                      <m:t>(</m:t>
-                    </m:r>
-                    <m:r>
-                      <a:rPr lang="en-US" i="1" smtClean="0">
-                        <a:latin typeface="Cambria Math" panose="02040503050406030204" pitchFamily="18" charset="0"/>
-                      </a:rPr>
-                      <m:t>𝑥</m:t>
-                    </m:r>
-                    <m:r>
-                      <a:rPr lang="en-US" i="1" smtClean="0">
-                        <a:latin typeface="Cambria Math" panose="02040503050406030204" pitchFamily="18" charset="0"/>
-                      </a:rPr>
-                      <m:t>,</m:t>
-                    </m:r>
-                    <m:r>
-                      <a:rPr lang="en-US" i="1" smtClean="0">
-                        <a:latin typeface="Cambria Math" panose="02040503050406030204" pitchFamily="18" charset="0"/>
-                      </a:rPr>
-                      <m:t>𝑦</m:t>
-                    </m:r>
-                    <m:r>
-                      <a:rPr lang="en-US" i="1" smtClean="0">
-                        <a:latin typeface="Cambria Math" panose="02040503050406030204" pitchFamily="18" charset="0"/>
-                      </a:rPr>
-                      <m:t>)</m:t>
-                    </m:r>
-                  </m:oMath>
-                </a14:m>
-                <a:endParaRPr lang="en-US" dirty="0"/>
-              </a:p>
-              <a:p>
-                <a:r>
-                  <a:rPr lang="en-US" dirty="0"/>
-                  <a:t>Generate a random number </a:t>
-                </a:r>
-                <a14:m>
-                  <m:oMath xmlns:m="http://schemas.openxmlformats.org/officeDocument/2006/math">
-                    <m:r>
-                      <m:rPr>
-                        <m:sty m:val="p"/>
-                      </m:rPr>
-                      <a:rPr lang="el-GR" i="1" smtClean="0">
-                        <a:latin typeface="Cambria Math" panose="02040503050406030204" pitchFamily="18" charset="0"/>
-                      </a:rPr>
-                      <m:t>λ</m:t>
-                    </m:r>
-                    <m:r>
-                      <a:rPr lang="en-US" i="1" smtClean="0">
-                        <a:latin typeface="Cambria Math" panose="02040503050406030204" pitchFamily="18" charset="0"/>
-                      </a:rPr>
-                      <m:t> ~ </m:t>
-                    </m:r>
-                    <m:r>
-                      <a:rPr lang="en-US" i="1" smtClean="0">
-                        <a:latin typeface="Cambria Math" panose="02040503050406030204" pitchFamily="18" charset="0"/>
-                      </a:rPr>
-                      <m:t>𝑈</m:t>
-                    </m:r>
-                    <m:r>
-                      <a:rPr lang="en-US" i="1" smtClean="0">
-                        <a:latin typeface="Cambria Math" panose="02040503050406030204" pitchFamily="18" charset="0"/>
-                      </a:rPr>
-                      <m:t>(0, 1)</m:t>
-                    </m:r>
-                  </m:oMath>
-                </a14:m>
-                <a:endParaRPr lang="en-US" dirty="0"/>
-              </a:p>
-              <a:p>
-                <a:pPr lvl="1"/>
-                <a:r>
-                  <a:rPr lang="en-US" dirty="0"/>
-                  <a:t>We will generate a colouring distance </a:t>
-                </a:r>
-                <a14:m>
-                  <m:oMath xmlns:m="http://schemas.openxmlformats.org/officeDocument/2006/math">
-                    <m:r>
-                      <a:rPr lang="en-US" i="1" smtClean="0">
-                        <a:latin typeface="Cambria Math" panose="02040503050406030204" pitchFamily="18" charset="0"/>
-                      </a:rPr>
-                      <m:t>𝑟</m:t>
-                    </m:r>
-                    <m:r>
-                      <m:rPr>
-                        <m:sty m:val="p"/>
-                      </m:rPr>
-                      <a:rPr lang="el-GR" i="1">
-                        <a:latin typeface="Cambria Math" panose="02040503050406030204" pitchFamily="18" charset="0"/>
-                      </a:rPr>
-                      <m:t>λ</m:t>
-                    </m:r>
-                  </m:oMath>
-                </a14:m>
-                <a:r>
-                  <a:rPr lang="en-US" dirty="0"/>
-                  <a:t> from y</a:t>
-                </a:r>
-              </a:p>
-              <a:p>
-                <a:r>
-                  <a:rPr lang="en-US" dirty="0"/>
-                  <a:t>Let </a:t>
-                </a:r>
-                <a14:m>
-                  <m:oMath xmlns:m="http://schemas.openxmlformats.org/officeDocument/2006/math">
-                    <m:r>
-                      <a:rPr lang="en-US" i="1" smtClean="0">
-                        <a:latin typeface="Cambria Math" panose="02040503050406030204" pitchFamily="18" charset="0"/>
-                      </a:rPr>
-                      <m:t>𝐼</m:t>
-                    </m:r>
-                    <m:r>
-                      <a:rPr lang="en-US" i="1" smtClean="0">
-                        <a:latin typeface="Cambria Math" panose="02040503050406030204" pitchFamily="18" charset="0"/>
-                      </a:rPr>
-                      <m:t>=</m:t>
-                    </m:r>
-                    <m:d>
-                      <m:dPr>
-                        <m:begChr m:val="{"/>
-                        <m:endChr m:val="|"/>
-                        <m:ctrlPr>
-                          <a:rPr lang="en-US" i="1" smtClean="0">
-                            <a:latin typeface="Cambria Math" panose="02040503050406030204" pitchFamily="18" charset="0"/>
-                          </a:rPr>
-                        </m:ctrlPr>
-                      </m:dPr>
-                      <m:e>
-                        <m:r>
-                          <a:rPr lang="en-US" i="1" smtClean="0">
-                            <a:latin typeface="Cambria Math" panose="02040503050406030204" pitchFamily="18" charset="0"/>
-                          </a:rPr>
-                          <m:t>𝑣</m:t>
-                        </m:r>
-                        <m:r>
-                          <a:rPr lang="en-US" i="1" smtClean="0">
-                            <a:latin typeface="Cambria Math" panose="02040503050406030204" pitchFamily="18" charset="0"/>
-                          </a:rPr>
-                          <m:t> </m:t>
-                        </m:r>
-                      </m:e>
-                    </m:d>
-                    <m:r>
-                      <a:rPr lang="en-US" i="1" smtClean="0">
-                        <a:latin typeface="Cambria Math" panose="02040503050406030204" pitchFamily="18" charset="0"/>
-                      </a:rPr>
-                      <m:t> </m:t>
-                    </m:r>
-                    <m:sSub>
-                      <m:sSubPr>
-                        <m:ctrlPr>
-                          <a:rPr lang="en-US" i="1" smtClean="0">
-                            <a:latin typeface="Cambria Math" panose="02040503050406030204" pitchFamily="18" charset="0"/>
-                          </a:rPr>
-                        </m:ctrlPr>
-                      </m:sSubPr>
-                      <m:e>
-                        <m:r>
-                          <a:rPr lang="en-US" i="1" smtClean="0">
-                            <a:latin typeface="Cambria Math" panose="02040503050406030204" pitchFamily="18" charset="0"/>
-                          </a:rPr>
-                          <m:t>𝑥</m:t>
-                        </m:r>
-                      </m:e>
-                      <m:sub>
-                        <m:r>
-                          <a:rPr lang="en-US" i="1" smtClean="0">
-                            <a:latin typeface="Cambria Math" panose="02040503050406030204" pitchFamily="18" charset="0"/>
-                          </a:rPr>
-                          <m:t>𝑣</m:t>
-                        </m:r>
-                      </m:sub>
-                    </m:sSub>
-                    <m:r>
-                      <a:rPr lang="en-US" i="1">
-                        <a:latin typeface="Cambria Math" panose="02040503050406030204" pitchFamily="18" charset="0"/>
-                        <a:ea typeface="Cambria Math" panose="02040503050406030204" pitchFamily="18" charset="0"/>
-                      </a:rPr>
-                      <m:t>≠</m:t>
-                    </m:r>
-                    <m:sSub>
-                      <m:sSubPr>
-                        <m:ctrlPr>
-                          <a:rPr lang="en-US" i="1" smtClean="0">
-                            <a:latin typeface="Cambria Math" panose="02040503050406030204" pitchFamily="18" charset="0"/>
-                            <a:ea typeface="Cambria Math" panose="02040503050406030204" pitchFamily="18" charset="0"/>
-                          </a:rPr>
-                        </m:ctrlPr>
-                      </m:sSubPr>
-                      <m:e>
-                        <m:r>
-                          <a:rPr lang="en-US" i="1" smtClean="0">
-                            <a:latin typeface="Cambria Math" panose="02040503050406030204" pitchFamily="18" charset="0"/>
-                            <a:ea typeface="Cambria Math" panose="02040503050406030204" pitchFamily="18" charset="0"/>
-                          </a:rPr>
-                          <m:t>𝑦</m:t>
-                        </m:r>
-                      </m:e>
-                      <m:sub>
-                        <m:r>
-                          <a:rPr lang="en-US" i="1" smtClean="0">
-                            <a:latin typeface="Cambria Math" panose="02040503050406030204" pitchFamily="18" charset="0"/>
-                            <a:ea typeface="Cambria Math" panose="02040503050406030204" pitchFamily="18" charset="0"/>
-                          </a:rPr>
-                          <m:t>𝑣</m:t>
-                        </m:r>
-                      </m:sub>
-                    </m:sSub>
-                    <m:r>
-                      <a:rPr lang="en-US" i="1" smtClean="0">
-                        <a:latin typeface="Cambria Math" panose="02040503050406030204" pitchFamily="18" charset="0"/>
-                        <a:ea typeface="Cambria Math" panose="02040503050406030204" pitchFamily="18" charset="0"/>
-                      </a:rPr>
-                      <m:t>}</m:t>
-                    </m:r>
-                  </m:oMath>
-                </a14:m>
-                <a:r>
-                  <a:rPr lang="en-US" dirty="0"/>
-                  <a:t> be ordered arbitrarily</a:t>
-                </a:r>
-              </a:p>
-              <a:p>
-                <a:pPr lvl="1"/>
-                <a:r>
-                  <a:rPr lang="en-US" dirty="0"/>
-                  <a:t>The set of vertices on which x and y disagree (</a:t>
-                </a:r>
-                <a14:m>
-                  <m:oMath xmlns:m="http://schemas.openxmlformats.org/officeDocument/2006/math">
-                    <m:r>
-                      <a:rPr lang="en-US" i="1" smtClean="0">
-                        <a:latin typeface="Cambria Math" panose="02040503050406030204" pitchFamily="18" charset="0"/>
-                      </a:rPr>
-                      <m:t>𝑑</m:t>
-                    </m:r>
-                    <m:d>
-                      <m:dPr>
-                        <m:ctrlPr>
-                          <a:rPr lang="en-US" i="1" smtClean="0">
-                            <a:latin typeface="Cambria Math" panose="02040503050406030204" pitchFamily="18" charset="0"/>
-                          </a:rPr>
-                        </m:ctrlPr>
-                      </m:dPr>
-                      <m:e>
-                        <m:r>
-                          <a:rPr lang="en-US" i="1" smtClean="0">
-                            <a:latin typeface="Cambria Math" panose="02040503050406030204" pitchFamily="18" charset="0"/>
-                          </a:rPr>
-                          <m:t>𝑥</m:t>
-                        </m:r>
-                        <m:r>
-                          <a:rPr lang="en-US" i="1" smtClean="0">
-                            <a:latin typeface="Cambria Math" panose="02040503050406030204" pitchFamily="18" charset="0"/>
-                          </a:rPr>
-                          <m:t>,</m:t>
-                        </m:r>
-                        <m:r>
-                          <a:rPr lang="en-US" i="1" smtClean="0">
-                            <a:latin typeface="Cambria Math" panose="02040503050406030204" pitchFamily="18" charset="0"/>
-                          </a:rPr>
-                          <m:t>𝑦</m:t>
-                        </m:r>
-                      </m:e>
-                    </m:d>
-                    <m:r>
-                      <a:rPr lang="en-US" i="1" smtClean="0">
-                        <a:latin typeface="Cambria Math" panose="02040503050406030204" pitchFamily="18" charset="0"/>
-                      </a:rPr>
-                      <m:t>=|</m:t>
-                    </m:r>
-                    <m:r>
-                      <a:rPr lang="en-US" i="1" smtClean="0">
-                        <a:latin typeface="Cambria Math" panose="02040503050406030204" pitchFamily="18" charset="0"/>
-                      </a:rPr>
-                      <m:t>𝐼</m:t>
-                    </m:r>
-                    <m:r>
-                      <a:rPr lang="en-US" i="1" smtClean="0">
-                        <a:latin typeface="Cambria Math" panose="02040503050406030204" pitchFamily="18" charset="0"/>
-                      </a:rPr>
-                      <m:t>|</m:t>
-                    </m:r>
-                  </m:oMath>
-                </a14:m>
-                <a:r>
-                  <a:rPr lang="en-US" dirty="0"/>
-                  <a:t>)</a:t>
-                </a:r>
-              </a:p>
-              <a:p>
-                <a:r>
-                  <a:rPr lang="en-US" dirty="0"/>
-                  <a:t>For </a:t>
-                </a:r>
-                <a14:m>
-                  <m:oMath xmlns:m="http://schemas.openxmlformats.org/officeDocument/2006/math">
-                    <m:r>
-                      <a:rPr lang="en-US" i="1" smtClean="0">
-                        <a:latin typeface="Cambria Math" panose="02040503050406030204" pitchFamily="18" charset="0"/>
-                      </a:rPr>
-                      <m:t>𝑖</m:t>
-                    </m:r>
-                  </m:oMath>
-                </a14:m>
-                <a:r>
-                  <a:rPr lang="en-US" dirty="0"/>
-                  <a:t> in </a:t>
-                </a:r>
-                <a14:m>
-                  <m:oMath xmlns:m="http://schemas.openxmlformats.org/officeDocument/2006/math">
-                    <m:sSub>
-                      <m:sSubPr>
-                        <m:ctrlPr>
-                          <a:rPr lang="en-US" i="1" smtClean="0">
-                            <a:latin typeface="Cambria Math" panose="02040503050406030204" pitchFamily="18" charset="0"/>
-                          </a:rPr>
-                        </m:ctrlPr>
-                      </m:sSubPr>
-                      <m:e>
-                        <m:r>
-                          <a:rPr lang="en-US" i="1" smtClean="0">
-                            <a:latin typeface="Cambria Math" panose="02040503050406030204" pitchFamily="18" charset="0"/>
-                          </a:rPr>
-                          <m:t>𝐼</m:t>
-                        </m:r>
-                      </m:e>
-                      <m:sub>
-                        <m:r>
-                          <a:rPr lang="en-US" i="1" smtClean="0">
-                            <a:latin typeface="Cambria Math" panose="02040503050406030204" pitchFamily="18" charset="0"/>
-                          </a:rPr>
-                          <m:t>1:</m:t>
-                        </m:r>
-                        <m:r>
-                          <a:rPr lang="en-US" i="1">
-                            <a:latin typeface="Cambria Math" panose="02040503050406030204" pitchFamily="18" charset="0"/>
-                          </a:rPr>
-                          <m:t>𝑟</m:t>
-                        </m:r>
-                        <m:r>
-                          <m:rPr>
-                            <m:sty m:val="p"/>
-                          </m:rPr>
-                          <a:rPr lang="el-GR" i="1">
-                            <a:latin typeface="Cambria Math" panose="02040503050406030204" pitchFamily="18" charset="0"/>
-                          </a:rPr>
-                          <m:t>λ</m:t>
-                        </m:r>
-                      </m:sub>
-                    </m:sSub>
-                  </m:oMath>
-                </a14:m>
-                <a:r>
-                  <a:rPr lang="en-US" dirty="0"/>
-                  <a:t>, recolour </a:t>
-                </a:r>
-                <a14:m>
-                  <m:oMath xmlns:m="http://schemas.openxmlformats.org/officeDocument/2006/math">
-                    <m:r>
-                      <a:rPr lang="en-US" i="1">
-                        <a:latin typeface="Cambria Math" panose="02040503050406030204" pitchFamily="18" charset="0"/>
-                      </a:rPr>
-                      <m:t>𝑖</m:t>
-                    </m:r>
-                  </m:oMath>
-                </a14:m>
-                <a:r>
-                  <a:rPr lang="en-US" dirty="0"/>
-                  <a:t> to </a:t>
-                </a:r>
-                <a14:m>
-                  <m:oMath xmlns:m="http://schemas.openxmlformats.org/officeDocument/2006/math">
-                    <m:sSub>
-                      <m:sSubPr>
-                        <m:ctrlPr>
-                          <a:rPr lang="en-US" i="1" smtClean="0">
-                            <a:latin typeface="Cambria Math" panose="02040503050406030204" pitchFamily="18" charset="0"/>
-                          </a:rPr>
-                        </m:ctrlPr>
-                      </m:sSubPr>
-                      <m:e>
-                        <m:r>
-                          <a:rPr lang="en-US" i="1" smtClean="0">
-                            <a:latin typeface="Cambria Math" panose="02040503050406030204" pitchFamily="18" charset="0"/>
-                          </a:rPr>
-                          <m:t>𝑦</m:t>
-                        </m:r>
-                      </m:e>
-                      <m:sub>
-                        <m:r>
-                          <a:rPr lang="en-US" i="1" smtClean="0">
-                            <a:latin typeface="Cambria Math" panose="02040503050406030204" pitchFamily="18" charset="0"/>
-                          </a:rPr>
-                          <m:t>𝑖</m:t>
-                        </m:r>
-                      </m:sub>
-                    </m:sSub>
-                  </m:oMath>
-                </a14:m>
-                <a:endParaRPr lang="en-US" dirty="0"/>
-              </a:p>
-              <a:p>
-                <a:pPr lvl="1"/>
-                <a14:m>
-                  <m:oMath xmlns:m="http://schemas.openxmlformats.org/officeDocument/2006/math">
-                    <m:r>
-                      <a:rPr lang="en-US" i="1" smtClean="0">
-                        <a:latin typeface="Cambria Math" panose="02040503050406030204" pitchFamily="18" charset="0"/>
-                      </a:rPr>
-                      <m:t>𝑖</m:t>
-                    </m:r>
-                  </m:oMath>
-                </a14:m>
-                <a:r>
-                  <a:rPr lang="en-US" dirty="0"/>
-                  <a:t> contains no conflicts with any vertices in that came before </a:t>
-                </a:r>
-                <a14:m>
-                  <m:oMath xmlns:m="http://schemas.openxmlformats.org/officeDocument/2006/math">
-                    <m:r>
-                      <a:rPr lang="en-US" i="1">
-                        <a:latin typeface="Cambria Math" panose="02040503050406030204" pitchFamily="18" charset="0"/>
-                      </a:rPr>
-                      <m:t>𝑖</m:t>
-                    </m:r>
-                  </m:oMath>
-                </a14:m>
-                <a:r>
-                  <a:rPr lang="en-US" dirty="0"/>
-                  <a:t> in I or any vertices in </a:t>
-                </a:r>
-                <a14:m>
-                  <m:oMath xmlns:m="http://schemas.openxmlformats.org/officeDocument/2006/math">
-                    <m:r>
-                      <a:rPr lang="en-US" i="1" smtClean="0">
-                        <a:latin typeface="Cambria Math" panose="02040503050406030204" pitchFamily="18" charset="0"/>
-                      </a:rPr>
-                      <m:t>𝑉</m:t>
-                    </m:r>
-                    <m:r>
-                      <a:rPr lang="en-US" i="1" smtClean="0">
-                        <a:latin typeface="Cambria Math" panose="02040503050406030204" pitchFamily="18" charset="0"/>
-                      </a:rPr>
-                      <m:t> \ </m:t>
-                    </m:r>
-                    <m:r>
-                      <m:rPr>
-                        <m:sty m:val="p"/>
-                      </m:rPr>
-                      <a:rPr lang="en-US" i="1" smtClean="0">
-                        <a:latin typeface="Cambria Math" panose="02040503050406030204" pitchFamily="18" charset="0"/>
-                      </a:rPr>
-                      <m:t>I</m:t>
-                    </m:r>
-                  </m:oMath>
-                </a14:m>
-                <a:endParaRPr lang="en-US" dirty="0"/>
-              </a:p>
-              <a:p>
-                <a:pPr lvl="1"/>
-                <a:r>
-                  <a:rPr lang="en-US" dirty="0"/>
-                  <a:t>For </a:t>
-                </a:r>
-                <a14:m>
-                  <m:oMath xmlns:m="http://schemas.openxmlformats.org/officeDocument/2006/math">
-                    <m:r>
-                      <a:rPr lang="en-US" i="1" smtClean="0">
-                        <a:latin typeface="Cambria Math" panose="02040503050406030204" pitchFamily="18" charset="0"/>
-                      </a:rPr>
-                      <m:t>𝑗</m:t>
-                    </m:r>
-                  </m:oMath>
-                </a14:m>
-                <a:r>
-                  <a:rPr lang="en-US" dirty="0"/>
-                  <a:t> in </a:t>
-                </a:r>
-                <a14:m>
-                  <m:oMath xmlns:m="http://schemas.openxmlformats.org/officeDocument/2006/math">
-                    <m:sSub>
-                      <m:sSubPr>
-                        <m:ctrlPr>
-                          <a:rPr lang="en-US" i="1">
-                            <a:latin typeface="Cambria Math" panose="02040503050406030204" pitchFamily="18" charset="0"/>
-                          </a:rPr>
-                        </m:ctrlPr>
-                      </m:sSubPr>
-                      <m:e>
-                        <m:r>
-                          <a:rPr lang="en-US" i="1">
-                            <a:latin typeface="Cambria Math" panose="02040503050406030204" pitchFamily="18" charset="0"/>
-                          </a:rPr>
-                          <m:t>𝐼</m:t>
-                        </m:r>
-                      </m:e>
-                      <m:sub>
-                        <m:r>
-                          <a:rPr lang="en-US" i="1" smtClean="0">
-                            <a:latin typeface="Cambria Math" panose="02040503050406030204" pitchFamily="18" charset="0"/>
-                          </a:rPr>
-                          <m:t>𝑖</m:t>
-                        </m:r>
-                        <m:r>
-                          <a:rPr lang="en-US" i="1" smtClean="0">
-                            <a:latin typeface="Cambria Math" panose="02040503050406030204" pitchFamily="18" charset="0"/>
-                          </a:rPr>
-                          <m:t>+1:</m:t>
-                        </m:r>
-                        <m:r>
-                          <a:rPr lang="en-US" i="1">
-                            <a:latin typeface="Cambria Math" panose="02040503050406030204" pitchFamily="18" charset="0"/>
-                          </a:rPr>
-                          <m:t>𝑟</m:t>
-                        </m:r>
-                        <m:r>
-                          <m:rPr>
-                            <m:sty m:val="p"/>
-                          </m:rPr>
-                          <a:rPr lang="el-GR" i="1">
-                            <a:latin typeface="Cambria Math" panose="02040503050406030204" pitchFamily="18" charset="0"/>
-                          </a:rPr>
-                          <m:t>λ</m:t>
-                        </m:r>
-                      </m:sub>
-                    </m:sSub>
-                  </m:oMath>
-                </a14:m>
-                <a:r>
-                  <a:rPr lang="en-US" dirty="0"/>
-                  <a:t>, recolour j to the lowest valid colour different to </a:t>
-                </a:r>
-                <a14:m>
-                  <m:oMath xmlns:m="http://schemas.openxmlformats.org/officeDocument/2006/math">
-                    <m:sSub>
-                      <m:sSubPr>
-                        <m:ctrlPr>
-                          <a:rPr lang="en-US" i="1">
-                            <a:latin typeface="Cambria Math" panose="02040503050406030204" pitchFamily="18" charset="0"/>
-                            <a:ea typeface="Cambria Math" panose="02040503050406030204" pitchFamily="18" charset="0"/>
-                          </a:rPr>
-                        </m:ctrlPr>
-                      </m:sSubPr>
-                      <m:e>
-                        <m:r>
-                          <a:rPr lang="en-US" i="1">
-                            <a:latin typeface="Cambria Math" panose="02040503050406030204" pitchFamily="18" charset="0"/>
-                            <a:ea typeface="Cambria Math" panose="02040503050406030204" pitchFamily="18" charset="0"/>
-                          </a:rPr>
-                          <m:t>𝑦</m:t>
-                        </m:r>
-                      </m:e>
-                      <m:sub>
-                        <m:r>
-                          <a:rPr lang="en-US" i="1" smtClean="0">
-                            <a:latin typeface="Cambria Math" panose="02040503050406030204" pitchFamily="18" charset="0"/>
-                            <a:ea typeface="Cambria Math" panose="02040503050406030204" pitchFamily="18" charset="0"/>
-                          </a:rPr>
-                          <m:t>𝑗</m:t>
-                        </m:r>
-                      </m:sub>
-                    </m:sSub>
-                  </m:oMath>
-                </a14:m>
-                <a:endParaRPr lang="en-US" dirty="0"/>
-              </a:p>
-            </p:txBody>
-          </p:sp>
-        </mc:Choice>
-        <mc:Fallback>
-          <p:sp>
-            <p:nvSpPr>
-              <p:cNvPr id="6" name="Content Placeholder 2">
-                <a:extLst>
-                  <a:ext uri="{FF2B5EF4-FFF2-40B4-BE49-F238E27FC236}">
-                    <a16:creationId xmlns:a16="http://schemas.microsoft.com/office/drawing/2014/main" id="{92EAE445-CB2F-48D3-94CA-8DF6C13E97A1}"/>
-                  </a:ext>
-                </a:extLst>
-              </p:cNvPr>
-              <p:cNvSpPr txBox="1">
-                <a:spLocks noRot="1" noChangeAspect="1" noMove="1" noResize="1" noEditPoints="1" noAdjustHandles="1" noChangeArrowheads="1" noChangeShapeType="1" noTextEdit="1"/>
-              </p:cNvSpPr>
-              <p:nvPr/>
-            </p:nvSpPr>
-            <p:spPr>
-              <a:xfrm>
-                <a:off x="3421492" y="-3200400"/>
-                <a:ext cx="8595360" cy="4351337"/>
-              </a:xfrm>
-              <a:prstGeom prst="rect">
-                <a:avLst/>
-              </a:prstGeom>
-              <a:blipFill>
-                <a:blip r:embed="rId4"/>
-                <a:stretch>
-                  <a:fillRect l="-142" t="-1120"/>
-                </a:stretch>
-              </a:blipFill>
-            </p:spPr>
-            <p:txBody>
-              <a:bodyPr/>
-              <a:lstStyle/>
-              <a:p>
-                <a:r>
-                  <a:rPr lang="en-GB">
-                    <a:noFill/>
-                  </a:rPr>
-                  <a:t> </a:t>
-                </a:r>
-              </a:p>
-            </p:txBody>
-          </p:sp>
-        </mc:Fallback>
-      </mc:AlternateContent>
-    </p:spTree>
-    <p:extLst>
-      <p:ext uri="{BB962C8B-B14F-4D97-AF65-F5344CB8AC3E}">
-        <p14:creationId xmlns:p14="http://schemas.microsoft.com/office/powerpoint/2010/main" val="2974928029"/>
-      </p:ext>
-    </p:extLst>
-  </p:cSld>
-  <p:clrMapOvr>
-    <a:overrideClrMapping bg1="dk1" tx1="lt1" bg2="dk2" tx2="lt2" accent1="accent1" accent2="accent2" accent3="accent3" accent4="accent4" accent5="accent5" accent6="accent6" hlink="hlink" folHlink="folHlink"/>
-  </p:clrMapOvr>
-</p:sld>
-</file>
-
-<file path=ppt/slides/slide14.xml><?xml version="1.0" encoding="utf-8"?>
-<p:sld xmlns:a="http://schemas.openxmlformats.org/drawingml/2006/main" xmlns:r="http://schemas.openxmlformats.org/officeDocument/2006/relationships" xmlns:p="http://schemas.openxmlformats.org/presentationml/2006/main">
-  <p:cSld>
-    <p:bg>
-      <p:bgPr>
-        <a:solidFill>
-          <a:schemeClr val="bg2">
-            <a:lumMod val="75000"/>
-          </a:schemeClr>
-        </a:solidFill>
-        <a:effectLst/>
-      </p:bgPr>
-    </p:bg>
-    <p:spTree>
-      <p:nvGrpSpPr>
-        <p:cNvPr id="1" name=""/>
-        <p:cNvGrpSpPr/>
-        <p:nvPr/>
-      </p:nvGrpSpPr>
-      <p:grpSpPr>
-        <a:xfrm>
-          <a:off x="0" y="0"/>
-          <a:ext cx="0" cy="0"/>
-          <a:chOff x="0" y="0"/>
-          <a:chExt cx="0" cy="0"/>
-        </a:xfrm>
-      </p:grpSpPr>
-      <p:sp>
-        <p:nvSpPr>
-          <p:cNvPr id="7" name="Rectangle 6">
-            <a:extLst>
-              <a:ext uri="{FF2B5EF4-FFF2-40B4-BE49-F238E27FC236}">
-                <a16:creationId xmlns:a16="http://schemas.microsoft.com/office/drawing/2014/main" id="{A6F05DDE-5F2C-44F5-BACC-DED4737B11B8}"/>
-              </a:ext>
-              <a:ext uri="{C183D7F6-B498-43B3-948B-1728B52AA6E4}">
-                <adec:decorative xmlns:adec="http://schemas.microsoft.com/office/drawing/2017/decorative" val="1"/>
-              </a:ext>
-            </a:extLst>
-          </p:cNvPr>
-          <p:cNvSpPr>
-            <a:spLocks noGrp="1" noRot="1" noChangeAspect="1" noMove="1" noResize="1" noEditPoints="1" noAdjustHandles="1" noChangeArrowheads="1" noChangeShapeType="1" noTextEdit="1"/>
-          </p:cNvSpPr>
-          <p:nvPr>
-            <p:extLst>
-              <p:ext uri="{386F3935-93C4-4BCD-93E2-E3B085C9AB24}">
-                <p16:designElem xmlns:p16="http://schemas.microsoft.com/office/powerpoint/2015/main" val="1"/>
-              </p:ext>
-            </p:extLst>
-          </p:nvPr>
-        </p:nvSpPr>
-        <p:spPr>
-          <a:xfrm>
-            <a:off x="0" y="0"/>
-            <a:ext cx="457200" cy="6858000"/>
-          </a:xfrm>
-          <a:prstGeom prst="rect">
-            <a:avLst/>
-          </a:prstGeom>
-          <a:solidFill>
-            <a:schemeClr val="accent1"/>
-          </a:solidFill>
-          <a:ln>
-            <a:noFill/>
-          </a:ln>
-        </p:spPr>
-        <p:style>
-          <a:lnRef idx="2">
-            <a:schemeClr val="accent1">
-              <a:shade val="50000"/>
-            </a:schemeClr>
-          </a:lnRef>
-          <a:fillRef idx="1">
-            <a:schemeClr val="accent1"/>
-          </a:fillRef>
-          <a:effectRef idx="0">
-            <a:schemeClr val="accent1"/>
-          </a:effectRef>
-          <a:fontRef idx="minor">
-            <a:schemeClr val="lt1"/>
-          </a:fontRef>
-        </p:style>
-      </p:sp>
-      <p:sp>
-        <p:nvSpPr>
-          <p:cNvPr id="2" name="Title 1">
-            <a:extLst>
-              <a:ext uri="{FF2B5EF4-FFF2-40B4-BE49-F238E27FC236}">
-                <a16:creationId xmlns:a16="http://schemas.microsoft.com/office/drawing/2014/main" id="{F9B195F7-C8F2-4AEE-838F-FFBF62F056BD}"/>
-              </a:ext>
-            </a:extLst>
-          </p:cNvPr>
-          <p:cNvSpPr>
-            <a:spLocks noGrp="1"/>
-          </p:cNvSpPr>
-          <p:nvPr>
-            <p:ph type="title"/>
-          </p:nvPr>
-        </p:nvSpPr>
-        <p:spPr>
-          <a:xfrm>
-            <a:off x="1261872" y="1028699"/>
-            <a:ext cx="9418320" cy="3862083"/>
-          </a:xfrm>
-        </p:spPr>
-        <p:txBody>
-          <a:bodyPr vert="horz" lIns="91440" tIns="45720" rIns="91440" bIns="45720" rtlCol="0" anchor="ctr">
-            <a:normAutofit/>
-          </a:bodyPr>
-          <a:lstStyle/>
-          <a:p>
-            <a:pPr algn="ctr">
-              <a:lnSpc>
-                <a:spcPct val="85000"/>
-              </a:lnSpc>
-            </a:pPr>
-            <a:r>
-              <a:rPr lang="en-US" sz="6000" dirty="0"/>
-              <a:t>Discretising Cuckoo Search</a:t>
-            </a:r>
-          </a:p>
-        </p:txBody>
-      </p:sp>
-      <p:cxnSp>
-        <p:nvCxnSpPr>
-          <p:cNvPr id="9" name="Straight Connector 8">
-            <a:extLst>
-              <a:ext uri="{FF2B5EF4-FFF2-40B4-BE49-F238E27FC236}">
-                <a16:creationId xmlns:a16="http://schemas.microsoft.com/office/drawing/2014/main" id="{D7E8ECA2-60A0-4D39-817D-F1E982ED7F9B}"/>
-              </a:ext>
-              <a:ext uri="{C183D7F6-B498-43B3-948B-1728B52AA6E4}">
-                <adec:decorative xmlns:adec="http://schemas.microsoft.com/office/drawing/2017/decorative" val="1"/>
-              </a:ext>
-            </a:extLst>
-          </p:cNvPr>
-          <p:cNvCxnSpPr>
-            <a:cxnSpLocks noGrp="1" noRot="1" noChangeAspect="1" noMove="1" noResize="1" noEditPoints="1" noAdjustHandles="1" noChangeArrowheads="1" noChangeShapeType="1"/>
-          </p:cNvCxnSpPr>
-          <p:nvPr>
-            <p:extLst>
-              <p:ext uri="{386F3935-93C4-4BCD-93E2-E3B085C9AB24}">
-                <p16:designElem xmlns:p16="http://schemas.microsoft.com/office/powerpoint/2015/main" val="1"/>
-              </p:ext>
-            </p:extLst>
-          </p:nvPr>
-        </p:nvCxnSpPr>
-        <p:spPr>
-          <a:xfrm flipH="1">
-            <a:off x="5651500" y="5097592"/>
-            <a:ext cx="596394" cy="0"/>
-          </a:xfrm>
-          <a:prstGeom prst="line">
-            <a:avLst/>
-          </a:prstGeom>
-          <a:ln w="12700">
-            <a:solidFill>
-              <a:schemeClr val="tx2"/>
-            </a:solidFill>
-          </a:ln>
-        </p:spPr>
-        <p:style>
-          <a:lnRef idx="1">
-            <a:schemeClr val="accent1"/>
-          </a:lnRef>
-          <a:fillRef idx="0">
-            <a:schemeClr val="accent1"/>
-          </a:fillRef>
-          <a:effectRef idx="0">
-            <a:schemeClr val="accent1"/>
-          </a:effectRef>
-          <a:fontRef idx="minor">
-            <a:schemeClr val="tx1"/>
-          </a:fontRef>
-        </p:style>
-      </p:cxnSp>
-    </p:spTree>
-    <p:extLst>
-      <p:ext uri="{BB962C8B-B14F-4D97-AF65-F5344CB8AC3E}">
-        <p14:creationId xmlns:p14="http://schemas.microsoft.com/office/powerpoint/2010/main" val="4956655"/>
-      </p:ext>
-    </p:extLst>
-  </p:cSld>
-  <p:clrMapOvr>
-    <a:masterClrMapping/>
-  </p:clrMapOvr>
-</p:sld>
-</file>
-
-<file path=ppt/slides/slide15.xml><?xml version="1.0" encoding="utf-8"?>
-<p:sld xmlns:a="http://schemas.openxmlformats.org/drawingml/2006/main" xmlns:r="http://schemas.openxmlformats.org/officeDocument/2006/relationships" xmlns:p="http://schemas.openxmlformats.org/presentationml/2006/main">
-  <p:cSld>
-    <p:bg>
-      <p:bgPr>
-        <a:solidFill>
-          <a:schemeClr val="bg1">
-            <a:tint val="95000"/>
-            <a:satMod val="170000"/>
-          </a:schemeClr>
-        </a:solidFill>
-        <a:effectLst/>
-      </p:bgPr>
-    </p:bg>
-    <p:spTree>
-      <p:nvGrpSpPr>
-        <p:cNvPr id="1" name=""/>
-        <p:cNvGrpSpPr/>
-        <p:nvPr/>
-      </p:nvGrpSpPr>
-      <p:grpSpPr>
-        <a:xfrm>
-          <a:off x="0" y="0"/>
-          <a:ext cx="0" cy="0"/>
-          <a:chOff x="0" y="0"/>
-          <a:chExt cx="0" cy="0"/>
-        </a:xfrm>
-      </p:grpSpPr>
-      <p:sp useBgFill="1">
-        <p:nvSpPr>
-          <p:cNvPr id="14" name="Rectangle 7">
-            <a:extLst>
-              <a:ext uri="{FF2B5EF4-FFF2-40B4-BE49-F238E27FC236}">
-                <a16:creationId xmlns:a16="http://schemas.microsoft.com/office/drawing/2014/main" id="{5DB0431E-0B04-44A1-9C51-531E28D18A60}"/>
-              </a:ext>
-              <a:ext uri="{C183D7F6-B498-43B3-948B-1728B52AA6E4}">
-                <adec:decorative xmlns:adec="http://schemas.microsoft.com/office/drawing/2017/decorative" val="1"/>
-              </a:ext>
-            </a:extLst>
-          </p:cNvPr>
-          <p:cNvSpPr>
-            <a:spLocks noGrp="1" noRot="1" noChangeAspect="1" noMove="1" noResize="1" noEditPoints="1" noAdjustHandles="1" noChangeArrowheads="1" noChangeShapeType="1" noTextEdit="1"/>
-          </p:cNvSpPr>
-          <p:nvPr>
-            <p:extLst>
-              <p:ext uri="{386F3935-93C4-4BCD-93E2-E3B085C9AB24}">
-                <p16:designElem xmlns:p16="http://schemas.microsoft.com/office/powerpoint/2015/main" val="1"/>
-              </p:ext>
-            </p:extLst>
-          </p:nvPr>
-        </p:nvSpPr>
-        <p:spPr>
-          <a:xfrm>
-            <a:off x="0" y="0"/>
-            <a:ext cx="12192000" cy="6858000"/>
-          </a:xfrm>
-          <a:prstGeom prst="rect">
-            <a:avLst/>
-          </a:prstGeom>
-          <a:ln>
-            <a:noFill/>
-          </a:ln>
-        </p:spPr>
-        <p:style>
-          <a:lnRef idx="2">
-            <a:schemeClr val="accent1">
-              <a:shade val="50000"/>
-            </a:schemeClr>
-          </a:lnRef>
-          <a:fillRef idx="1">
-            <a:schemeClr val="accent1"/>
-          </a:fillRef>
-          <a:effectRef idx="0">
-            <a:schemeClr val="accent1"/>
-          </a:effectRef>
-          <a:fontRef idx="minor">
-            <a:schemeClr val="lt1"/>
-          </a:fontRef>
-        </p:style>
-        <p:txBody>
-          <a:bodyPr rtlCol="0" anchor="ctr"/>
-          <a:lstStyle/>
-          <a:p>
-            <a:pPr algn="ctr"/>
-            <a:endParaRPr lang="en-US"/>
-          </a:p>
-        </p:txBody>
-      </p:sp>
-      <p:sp>
-        <p:nvSpPr>
-          <p:cNvPr id="2" name="Title 1">
-            <a:extLst>
-              <a:ext uri="{FF2B5EF4-FFF2-40B4-BE49-F238E27FC236}">
-                <a16:creationId xmlns:a16="http://schemas.microsoft.com/office/drawing/2014/main" id="{565DE6B2-5AC6-4C70-9F08-2A6D960838A3}"/>
-              </a:ext>
-            </a:extLst>
-          </p:cNvPr>
-          <p:cNvSpPr>
-            <a:spLocks noGrp="1"/>
-          </p:cNvSpPr>
-          <p:nvPr>
-            <p:ph type="title"/>
-          </p:nvPr>
-        </p:nvSpPr>
-        <p:spPr>
-          <a:xfrm>
-            <a:off x="1261872" y="365760"/>
-            <a:ext cx="9692640" cy="1325562"/>
-          </a:xfrm>
-        </p:spPr>
-        <p:txBody>
-          <a:bodyPr>
-            <a:normAutofit/>
-          </a:bodyPr>
-          <a:lstStyle/>
-          <a:p>
-            <a:r>
-              <a:rPr lang="en-US" dirty="0"/>
-              <a:t>Simple Approach</a:t>
-            </a:r>
-          </a:p>
-        </p:txBody>
-      </p:sp>
-      <p:sp>
-        <p:nvSpPr>
-          <p:cNvPr id="3" name="Content Placeholder 2">
-            <a:extLst>
-              <a:ext uri="{FF2B5EF4-FFF2-40B4-BE49-F238E27FC236}">
-                <a16:creationId xmlns:a16="http://schemas.microsoft.com/office/drawing/2014/main" id="{18ED27A9-7C5A-4401-ACBD-37470CB7427E}"/>
-              </a:ext>
-            </a:extLst>
-          </p:cNvPr>
-          <p:cNvSpPr>
-            <a:spLocks noGrp="1"/>
-          </p:cNvSpPr>
-          <p:nvPr>
-            <p:ph idx="1"/>
-          </p:nvPr>
-        </p:nvSpPr>
-        <p:spPr>
-          <a:xfrm>
-            <a:off x="1261872" y="1828800"/>
-            <a:ext cx="8595360" cy="4351337"/>
-          </a:xfrm>
-        </p:spPr>
-        <p:txBody>
-          <a:bodyPr>
-            <a:normAutofit/>
-          </a:bodyPr>
-          <a:lstStyle/>
-          <a:p>
-            <a:r>
-              <a:rPr lang="en-US" dirty="0"/>
-              <a:t>Only thing necessary to discretise is the </a:t>
-            </a:r>
-            <a:r>
-              <a:rPr lang="en-US" sz="1800" dirty="0"/>
-              <a:t>Lévy flight operator</a:t>
-            </a:r>
-          </a:p>
-          <a:p>
-            <a:r>
-              <a:rPr lang="en-US" dirty="0"/>
-              <a:t>Select M vertices (where M is drawn from a </a:t>
-            </a:r>
-            <a:r>
-              <a:rPr lang="en-US" sz="1800" dirty="0"/>
-              <a:t>Lévy distribution) and recolour them randomly</a:t>
-            </a:r>
-          </a:p>
-          <a:p>
-            <a:r>
-              <a:rPr lang="en-US" dirty="0"/>
-              <a:t>In practice, produces poor results</a:t>
-            </a:r>
-            <a:endParaRPr lang="en-US" sz="1800" dirty="0"/>
-          </a:p>
-        </p:txBody>
-      </p:sp>
-      <p:sp>
-        <p:nvSpPr>
-          <p:cNvPr id="15" name="Rectangle 9">
-            <a:extLst>
-              <a:ext uri="{FF2B5EF4-FFF2-40B4-BE49-F238E27FC236}">
-                <a16:creationId xmlns:a16="http://schemas.microsoft.com/office/drawing/2014/main" id="{6B424749-EEE0-49C9-9ABF-97B171A3EA00}"/>
-              </a:ext>
-              <a:ext uri="{C183D7F6-B498-43B3-948B-1728B52AA6E4}">
-                <adec:decorative xmlns:adec="http://schemas.microsoft.com/office/drawing/2017/decorative" val="1"/>
-              </a:ext>
-            </a:extLst>
-          </p:cNvPr>
-          <p:cNvSpPr>
-            <a:spLocks noGrp="1" noRot="1" noChangeAspect="1" noMove="1" noResize="1" noEditPoints="1" noAdjustHandles="1" noChangeArrowheads="1" noChangeShapeType="1" noTextEdit="1"/>
-          </p:cNvSpPr>
-          <p:nvPr>
-            <p:extLst>
-              <p:ext uri="{386F3935-93C4-4BCD-93E2-E3B085C9AB24}">
-                <p16:designElem xmlns:p16="http://schemas.microsoft.com/office/powerpoint/2015/main" val="1"/>
-              </p:ext>
-            </p:extLst>
-          </p:nvPr>
-        </p:nvSpPr>
-        <p:spPr>
-          <a:xfrm>
-            <a:off x="11277600" y="0"/>
-            <a:ext cx="914400" cy="6858000"/>
-          </a:xfrm>
-          <a:prstGeom prst="rect">
-            <a:avLst/>
-          </a:prstGeom>
-          <a:solidFill>
-            <a:schemeClr val="tx2">
-              <a:lumMod val="75000"/>
-            </a:schemeClr>
-          </a:solidFill>
-          <a:ln>
-            <a:noFill/>
-          </a:ln>
-        </p:spPr>
-        <p:style>
-          <a:lnRef idx="2">
-            <a:schemeClr val="accent1">
-              <a:shade val="50000"/>
-            </a:schemeClr>
-          </a:lnRef>
-          <a:fillRef idx="1">
-            <a:schemeClr val="accent1"/>
-          </a:fillRef>
-          <a:effectRef idx="0">
-            <a:schemeClr val="accent1"/>
-          </a:effectRef>
-          <a:fontRef idx="minor">
-            <a:schemeClr val="lt1"/>
-          </a:fontRef>
-        </p:style>
-      </p:sp>
-    </p:spTree>
-    <p:extLst>
-      <p:ext uri="{BB962C8B-B14F-4D97-AF65-F5344CB8AC3E}">
-        <p14:creationId xmlns:p14="http://schemas.microsoft.com/office/powerpoint/2010/main" val="678330779"/>
-      </p:ext>
-    </p:extLst>
-  </p:cSld>
-  <p:clrMapOvr>
-    <a:overrideClrMapping bg1="dk1" tx1="lt1" bg2="dk2" tx2="lt2" accent1="accent1" accent2="accent2" accent3="accent3" accent4="accent4" accent5="accent5" accent6="accent6" hlink="hlink" folHlink="folHlink"/>
-  </p:clrMapOvr>
-</p:sld>
-</file>
-
-<file path=ppt/slides/slide16.xml><?xml version="1.0" encoding="utf-8"?>
-<p:sld xmlns:a="http://schemas.openxmlformats.org/drawingml/2006/main" xmlns:r="http://schemas.openxmlformats.org/officeDocument/2006/relationships" xmlns:p="http://schemas.openxmlformats.org/presentationml/2006/main">
-  <p:cSld>
-    <p:bg>
-      <p:bgPr>
-        <a:solidFill>
-          <a:schemeClr val="bg1">
-            <a:tint val="95000"/>
-            <a:satMod val="170000"/>
-          </a:schemeClr>
-        </a:solidFill>
-        <a:effectLst/>
-      </p:bgPr>
-    </p:bg>
-    <p:spTree>
-      <p:nvGrpSpPr>
-        <p:cNvPr id="1" name=""/>
-        <p:cNvGrpSpPr/>
-        <p:nvPr/>
-      </p:nvGrpSpPr>
-      <p:grpSpPr>
-        <a:xfrm>
-          <a:off x="0" y="0"/>
-          <a:ext cx="0" cy="0"/>
-          <a:chOff x="0" y="0"/>
-          <a:chExt cx="0" cy="0"/>
-        </a:xfrm>
-      </p:grpSpPr>
-      <p:sp useBgFill="1">
-        <p:nvSpPr>
-          <p:cNvPr id="14" name="Rectangle 7">
-            <a:extLst>
-              <a:ext uri="{FF2B5EF4-FFF2-40B4-BE49-F238E27FC236}">
-                <a16:creationId xmlns:a16="http://schemas.microsoft.com/office/drawing/2014/main" id="{5DB0431E-0B04-44A1-9C51-531E28D18A60}"/>
-              </a:ext>
-              <a:ext uri="{C183D7F6-B498-43B3-948B-1728B52AA6E4}">
-                <adec:decorative xmlns:adec="http://schemas.microsoft.com/office/drawing/2017/decorative" val="1"/>
-              </a:ext>
-            </a:extLst>
-          </p:cNvPr>
-          <p:cNvSpPr>
-            <a:spLocks noGrp="1" noRot="1" noChangeAspect="1" noMove="1" noResize="1" noEditPoints="1" noAdjustHandles="1" noChangeArrowheads="1" noChangeShapeType="1" noTextEdit="1"/>
-          </p:cNvSpPr>
-          <p:nvPr>
-            <p:extLst>
-              <p:ext uri="{386F3935-93C4-4BCD-93E2-E3B085C9AB24}">
-                <p16:designElem xmlns:p16="http://schemas.microsoft.com/office/powerpoint/2015/main" val="1"/>
-              </p:ext>
-            </p:extLst>
-          </p:nvPr>
-        </p:nvSpPr>
-        <p:spPr>
-          <a:xfrm>
-            <a:off x="0" y="0"/>
-            <a:ext cx="12192000" cy="6858000"/>
-          </a:xfrm>
-          <a:prstGeom prst="rect">
-            <a:avLst/>
-          </a:prstGeom>
-          <a:ln>
-            <a:noFill/>
-          </a:ln>
-        </p:spPr>
-        <p:style>
-          <a:lnRef idx="2">
-            <a:schemeClr val="accent1">
-              <a:shade val="50000"/>
-            </a:schemeClr>
-          </a:lnRef>
-          <a:fillRef idx="1">
-            <a:schemeClr val="accent1"/>
-          </a:fillRef>
-          <a:effectRef idx="0">
-            <a:schemeClr val="accent1"/>
-          </a:effectRef>
-          <a:fontRef idx="minor">
-            <a:schemeClr val="lt1"/>
-          </a:fontRef>
-        </p:style>
-        <p:txBody>
-          <a:bodyPr rtlCol="0" anchor="ctr"/>
-          <a:lstStyle/>
-          <a:p>
-            <a:pPr algn="ctr"/>
-            <a:endParaRPr lang="en-US"/>
-          </a:p>
-        </p:txBody>
-      </p:sp>
-      <p:sp>
-        <p:nvSpPr>
-          <p:cNvPr id="2" name="Title 1">
-            <a:extLst>
-              <a:ext uri="{FF2B5EF4-FFF2-40B4-BE49-F238E27FC236}">
-                <a16:creationId xmlns:a16="http://schemas.microsoft.com/office/drawing/2014/main" id="{565DE6B2-5AC6-4C70-9F08-2A6D960838A3}"/>
-              </a:ext>
-            </a:extLst>
-          </p:cNvPr>
-          <p:cNvSpPr>
-            <a:spLocks noGrp="1"/>
-          </p:cNvSpPr>
-          <p:nvPr>
-            <p:ph type="title"/>
-          </p:nvPr>
-        </p:nvSpPr>
-        <p:spPr>
-          <a:xfrm>
-            <a:off x="1261872" y="365760"/>
-            <a:ext cx="9692640" cy="1325562"/>
-          </a:xfrm>
-        </p:spPr>
-        <p:txBody>
-          <a:bodyPr>
-            <a:normAutofit/>
-          </a:bodyPr>
-          <a:lstStyle/>
-          <a:p>
-            <a:r>
-              <a:rPr lang="en-US" dirty="0"/>
-              <a:t>Ant Colony Optimisation Hybrid Approach</a:t>
-            </a:r>
-          </a:p>
-        </p:txBody>
-      </p:sp>
-      <mc:AlternateContent xmlns:mc="http://schemas.openxmlformats.org/markup-compatibility/2006">
-        <mc:Choice xmlns:a14="http://schemas.microsoft.com/office/drawing/2010/main" Requires="a14">
-          <p:sp>
-            <p:nvSpPr>
-              <p:cNvPr id="3" name="Content Placeholder 2">
-                <a:extLst>
-                  <a:ext uri="{FF2B5EF4-FFF2-40B4-BE49-F238E27FC236}">
-                    <a16:creationId xmlns:a16="http://schemas.microsoft.com/office/drawing/2014/main" id="{18ED27A9-7C5A-4401-ACBD-37470CB7427E}"/>
-                  </a:ext>
-                </a:extLst>
-              </p:cNvPr>
-              <p:cNvSpPr>
-                <a:spLocks noGrp="1"/>
-              </p:cNvSpPr>
-              <p:nvPr>
-                <p:ph idx="1"/>
-              </p:nvPr>
-            </p:nvSpPr>
-            <p:spPr>
-              <a:xfrm>
-                <a:off x="1261872" y="1828800"/>
-                <a:ext cx="8595360" cy="4351337"/>
-              </a:xfrm>
-            </p:spPr>
-            <p:txBody>
-              <a:bodyPr>
-                <a:normAutofit/>
-              </a:bodyPr>
-              <a:lstStyle/>
-              <a:p>
-                <a:r>
-                  <a:rPr lang="en-US" sz="1800" dirty="0"/>
-                  <a:t>A weighted Pheromone Graph </a:t>
-                </a:r>
-                <a14:m>
-                  <m:oMath xmlns:m="http://schemas.openxmlformats.org/officeDocument/2006/math">
-                    <m:r>
-                      <a:rPr lang="en-US" sz="1800" i="1" smtClean="0">
-                        <a:latin typeface="Cambria Math" panose="02040503050406030204" pitchFamily="18" charset="0"/>
-                        <a:ea typeface="Cambria Math" panose="02040503050406030204" pitchFamily="18" charset="0"/>
-                      </a:rPr>
-                      <m:t>𝜏</m:t>
-                    </m:r>
-                  </m:oMath>
-                </a14:m>
-                <a:r>
-                  <a:rPr lang="en-US" dirty="0"/>
-                  <a:t> is used to store the value of selecting one vertex from another</a:t>
-                </a:r>
-              </a:p>
-              <a:p>
-                <a:r>
-                  <a:rPr lang="en-US" sz="1800" dirty="0"/>
-                  <a:t>Lévy f</a:t>
-                </a:r>
-                <a:r>
-                  <a:rPr lang="en-US" dirty="0"/>
-                  <a:t>lights:</a:t>
-                </a:r>
-              </a:p>
-              <a:p>
-                <a:pPr lvl="1"/>
-                <a:r>
-                  <a:rPr lang="en-US" dirty="0"/>
-                  <a:t>Generate a number M. Beginning from the vertex with highest degree, iteratively select M vertices with probability according to their weight</a:t>
-                </a:r>
-              </a:p>
-              <a:p>
-                <a:pPr lvl="1"/>
-                <a:r>
-                  <a:rPr lang="en-US" dirty="0"/>
-                  <a:t>A vertex’s weight is the product of its heuristic value and the pheromone weight when moving from the current vertex</a:t>
-                </a:r>
-              </a:p>
-              <a:p>
-                <a:r>
-                  <a:rPr lang="en-US" dirty="0"/>
-                  <a:t>After performing a </a:t>
-                </a:r>
-                <a:r>
-                  <a:rPr lang="en-US" sz="1800" dirty="0"/>
-                  <a:t>Lévy flight, </a:t>
-                </a:r>
-                <a14:m>
-                  <m:oMath xmlns:m="http://schemas.openxmlformats.org/officeDocument/2006/math">
-                    <m:r>
-                      <a:rPr lang="en-US" sz="1800" i="1" smtClean="0">
-                        <a:latin typeface="Cambria Math" panose="02040503050406030204" pitchFamily="18" charset="0"/>
-                        <a:ea typeface="Cambria Math" panose="02040503050406030204" pitchFamily="18" charset="0"/>
-                      </a:rPr>
-                      <m:t>𝜏</m:t>
-                    </m:r>
-                  </m:oMath>
-                </a14:m>
-                <a:r>
-                  <a:rPr lang="en-US" dirty="0"/>
-                  <a:t> is updated so more weight is given to paths that created better solutions</a:t>
-                </a:r>
-              </a:p>
-              <a:p>
-                <a:r>
-                  <a:rPr lang="en-US" dirty="0"/>
-                  <a:t>Takes into account heuristic information while also learning from previous iterations and maintaining a degree of randomness</a:t>
-                </a:r>
-              </a:p>
-            </p:txBody>
-          </p:sp>
-        </mc:Choice>
-        <mc:Fallback>
-          <p:sp>
-            <p:nvSpPr>
-              <p:cNvPr id="3" name="Content Placeholder 2">
-                <a:extLst>
-                  <a:ext uri="{FF2B5EF4-FFF2-40B4-BE49-F238E27FC236}">
-                    <a16:creationId xmlns:a16="http://schemas.microsoft.com/office/drawing/2014/main" id="{18ED27A9-7C5A-4401-ACBD-37470CB7427E}"/>
-                  </a:ext>
-                </a:extLst>
-              </p:cNvPr>
-              <p:cNvSpPr>
-                <a:spLocks noGrp="1" noRot="1" noChangeAspect="1" noMove="1" noResize="1" noEditPoints="1" noAdjustHandles="1" noChangeArrowheads="1" noChangeShapeType="1" noTextEdit="1"/>
-              </p:cNvSpPr>
-              <p:nvPr>
-                <p:ph idx="1"/>
-              </p:nvPr>
-            </p:nvSpPr>
-            <p:spPr>
-              <a:xfrm>
-                <a:off x="1261872" y="1828800"/>
-                <a:ext cx="8595360" cy="4351337"/>
-              </a:xfrm>
-              <a:blipFill>
-                <a:blip r:embed="rId3"/>
-                <a:stretch>
-                  <a:fillRect l="-142" t="-1120" r="-355"/>
-                </a:stretch>
-              </a:blipFill>
-            </p:spPr>
-            <p:txBody>
-              <a:bodyPr/>
-              <a:lstStyle/>
-              <a:p>
-                <a:r>
-                  <a:rPr lang="en-GB">
-                    <a:noFill/>
-                  </a:rPr>
-                  <a:t> </a:t>
-                </a:r>
-              </a:p>
-            </p:txBody>
-          </p:sp>
-        </mc:Fallback>
-      </mc:AlternateContent>
-      <p:sp>
-        <p:nvSpPr>
-          <p:cNvPr id="15" name="Rectangle 9">
-            <a:extLst>
-              <a:ext uri="{FF2B5EF4-FFF2-40B4-BE49-F238E27FC236}">
-                <a16:creationId xmlns:a16="http://schemas.microsoft.com/office/drawing/2014/main" id="{6B424749-EEE0-49C9-9ABF-97B171A3EA00}"/>
-              </a:ext>
-              <a:ext uri="{C183D7F6-B498-43B3-948B-1728B52AA6E4}">
-                <adec:decorative xmlns:adec="http://schemas.microsoft.com/office/drawing/2017/decorative" val="1"/>
-              </a:ext>
-            </a:extLst>
-          </p:cNvPr>
-          <p:cNvSpPr>
-            <a:spLocks noGrp="1" noRot="1" noChangeAspect="1" noMove="1" noResize="1" noEditPoints="1" noAdjustHandles="1" noChangeArrowheads="1" noChangeShapeType="1" noTextEdit="1"/>
-          </p:cNvSpPr>
-          <p:nvPr>
-            <p:extLst>
-              <p:ext uri="{386F3935-93C4-4BCD-93E2-E3B085C9AB24}">
-                <p16:designElem xmlns:p16="http://schemas.microsoft.com/office/powerpoint/2015/main" val="1"/>
-              </p:ext>
-            </p:extLst>
-          </p:nvPr>
-        </p:nvSpPr>
-        <p:spPr>
-          <a:xfrm>
-            <a:off x="11277600" y="0"/>
-            <a:ext cx="914400" cy="6858000"/>
-          </a:xfrm>
-          <a:prstGeom prst="rect">
-            <a:avLst/>
-          </a:prstGeom>
-          <a:solidFill>
-            <a:schemeClr val="tx2">
-              <a:lumMod val="75000"/>
-            </a:schemeClr>
-          </a:solidFill>
-          <a:ln>
-            <a:noFill/>
-          </a:ln>
-        </p:spPr>
-        <p:style>
-          <a:lnRef idx="2">
-            <a:schemeClr val="accent1">
-              <a:shade val="50000"/>
-            </a:schemeClr>
-          </a:lnRef>
-          <a:fillRef idx="1">
-            <a:schemeClr val="accent1"/>
-          </a:fillRef>
-          <a:effectRef idx="0">
-            <a:schemeClr val="accent1"/>
-          </a:effectRef>
-          <a:fontRef idx="minor">
-            <a:schemeClr val="lt1"/>
-          </a:fontRef>
-        </p:style>
-      </p:sp>
-    </p:spTree>
-    <p:extLst>
-      <p:ext uri="{BB962C8B-B14F-4D97-AF65-F5344CB8AC3E}">
-        <p14:creationId xmlns:p14="http://schemas.microsoft.com/office/powerpoint/2010/main" val="3451720746"/>
-      </p:ext>
-    </p:extLst>
-  </p:cSld>
-  <p:clrMapOvr>
-    <a:overrideClrMapping bg1="dk1" tx1="lt1" bg2="dk2" tx2="lt2" accent1="accent1" accent2="accent2" accent3="accent3" accent4="accent4" accent5="accent5" accent6="accent6" hlink="hlink" folHlink="folHlink"/>
-  </p:clrMapOvr>
-</p:sld>
-</file>
-
-<file path=ppt/slides/slide17.xml><?xml version="1.0" encoding="utf-8"?>
-<p:sld xmlns:a="http://schemas.openxmlformats.org/drawingml/2006/main" xmlns:r="http://schemas.openxmlformats.org/officeDocument/2006/relationships" xmlns:p="http://schemas.openxmlformats.org/presentationml/2006/main">
-  <p:cSld>
-    <p:bg>
-      <p:bgPr>
-        <a:solidFill>
-          <a:schemeClr val="bg2">
-            <a:lumMod val="75000"/>
-          </a:schemeClr>
-        </a:solidFill>
-        <a:effectLst/>
-      </p:bgPr>
-    </p:bg>
-    <p:spTree>
-      <p:nvGrpSpPr>
-        <p:cNvPr id="1" name=""/>
-        <p:cNvGrpSpPr/>
-        <p:nvPr/>
-      </p:nvGrpSpPr>
-      <p:grpSpPr>
-        <a:xfrm>
-          <a:off x="0" y="0"/>
-          <a:ext cx="0" cy="0"/>
-          <a:chOff x="0" y="0"/>
-          <a:chExt cx="0" cy="0"/>
-        </a:xfrm>
-      </p:grpSpPr>
-      <p:sp>
-        <p:nvSpPr>
-          <p:cNvPr id="7" name="Rectangle 6">
-            <a:extLst>
-              <a:ext uri="{FF2B5EF4-FFF2-40B4-BE49-F238E27FC236}">
-                <a16:creationId xmlns:a16="http://schemas.microsoft.com/office/drawing/2014/main" id="{A6F05DDE-5F2C-44F5-BACC-DED4737B11B8}"/>
-              </a:ext>
-              <a:ext uri="{C183D7F6-B498-43B3-948B-1728B52AA6E4}">
-                <adec:decorative xmlns:adec="http://schemas.microsoft.com/office/drawing/2017/decorative" val="1"/>
-              </a:ext>
-            </a:extLst>
-          </p:cNvPr>
-          <p:cNvSpPr>
-            <a:spLocks noGrp="1" noRot="1" noChangeAspect="1" noMove="1" noResize="1" noEditPoints="1" noAdjustHandles="1" noChangeArrowheads="1" noChangeShapeType="1" noTextEdit="1"/>
-          </p:cNvSpPr>
-          <p:nvPr>
-            <p:extLst>
-              <p:ext uri="{386F3935-93C4-4BCD-93E2-E3B085C9AB24}">
-                <p16:designElem xmlns:p16="http://schemas.microsoft.com/office/powerpoint/2015/main" val="1"/>
-              </p:ext>
-            </p:extLst>
-          </p:nvPr>
-        </p:nvSpPr>
-        <p:spPr>
-          <a:xfrm>
-            <a:off x="0" y="0"/>
-            <a:ext cx="457200" cy="6858000"/>
-          </a:xfrm>
-          <a:prstGeom prst="rect">
-            <a:avLst/>
-          </a:prstGeom>
-          <a:solidFill>
-            <a:schemeClr val="accent1"/>
-          </a:solidFill>
-          <a:ln>
-            <a:noFill/>
-          </a:ln>
-        </p:spPr>
-        <p:style>
-          <a:lnRef idx="2">
-            <a:schemeClr val="accent1">
-              <a:shade val="50000"/>
-            </a:schemeClr>
-          </a:lnRef>
-          <a:fillRef idx="1">
-            <a:schemeClr val="accent1"/>
-          </a:fillRef>
-          <a:effectRef idx="0">
-            <a:schemeClr val="accent1"/>
-          </a:effectRef>
-          <a:fontRef idx="minor">
-            <a:schemeClr val="lt1"/>
-          </a:fontRef>
-        </p:style>
-      </p:sp>
-      <p:sp>
-        <p:nvSpPr>
-          <p:cNvPr id="2" name="Title 1">
-            <a:extLst>
-              <a:ext uri="{FF2B5EF4-FFF2-40B4-BE49-F238E27FC236}">
-                <a16:creationId xmlns:a16="http://schemas.microsoft.com/office/drawing/2014/main" id="{F9B195F7-C8F2-4AEE-838F-FFBF62F056BD}"/>
-              </a:ext>
-            </a:extLst>
-          </p:cNvPr>
-          <p:cNvSpPr>
-            <a:spLocks noGrp="1"/>
-          </p:cNvSpPr>
-          <p:nvPr>
-            <p:ph type="title"/>
-          </p:nvPr>
-        </p:nvSpPr>
-        <p:spPr>
-          <a:xfrm>
-            <a:off x="1261872" y="1028699"/>
-            <a:ext cx="9418320" cy="3862083"/>
-          </a:xfrm>
-        </p:spPr>
-        <p:txBody>
-          <a:bodyPr vert="horz" lIns="91440" tIns="45720" rIns="91440" bIns="45720" rtlCol="0" anchor="ctr">
-            <a:normAutofit/>
-          </a:bodyPr>
-          <a:lstStyle/>
-          <a:p>
-            <a:pPr algn="ctr">
-              <a:lnSpc>
-                <a:spcPct val="85000"/>
-              </a:lnSpc>
-            </a:pPr>
-            <a:r>
-              <a:rPr lang="en-US" sz="6000" dirty="0"/>
-              <a:t>Preliminary Results</a:t>
-            </a:r>
-          </a:p>
-        </p:txBody>
-      </p:sp>
-      <p:cxnSp>
-        <p:nvCxnSpPr>
-          <p:cNvPr id="9" name="Straight Connector 8">
-            <a:extLst>
-              <a:ext uri="{FF2B5EF4-FFF2-40B4-BE49-F238E27FC236}">
-                <a16:creationId xmlns:a16="http://schemas.microsoft.com/office/drawing/2014/main" id="{D7E8ECA2-60A0-4D39-817D-F1E982ED7F9B}"/>
-              </a:ext>
-              <a:ext uri="{C183D7F6-B498-43B3-948B-1728B52AA6E4}">
-                <adec:decorative xmlns:adec="http://schemas.microsoft.com/office/drawing/2017/decorative" val="1"/>
-              </a:ext>
-            </a:extLst>
-          </p:cNvPr>
-          <p:cNvCxnSpPr>
-            <a:cxnSpLocks noGrp="1" noRot="1" noChangeAspect="1" noMove="1" noResize="1" noEditPoints="1" noAdjustHandles="1" noChangeArrowheads="1" noChangeShapeType="1"/>
-          </p:cNvCxnSpPr>
-          <p:nvPr>
-            <p:extLst>
-              <p:ext uri="{386F3935-93C4-4BCD-93E2-E3B085C9AB24}">
-                <p16:designElem xmlns:p16="http://schemas.microsoft.com/office/powerpoint/2015/main" val="1"/>
-              </p:ext>
-            </p:extLst>
-          </p:nvPr>
-        </p:nvCxnSpPr>
-        <p:spPr>
-          <a:xfrm flipH="1">
-            <a:off x="5651500" y="5097592"/>
-            <a:ext cx="596394" cy="0"/>
-          </a:xfrm>
-          <a:prstGeom prst="line">
-            <a:avLst/>
-          </a:prstGeom>
-          <a:ln w="12700">
-            <a:solidFill>
-              <a:schemeClr val="tx2"/>
-            </a:solidFill>
-          </a:ln>
-        </p:spPr>
-        <p:style>
-          <a:lnRef idx="1">
-            <a:schemeClr val="accent1"/>
-          </a:lnRef>
-          <a:fillRef idx="0">
-            <a:schemeClr val="accent1"/>
-          </a:fillRef>
-          <a:effectRef idx="0">
-            <a:schemeClr val="accent1"/>
-          </a:effectRef>
-          <a:fontRef idx="minor">
-            <a:schemeClr val="tx1"/>
-          </a:fontRef>
-        </p:style>
-      </p:cxnSp>
-    </p:spTree>
-    <p:extLst>
-      <p:ext uri="{BB962C8B-B14F-4D97-AF65-F5344CB8AC3E}">
-        <p14:creationId xmlns:p14="http://schemas.microsoft.com/office/powerpoint/2010/main" val="2611657535"/>
-      </p:ext>
-    </p:extLst>
-  </p:cSld>
-  <p:clrMapOvr>
-    <a:masterClrMapping/>
-  </p:clrMapOvr>
-</p:sld>
-</file>
-
-<file path=ppt/slides/slide18.xml><?xml version="1.0" encoding="utf-8"?>
-<p:sld xmlns:a="http://schemas.openxmlformats.org/drawingml/2006/main" xmlns:r="http://schemas.openxmlformats.org/officeDocument/2006/relationships" xmlns:p="http://schemas.openxmlformats.org/presentationml/2006/main">
-  <p:cSld>
-    <p:bg>
-      <p:bgPr>
-        <a:solidFill>
-          <a:schemeClr val="bg1">
-            <a:tint val="95000"/>
-            <a:satMod val="170000"/>
-          </a:schemeClr>
-        </a:solidFill>
-        <a:effectLst/>
-      </p:bgPr>
-    </p:bg>
-    <p:spTree>
-      <p:nvGrpSpPr>
-        <p:cNvPr id="1" name=""/>
-        <p:cNvGrpSpPr/>
-        <p:nvPr/>
-      </p:nvGrpSpPr>
-      <p:grpSpPr>
-        <a:xfrm>
-          <a:off x="0" y="0"/>
-          <a:ext cx="0" cy="0"/>
-          <a:chOff x="0" y="0"/>
-          <a:chExt cx="0" cy="0"/>
-        </a:xfrm>
-      </p:grpSpPr>
-      <p:sp useBgFill="1">
-        <p:nvSpPr>
-          <p:cNvPr id="14" name="Rectangle 7">
-            <a:extLst>
-              <a:ext uri="{FF2B5EF4-FFF2-40B4-BE49-F238E27FC236}">
-                <a16:creationId xmlns:a16="http://schemas.microsoft.com/office/drawing/2014/main" id="{5DB0431E-0B04-44A1-9C51-531E28D18A60}"/>
-              </a:ext>
-              <a:ext uri="{C183D7F6-B498-43B3-948B-1728B52AA6E4}">
-                <adec:decorative xmlns:adec="http://schemas.microsoft.com/office/drawing/2017/decorative" val="1"/>
-              </a:ext>
-            </a:extLst>
-          </p:cNvPr>
-          <p:cNvSpPr>
-            <a:spLocks noGrp="1" noRot="1" noChangeAspect="1" noMove="1" noResize="1" noEditPoints="1" noAdjustHandles="1" noChangeArrowheads="1" noChangeShapeType="1" noTextEdit="1"/>
-          </p:cNvSpPr>
-          <p:nvPr>
-            <p:extLst>
-              <p:ext uri="{386F3935-93C4-4BCD-93E2-E3B085C9AB24}">
-                <p16:designElem xmlns:p16="http://schemas.microsoft.com/office/powerpoint/2015/main" val="1"/>
-              </p:ext>
-            </p:extLst>
-          </p:nvPr>
-        </p:nvSpPr>
-        <p:spPr>
-          <a:xfrm>
-            <a:off x="0" y="0"/>
-            <a:ext cx="12192000" cy="6858000"/>
-          </a:xfrm>
-          <a:prstGeom prst="rect">
-            <a:avLst/>
-          </a:prstGeom>
-          <a:ln>
-            <a:noFill/>
-          </a:ln>
-        </p:spPr>
-        <p:style>
-          <a:lnRef idx="2">
-            <a:schemeClr val="accent1">
-              <a:shade val="50000"/>
-            </a:schemeClr>
-          </a:lnRef>
-          <a:fillRef idx="1">
-            <a:schemeClr val="accent1"/>
-          </a:fillRef>
-          <a:effectRef idx="0">
-            <a:schemeClr val="accent1"/>
-          </a:effectRef>
-          <a:fontRef idx="minor">
-            <a:schemeClr val="lt1"/>
-          </a:fontRef>
-        </p:style>
-        <p:txBody>
-          <a:bodyPr rtlCol="0" anchor="ctr"/>
-          <a:lstStyle/>
-          <a:p>
-            <a:pPr algn="ctr"/>
-            <a:endParaRPr lang="en-US"/>
-          </a:p>
-        </p:txBody>
-      </p:sp>
-      <p:sp>
-        <p:nvSpPr>
-          <p:cNvPr id="2" name="Title 1">
-            <a:extLst>
-              <a:ext uri="{FF2B5EF4-FFF2-40B4-BE49-F238E27FC236}">
-                <a16:creationId xmlns:a16="http://schemas.microsoft.com/office/drawing/2014/main" id="{565DE6B2-5AC6-4C70-9F08-2A6D960838A3}"/>
-              </a:ext>
-            </a:extLst>
-          </p:cNvPr>
-          <p:cNvSpPr>
-            <a:spLocks noGrp="1"/>
-          </p:cNvSpPr>
-          <p:nvPr>
-            <p:ph type="title"/>
-          </p:nvPr>
-        </p:nvSpPr>
-        <p:spPr>
-          <a:xfrm>
-            <a:off x="1261872" y="365760"/>
-            <a:ext cx="9692640" cy="1325562"/>
-          </a:xfrm>
-        </p:spPr>
-        <p:txBody>
-          <a:bodyPr>
-            <a:normAutofit/>
-          </a:bodyPr>
-          <a:lstStyle/>
-          <a:p>
-            <a:r>
-              <a:rPr lang="en-US" dirty="0"/>
-              <a:t>PUT RESULTS HERE</a:t>
-            </a:r>
-          </a:p>
-        </p:txBody>
-      </p:sp>
-      <p:sp>
-        <p:nvSpPr>
-          <p:cNvPr id="15" name="Rectangle 9">
-            <a:extLst>
-              <a:ext uri="{FF2B5EF4-FFF2-40B4-BE49-F238E27FC236}">
-                <a16:creationId xmlns:a16="http://schemas.microsoft.com/office/drawing/2014/main" id="{6B424749-EEE0-49C9-9ABF-97B171A3EA00}"/>
-              </a:ext>
-              <a:ext uri="{C183D7F6-B498-43B3-948B-1728B52AA6E4}">
-                <adec:decorative xmlns:adec="http://schemas.microsoft.com/office/drawing/2017/decorative" val="1"/>
-              </a:ext>
-            </a:extLst>
-          </p:cNvPr>
-          <p:cNvSpPr>
-            <a:spLocks noGrp="1" noRot="1" noChangeAspect="1" noMove="1" noResize="1" noEditPoints="1" noAdjustHandles="1" noChangeArrowheads="1" noChangeShapeType="1" noTextEdit="1"/>
-          </p:cNvSpPr>
-          <p:nvPr>
-            <p:extLst>
-              <p:ext uri="{386F3935-93C4-4BCD-93E2-E3B085C9AB24}">
-                <p16:designElem xmlns:p16="http://schemas.microsoft.com/office/powerpoint/2015/main" val="1"/>
-              </p:ext>
-            </p:extLst>
-          </p:nvPr>
-        </p:nvSpPr>
-        <p:spPr>
-          <a:xfrm>
-            <a:off x="11277600" y="0"/>
-            <a:ext cx="914400" cy="6858000"/>
-          </a:xfrm>
-          <a:prstGeom prst="rect">
-            <a:avLst/>
-          </a:prstGeom>
-          <a:solidFill>
-            <a:schemeClr val="tx2">
-              <a:lumMod val="75000"/>
-            </a:schemeClr>
-          </a:solidFill>
-          <a:ln>
-            <a:noFill/>
-          </a:ln>
-        </p:spPr>
-        <p:style>
-          <a:lnRef idx="2">
-            <a:schemeClr val="accent1">
-              <a:shade val="50000"/>
-            </a:schemeClr>
-          </a:lnRef>
-          <a:fillRef idx="1">
-            <a:schemeClr val="accent1"/>
-          </a:fillRef>
-          <a:effectRef idx="0">
-            <a:schemeClr val="accent1"/>
-          </a:effectRef>
-          <a:fontRef idx="minor">
-            <a:schemeClr val="lt1"/>
-          </a:fontRef>
-        </p:style>
-      </p:sp>
-      <p:graphicFrame>
-        <p:nvGraphicFramePr>
-          <p:cNvPr id="5" name="Table 5">
-            <a:extLst>
-              <a:ext uri="{FF2B5EF4-FFF2-40B4-BE49-F238E27FC236}">
-                <a16:creationId xmlns:a16="http://schemas.microsoft.com/office/drawing/2014/main" id="{2995FB61-491B-4C30-AF9C-DC47E108D63B}"/>
-              </a:ext>
-            </a:extLst>
-          </p:cNvPr>
-          <p:cNvGraphicFramePr>
-            <a:graphicFrameLocks noGrp="1"/>
-          </p:cNvGraphicFramePr>
-          <p:nvPr>
-            <p:extLst>
-              <p:ext uri="{D42A27DB-BD31-4B8C-83A1-F6EECF244321}">
-                <p14:modId xmlns:p14="http://schemas.microsoft.com/office/powerpoint/2010/main" val="1600073391"/>
-              </p:ext>
-            </p:extLst>
-          </p:nvPr>
-        </p:nvGraphicFramePr>
-        <p:xfrm>
-          <a:off x="1574800" y="2572845"/>
-          <a:ext cx="8128000" cy="2966720"/>
-        </p:xfrm>
-        <a:graphic>
-          <a:graphicData uri="http://schemas.openxmlformats.org/drawingml/2006/table">
-            <a:tbl>
-              <a:tblPr firstRow="1" bandRow="1">
-                <a:tableStyleId>{5C22544A-7EE6-4342-B048-85BDC9FD1C3A}</a:tableStyleId>
-              </a:tblPr>
-              <a:tblGrid>
-                <a:gridCol w="4064000">
-                  <a:extLst>
-                    <a:ext uri="{9D8B030D-6E8A-4147-A177-3AD203B41FA5}">
-                      <a16:colId xmlns:a16="http://schemas.microsoft.com/office/drawing/2014/main" val="2712318329"/>
-                    </a:ext>
-                  </a:extLst>
-                </a:gridCol>
-                <a:gridCol w="4064000">
-                  <a:extLst>
-                    <a:ext uri="{9D8B030D-6E8A-4147-A177-3AD203B41FA5}">
-                      <a16:colId xmlns:a16="http://schemas.microsoft.com/office/drawing/2014/main" val="222711"/>
-                    </a:ext>
-                  </a:extLst>
-                </a:gridCol>
-              </a:tblGrid>
-              <a:tr h="370840">
-                <a:tc>
-                  <a:txBody>
-                    <a:bodyPr/>
-                    <a:lstStyle/>
-                    <a:p>
-                      <a:r>
-                        <a:rPr lang="en-US" dirty="0"/>
-                        <a:t>Algorithm</a:t>
-                      </a:r>
-                    </a:p>
-                  </a:txBody>
-                  <a:tcPr/>
-                </a:tc>
-                <a:tc>
-                  <a:txBody>
-                    <a:bodyPr/>
-                    <a:lstStyle/>
-                    <a:p>
-                      <a:r>
-                        <a:rPr lang="en-US" dirty="0"/>
-                        <a:t>Number of Colours</a:t>
-                      </a:r>
-                    </a:p>
-                  </a:txBody>
-                  <a:tcPr/>
-                </a:tc>
-                <a:extLst>
-                  <a:ext uri="{0D108BD9-81ED-4DB2-BD59-A6C34878D82A}">
-                    <a16:rowId xmlns:a16="http://schemas.microsoft.com/office/drawing/2014/main" val="428780276"/>
-                  </a:ext>
-                </a:extLst>
-              </a:tr>
-              <a:tr h="370840">
-                <a:tc>
-                  <a:txBody>
-                    <a:bodyPr/>
-                    <a:lstStyle/>
-                    <a:p>
-                      <a:r>
-                        <a:rPr lang="en-US" dirty="0"/>
-                        <a:t>CSACO</a:t>
-                      </a:r>
-                    </a:p>
-                  </a:txBody>
-                  <a:tcPr/>
-                </a:tc>
-                <a:tc>
-                  <a:txBody>
-                    <a:bodyPr/>
-                    <a:lstStyle/>
-                    <a:p>
-                      <a:r>
-                        <a:rPr lang="en-US" dirty="0"/>
-                        <a:t>32</a:t>
-                      </a:r>
-                    </a:p>
-                  </a:txBody>
-                  <a:tcPr/>
-                </a:tc>
-                <a:extLst>
-                  <a:ext uri="{0D108BD9-81ED-4DB2-BD59-A6C34878D82A}">
-                    <a16:rowId xmlns:a16="http://schemas.microsoft.com/office/drawing/2014/main" val="88201004"/>
-                  </a:ext>
-                </a:extLst>
-              </a:tr>
-              <a:tr h="370840">
-                <a:tc>
-                  <a:txBody>
-                    <a:bodyPr/>
-                    <a:lstStyle/>
-                    <a:p>
-                      <a:r>
-                        <a:rPr lang="en-US" dirty="0"/>
-                        <a:t>COA</a:t>
-                      </a:r>
-                    </a:p>
-                  </a:txBody>
-                  <a:tcPr/>
-                </a:tc>
-                <a:tc>
-                  <a:txBody>
-                    <a:bodyPr/>
-                    <a:lstStyle/>
-                    <a:p>
-                      <a:r>
-                        <a:rPr lang="en-US" dirty="0"/>
-                        <a:t>37</a:t>
-                      </a:r>
-                    </a:p>
-                  </a:txBody>
-                  <a:tcPr/>
-                </a:tc>
-                <a:extLst>
-                  <a:ext uri="{0D108BD9-81ED-4DB2-BD59-A6C34878D82A}">
-                    <a16:rowId xmlns:a16="http://schemas.microsoft.com/office/drawing/2014/main" val="2142817177"/>
-                  </a:ext>
-                </a:extLst>
-              </a:tr>
-              <a:tr h="370840">
-                <a:tc>
-                  <a:txBody>
-                    <a:bodyPr/>
-                    <a:lstStyle/>
-                    <a:p>
-                      <a:r>
-                        <a:rPr lang="en-US" dirty="0"/>
-                        <a:t>ACO</a:t>
-                      </a:r>
-                    </a:p>
-                  </a:txBody>
-                  <a:tcPr/>
-                </a:tc>
-                <a:tc>
-                  <a:txBody>
-                    <a:bodyPr/>
-                    <a:lstStyle/>
-                    <a:p>
-                      <a:r>
-                        <a:rPr lang="en-US" dirty="0"/>
-                        <a:t>39</a:t>
-                      </a:r>
-                    </a:p>
-                  </a:txBody>
-                  <a:tcPr/>
-                </a:tc>
-                <a:extLst>
-                  <a:ext uri="{0D108BD9-81ED-4DB2-BD59-A6C34878D82A}">
-                    <a16:rowId xmlns:a16="http://schemas.microsoft.com/office/drawing/2014/main" val="2146664271"/>
-                  </a:ext>
-                </a:extLst>
-              </a:tr>
-              <a:tr h="370840">
-                <a:tc>
-                  <a:txBody>
-                    <a:bodyPr/>
-                    <a:lstStyle/>
-                    <a:p>
-                      <a:r>
-                        <a:rPr lang="en-US" dirty="0"/>
-                        <a:t>GA (with GPX)</a:t>
-                      </a:r>
-                    </a:p>
-                  </a:txBody>
-                  <a:tcPr/>
-                </a:tc>
-                <a:tc>
-                  <a:txBody>
-                    <a:bodyPr/>
-                    <a:lstStyle/>
-                    <a:p>
-                      <a:r>
-                        <a:rPr lang="en-US" dirty="0"/>
-                        <a:t>44</a:t>
-                      </a:r>
-                    </a:p>
-                  </a:txBody>
-                  <a:tcPr/>
-                </a:tc>
-                <a:extLst>
-                  <a:ext uri="{0D108BD9-81ED-4DB2-BD59-A6C34878D82A}">
-                    <a16:rowId xmlns:a16="http://schemas.microsoft.com/office/drawing/2014/main" val="1255556595"/>
-                  </a:ext>
-                </a:extLst>
-              </a:tr>
-              <a:tr h="370840">
-                <a:tc>
-                  <a:txBody>
-                    <a:bodyPr/>
-                    <a:lstStyle/>
-                    <a:p>
-                      <a:r>
-                        <a:rPr lang="en-US" dirty="0"/>
-                        <a:t>PSO</a:t>
-                      </a:r>
-                    </a:p>
-                  </a:txBody>
-                  <a:tcPr/>
-                </a:tc>
-                <a:tc>
-                  <a:txBody>
-                    <a:bodyPr/>
-                    <a:lstStyle/>
-                    <a:p>
-                      <a:endParaRPr lang="en-US" dirty="0"/>
-                    </a:p>
-                  </a:txBody>
-                  <a:tcPr/>
-                </a:tc>
-                <a:extLst>
-                  <a:ext uri="{0D108BD9-81ED-4DB2-BD59-A6C34878D82A}">
-                    <a16:rowId xmlns:a16="http://schemas.microsoft.com/office/drawing/2014/main" val="3394008471"/>
-                  </a:ext>
-                </a:extLst>
-              </a:tr>
-              <a:tr h="370840">
-                <a:tc>
-                  <a:txBody>
-                    <a:bodyPr/>
-                    <a:lstStyle/>
-                    <a:p>
-                      <a:r>
-                        <a:rPr lang="en-US" dirty="0"/>
-                        <a:t>SA</a:t>
-                      </a:r>
-                    </a:p>
-                  </a:txBody>
-                  <a:tcPr/>
-                </a:tc>
-                <a:tc>
-                  <a:txBody>
-                    <a:bodyPr/>
-                    <a:lstStyle/>
-                    <a:p>
-                      <a:endParaRPr lang="en-US" dirty="0"/>
-                    </a:p>
-                  </a:txBody>
-                  <a:tcPr/>
-                </a:tc>
-                <a:extLst>
-                  <a:ext uri="{0D108BD9-81ED-4DB2-BD59-A6C34878D82A}">
-                    <a16:rowId xmlns:a16="http://schemas.microsoft.com/office/drawing/2014/main" val="3219219174"/>
-                  </a:ext>
-                </a:extLst>
-              </a:tr>
-              <a:tr h="370840">
-                <a:tc>
-                  <a:txBody>
-                    <a:bodyPr/>
-                    <a:lstStyle/>
-                    <a:p>
-                      <a:r>
-                        <a:rPr lang="en-US" dirty="0"/>
-                        <a:t>TABUCOL</a:t>
-                      </a:r>
-                    </a:p>
-                  </a:txBody>
-                  <a:tcPr/>
-                </a:tc>
-                <a:tc>
-                  <a:txBody>
-                    <a:bodyPr/>
-                    <a:lstStyle/>
-                    <a:p>
-                      <a:endParaRPr lang="en-US" dirty="0"/>
-                    </a:p>
-                  </a:txBody>
-                  <a:tcPr/>
-                </a:tc>
-                <a:extLst>
-                  <a:ext uri="{0D108BD9-81ED-4DB2-BD59-A6C34878D82A}">
-                    <a16:rowId xmlns:a16="http://schemas.microsoft.com/office/drawing/2014/main" val="1876939863"/>
-                  </a:ext>
-                </a:extLst>
-              </a:tr>
-            </a:tbl>
-          </a:graphicData>
-        </a:graphic>
-      </p:graphicFrame>
-      <p:sp>
-        <p:nvSpPr>
-          <p:cNvPr id="3" name="TextBox 2">
-            <a:extLst>
-              <a:ext uri="{FF2B5EF4-FFF2-40B4-BE49-F238E27FC236}">
-                <a16:creationId xmlns:a16="http://schemas.microsoft.com/office/drawing/2014/main" id="{E601F6B3-74C5-4772-BF82-099E85151030}"/>
-              </a:ext>
-            </a:extLst>
-          </p:cNvPr>
-          <p:cNvSpPr txBox="1"/>
-          <p:nvPr/>
-        </p:nvSpPr>
-        <p:spPr>
-          <a:xfrm>
-            <a:off x="1574800" y="1947182"/>
-            <a:ext cx="8128000" cy="369332"/>
-          </a:xfrm>
-          <a:prstGeom prst="rect">
-            <a:avLst/>
-          </a:prstGeom>
-          <a:noFill/>
-        </p:spPr>
-        <p:txBody>
-          <a:bodyPr wrap="square" rtlCol="0">
-            <a:spAutoFit/>
-          </a:bodyPr>
-          <a:lstStyle/>
-          <a:p>
-            <a:r>
-              <a:rPr lang="en-US" dirty="0"/>
-              <a:t>Running Algorithms for 30 minutes (|V| = 250, |E| = 15681)</a:t>
-            </a:r>
-          </a:p>
-        </p:txBody>
-      </p:sp>
-    </p:spTree>
-    <p:extLst>
-      <p:ext uri="{BB962C8B-B14F-4D97-AF65-F5344CB8AC3E}">
-        <p14:creationId xmlns:p14="http://schemas.microsoft.com/office/powerpoint/2010/main" val="2715916359"/>
-      </p:ext>
-    </p:extLst>
-  </p:cSld>
-  <p:clrMapOvr>
-    <a:overrideClrMapping bg1="dk1" tx1="lt1" bg2="dk2" tx2="lt2" accent1="accent1" accent2="accent2" accent3="accent3" accent4="accent4" accent5="accent5" accent6="accent6" hlink="hlink" folHlink="folHlink"/>
-  </p:clrMapOvr>
-</p:sld>
-</file>
-
-<file path=ppt/slides/slide2.xml><?xml version="1.0" encoding="utf-8"?>
-<p:sld xmlns:a="http://schemas.openxmlformats.org/drawingml/2006/main" xmlns:r="http://schemas.openxmlformats.org/officeDocument/2006/relationships" xmlns:p="http://schemas.openxmlformats.org/presentationml/2006/main">
-  <p:cSld>
-    <p:bg>
-      <p:bgPr>
-        <a:solidFill>
-          <a:schemeClr val="bg1">
-            <a:tint val="95000"/>
-            <a:satMod val="170000"/>
-          </a:schemeClr>
-        </a:solidFill>
-        <a:effectLst/>
-      </p:bgPr>
-    </p:bg>
-    <p:spTree>
-      <p:nvGrpSpPr>
-        <p:cNvPr id="1" name=""/>
-        <p:cNvGrpSpPr/>
-        <p:nvPr/>
-      </p:nvGrpSpPr>
-      <p:grpSpPr>
-        <a:xfrm>
-          <a:off x="0" y="0"/>
-          <a:ext cx="0" cy="0"/>
-          <a:chOff x="0" y="0"/>
-          <a:chExt cx="0" cy="0"/>
-        </a:xfrm>
-      </p:grpSpPr>
-      <p:sp useBgFill="1">
-        <p:nvSpPr>
-          <p:cNvPr id="14" name="Rectangle 7">
-            <a:extLst>
-              <a:ext uri="{FF2B5EF4-FFF2-40B4-BE49-F238E27FC236}">
-                <a16:creationId xmlns:a16="http://schemas.microsoft.com/office/drawing/2014/main" id="{5DB0431E-0B04-44A1-9C51-531E28D18A60}"/>
-              </a:ext>
-              <a:ext uri="{C183D7F6-B498-43B3-948B-1728B52AA6E4}">
-                <adec:decorative xmlns:adec="http://schemas.microsoft.com/office/drawing/2017/decorative" val="1"/>
-              </a:ext>
-            </a:extLst>
-          </p:cNvPr>
-          <p:cNvSpPr>
-            <a:spLocks noGrp="1" noRot="1" noChangeAspect="1" noMove="1" noResize="1" noEditPoints="1" noAdjustHandles="1" noChangeArrowheads="1" noChangeShapeType="1" noTextEdit="1"/>
-          </p:cNvSpPr>
-          <p:nvPr>
-            <p:extLst>
-              <p:ext uri="{386F3935-93C4-4BCD-93E2-E3B085C9AB24}">
-                <p16:designElem xmlns:p16="http://schemas.microsoft.com/office/powerpoint/2015/main" val="1"/>
-              </p:ext>
-            </p:extLst>
-          </p:nvPr>
-        </p:nvSpPr>
-        <p:spPr>
-          <a:xfrm>
-            <a:off x="0" y="0"/>
-            <a:ext cx="12192000" cy="6858000"/>
-          </a:xfrm>
-          <a:prstGeom prst="rect">
-            <a:avLst/>
-          </a:prstGeom>
-          <a:ln>
-            <a:noFill/>
-          </a:ln>
-        </p:spPr>
-        <p:style>
-          <a:lnRef idx="2">
-            <a:schemeClr val="accent1">
-              <a:shade val="50000"/>
-            </a:schemeClr>
-          </a:lnRef>
-          <a:fillRef idx="1">
-            <a:schemeClr val="accent1"/>
-          </a:fillRef>
-          <a:effectRef idx="0">
-            <a:schemeClr val="accent1"/>
-          </a:effectRef>
-          <a:fontRef idx="minor">
-            <a:schemeClr val="lt1"/>
-          </a:fontRef>
-        </p:style>
-        <p:txBody>
-          <a:bodyPr rtlCol="0" anchor="ctr"/>
-          <a:lstStyle/>
-          <a:p>
-            <a:pPr algn="ctr"/>
-            <a:endParaRPr lang="en-US"/>
-          </a:p>
-        </p:txBody>
-      </p:sp>
-      <p:sp>
-        <p:nvSpPr>
-          <p:cNvPr id="2" name="Title 1">
-            <a:extLst>
-              <a:ext uri="{FF2B5EF4-FFF2-40B4-BE49-F238E27FC236}">
-                <a16:creationId xmlns:a16="http://schemas.microsoft.com/office/drawing/2014/main" id="{565DE6B2-5AC6-4C70-9F08-2A6D960838A3}"/>
-              </a:ext>
-            </a:extLst>
-          </p:cNvPr>
-          <p:cNvSpPr>
-            <a:spLocks noGrp="1"/>
-          </p:cNvSpPr>
-          <p:nvPr>
-            <p:ph type="title"/>
-          </p:nvPr>
-        </p:nvSpPr>
-        <p:spPr>
-          <a:xfrm>
-            <a:off x="1261872" y="365760"/>
-            <a:ext cx="9692640" cy="1325562"/>
-          </a:xfrm>
-        </p:spPr>
-        <p:txBody>
-          <a:bodyPr>
-            <a:normAutofit/>
-          </a:bodyPr>
-          <a:lstStyle/>
-          <a:p>
-            <a:r>
-              <a:rPr lang="en-US" dirty="0"/>
-              <a:t>Graph Colouring</a:t>
-            </a:r>
-          </a:p>
-        </p:txBody>
-      </p:sp>
-      <mc:AlternateContent xmlns:mc="http://schemas.openxmlformats.org/markup-compatibility/2006" xmlns:a14="http://schemas.microsoft.com/office/drawing/2010/main">
-        <mc:Choice Requires="a14">
-          <p:sp>
-            <p:nvSpPr>
-              <p:cNvPr id="3" name="Content Placeholder 2">
-                <a:extLst>
-                  <a:ext uri="{FF2B5EF4-FFF2-40B4-BE49-F238E27FC236}">
-                    <a16:creationId xmlns:a16="http://schemas.microsoft.com/office/drawing/2014/main" id="{18ED27A9-7C5A-4401-ACBD-37470CB7427E}"/>
-                  </a:ext>
-                </a:extLst>
-              </p:cNvPr>
-              <p:cNvSpPr>
-                <a:spLocks noGrp="1"/>
-              </p:cNvSpPr>
-              <p:nvPr>
-                <p:ph idx="1"/>
-              </p:nvPr>
-            </p:nvSpPr>
-            <p:spPr>
-              <a:xfrm>
-                <a:off x="1261872" y="1828800"/>
-                <a:ext cx="7739888" cy="4351337"/>
-              </a:xfrm>
-            </p:spPr>
-            <p:txBody>
-              <a:bodyPr>
-                <a:normAutofit/>
-              </a:bodyPr>
-              <a:lstStyle/>
-              <a:p>
-                <a:r>
                   <a:rPr lang="en-US" sz="2000" dirty="0"/>
                   <a:t>Given an undirected graph G = (V, E), a colouring C is a function </a:t>
                 </a:r>
@@ -9644,22 +9589,22 @@
               <a:p>
                 <a:pPr lvl="1"/>
                 <a:r>
-                  <a:rPr lang="en-US" sz="1800" dirty="0"/>
-                  <a:t>In a colouring c, we denote the colour of vertex v as </a:t>
+                  <a:rPr lang="en-US" sz="2000" dirty="0"/>
+                  <a:t>in a colouring c, we denote the colour of vertex v as </a:t>
                 </a:r>
                 <a14:m>
                   <m:oMath xmlns:m="http://schemas.openxmlformats.org/officeDocument/2006/math">
                     <m:sSub>
                       <m:sSubPr>
                         <m:ctrlPr>
-                          <a:rPr lang="en-US" sz="1800" i="1" smtClean="0">
+                          <a:rPr lang="en-US" sz="2000" i="1" smtClean="0">
                             <a:latin typeface="Cambria Math" panose="02040503050406030204" pitchFamily="18" charset="0"/>
                           </a:rPr>
                         </m:ctrlPr>
                       </m:sSubPr>
                       <m:e>
                         <m:r>
-                          <a:rPr lang="en-US" sz="1800" b="0" i="1" smtClean="0">
+                          <a:rPr lang="en-US" sz="2000" i="1" smtClean="0">
                             <a:latin typeface="Cambria Math" panose="02040503050406030204" pitchFamily="18" charset="0"/>
                           </a:rPr>
                           <m:t>𝑐</m:t>
@@ -9667,7 +9612,7 @@
                       </m:e>
                       <m:sub>
                         <m:r>
-                          <a:rPr lang="en-US" sz="1800" b="0" i="1" smtClean="0">
+                          <a:rPr lang="en-US" sz="2000" i="1" smtClean="0">
                             <a:latin typeface="Cambria Math" panose="02040503050406030204" pitchFamily="18" charset="0"/>
                           </a:rPr>
                           <m:t>𝑣</m:t>
@@ -9676,7 +9621,7 @@
                     </m:sSub>
                   </m:oMath>
                 </a14:m>
-                <a:endParaRPr lang="en-US" sz="1800" dirty="0"/>
+                <a:endParaRPr lang="en-US" sz="2000" dirty="0"/>
               </a:p>
               <a:p>
                 <a:r>
@@ -9686,19 +9631,19 @@
                 <a14:m>
                   <m:oMath xmlns:m="http://schemas.openxmlformats.org/officeDocument/2006/math">
                     <m:r>
-                      <a:rPr lang="en-US" sz="2000" b="0" i="1" smtClean="0">
+                      <a:rPr lang="en-US" sz="2000" i="1" smtClean="0">
                         <a:latin typeface="Cambria Math" panose="02040503050406030204" pitchFamily="18" charset="0"/>
                       </a:rPr>
                       <m:t>𝑢𝑣</m:t>
                     </m:r>
                     <m:r>
-                      <a:rPr lang="en-US" sz="2000" b="0" i="1" smtClean="0">
+                      <a:rPr lang="en-US" sz="2000" i="1" smtClean="0">
                         <a:latin typeface="Cambria Math" panose="02040503050406030204" pitchFamily="18" charset="0"/>
                       </a:rPr>
                       <m:t>∈</m:t>
                     </m:r>
                     <m:r>
-                      <a:rPr lang="en-US" sz="2000" b="0" i="1" smtClean="0">
+                      <a:rPr lang="en-US" sz="2000" i="1" smtClean="0">
                         <a:latin typeface="Cambria Math" panose="02040503050406030204" pitchFamily="18" charset="0"/>
                       </a:rPr>
                       <m:t>𝐸</m:t>
@@ -9729,7 +9674,7 @@
                       </m:sSubPr>
                       <m:e>
                         <m:r>
-                          <a:rPr lang="en-US" sz="2000" b="0" i="1" smtClean="0">
+                          <a:rPr lang="en-US" sz="2000" i="1" smtClean="0">
                             <a:latin typeface="Cambria Math" panose="02040503050406030204" pitchFamily="18" charset="0"/>
                           </a:rPr>
                           <m:t>𝑐</m:t>
@@ -9737,7 +9682,7 @@
                       </m:e>
                       <m:sub>
                         <m:r>
-                          <a:rPr lang="en-US" sz="2000" b="0" i="1" smtClean="0">
+                          <a:rPr lang="en-US" sz="2000" i="1" smtClean="0">
                             <a:latin typeface="Cambria Math" panose="02040503050406030204" pitchFamily="18" charset="0"/>
                           </a:rPr>
                           <m:t>𝑢</m:t>
@@ -9745,7 +9690,7 @@
                       </m:sub>
                     </m:sSub>
                     <m:r>
-                      <a:rPr lang="en-US" sz="2000" b="0" i="1" smtClean="0">
+                      <a:rPr lang="en-US" sz="2000" i="1" smtClean="0">
                         <a:latin typeface="Cambria Math" panose="02040503050406030204" pitchFamily="18" charset="0"/>
                       </a:rPr>
                       <m:t>=</m:t>
@@ -9753,14 +9698,14 @@
                     <m:sSub>
                       <m:sSubPr>
                         <m:ctrlPr>
-                          <a:rPr lang="en-US" sz="2000" b="0" i="1" smtClean="0">
+                          <a:rPr lang="en-US" sz="2000" i="1" smtClean="0">
                             <a:latin typeface="Cambria Math" panose="02040503050406030204" pitchFamily="18" charset="0"/>
                           </a:rPr>
                         </m:ctrlPr>
                       </m:sSubPr>
                       <m:e>
                         <m:r>
-                          <a:rPr lang="en-US" sz="2000" b="0" i="1" smtClean="0">
+                          <a:rPr lang="en-US" sz="2000" i="1" smtClean="0">
                             <a:latin typeface="Cambria Math" panose="02040503050406030204" pitchFamily="18" charset="0"/>
                           </a:rPr>
                           <m:t>𝑐</m:t>
@@ -9768,7 +9713,7 @@
                       </m:e>
                       <m:sub>
                         <m:r>
-                          <a:rPr lang="en-US" sz="2000" b="0" i="1" smtClean="0">
+                          <a:rPr lang="en-US" sz="2000" i="1" smtClean="0">
                             <a:latin typeface="Cambria Math" panose="02040503050406030204" pitchFamily="18" charset="0"/>
                           </a:rPr>
                           <m:t>𝑣</m:t>
@@ -9794,22 +9739,22 @@
               <a:p>
                 <a:pPr lvl="1"/>
                 <a:r>
-                  <a:rPr lang="en-US" sz="1800" dirty="0"/>
-                  <a:t>The fewest number of colours possible to colour G with is called the chromatic number of G denoted </a:t>
+                  <a:rPr lang="en-US" sz="2000" dirty="0"/>
+                  <a:t>the fewest number of colours possible to colour G with is called the chromatic number of G denoted </a:t>
                 </a:r>
                 <a14:m>
                   <m:oMath xmlns:m="http://schemas.openxmlformats.org/officeDocument/2006/math">
                     <m:sSub>
                       <m:sSubPr>
                         <m:ctrlPr>
-                          <a:rPr lang="en-US" sz="1800" i="1" smtClean="0">
+                          <a:rPr lang="en-US" sz="2000" i="1" smtClean="0">
                             <a:latin typeface="Cambria Math" panose="02040503050406030204" pitchFamily="18" charset="0"/>
                           </a:rPr>
                         </m:ctrlPr>
                       </m:sSubPr>
                       <m:e>
                         <m:r>
-                          <a:rPr lang="en-US" sz="1800" b="0" i="1" smtClean="0">
+                          <a:rPr lang="en-US" sz="2000" i="1" smtClean="0">
                             <a:latin typeface="Cambria Math" panose="02040503050406030204" pitchFamily="18" charset="0"/>
                           </a:rPr>
                           <m:t>𝜒</m:t>
@@ -9817,7 +9762,7 @@
                       </m:e>
                       <m:sub>
                         <m:r>
-                          <a:rPr lang="en-US" sz="1800" b="0" i="1" smtClean="0">
+                          <a:rPr lang="en-US" sz="2000" i="1" smtClean="0">
                             <a:latin typeface="Cambria Math" panose="02040503050406030204" pitchFamily="18" charset="0"/>
                           </a:rPr>
                           <m:t>𝐺</m:t>
@@ -9826,37 +9771,38 @@
                     </m:sSub>
                   </m:oMath>
                 </a14:m>
-                <a:endParaRPr lang="en-US" sz="1800" dirty="0"/>
+                <a:endParaRPr lang="en-US" sz="2000" dirty="0"/>
               </a:p>
             </p:txBody>
           </p:sp>
         </mc:Choice>
-        <mc:Fallback xmlns="">
+        <mc:Fallback>
           <p:sp>
             <p:nvSpPr>
-              <p:cNvPr id="3" name="Content Placeholder 2">
+              <p:cNvPr id="7" name="Content Placeholder 2">
                 <a:extLst>
                   <a:ext uri="{FF2B5EF4-FFF2-40B4-BE49-F238E27FC236}">
-                    <a16:creationId xmlns:a16="http://schemas.microsoft.com/office/drawing/2014/main" id="{18ED27A9-7C5A-4401-ACBD-37470CB7427E}"/>
+                    <a16:creationId xmlns:a16="http://schemas.microsoft.com/office/drawing/2014/main" id="{08EE1DFF-2526-4163-B012-7B1090204C70}"/>
                   </a:ext>
                 </a:extLst>
               </p:cNvPr>
-              <p:cNvSpPr>
-                <a:spLocks noGrp="1" noRot="1" noChangeAspect="1" noMove="1" noResize="1" noEditPoints="1" noAdjustHandles="1" noChangeArrowheads="1" noChangeShapeType="1" noTextEdit="1"/>
+              <p:cNvSpPr txBox="1">
+                <a:spLocks noRot="1" noChangeAspect="1" noMove="1" noResize="1" noEditPoints="1" noAdjustHandles="1" noChangeArrowheads="1" noChangeShapeType="1" noTextEdit="1"/>
               </p:cNvSpPr>
-              <p:nvPr>
-                <p:ph idx="1"/>
-              </p:nvPr>
+              <p:nvPr/>
             </p:nvSpPr>
             <p:spPr>
               <a:xfrm>
-                <a:off x="1261872" y="1828800"/>
-                <a:ext cx="7739888" cy="4351337"/>
+                <a:off x="939862" y="1955801"/>
+                <a:ext cx="7739888" cy="3581400"/>
               </a:xfrm>
+              <a:prstGeom prst="rect">
+                <a:avLst/>
+              </a:prstGeom>
               <a:blipFill>
-                <a:blip r:embed="rId2"/>
+                <a:blip r:embed="rId3"/>
                 <a:stretch>
-                  <a:fillRect l="-315" t="-980" r="-1339"/>
+                  <a:fillRect l="-315" t="-1363"/>
                 </a:stretch>
               </a:blipFill>
             </p:spPr>
@@ -9875,12 +9821,52 @@
           </p:sp>
         </mc:Fallback>
       </mc:AlternateContent>
-      <p:sp>
-        <p:nvSpPr>
-          <p:cNvPr id="15" name="Rectangle 9">
+    </p:spTree>
+    <p:extLst>
+      <p:ext uri="{BB962C8B-B14F-4D97-AF65-F5344CB8AC3E}">
+        <p14:creationId xmlns:p14="http://schemas.microsoft.com/office/powerpoint/2010/main" val="2677465149"/>
+      </p:ext>
+    </p:extLst>
+  </p:cSld>
+  <p:clrMapOvr>
+    <a:overrideClrMapping bg1="dk1" tx1="lt1" bg2="dk2" tx2="lt2" accent1="accent1" accent2="accent2" accent3="accent3" accent4="accent4" accent5="accent5" accent6="accent6" hlink="hlink" folHlink="folHlink"/>
+  </p:clrMapOvr>
+</p:sld>
+</file>
+
+<file path=ppt/slides/slide3.xml><?xml version="1.0" encoding="utf-8"?>
+<p:sld xmlns:a="http://schemas.openxmlformats.org/drawingml/2006/main" xmlns:r="http://schemas.openxmlformats.org/officeDocument/2006/relationships" xmlns:p="http://schemas.openxmlformats.org/presentationml/2006/main">
+  <p:cSld>
+    <p:bg>
+      <p:bgPr>
+        <a:solidFill>
+          <a:schemeClr val="bg2">
+            <a:lumMod val="75000"/>
+          </a:schemeClr>
+        </a:solidFill>
+        <a:effectLst/>
+      </p:bgPr>
+    </p:bg>
+    <p:spTree>
+      <p:nvGrpSpPr>
+        <p:cNvPr id="1" name=""/>
+        <p:cNvGrpSpPr/>
+        <p:nvPr/>
+      </p:nvGrpSpPr>
+      <p:grpSpPr>
+        <a:xfrm>
+          <a:off x="0" y="0"/>
+          <a:ext cx="0" cy="0"/>
+          <a:chOff x="0" y="0"/>
+          <a:chExt cx="0" cy="0"/>
+        </a:xfrm>
+      </p:grpSpPr>
+      <p:sp>
+        <p:nvSpPr>
+          <p:cNvPr id="256" name="Rectangle 255">
             <a:extLst>
               <a:ext uri="{FF2B5EF4-FFF2-40B4-BE49-F238E27FC236}">
-                <a16:creationId xmlns:a16="http://schemas.microsoft.com/office/drawing/2014/main" id="{6B424749-EEE0-49C9-9ABF-97B171A3EA00}"/>
+                <a16:creationId xmlns:a16="http://schemas.microsoft.com/office/drawing/2014/main" id="{554C70E2-B81C-49FD-87AB-36A4F9CAC33A}"/>
               </a:ext>
               <a:ext uri="{C183D7F6-B498-43B3-948B-1728B52AA6E4}">
                 <adec:decorative xmlns:adec="http://schemas.microsoft.com/office/drawing/2017/decorative" val="1"/>
@@ -9900,16 +9886,14 @@
         </p:nvSpPr>
         <p:spPr>
           <a:xfrm>
-            <a:off x="11277600" y="0"/>
-            <a:ext cx="914400" cy="6858000"/>
+            <a:off x="0" y="0"/>
+            <a:ext cx="457200" cy="6858000"/>
           </a:xfrm>
           <a:prstGeom prst="rect">
             <a:avLst/>
           </a:prstGeom>
           <a:solidFill>
-            <a:schemeClr val="tx2">
-              <a:lumMod val="75000"/>
-            </a:schemeClr>
+            <a:schemeClr val="accent1"/>
           </a:solidFill>
           <a:ln>
             <a:noFill/>
@@ -9932,154 +9916,6 @@
           </a:fontRef>
         </p:style>
       </p:sp>
-      <p:pic>
-        <p:nvPicPr>
-          <p:cNvPr id="6" name="Picture 2" descr="Chromatic number of complement of Petersen graph - Mathematics Stack  Exchange">
-            <a:extLst>
-              <a:ext uri="{FF2B5EF4-FFF2-40B4-BE49-F238E27FC236}">
-                <a16:creationId xmlns:a16="http://schemas.microsoft.com/office/drawing/2014/main" id="{EA921C35-7DE9-4942-BB6E-84F7682C9345}"/>
-              </a:ext>
-            </a:extLst>
-          </p:cNvPr>
-          <p:cNvPicPr>
-            <a:picLocks noChangeAspect="1" noChangeArrowheads="1"/>
-          </p:cNvPicPr>
-          <p:nvPr/>
-        </p:nvPicPr>
-        <p:blipFill>
-          <a:blip r:embed="rId3">
-            <a:extLst>
-              <a:ext uri="{28A0092B-C50C-407E-A947-70E740481C1C}">
-                <a14:useLocalDpi xmlns:a14="http://schemas.microsoft.com/office/drawing/2010/main" val="0"/>
-              </a:ext>
-            </a:extLst>
-          </a:blip>
-          <a:srcRect/>
-          <a:stretch>
-            <a:fillRect/>
-          </a:stretch>
-        </p:blipFill>
-        <p:spPr bwMode="auto">
-          <a:xfrm>
-            <a:off x="8405892" y="677863"/>
-            <a:ext cx="2897046" cy="2776844"/>
-          </a:xfrm>
-          <a:prstGeom prst="rect">
-            <a:avLst/>
-          </a:prstGeom>
-          <a:noFill/>
-          <a:extLst>
-            <a:ext uri="{909E8E84-426E-40DD-AFC4-6F175D3DCCD1}">
-              <a14:hiddenFill xmlns:a14="http://schemas.microsoft.com/office/drawing/2010/main">
-                <a:solidFill>
-                  <a:srgbClr val="FFFFFF"/>
-                </a:solidFill>
-              </a14:hiddenFill>
-            </a:ext>
-          </a:extLst>
-        </p:spPr>
-      </p:pic>
-    </p:spTree>
-    <p:extLst>
-      <p:ext uri="{BB962C8B-B14F-4D97-AF65-F5344CB8AC3E}">
-        <p14:creationId xmlns:p14="http://schemas.microsoft.com/office/powerpoint/2010/main" val="2677465149"/>
-      </p:ext>
-    </p:extLst>
-  </p:cSld>
-  <p:clrMapOvr>
-    <a:overrideClrMapping bg1="dk1" tx1="lt1" bg2="dk2" tx2="lt2" accent1="accent1" accent2="accent2" accent3="accent3" accent4="accent4" accent5="accent5" accent6="accent6" hlink="hlink" folHlink="folHlink"/>
-  </p:clrMapOvr>
-</p:sld>
-</file>
-
-<file path=ppt/slides/slide3.xml><?xml version="1.0" encoding="utf-8"?>
-<p:sld xmlns:a="http://schemas.openxmlformats.org/drawingml/2006/main" xmlns:r="http://schemas.openxmlformats.org/officeDocument/2006/relationships" xmlns:p="http://schemas.openxmlformats.org/presentationml/2006/main">
-  <p:cSld>
-    <p:bg>
-      <p:bgPr>
-        <a:solidFill>
-          <a:schemeClr val="bg1">
-            <a:tint val="95000"/>
-            <a:satMod val="170000"/>
-          </a:schemeClr>
-        </a:solidFill>
-        <a:effectLst/>
-      </p:bgPr>
-    </p:bg>
-    <p:spTree>
-      <p:nvGrpSpPr>
-        <p:cNvPr id="1" name=""/>
-        <p:cNvGrpSpPr/>
-        <p:nvPr/>
-      </p:nvGrpSpPr>
-      <p:grpSpPr>
-        <a:xfrm>
-          <a:off x="0" y="0"/>
-          <a:ext cx="0" cy="0"/>
-          <a:chOff x="0" y="0"/>
-          <a:chExt cx="0" cy="0"/>
-        </a:xfrm>
-      </p:grpSpPr>
-      <p:sp useBgFill="1">
-        <p:nvSpPr>
-          <p:cNvPr id="14" name="Rectangle 7">
-            <a:extLst>
-              <a:ext uri="{FF2B5EF4-FFF2-40B4-BE49-F238E27FC236}">
-                <a16:creationId xmlns:a16="http://schemas.microsoft.com/office/drawing/2014/main" id="{5DB0431E-0B04-44A1-9C51-531E28D18A60}"/>
-              </a:ext>
-              <a:ext uri="{C183D7F6-B498-43B3-948B-1728B52AA6E4}">
-                <adec:decorative xmlns:adec="http://schemas.microsoft.com/office/drawing/2017/decorative" val="1"/>
-              </a:ext>
-            </a:extLst>
-          </p:cNvPr>
-          <p:cNvSpPr>
-            <a:spLocks noGrp="1" noRot="1" noChangeAspect="1" noMove="1" noResize="1" noEditPoints="1" noAdjustHandles="1" noChangeArrowheads="1" noChangeShapeType="1" noTextEdit="1"/>
-          </p:cNvSpPr>
-          <p:nvPr>
-            <p:extLst>
-              <p:ext uri="{386F3935-93C4-4BCD-93E2-E3B085C9AB24}">
-                <p16:designElem xmlns:p16="http://schemas.microsoft.com/office/powerpoint/2015/main" val="1"/>
-              </p:ext>
-            </p:extLst>
-          </p:nvPr>
-        </p:nvSpPr>
-        <p:spPr>
-          <a:xfrm>
-            <a:off x="0" y="0"/>
-            <a:ext cx="12192000" cy="6858000"/>
-          </a:xfrm>
-          <a:prstGeom prst="rect">
-            <a:avLst/>
-          </a:prstGeom>
-          <a:ln>
-            <a:noFill/>
-          </a:ln>
-        </p:spPr>
-        <p:style>
-          <a:lnRef idx="2">
-            <a:schemeClr val="accent1">
-              <a:shade val="50000"/>
-            </a:schemeClr>
-          </a:lnRef>
-          <a:fillRef idx="1">
-            <a:schemeClr val="accent1"/>
-          </a:fillRef>
-          <a:effectRef idx="0">
-            <a:schemeClr val="accent1"/>
-          </a:effectRef>
-          <a:fontRef idx="minor">
-            <a:schemeClr val="lt1"/>
-          </a:fontRef>
-        </p:style>
-        <p:txBody>
-          <a:bodyPr rtlCol="0" anchor="ctr"/>
-          <a:lstStyle/>
-          <a:p>
-            <a:pPr algn="ctr"/>
-            <a:endParaRPr lang="en-US"/>
-          </a:p>
-        </p:txBody>
-      </p:sp>
       <p:sp>
         <p:nvSpPr>
           <p:cNvPr id="2" name="Title 1">
@@ -10098,79 +9934,40 @@
         </p:nvSpPr>
         <p:spPr>
           <a:xfrm>
-            <a:off x="1261872" y="365760"/>
-            <a:ext cx="9692640" cy="1325562"/>
+            <a:off x="7976956" y="758952"/>
+            <a:ext cx="3185030" cy="4041648"/>
           </a:xfrm>
         </p:spPr>
         <p:txBody>
-          <a:bodyPr>
+          <a:bodyPr vert="horz" lIns="91440" tIns="45720" rIns="91440" bIns="45720" rtlCol="0" anchor="b">
             <a:normAutofit/>
           </a:bodyPr>
           <a:lstStyle/>
           <a:p>
+            <a:pPr>
+              <a:lnSpc>
+                <a:spcPct val="85000"/>
+              </a:lnSpc>
+            </a:pPr>
             <a:r>
               <a:rPr lang="en-US" dirty="0"/>
-              <a:t>Cuckoo Behaviour and Brood Parisitism</a:t>
-            </a:r>
-          </a:p>
-        </p:txBody>
-      </p:sp>
-      <p:sp>
-        <p:nvSpPr>
-          <p:cNvPr id="15" name="Rectangle 9">
-            <a:extLst>
-              <a:ext uri="{FF2B5EF4-FFF2-40B4-BE49-F238E27FC236}">
-                <a16:creationId xmlns:a16="http://schemas.microsoft.com/office/drawing/2014/main" id="{6B424749-EEE0-49C9-9ABF-97B171A3EA00}"/>
-              </a:ext>
-              <a:ext uri="{C183D7F6-B498-43B3-948B-1728B52AA6E4}">
-                <adec:decorative xmlns:adec="http://schemas.microsoft.com/office/drawing/2017/decorative" val="1"/>
-              </a:ext>
-            </a:extLst>
-          </p:cNvPr>
-          <p:cNvSpPr>
-            <a:spLocks noGrp="1" noRot="1" noChangeAspect="1" noMove="1" noResize="1" noEditPoints="1" noAdjustHandles="1" noChangeArrowheads="1" noChangeShapeType="1" noTextEdit="1"/>
-          </p:cNvSpPr>
-          <p:nvPr>
-            <p:extLst>
-              <p:ext uri="{386F3935-93C4-4BCD-93E2-E3B085C9AB24}">
-                <p16:designElem xmlns:p16="http://schemas.microsoft.com/office/powerpoint/2015/main" val="1"/>
-              </p:ext>
-            </p:extLst>
-          </p:nvPr>
-        </p:nvSpPr>
-        <p:spPr>
-          <a:xfrm>
-            <a:off x="11277600" y="0"/>
-            <a:ext cx="914400" cy="6858000"/>
-          </a:xfrm>
-          <a:prstGeom prst="rect">
-            <a:avLst/>
-          </a:prstGeom>
-          <a:solidFill>
-            <a:schemeClr val="tx2">
-              <a:lumMod val="75000"/>
-            </a:schemeClr>
-          </a:solidFill>
-          <a:ln>
-            <a:noFill/>
-          </a:ln>
-        </p:spPr>
-        <p:style>
-          <a:lnRef idx="2">
-            <a:schemeClr val="accent1">
-              <a:shade val="50000"/>
-            </a:schemeClr>
-          </a:lnRef>
-          <a:fillRef idx="1">
-            <a:schemeClr val="accent1"/>
-          </a:fillRef>
-          <a:effectRef idx="0">
-            <a:schemeClr val="accent1"/>
-          </a:effectRef>
-          <a:fontRef idx="minor">
-            <a:schemeClr val="lt1"/>
-          </a:fontRef>
-        </p:style>
+              <a:t>Cuckoo </a:t>
+            </a:r>
+            <a:r>
+              <a:rPr lang="en-US" dirty="0" err="1"/>
+              <a:t>Behaviour</a:t>
+            </a:r>
+            <a:r>
+              <a:rPr lang="en-US" dirty="0"/>
+              <a:t> and Brood </a:t>
+            </a:r>
+            <a:r>
+              <a:rPr lang="en-US" dirty="0" err="1"/>
+              <a:t>Parisitism</a:t>
+            </a:r>
+            <a:endParaRPr lang="en-US" dirty="0"/>
+          </a:p>
+        </p:txBody>
       </p:sp>
       <p:pic>
         <p:nvPicPr>
@@ -10182,11 +9979,11 @@
             </a:extLst>
           </p:cNvPr>
           <p:cNvPicPr>
-            <a:picLocks noChangeAspect="1" noChangeArrowheads="1"/>
+            <a:picLocks noChangeArrowheads="1"/>
           </p:cNvPicPr>
           <p:nvPr/>
         </p:nvPicPr>
-        <p:blipFill>
+        <p:blipFill rotWithShape="1">
           <a:blip r:embed="rId2">
             <a:extLst>
               <a:ext uri="{28A0092B-C50C-407E-A947-70E740481C1C}">
@@ -10194,67 +9991,17 @@
               </a:ext>
             </a:extLst>
           </a:blip>
-          <a:srcRect/>
-          <a:stretch>
-            <a:fillRect/>
-          </a:stretch>
+          <a:srcRect r="14352" b="3"/>
+          <a:stretch/>
         </p:blipFill>
         <p:spPr bwMode="auto">
           <a:xfrm>
-            <a:off x="3883814" y="3429000"/>
-            <a:ext cx="3723527" cy="2490108"/>
+            <a:off x="457200" y="1"/>
+            <a:ext cx="3478687" cy="2721186"/>
           </a:xfrm>
           <a:prstGeom prst="rect">
             <a:avLst/>
           </a:prstGeom>
-          <a:noFill/>
-          <a:extLst>
-            <a:ext uri="{909E8E84-426E-40DD-AFC4-6F175D3DCCD1}">
-              <a14:hiddenFill xmlns:a14="http://schemas.microsoft.com/office/drawing/2010/main">
-                <a:solidFill>
-                  <a:srgbClr val="FFFFFF"/>
-                </a:solidFill>
-              </a14:hiddenFill>
-            </a:ext>
-          </a:extLst>
-        </p:spPr>
-      </p:pic>
-      <p:pic>
-        <p:nvPicPr>
-          <p:cNvPr id="1032" name="Picture 8">
-            <a:extLst>
-              <a:ext uri="{FF2B5EF4-FFF2-40B4-BE49-F238E27FC236}">
-                <a16:creationId xmlns:a16="http://schemas.microsoft.com/office/drawing/2014/main" id="{890C624D-BF97-42E9-809E-6B607E9C8DB4}"/>
-              </a:ext>
-            </a:extLst>
-          </p:cNvPr>
-          <p:cNvPicPr>
-            <a:picLocks noChangeAspect="1" noChangeArrowheads="1"/>
-          </p:cNvPicPr>
-          <p:nvPr/>
-        </p:nvPicPr>
-        <p:blipFill>
-          <a:blip r:embed="rId3">
-            <a:extLst>
-              <a:ext uri="{28A0092B-C50C-407E-A947-70E740481C1C}">
-                <a14:useLocalDpi xmlns:a14="http://schemas.microsoft.com/office/drawing/2010/main" val="0"/>
-              </a:ext>
-            </a:extLst>
-          </a:blip>
-          <a:srcRect/>
-          <a:stretch>
-            <a:fillRect/>
-          </a:stretch>
-        </p:blipFill>
-        <p:spPr bwMode="auto">
-          <a:xfrm>
-            <a:off x="7848444" y="1823693"/>
-            <a:ext cx="3239800" cy="2429850"/>
-          </a:xfrm>
-          <a:prstGeom prst="rect">
-            <a:avLst/>
-          </a:prstGeom>
-          <a:noFill/>
           <a:extLst>
             <a:ext uri="{909E8E84-426E-40DD-AFC4-6F175D3DCCD1}">
               <a14:hiddenFill xmlns:a14="http://schemas.microsoft.com/office/drawing/2010/main">
@@ -10280,7 +10027,51 @@
           </p:cNvPicPr>
           <p:nvPr/>
         </p:nvPicPr>
-        <p:blipFill>
+        <p:blipFill rotWithShape="1">
+          <a:blip r:embed="rId3">
+            <a:extLst>
+              <a:ext uri="{28A0092B-C50C-407E-A947-70E740481C1C}">
+                <a14:useLocalDpi xmlns:a14="http://schemas.microsoft.com/office/drawing/2010/main" val="0"/>
+              </a:ext>
+            </a:extLst>
+          </a:blip>
+          <a:srcRect l="11669" r="19939" b="1"/>
+          <a:stretch/>
+        </p:blipFill>
+        <p:spPr bwMode="auto">
+          <a:xfrm>
+            <a:off x="4027328" y="1"/>
+            <a:ext cx="3478688" cy="2721186"/>
+          </a:xfrm>
+          <a:prstGeom prst="rect">
+            <a:avLst/>
+          </a:prstGeom>
+          <a:extLst>
+            <a:ext uri="{909E8E84-426E-40DD-AFC4-6F175D3DCCD1}">
+              <a14:hiddenFill xmlns:a14="http://schemas.microsoft.com/office/drawing/2010/main">
+                <a:solidFill>
+                  <a:srgbClr val="FFFFFF"/>
+                </a:solidFill>
+              </a14:hiddenFill>
+            </a:ext>
+          </a:extLst>
+        </p:spPr>
+      </p:pic>
+      <p:pic>
+        <p:nvPicPr>
+          <p:cNvPr id="1032" name="Picture 8">
+            <a:extLst>
+              <a:ext uri="{FF2B5EF4-FFF2-40B4-BE49-F238E27FC236}">
+                <a16:creationId xmlns:a16="http://schemas.microsoft.com/office/drawing/2014/main" id="{890C624D-BF97-42E9-809E-6B607E9C8DB4}"/>
+              </a:ext>
+            </a:extLst>
+          </p:cNvPr>
+          <p:cNvPicPr>
+            <a:picLocks noChangeArrowheads="1"/>
+          </p:cNvPicPr>
+          <p:nvPr/>
+        </p:nvPicPr>
+        <p:blipFill rotWithShape="1">
           <a:blip r:embed="rId4">
             <a:extLst>
               <a:ext uri="{28A0092B-C50C-407E-A947-70E740481C1C}">
@@ -10288,20 +10079,17 @@
               </a:ext>
             </a:extLst>
           </a:blip>
-          <a:srcRect/>
-          <a:stretch>
-            <a:fillRect/>
-          </a:stretch>
+          <a:srcRect t="10726" b="12753"/>
+          <a:stretch/>
         </p:blipFill>
         <p:spPr bwMode="auto">
           <a:xfrm>
-            <a:off x="259265" y="1823693"/>
-            <a:ext cx="3383446" cy="1809750"/>
+            <a:off x="457201" y="2812627"/>
+            <a:ext cx="7048815" cy="4045373"/>
           </a:xfrm>
           <a:prstGeom prst="rect">
             <a:avLst/>
           </a:prstGeom>
-          <a:noFill/>
           <a:extLst>
             <a:ext uri="{909E8E84-426E-40DD-AFC4-6F175D3DCCD1}">
               <a14:hiddenFill xmlns:a14="http://schemas.microsoft.com/office/drawing/2010/main">
@@ -10321,7 +10109,7 @@
     </p:extLst>
   </p:cSld>
   <p:clrMapOvr>
-    <a:overrideClrMapping bg1="dk1" tx1="lt1" bg2="dk2" tx2="lt2" accent1="accent1" accent2="accent2" accent3="accent3" accent4="accent4" accent5="accent5" accent6="accent6" hlink="hlink" folHlink="folHlink"/>
+    <a:masterClrMapping/>
   </p:clrMapOvr>
 </p:sld>
 </file>
@@ -10432,8 +10220,8 @@
         </p:nvSpPr>
         <p:spPr>
           <a:xfrm>
-            <a:off x="1261872" y="365760"/>
-            <a:ext cx="9692640" cy="1325562"/>
+            <a:off x="1080915" y="535577"/>
+            <a:ext cx="7107428" cy="851306"/>
           </a:xfrm>
         </p:spPr>
         <p:txBody>
@@ -10469,8 +10257,8 @@
             </p:nvSpPr>
             <p:spPr>
               <a:xfrm>
-                <a:off x="1179141" y="1666647"/>
-                <a:ext cx="8595360" cy="4351337"/>
+                <a:off x="1179141" y="1552347"/>
+                <a:ext cx="8595360" cy="3095853"/>
               </a:xfrm>
             </p:spPr>
             <p:txBody>
@@ -10487,21 +10275,21 @@
               <a:p>
                 <a:pPr lvl="1"/>
                 <a:r>
-                  <a:rPr lang="en-US" sz="1800" dirty="0"/>
-                  <a:t>A random walk with step-lengths drawn from a long-tailed Lévy distribution</a:t>
+                  <a:rPr lang="en-US" sz="2000" dirty="0"/>
+                  <a:t>a random walk with step-lengths drawn from a long-tailed Lévy distribution</a:t>
                 </a:r>
               </a:p>
               <a:p>
                 <a:r>
-                  <a:rPr lang="en-US" sz="2200" dirty="0"/>
+                  <a:rPr lang="en-US" sz="2000" dirty="0"/>
                   <a:t>Solutions represented as nests</a:t>
                 </a:r>
               </a:p>
               <a:p>
                 <a:pPr lvl="1"/>
                 <a:r>
-                  <a:rPr lang="en-US" sz="1800" dirty="0"/>
-                  <a:t>At each iteration, a Lévy flight is performed for each nest (to mimic a Cuckoo replacing an egg)</a:t>
+                  <a:rPr lang="en-US" sz="2000" dirty="0"/>
+                  <a:t>at each iteration, a Lévy flight is performed for each nest (to mimic a Cuckoo replacing an egg)</a:t>
                 </a:r>
               </a:p>
               <a:p>
@@ -10568,13 +10356,13 @@
             </p:nvSpPr>
             <p:spPr>
               <a:xfrm>
-                <a:off x="1179141" y="1666647"/>
-                <a:ext cx="8595360" cy="4351337"/>
+                <a:off x="1179141" y="1552347"/>
+                <a:ext cx="8595360" cy="3095853"/>
               </a:xfrm>
               <a:blipFill>
                 <a:blip r:embed="rId3"/>
                 <a:stretch>
-                  <a:fillRect l="-426" t="-980"/>
+                  <a:fillRect l="-295" t="-2041" r="-295"/>
                 </a:stretch>
               </a:blipFill>
             </p:spPr>
@@ -10678,12 +10466,42 @@
         </p:blipFill>
         <p:spPr>
           <a:xfrm>
-            <a:off x="5680703" y="4192809"/>
-            <a:ext cx="2507640" cy="2129614"/>
+            <a:off x="3120263" y="4488339"/>
+            <a:ext cx="2458640" cy="2088000"/>
           </a:xfrm>
           <a:prstGeom prst="rect">
             <a:avLst/>
           </a:prstGeom>
+          <a:solidFill>
+            <a:srgbClr val="FFFFFF">
+              <a:shade val="85000"/>
+            </a:srgbClr>
+          </a:solidFill>
+          <a:ln w="88900" cap="sq">
+            <a:solidFill>
+              <a:srgbClr val="FFFFFF"/>
+            </a:solidFill>
+            <a:miter lim="800000"/>
+          </a:ln>
+          <a:effectLst>
+            <a:outerShdw blurRad="55000" dist="18000" dir="5400000" algn="tl" rotWithShape="0">
+              <a:srgbClr val="000000">
+                <a:alpha val="40000"/>
+              </a:srgbClr>
+            </a:outerShdw>
+          </a:effectLst>
+          <a:scene3d>
+            <a:camera prst="orthographicFront"/>
+            <a:lightRig rig="twoPt" dir="t">
+              <a:rot lat="0" lon="0" rev="7200000"/>
+            </a:lightRig>
+          </a:scene3d>
+          <a:sp3d>
+            <a:bevelT w="25400" h="19050"/>
+            <a:contourClr>
+              <a:srgbClr val="FFFFFF"/>
+            </a:contourClr>
+          </a:sp3d>
         </p:spPr>
       </p:pic>
       <p:pic>
@@ -10714,12 +10532,42 @@
         </p:blipFill>
         <p:spPr>
           <a:xfrm>
-            <a:off x="8511431" y="4192809"/>
-            <a:ext cx="2176599" cy="2150992"/>
+            <a:off x="8432732" y="4488339"/>
+            <a:ext cx="2112856" cy="2088000"/>
           </a:xfrm>
           <a:prstGeom prst="rect">
             <a:avLst/>
           </a:prstGeom>
+          <a:solidFill>
+            <a:srgbClr val="FFFFFF">
+              <a:shade val="85000"/>
+            </a:srgbClr>
+          </a:solidFill>
+          <a:ln w="88900" cap="sq">
+            <a:solidFill>
+              <a:srgbClr val="FFFFFF"/>
+            </a:solidFill>
+            <a:miter lim="800000"/>
+          </a:ln>
+          <a:effectLst>
+            <a:outerShdw blurRad="55000" dist="18000" dir="5400000" algn="tl" rotWithShape="0">
+              <a:srgbClr val="000000">
+                <a:alpha val="40000"/>
+              </a:srgbClr>
+            </a:outerShdw>
+          </a:effectLst>
+          <a:scene3d>
+            <a:camera prst="orthographicFront"/>
+            <a:lightRig rig="twoPt" dir="t">
+              <a:rot lat="0" lon="0" rev="7200000"/>
+            </a:lightRig>
+          </a:scene3d>
+          <a:sp3d>
+            <a:bevelT w="25400" h="19050"/>
+            <a:contourClr>
+              <a:srgbClr val="FFFFFF"/>
+            </a:contourClr>
+          </a:sp3d>
         </p:spPr>
       </p:pic>
       <p:sp>
@@ -10736,8 +10584,8 @@
         </p:nvSpPr>
         <p:spPr>
           <a:xfrm>
-            <a:off x="7059115" y="6396335"/>
-            <a:ext cx="2715386" cy="415498"/>
+            <a:off x="5578903" y="6322423"/>
+            <a:ext cx="2794399" cy="253916"/>
           </a:xfrm>
           <a:prstGeom prst="rect">
             <a:avLst/>
@@ -10761,7 +10609,7 @@
     </p:spTree>
     <p:extLst>
       <p:ext uri="{BB962C8B-B14F-4D97-AF65-F5344CB8AC3E}">
-        <p14:creationId xmlns:p14="http://schemas.microsoft.com/office/powerpoint/2010/main" val="3491738734"/>
+        <p14:creationId xmlns:p14="http://schemas.microsoft.com/office/powerpoint/2010/main" val="1853218538"/>
       </p:ext>
     </p:extLst>
   </p:cSld>
@@ -10861,6 +10709,59 @@
       </p:sp>
       <p:sp>
         <p:nvSpPr>
+          <p:cNvPr id="3" name="Content Placeholder 2">
+            <a:extLst>
+              <a:ext uri="{FF2B5EF4-FFF2-40B4-BE49-F238E27FC236}">
+                <a16:creationId xmlns:a16="http://schemas.microsoft.com/office/drawing/2014/main" id="{18ED27A9-7C5A-4401-ACBD-37470CB7427E}"/>
+              </a:ext>
+            </a:extLst>
+          </p:cNvPr>
+          <p:cNvSpPr>
+            <a:spLocks noGrp="1"/>
+          </p:cNvSpPr>
+          <p:nvPr>
+            <p:ph idx="1"/>
+          </p:nvPr>
+        </p:nvSpPr>
+        <p:spPr>
+          <a:xfrm>
+            <a:off x="1000615" y="2030050"/>
+            <a:ext cx="8595360" cy="4351337"/>
+          </a:xfrm>
+        </p:spPr>
+        <p:txBody>
+          <a:bodyPr>
+            <a:normAutofit/>
+          </a:bodyPr>
+          <a:lstStyle/>
+          <a:p>
+            <a:r>
+              <a:rPr lang="en-US" sz="2000" dirty="0"/>
+              <a:t>Egg Laying</a:t>
+            </a:r>
+          </a:p>
+          <a:p>
+            <a:r>
+              <a:rPr lang="en-US" sz="2000" dirty="0"/>
+              <a:t>Egg Hatching</a:t>
+            </a:r>
+          </a:p>
+          <a:p>
+            <a:r>
+              <a:rPr lang="en-US" sz="2000" dirty="0"/>
+              <a:t>Cuckoo Clustering</a:t>
+            </a:r>
+          </a:p>
+          <a:p>
+            <a:r>
+              <a:rPr lang="en-US" sz="2000" dirty="0"/>
+              <a:t>Cuckoo Migration</a:t>
+            </a:r>
+          </a:p>
+        </p:txBody>
+      </p:sp>
+      <p:sp>
+        <p:nvSpPr>
           <p:cNvPr id="2" name="Title 1">
             <a:extLst>
               <a:ext uri="{FF2B5EF4-FFF2-40B4-BE49-F238E27FC236}">
@@ -10877,8 +10778,8 @@
         </p:nvSpPr>
         <p:spPr>
           <a:xfrm>
-            <a:off x="1261872" y="365760"/>
-            <a:ext cx="9692640" cy="1325562"/>
+            <a:off x="1261872" y="677862"/>
+            <a:ext cx="8782014" cy="1013459"/>
           </a:xfrm>
         </p:spPr>
         <p:txBody>
@@ -10890,59 +10791,6 @@
             <a:r>
               <a:rPr lang="en-US" dirty="0"/>
               <a:t>Continuous Cuckoo Optimisation</a:t>
-            </a:r>
-          </a:p>
-        </p:txBody>
-      </p:sp>
-      <p:sp>
-        <p:nvSpPr>
-          <p:cNvPr id="3" name="Content Placeholder 2">
-            <a:extLst>
-              <a:ext uri="{FF2B5EF4-FFF2-40B4-BE49-F238E27FC236}">
-                <a16:creationId xmlns:a16="http://schemas.microsoft.com/office/drawing/2014/main" id="{18ED27A9-7C5A-4401-ACBD-37470CB7427E}"/>
-              </a:ext>
-            </a:extLst>
-          </p:cNvPr>
-          <p:cNvSpPr>
-            <a:spLocks noGrp="1"/>
-          </p:cNvSpPr>
-          <p:nvPr>
-            <p:ph idx="1"/>
-          </p:nvPr>
-        </p:nvSpPr>
-        <p:spPr>
-          <a:xfrm>
-            <a:off x="1261872" y="1828800"/>
-            <a:ext cx="8595360" cy="4351337"/>
-          </a:xfrm>
-        </p:spPr>
-        <p:txBody>
-          <a:bodyPr>
-            <a:normAutofit/>
-          </a:bodyPr>
-          <a:lstStyle/>
-          <a:p>
-            <a:r>
-              <a:rPr lang="en-US" sz="2000" dirty="0"/>
-              <a:t>Egg Laying</a:t>
-            </a:r>
-          </a:p>
-          <a:p>
-            <a:r>
-              <a:rPr lang="en-US" sz="2000" dirty="0"/>
-              <a:t>Egg Hatching</a:t>
-            </a:r>
-          </a:p>
-          <a:p>
-            <a:r>
-              <a:rPr lang="en-US" sz="2000" dirty="0"/>
-              <a:t>Cuckoo Clustering</a:t>
-            </a:r>
-          </a:p>
-          <a:p>
-            <a:r>
-              <a:rPr lang="en-US" sz="2000" dirty="0"/>
-              <a:t>Cuckoo Migration</a:t>
             </a:r>
           </a:p>
         </p:txBody>
@@ -11033,13 +10881,18 @@
         </p:blipFill>
         <p:spPr bwMode="auto">
           <a:xfrm>
-            <a:off x="9098303" y="1691322"/>
-            <a:ext cx="2017753" cy="3027680"/>
+            <a:off x="8145335" y="1959429"/>
+            <a:ext cx="3153946" cy="4732561"/>
           </a:xfrm>
-          <a:prstGeom prst="rect">
+          <a:prstGeom prst="ellipse">
             <a:avLst/>
           </a:prstGeom>
-          <a:noFill/>
+          <a:ln>
+            <a:noFill/>
+          </a:ln>
+          <a:effectLst>
+            <a:softEdge rad="112500"/>
+          </a:effectLst>
           <a:extLst>
             <a:ext uri="{909E8E84-426E-40DD-AFC4-6F175D3DCCD1}">
               <a14:hiddenFill xmlns:a14="http://schemas.microsoft.com/office/drawing/2010/main">
@@ -11079,8 +10932,8 @@
         </p:blipFill>
         <p:spPr>
           <a:xfrm>
-            <a:off x="5004779" y="1691677"/>
-            <a:ext cx="3654577" cy="2798035"/>
+            <a:off x="3909570" y="1730829"/>
+            <a:ext cx="4857238" cy="3718822"/>
           </a:xfrm>
           <a:prstGeom prst="rect">
             <a:avLst/>
@@ -11188,41 +11041,6 @@
           </a:p>
         </p:txBody>
       </p:sp>
-      <p:sp>
-        <p:nvSpPr>
-          <p:cNvPr id="2" name="Title 1">
-            <a:extLst>
-              <a:ext uri="{FF2B5EF4-FFF2-40B4-BE49-F238E27FC236}">
-                <a16:creationId xmlns:a16="http://schemas.microsoft.com/office/drawing/2014/main" id="{565DE6B2-5AC6-4C70-9F08-2A6D960838A3}"/>
-              </a:ext>
-            </a:extLst>
-          </p:cNvPr>
-          <p:cNvSpPr>
-            <a:spLocks noGrp="1"/>
-          </p:cNvSpPr>
-          <p:nvPr>
-            <p:ph type="title"/>
-          </p:nvPr>
-        </p:nvSpPr>
-        <p:spPr>
-          <a:xfrm>
-            <a:off x="1261872" y="365760"/>
-            <a:ext cx="9692640" cy="1325562"/>
-          </a:xfrm>
-        </p:spPr>
-        <p:txBody>
-          <a:bodyPr>
-            <a:normAutofit/>
-          </a:bodyPr>
-          <a:lstStyle/>
-          <a:p>
-            <a:r>
-              <a:rPr lang="en-US" dirty="0"/>
-              <a:t>Egg Laying and Hatching</a:t>
-            </a:r>
-          </a:p>
-        </p:txBody>
-      </p:sp>
       <mc:AlternateContent xmlns:mc="http://schemas.openxmlformats.org/markup-compatibility/2006" xmlns:a14="http://schemas.microsoft.com/office/drawing/2010/main">
         <mc:Choice Requires="a14">
           <p:sp>
@@ -11243,8 +11061,8 @@
             </p:nvSpPr>
             <p:spPr>
               <a:xfrm>
-                <a:off x="1261872" y="1828800"/>
-                <a:ext cx="7557008" cy="4351337"/>
+                <a:off x="311911" y="2134292"/>
+                <a:ext cx="6727517" cy="3403600"/>
               </a:xfrm>
             </p:spPr>
             <p:txBody>
@@ -11253,6 +11071,7 @@
               </a:bodyPr>
               <a:lstStyle/>
               <a:p>
+                <a:pPr algn="just"/>
                 <a:r>
                   <a:rPr lang="en-US" sz="2000" dirty="0"/>
                   <a:t>Each cuckoo lays a random number (</a:t>
@@ -11696,13 +11515,13 @@
             </p:nvSpPr>
             <p:spPr>
               <a:xfrm>
-                <a:off x="1261872" y="1828800"/>
-                <a:ext cx="7557008" cy="4351337"/>
+                <a:off x="311911" y="2134292"/>
+                <a:ext cx="6727517" cy="3403600"/>
               </a:xfrm>
               <a:blipFill>
                 <a:blip r:embed="rId3"/>
                 <a:stretch>
-                  <a:fillRect l="-323" t="-1120"/>
+                  <a:fillRect l="-377" t="-1866" r="-1130"/>
                 </a:stretch>
               </a:blipFill>
             </p:spPr>
@@ -11800,10 +11619,10 @@
         </p:blipFill>
         <p:spPr>
           <a:xfrm>
-            <a:off x="8385048" y="1028541"/>
-            <a:ext cx="2569464" cy="2505227"/>
+            <a:off x="7039428" y="1762261"/>
+            <a:ext cx="4121081" cy="4018053"/>
           </a:xfrm>
-          <a:prstGeom prst="rect">
+          <a:prstGeom prst="ellipse">
             <a:avLst/>
           </a:prstGeom>
         </p:spPr>
@@ -11822,7 +11641,7 @@
         </p:nvSpPr>
         <p:spPr>
           <a:xfrm>
-            <a:off x="8312087" y="3641867"/>
+            <a:off x="8280037" y="5980603"/>
             <a:ext cx="2715386" cy="338554"/>
           </a:xfrm>
           <a:prstGeom prst="rect">
@@ -11896,6 +11715,41 @@
                 </a:schemeClr>
               </a:solidFill>
             </a:endParaRPr>
+          </a:p>
+        </p:txBody>
+      </p:sp>
+      <p:sp>
+        <p:nvSpPr>
+          <p:cNvPr id="2" name="Title 1">
+            <a:extLst>
+              <a:ext uri="{FF2B5EF4-FFF2-40B4-BE49-F238E27FC236}">
+                <a16:creationId xmlns:a16="http://schemas.microsoft.com/office/drawing/2014/main" id="{565DE6B2-5AC6-4C70-9F08-2A6D960838A3}"/>
+              </a:ext>
+            </a:extLst>
+          </p:cNvPr>
+          <p:cNvSpPr>
+            <a:spLocks noGrp="1"/>
+          </p:cNvSpPr>
+          <p:nvPr>
+            <p:ph type="title"/>
+          </p:nvPr>
+        </p:nvSpPr>
+        <p:spPr>
+          <a:xfrm>
+            <a:off x="540512" y="798990"/>
+            <a:ext cx="6802628" cy="802322"/>
+          </a:xfrm>
+        </p:spPr>
+        <p:txBody>
+          <a:bodyPr>
+            <a:normAutofit/>
+          </a:bodyPr>
+          <a:lstStyle/>
+          <a:p>
+            <a:r>
+              <a:rPr lang="en-US" dirty="0"/>
+              <a:t>Egg Laying and Hatching</a:t>
+            </a:r>
           </a:p>
         </p:txBody>
       </p:sp>
@@ -12018,8 +11872,8 @@
         </p:nvSpPr>
         <p:spPr>
           <a:xfrm>
-            <a:off x="1261872" y="365760"/>
-            <a:ext cx="9692640" cy="1325562"/>
+            <a:off x="817372" y="407671"/>
+            <a:ext cx="8733028" cy="953770"/>
           </a:xfrm>
         </p:spPr>
         <p:txBody>
@@ -12053,8 +11907,8 @@
         </p:nvSpPr>
         <p:spPr>
           <a:xfrm>
-            <a:off x="276351" y="1769111"/>
-            <a:ext cx="9385809" cy="4351337"/>
+            <a:off x="397139" y="2021207"/>
+            <a:ext cx="5965552" cy="3486829"/>
           </a:xfrm>
         </p:spPr>
         <p:txBody>
@@ -12072,7 +11926,7 @@
             <a:pPr lvl="1"/>
             <a:r>
               <a:rPr lang="en-US" sz="1800" dirty="0"/>
-              <a:t>For the continuous domain and a Euclidean distance function, k-means can be used</a:t>
+              <a:t>for the continuous domain and a Euclidean distance function, k-means can be used</a:t>
             </a:r>
           </a:p>
           <a:p>
@@ -12168,12 +12022,40 @@
         </p:blipFill>
         <p:spPr>
           <a:xfrm>
-            <a:off x="565923" y="3784282"/>
-            <a:ext cx="3927833" cy="2876232"/>
+            <a:off x="6515106" y="2148342"/>
+            <a:ext cx="4457664" cy="3264211"/>
           </a:xfrm>
           <a:prstGeom prst="rect">
             <a:avLst/>
           </a:prstGeom>
+          <a:solidFill>
+            <a:srgbClr val="FFFFFF">
+              <a:shade val="85000"/>
+            </a:srgbClr>
+          </a:solidFill>
+          <a:ln w="88900" cap="sq">
+            <a:noFill/>
+            <a:miter lim="800000"/>
+          </a:ln>
+          <a:effectLst>
+            <a:outerShdw blurRad="50800" dist="38100" dir="2700000" algn="tl" rotWithShape="0">
+              <a:prstClr val="black">
+                <a:alpha val="40000"/>
+              </a:prstClr>
+            </a:outerShdw>
+          </a:effectLst>
+          <a:scene3d>
+            <a:camera prst="orthographicFront"/>
+            <a:lightRig rig="twoPt" dir="t">
+              <a:rot lat="0" lon="0" rev="7200000"/>
+            </a:lightRig>
+          </a:scene3d>
+          <a:sp3d>
+            <a:bevelT w="25400" h="19050"/>
+            <a:contourClr>
+              <a:srgbClr val="FFFFFF"/>
+            </a:contourClr>
+          </a:sp3d>
         </p:spPr>
       </p:pic>
       <p:sp>
@@ -12190,7 +12072,7 @@
         </p:nvSpPr>
         <p:spPr>
           <a:xfrm>
-            <a:off x="4493756" y="6251426"/>
+            <a:off x="6676601" y="5636516"/>
             <a:ext cx="2715386" cy="338554"/>
           </a:xfrm>
           <a:prstGeom prst="rect">
@@ -12309,7 +12191,7 @@
       </p:grpSpPr>
       <p:sp>
         <p:nvSpPr>
-          <p:cNvPr id="7" name="Rectangle 6">
+          <p:cNvPr id="14" name="Rectangle 13">
             <a:extLst>
               <a:ext uri="{FF2B5EF4-FFF2-40B4-BE49-F238E27FC236}">
                 <a16:creationId xmlns:a16="http://schemas.microsoft.com/office/drawing/2014/main" id="{A6F05DDE-5F2C-44F5-BACC-DED4737B11B8}"/>
@@ -12380,43 +12262,43 @@
         </p:nvSpPr>
         <p:spPr>
           <a:xfrm>
-            <a:off x="1261872" y="1028699"/>
-            <a:ext cx="9418320" cy="3862083"/>
+            <a:off x="4651947" y="758952"/>
+            <a:ext cx="6323519" cy="4041648"/>
           </a:xfrm>
         </p:spPr>
         <p:txBody>
-          <a:bodyPr vert="horz" lIns="91440" tIns="45720" rIns="91440" bIns="45720" rtlCol="0" anchor="ctr">
+          <a:bodyPr vert="horz" lIns="91440" tIns="45720" rIns="91440" bIns="45720" rtlCol="0" anchor="b">
             <a:normAutofit/>
           </a:bodyPr>
           <a:lstStyle/>
           <a:p>
-            <a:pPr algn="ctr">
+            <a:pPr>
               <a:lnSpc>
                 <a:spcPct val="85000"/>
               </a:lnSpc>
             </a:pPr>
             <a:r>
-              <a:rPr lang="en-US" sz="6000"/>
+              <a:rPr lang="en-US" sz="7200"/>
               <a:t>Graph Colouring Discretisation Methods</a:t>
             </a:r>
           </a:p>
         </p:txBody>
       </p:sp>
-      <p:cxnSp>
-        <p:nvCxnSpPr>
-          <p:cNvPr id="9" name="Straight Connector 8">
+      <p:sp>
+        <p:nvSpPr>
+          <p:cNvPr id="16" name="Rectangle 15">
             <a:extLst>
               <a:ext uri="{FF2B5EF4-FFF2-40B4-BE49-F238E27FC236}">
-                <a16:creationId xmlns:a16="http://schemas.microsoft.com/office/drawing/2014/main" id="{D7E8ECA2-60A0-4D39-817D-F1E982ED7F9B}"/>
+                <a16:creationId xmlns:a16="http://schemas.microsoft.com/office/drawing/2014/main" id="{A0F80B31-D942-4321-A7CC-3FF24C30A9FC}"/>
               </a:ext>
               <a:ext uri="{C183D7F6-B498-43B3-948B-1728B52AA6E4}">
                 <adec:decorative xmlns:adec="http://schemas.microsoft.com/office/drawing/2017/decorative" val="1"/>
               </a:ext>
             </a:extLst>
           </p:cNvPr>
-          <p:cNvCxnSpPr>
-            <a:cxnSpLocks noGrp="1" noRot="1" noChangeAspect="1" noMove="1" noResize="1" noEditPoints="1" noAdjustHandles="1" noChangeArrowheads="1" noChangeShapeType="1"/>
-          </p:cNvCxnSpPr>
+          <p:cNvSpPr>
+            <a:spLocks noGrp="1" noRot="1" noChangeAspect="1" noMove="1" noResize="1" noEditPoints="1" noAdjustHandles="1" noChangeArrowheads="1" noChangeShapeType="1" noTextEdit="1"/>
+          </p:cNvSpPr>
           <p:nvPr>
             <p:extLst>
               <p:ext uri="{386F3935-93C4-4BCD-93E2-E3B085C9AB24}">
@@ -12424,36 +12306,105 @@
               </p:ext>
             </p:extLst>
           </p:nvPr>
-        </p:nvCxnSpPr>
+        </p:nvSpPr>
         <p:spPr>
-          <a:xfrm flipH="1">
-            <a:off x="5651500" y="5097592"/>
-            <a:ext cx="596394" cy="0"/>
+          <a:xfrm>
+            <a:off x="0" y="0"/>
+            <a:ext cx="3568372" cy="6858000"/>
           </a:xfrm>
-          <a:prstGeom prst="line">
+          <a:prstGeom prst="rect">
             <a:avLst/>
           </a:prstGeom>
-          <a:ln w="12700">
-            <a:solidFill>
-              <a:schemeClr val="tx2"/>
-            </a:solidFill>
+          <a:solidFill>
+            <a:schemeClr val="accent1"/>
+          </a:solidFill>
+          <a:ln>
+            <a:noFill/>
           </a:ln>
         </p:spPr>
         <p:style>
-          <a:lnRef idx="1">
-            <a:schemeClr val="accent1"/>
+          <a:lnRef idx="2">
+            <a:schemeClr val="accent1">
+              <a:shade val="50000"/>
+            </a:schemeClr>
           </a:lnRef>
-          <a:fillRef idx="0">
+          <a:fillRef idx="1">
             <a:schemeClr val="accent1"/>
           </a:fillRef>
           <a:effectRef idx="0">
             <a:schemeClr val="accent1"/>
           </a:effectRef>
           <a:fontRef idx="minor">
-            <a:schemeClr val="tx1"/>
+            <a:schemeClr val="lt1"/>
           </a:fontRef>
         </p:style>
-      </p:cxnSp>
+        <p:txBody>
+          <a:bodyPr rtlCol="0" anchor="ctr"/>
+          <a:lstStyle/>
+          <a:p>
+            <a:pPr algn="ctr"/>
+            <a:endParaRPr lang="en-US"/>
+          </a:p>
+        </p:txBody>
+      </p:sp>
+      <p:sp>
+        <p:nvSpPr>
+          <p:cNvPr id="18" name="Rectangle 17">
+            <a:extLst>
+              <a:ext uri="{FF2B5EF4-FFF2-40B4-BE49-F238E27FC236}">
+                <a16:creationId xmlns:a16="http://schemas.microsoft.com/office/drawing/2014/main" id="{27DE213B-0A4F-4E9E-9153-8B0C2D0469BE}"/>
+              </a:ext>
+              <a:ext uri="{C183D7F6-B498-43B3-948B-1728B52AA6E4}">
+                <adec:decorative xmlns:adec="http://schemas.microsoft.com/office/drawing/2017/decorative" val="1"/>
+              </a:ext>
+            </a:extLst>
+          </p:cNvPr>
+          <p:cNvSpPr>
+            <a:spLocks noGrp="1" noRot="1" noChangeAspect="1" noMove="1" noResize="1" noEditPoints="1" noAdjustHandles="1" noChangeArrowheads="1" noChangeShapeType="1" noTextEdit="1"/>
+          </p:cNvSpPr>
+          <p:nvPr>
+            <p:extLst>
+              <p:ext uri="{386F3935-93C4-4BCD-93E2-E3B085C9AB24}">
+                <p16:designElem xmlns:p16="http://schemas.microsoft.com/office/powerpoint/2015/main" val="1"/>
+              </p:ext>
+            </p:extLst>
+          </p:nvPr>
+        </p:nvSpPr>
+        <p:spPr>
+          <a:xfrm>
+            <a:off x="3569969" y="0"/>
+            <a:ext cx="457200" cy="6858000"/>
+          </a:xfrm>
+          <a:prstGeom prst="rect">
+            <a:avLst/>
+          </a:prstGeom>
+          <a:solidFill>
+            <a:schemeClr val="accent1">
+              <a:lumMod val="75000"/>
+              <a:alpha val="60000"/>
+            </a:schemeClr>
+          </a:solidFill>
+          <a:ln>
+            <a:noFill/>
+          </a:ln>
+        </p:spPr>
+        <p:style>
+          <a:lnRef idx="2">
+            <a:schemeClr val="accent1">
+              <a:shade val="50000"/>
+            </a:schemeClr>
+          </a:lnRef>
+          <a:fillRef idx="1">
+            <a:schemeClr val="accent1"/>
+          </a:fillRef>
+          <a:effectRef idx="0">
+            <a:schemeClr val="accent1"/>
+          </a:effectRef>
+          <a:fontRef idx="minor">
+            <a:schemeClr val="lt1"/>
+          </a:fontRef>
+        </p:style>
+      </p:sp>
     </p:spTree>
     <p:extLst>
       <p:ext uri="{BB962C8B-B14F-4D97-AF65-F5344CB8AC3E}">
@@ -12573,8 +12524,8 @@
         </p:nvSpPr>
         <p:spPr>
           <a:xfrm>
-            <a:off x="1261872" y="365760"/>
-            <a:ext cx="9692640" cy="1325562"/>
+            <a:off x="1261872" y="487839"/>
+            <a:ext cx="3691128" cy="853122"/>
           </a:xfrm>
         </p:spPr>
         <p:txBody>
@@ -12610,13 +12561,13 @@
             </p:nvSpPr>
             <p:spPr>
               <a:xfrm>
-                <a:off x="1261872" y="1828800"/>
-                <a:ext cx="8595360" cy="4351337"/>
+                <a:off x="1160272" y="1485900"/>
+                <a:ext cx="8595360" cy="4884261"/>
               </a:xfrm>
             </p:spPr>
             <p:txBody>
               <a:bodyPr>
-                <a:normAutofit lnSpcReduction="10000"/>
+                <a:noAutofit/>
               </a:bodyPr>
               <a:lstStyle/>
               <a:p>
@@ -12628,20 +12579,20 @@
               <a:p>
                 <a:pPr lvl="1"/>
                 <a:r>
-                  <a:rPr lang="en-US" sz="1800" dirty="0"/>
+                  <a:rPr lang="en-US" sz="2000" dirty="0"/>
                   <a:t>A solution is a legal colouring of G</a:t>
                 </a:r>
               </a:p>
               <a:p>
                 <a:pPr lvl="1"/>
                 <a:r>
-                  <a:rPr lang="en-US" sz="1800" dirty="0"/>
+                  <a:rPr lang="en-US" sz="2000" dirty="0"/>
                   <a:t>Naïve fitness function </a:t>
                 </a:r>
                 <a14:m>
                   <m:oMath xmlns:m="http://schemas.openxmlformats.org/officeDocument/2006/math">
                     <m:r>
-                      <a:rPr lang="en-US" sz="1800" b="0" i="1" smtClean="0">
+                      <a:rPr lang="en-US" sz="2000" b="0" i="1" smtClean="0">
                         <a:latin typeface="Cambria Math" panose="02040503050406030204" pitchFamily="18" charset="0"/>
                       </a:rPr>
                       <m:t>𝑓</m:t>
@@ -12649,14 +12600,14 @@
                     <m:d>
                       <m:dPr>
                         <m:ctrlPr>
-                          <a:rPr lang="en-US" sz="1800" b="0" i="1" smtClean="0">
+                          <a:rPr lang="en-US" sz="2000" b="0" i="1" smtClean="0">
                             <a:latin typeface="Cambria Math" panose="02040503050406030204" pitchFamily="18" charset="0"/>
                           </a:rPr>
                         </m:ctrlPr>
                       </m:dPr>
                       <m:e>
                         <m:r>
-                          <a:rPr lang="en-US" sz="1800" b="0" i="1" smtClean="0">
+                          <a:rPr lang="en-US" sz="2000" b="0" i="1" smtClean="0">
                             <a:latin typeface="Cambria Math" panose="02040503050406030204" pitchFamily="18" charset="0"/>
                           </a:rPr>
                           <m:t>𝑠</m:t>
@@ -12664,37 +12615,37 @@
                       </m:e>
                     </m:d>
                     <m:r>
-                      <a:rPr lang="en-US" sz="1800" b="0" i="1" smtClean="0">
+                      <a:rPr lang="en-US" sz="2000" b="0" i="1" smtClean="0">
                         <a:latin typeface="Cambria Math" panose="02040503050406030204" pitchFamily="18" charset="0"/>
                       </a:rPr>
                       <m:t>=</m:t>
                     </m:r>
                     <m:r>
-                      <a:rPr lang="en-US" sz="1800" b="0" i="1" smtClean="0">
+                      <a:rPr lang="en-US" sz="2000" b="0" i="1" smtClean="0">
                         <a:latin typeface="Cambria Math" panose="02040503050406030204" pitchFamily="18" charset="0"/>
                       </a:rPr>
                       <m:t>𝑛𝑢𝑚𝑏𝑒𝑟</m:t>
                     </m:r>
                     <m:r>
-                      <a:rPr lang="en-US" sz="1800" b="0" i="1" smtClean="0">
+                      <a:rPr lang="en-US" sz="2000" b="0" i="1" smtClean="0">
                         <a:latin typeface="Cambria Math" panose="02040503050406030204" pitchFamily="18" charset="0"/>
                       </a:rPr>
                       <m:t> </m:t>
                     </m:r>
                     <m:r>
-                      <a:rPr lang="en-US" sz="1800" b="0" i="1" smtClean="0">
+                      <a:rPr lang="en-US" sz="2000" b="0" i="1" smtClean="0">
                         <a:latin typeface="Cambria Math" panose="02040503050406030204" pitchFamily="18" charset="0"/>
                       </a:rPr>
                       <m:t>𝑜𝑓</m:t>
                     </m:r>
                     <m:r>
-                      <a:rPr lang="en-US" sz="1800" b="0" i="1" smtClean="0">
+                      <a:rPr lang="en-US" sz="2000" b="0" i="1" smtClean="0">
                         <a:latin typeface="Cambria Math" panose="02040503050406030204" pitchFamily="18" charset="0"/>
                       </a:rPr>
                       <m:t> </m:t>
                     </m:r>
                     <m:r>
-                      <a:rPr lang="en-US" sz="1800" b="0" i="1" smtClean="0">
+                      <a:rPr lang="en-US" sz="2000" b="0" i="1" smtClean="0">
                         <a:latin typeface="Cambria Math" panose="02040503050406030204" pitchFamily="18" charset="0"/>
                       </a:rPr>
                       <m:t>𝑐𝑜𝑙𝑜𝑢𝑟𝑠</m:t>
@@ -12702,7 +12653,7 @@
                   </m:oMath>
                 </a14:m>
                 <a:r>
-                  <a:rPr lang="en-US" sz="1800" dirty="0"/>
+                  <a:rPr lang="en-US" sz="2000" dirty="0"/>
                   <a:t> produces poor results (search space is too flat)</a:t>
                 </a:r>
               </a:p>
@@ -12711,7 +12662,7 @@
                 <a14:m>
                   <m:oMath xmlns:m="http://schemas.openxmlformats.org/officeDocument/2006/math">
                     <m:r>
-                      <a:rPr lang="en-US" sz="1800" b="0" i="1" smtClean="0">
+                      <a:rPr lang="en-US" sz="2000" b="0" i="1" smtClean="0">
                         <a:latin typeface="Cambria Math" panose="02040503050406030204" pitchFamily="18" charset="0"/>
                       </a:rPr>
                       <m:t>𝑓</m:t>
@@ -12719,14 +12670,14 @@
                     <m:d>
                       <m:dPr>
                         <m:ctrlPr>
-                          <a:rPr lang="en-US" sz="1800" b="0" i="1" smtClean="0">
+                          <a:rPr lang="en-US" sz="2000" b="0" i="1" smtClean="0">
                             <a:latin typeface="Cambria Math" panose="02040503050406030204" pitchFamily="18" charset="0"/>
                           </a:rPr>
                         </m:ctrlPr>
                       </m:dPr>
                       <m:e>
                         <m:r>
-                          <a:rPr lang="en-US" sz="1800" b="0" i="1" smtClean="0">
+                          <a:rPr lang="en-US" sz="2000" b="0" i="1" smtClean="0">
                             <a:latin typeface="Cambria Math" panose="02040503050406030204" pitchFamily="18" charset="0"/>
                           </a:rPr>
                           <m:t>𝑠</m:t>
@@ -12734,7 +12685,7 @@
                       </m:e>
                     </m:d>
                     <m:r>
-                      <a:rPr lang="en-US" sz="1800" b="0" i="1" smtClean="0">
+                      <a:rPr lang="en-US" sz="2000" b="0" i="1" smtClean="0">
                         <a:latin typeface="Cambria Math" panose="02040503050406030204" pitchFamily="18" charset="0"/>
                       </a:rPr>
                       <m:t>=−</m:t>
@@ -12743,7 +12694,7 @@
                       <m:naryPr>
                         <m:chr m:val="∑"/>
                         <m:ctrlPr>
-                          <a:rPr lang="en-US" sz="1800" b="0" i="1" smtClean="0">
+                          <a:rPr lang="en-US" sz="2000" b="0" i="1" smtClean="0">
                             <a:latin typeface="Cambria Math" panose="02040503050406030204" pitchFamily="18" charset="0"/>
                           </a:rPr>
                         </m:ctrlPr>
@@ -12753,13 +12704,13 @@
                           <m:rPr>
                             <m:brk m:alnAt="23"/>
                           </m:rPr>
-                          <a:rPr lang="en-US" sz="1800" b="0" i="1" smtClean="0">
+                          <a:rPr lang="en-US" sz="2000" b="0" i="1" smtClean="0">
                             <a:latin typeface="Cambria Math" panose="02040503050406030204" pitchFamily="18" charset="0"/>
                           </a:rPr>
                           <m:t>𝑖</m:t>
                         </m:r>
                         <m:r>
-                          <a:rPr lang="en-US" sz="1800" b="0" i="1" smtClean="0">
+                          <a:rPr lang="en-US" sz="2000" b="0" i="1" smtClean="0">
                             <a:latin typeface="Cambria Math" panose="02040503050406030204" pitchFamily="18" charset="0"/>
                           </a:rPr>
                           <m:t>=1</m:t>
@@ -12767,7 +12718,7 @@
                       </m:sub>
                       <m:sup>
                         <m:r>
-                          <a:rPr lang="en-US" sz="1800" b="0" i="1" smtClean="0">
+                          <a:rPr lang="en-US" sz="2000" b="0" i="1" smtClean="0">
                             <a:latin typeface="Cambria Math" panose="02040503050406030204" pitchFamily="18" charset="0"/>
                           </a:rPr>
                           <m:t>𝑘</m:t>
@@ -12775,7 +12726,7 @@
                       </m:sup>
                       <m:e>
                         <m:r>
-                          <a:rPr lang="en-US" sz="1800" b="0" i="1" smtClean="0">
+                          <a:rPr lang="en-US" sz="2000" b="0" i="1" smtClean="0">
                             <a:latin typeface="Cambria Math" panose="02040503050406030204" pitchFamily="18" charset="0"/>
                           </a:rPr>
                           <m:t>|</m:t>
@@ -12783,14 +12734,14 @@
                         <m:sSub>
                           <m:sSubPr>
                             <m:ctrlPr>
-                              <a:rPr lang="en-US" sz="1800" b="0" i="1" smtClean="0">
+                              <a:rPr lang="en-US" sz="2000" b="0" i="1" smtClean="0">
                                 <a:latin typeface="Cambria Math" panose="02040503050406030204" pitchFamily="18" charset="0"/>
                               </a:rPr>
                             </m:ctrlPr>
                           </m:sSubPr>
                           <m:e>
                             <m:r>
-                              <a:rPr lang="en-US" sz="1800" b="0" i="1" smtClean="0">
+                              <a:rPr lang="en-US" sz="2000" b="0" i="1" smtClean="0">
                                 <a:latin typeface="Cambria Math" panose="02040503050406030204" pitchFamily="18" charset="0"/>
                               </a:rPr>
                               <m:t>𝑉</m:t>
@@ -12798,7 +12749,7 @@
                           </m:e>
                           <m:sub>
                             <m:r>
-                              <a:rPr lang="en-US" sz="1800" b="0" i="1" smtClean="0">
+                              <a:rPr lang="en-US" sz="2000" b="0" i="1" smtClean="0">
                                 <a:latin typeface="Cambria Math" panose="02040503050406030204" pitchFamily="18" charset="0"/>
                               </a:rPr>
                               <m:t>𝑖</m:t>
@@ -12808,14 +12759,14 @@
                         <m:sSup>
                           <m:sSupPr>
                             <m:ctrlPr>
-                              <a:rPr lang="en-US" sz="1800" b="0" i="1" smtClean="0">
+                              <a:rPr lang="en-US" sz="2000" b="0" i="1" smtClean="0">
                                 <a:latin typeface="Cambria Math" panose="02040503050406030204" pitchFamily="18" charset="0"/>
                               </a:rPr>
                             </m:ctrlPr>
                           </m:sSupPr>
                           <m:e>
                             <m:r>
-                              <a:rPr lang="en-US" sz="1800" b="0" i="1" smtClean="0">
+                              <a:rPr lang="en-US" sz="2000" b="0" i="1" smtClean="0">
                                 <a:latin typeface="Cambria Math" panose="02040503050406030204" pitchFamily="18" charset="0"/>
                               </a:rPr>
                               <m:t>|</m:t>
@@ -12823,7 +12774,7 @@
                           </m:e>
                           <m:sup>
                             <m:r>
-                              <a:rPr lang="en-US" sz="1800" b="0" i="1" smtClean="0">
+                              <a:rPr lang="en-US" sz="2000" b="0" i="1" smtClean="0">
                                 <a:latin typeface="Cambria Math" panose="02040503050406030204" pitchFamily="18" charset="0"/>
                               </a:rPr>
                               <m:t>2</m:t>
@@ -12835,7 +12786,7 @@
                   </m:oMath>
                 </a14:m>
                 <a:r>
-                  <a:rPr lang="en-US" sz="1800" dirty="0"/>
+                  <a:rPr lang="en-US" sz="2000" dirty="0"/>
                   <a:t> is typically used instead</a:t>
                 </a:r>
               </a:p>
@@ -12848,15 +12799,15 @@
               <a:p>
                 <a:pPr lvl="1"/>
                 <a:r>
-                  <a:rPr lang="en-US" sz="1800" dirty="0"/>
+                  <a:rPr lang="en-US" sz="2000" dirty="0"/>
                   <a:t>Solutions are k-</a:t>
                 </a:r>
                 <a:r>
-                  <a:rPr lang="en-US" sz="1800" dirty="0" err="1"/>
+                  <a:rPr lang="en-US" sz="2000" dirty="0" err="1"/>
                   <a:t>colourings</a:t>
                 </a:r>
                 <a:r>
-                  <a:rPr lang="en-US" sz="1800" dirty="0"/>
+                  <a:rPr lang="en-US" sz="2000" dirty="0"/>
                   <a:t> of G (k is constant)</a:t>
                 </a:r>
               </a:p>
@@ -12865,7 +12816,7 @@
                 <a14:m>
                   <m:oMath xmlns:m="http://schemas.openxmlformats.org/officeDocument/2006/math">
                     <m:r>
-                      <a:rPr lang="en-US" sz="1800" b="0" i="1" smtClean="0">
+                      <a:rPr lang="en-US" sz="2000" b="0" i="1" smtClean="0">
                         <a:latin typeface="Cambria Math" panose="02040503050406030204" pitchFamily="18" charset="0"/>
                       </a:rPr>
                       <m:t>𝑓</m:t>
@@ -12873,14 +12824,14 @@
                     <m:d>
                       <m:dPr>
                         <m:ctrlPr>
-                          <a:rPr lang="en-US" sz="1800" b="0" i="1" smtClean="0">
+                          <a:rPr lang="en-US" sz="2000" b="0" i="1" smtClean="0">
                             <a:latin typeface="Cambria Math" panose="02040503050406030204" pitchFamily="18" charset="0"/>
                           </a:rPr>
                         </m:ctrlPr>
                       </m:dPr>
                       <m:e>
                         <m:r>
-                          <a:rPr lang="en-US" sz="1800" b="0" i="1" smtClean="0">
+                          <a:rPr lang="en-US" sz="2000" b="0" i="1" smtClean="0">
                             <a:latin typeface="Cambria Math" panose="02040503050406030204" pitchFamily="18" charset="0"/>
                           </a:rPr>
                           <m:t>𝑠</m:t>
@@ -12888,44 +12839,44 @@
                       </m:e>
                     </m:d>
                     <m:r>
-                      <a:rPr lang="en-US" sz="1800" b="0" i="1" smtClean="0">
+                      <a:rPr lang="en-US" sz="2000" b="0" i="1" smtClean="0">
                         <a:latin typeface="Cambria Math" panose="02040503050406030204" pitchFamily="18" charset="0"/>
                       </a:rPr>
                       <m:t>=</m:t>
                     </m:r>
                     <m:r>
-                      <a:rPr lang="en-US" sz="1800" b="0" i="1" smtClean="0">
+                      <a:rPr lang="en-US" sz="2000" b="0" i="1" smtClean="0">
                         <a:latin typeface="Cambria Math" panose="02040503050406030204" pitchFamily="18" charset="0"/>
                       </a:rPr>
                       <m:t>𝑛𝑢𝑚𝑏𝑒𝑟</m:t>
                     </m:r>
                     <m:r>
-                      <a:rPr lang="en-US" sz="1800" b="0" i="1" smtClean="0">
+                      <a:rPr lang="en-US" sz="2000" b="0" i="1" smtClean="0">
                         <a:latin typeface="Cambria Math" panose="02040503050406030204" pitchFamily="18" charset="0"/>
                       </a:rPr>
                       <m:t> </m:t>
                     </m:r>
                     <m:r>
-                      <a:rPr lang="en-US" sz="1800" b="0" i="1" smtClean="0">
+                      <a:rPr lang="en-US" sz="2000" b="0" i="1" smtClean="0">
                         <a:latin typeface="Cambria Math" panose="02040503050406030204" pitchFamily="18" charset="0"/>
                       </a:rPr>
                       <m:t>𝑜𝑓</m:t>
                     </m:r>
                     <m:r>
-                      <a:rPr lang="en-US" sz="1800" b="0" i="1" smtClean="0">
+                      <a:rPr lang="en-US" sz="2000" b="0" i="1" smtClean="0">
                         <a:latin typeface="Cambria Math" panose="02040503050406030204" pitchFamily="18" charset="0"/>
                       </a:rPr>
                       <m:t> </m:t>
                     </m:r>
                     <m:r>
-                      <a:rPr lang="en-US" sz="1800" b="0" i="1" smtClean="0">
+                      <a:rPr lang="en-US" sz="2000" b="0" i="1" smtClean="0">
                         <a:latin typeface="Cambria Math" panose="02040503050406030204" pitchFamily="18" charset="0"/>
                       </a:rPr>
                       <m:t>𝑐𝑜𝑛𝑓𝑙𝑖𝑐𝑡𝑠</m:t>
                     </m:r>
                   </m:oMath>
                 </a14:m>
-                <a:endParaRPr lang="en-US" sz="1800" dirty="0"/>
+                <a:endParaRPr lang="en-US" sz="2000" dirty="0"/>
               </a:p>
               <a:p>
                 <a:r>
@@ -12936,14 +12887,14 @@
               <a:p>
                 <a:pPr lvl="1"/>
                 <a:r>
-                  <a:rPr lang="en-US" sz="1800" dirty="0"/>
+                  <a:rPr lang="en-US" sz="2000" dirty="0"/>
                   <a:t>Solutions are all possible colourings of G (not necessarily legal)</a:t>
                 </a:r>
               </a:p>
               <a:p>
                 <a:pPr lvl="1"/>
                 <a:r>
-                  <a:rPr lang="en-US" sz="1800" dirty="0"/>
+                  <a:rPr lang="en-US" sz="2000" dirty="0"/>
                   <a:t>Fitness function must simultaneously reduce number of colours and conflicts</a:t>
                 </a:r>
               </a:p>
@@ -12952,7 +12903,7 @@
                 <a14:m>
                   <m:oMath xmlns:m="http://schemas.openxmlformats.org/officeDocument/2006/math">
                     <m:r>
-                      <a:rPr lang="en-US" sz="1800" b="0" i="1" smtClean="0">
+                      <a:rPr lang="en-US" sz="2000" b="0" i="1" smtClean="0">
                         <a:latin typeface="Cambria Math" panose="02040503050406030204" pitchFamily="18" charset="0"/>
                       </a:rPr>
                       <m:t>𝑓</m:t>
@@ -12960,14 +12911,14 @@
                     <m:d>
                       <m:dPr>
                         <m:ctrlPr>
-                          <a:rPr lang="en-US" sz="1800" b="0" i="1" smtClean="0">
+                          <a:rPr lang="en-US" sz="2000" b="0" i="1" smtClean="0">
                             <a:latin typeface="Cambria Math" panose="02040503050406030204" pitchFamily="18" charset="0"/>
                           </a:rPr>
                         </m:ctrlPr>
                       </m:dPr>
                       <m:e>
                         <m:r>
-                          <a:rPr lang="en-US" sz="1800" b="0" i="1" smtClean="0">
+                          <a:rPr lang="en-US" sz="2000" b="0" i="1" smtClean="0">
                             <a:latin typeface="Cambria Math" panose="02040503050406030204" pitchFamily="18" charset="0"/>
                           </a:rPr>
                           <m:t>𝑠</m:t>
@@ -12975,7 +12926,7 @@
                       </m:e>
                     </m:d>
                     <m:r>
-                      <a:rPr lang="en-US" sz="1800" b="0" i="1" smtClean="0">
+                      <a:rPr lang="en-US" sz="2000" b="0" i="1" smtClean="0">
                         <a:latin typeface="Cambria Math" panose="02040503050406030204" pitchFamily="18" charset="0"/>
                       </a:rPr>
                       <m:t>=</m:t>
@@ -12984,7 +12935,7 @@
                       <m:naryPr>
                         <m:chr m:val="∑"/>
                         <m:ctrlPr>
-                          <a:rPr lang="en-US" sz="1800" b="0" i="1" smtClean="0">
+                          <a:rPr lang="en-US" sz="2000" b="0" i="1" smtClean="0">
                             <a:latin typeface="Cambria Math" panose="02040503050406030204" pitchFamily="18" charset="0"/>
                           </a:rPr>
                         </m:ctrlPr>
@@ -12994,13 +12945,13 @@
                           <m:rPr>
                             <m:brk m:alnAt="23"/>
                           </m:rPr>
-                          <a:rPr lang="en-US" sz="1800" b="0" i="1" smtClean="0">
+                          <a:rPr lang="en-US" sz="2000" b="0" i="1" smtClean="0">
                             <a:latin typeface="Cambria Math" panose="02040503050406030204" pitchFamily="18" charset="0"/>
                           </a:rPr>
                           <m:t>𝑖</m:t>
                         </m:r>
                         <m:r>
-                          <a:rPr lang="en-US" sz="1800" b="0" i="1" smtClean="0">
+                          <a:rPr lang="en-US" sz="2000" b="0" i="1" smtClean="0">
                             <a:latin typeface="Cambria Math" panose="02040503050406030204" pitchFamily="18" charset="0"/>
                           </a:rPr>
                           <m:t>=1</m:t>
@@ -13008,7 +12959,7 @@
                       </m:sub>
                       <m:sup>
                         <m:r>
-                          <a:rPr lang="en-US" sz="1800" b="0" i="1" smtClean="0">
+                          <a:rPr lang="en-US" sz="2000" b="0" i="1" smtClean="0">
                             <a:latin typeface="Cambria Math" panose="02040503050406030204" pitchFamily="18" charset="0"/>
                           </a:rPr>
                           <m:t>𝑘</m:t>
@@ -13016,7 +12967,7 @@
                       </m:sup>
                       <m:e>
                         <m:r>
-                          <a:rPr lang="en-US" sz="1800" i="1">
+                          <a:rPr lang="en-US" sz="2000" i="1">
                             <a:latin typeface="Cambria Math" panose="02040503050406030204" pitchFamily="18" charset="0"/>
                           </a:rPr>
                           <m:t>|</m:t>
@@ -13024,14 +12975,14 @@
                         <m:sSub>
                           <m:sSubPr>
                             <m:ctrlPr>
-                              <a:rPr lang="en-US" sz="1800" i="1">
+                              <a:rPr lang="en-US" sz="2000" i="1">
                                 <a:latin typeface="Cambria Math" panose="02040503050406030204" pitchFamily="18" charset="0"/>
                               </a:rPr>
                             </m:ctrlPr>
                           </m:sSubPr>
                           <m:e>
                             <m:r>
-                              <a:rPr lang="en-US" sz="1800" i="1">
+                              <a:rPr lang="en-US" sz="2000" i="1">
                                 <a:latin typeface="Cambria Math" panose="02040503050406030204" pitchFamily="18" charset="0"/>
                               </a:rPr>
                               <m:t>𝑉</m:t>
@@ -13039,7 +12990,7 @@
                           </m:e>
                           <m:sub>
                             <m:r>
-                              <a:rPr lang="en-US" sz="1800" i="1">
+                              <a:rPr lang="en-US" sz="2000" i="1">
                                 <a:latin typeface="Cambria Math" panose="02040503050406030204" pitchFamily="18" charset="0"/>
                               </a:rPr>
                               <m:t>𝑖</m:t>
@@ -13047,7 +12998,7 @@
                           </m:sub>
                         </m:sSub>
                         <m:r>
-                          <a:rPr lang="en-US" sz="1800" b="0" i="1" smtClean="0">
+                          <a:rPr lang="en-US" sz="2000" b="0" i="1" smtClean="0">
                             <a:latin typeface="Cambria Math" panose="02040503050406030204" pitchFamily="18" charset="0"/>
                           </a:rPr>
                           <m:t>|(</m:t>
@@ -13057,7 +13008,7 @@
                             <m:begChr m:val="|"/>
                             <m:endChr m:val="|"/>
                             <m:ctrlPr>
-                              <a:rPr lang="en-US" sz="1800" b="0" i="1" smtClean="0">
+                              <a:rPr lang="en-US" sz="2000" b="0" i="1" smtClean="0">
                                 <a:latin typeface="Cambria Math" panose="02040503050406030204" pitchFamily="18" charset="0"/>
                               </a:rPr>
                             </m:ctrlPr>
@@ -13066,14 +13017,14 @@
                             <m:sSub>
                               <m:sSubPr>
                                 <m:ctrlPr>
-                                  <a:rPr lang="en-US" sz="1800" i="1">
+                                  <a:rPr lang="en-US" sz="2000" i="1">
                                     <a:latin typeface="Cambria Math" panose="02040503050406030204" pitchFamily="18" charset="0"/>
                                   </a:rPr>
                                 </m:ctrlPr>
                               </m:sSubPr>
                               <m:e>
                                 <m:r>
-                                  <a:rPr lang="en-US" sz="1800" b="0" i="1" smtClean="0">
+                                  <a:rPr lang="en-US" sz="2000" b="0" i="1" smtClean="0">
                                     <a:latin typeface="Cambria Math" panose="02040503050406030204" pitchFamily="18" charset="0"/>
                                   </a:rPr>
                                   <m:t>𝐸</m:t>
@@ -13081,7 +13032,7 @@
                               </m:e>
                               <m:sub>
                                 <m:r>
-                                  <a:rPr lang="en-US" sz="1800" i="1">
+                                  <a:rPr lang="en-US" sz="2000" i="1">
                                     <a:latin typeface="Cambria Math" panose="02040503050406030204" pitchFamily="18" charset="0"/>
                                   </a:rPr>
                                   <m:t>𝑖</m:t>
@@ -13091,7 +13042,7 @@
                           </m:e>
                         </m:d>
                         <m:r>
-                          <a:rPr lang="en-US" sz="1800" b="0" i="1" smtClean="0">
+                          <a:rPr lang="en-US" sz="2000" b="0" i="1" smtClean="0">
                             <a:latin typeface="Cambria Math" panose="02040503050406030204" pitchFamily="18" charset="0"/>
                           </a:rPr>
                           <m:t>−</m:t>
@@ -13099,7 +13050,7 @@
                       </m:e>
                     </m:nary>
                     <m:r>
-                      <a:rPr lang="en-US" sz="1800" i="1">
+                      <a:rPr lang="en-US" sz="2000" i="1">
                         <a:latin typeface="Cambria Math" panose="02040503050406030204" pitchFamily="18" charset="0"/>
                       </a:rPr>
                       <m:t>|</m:t>
@@ -13107,14 +13058,14 @@
                     <m:sSub>
                       <m:sSubPr>
                         <m:ctrlPr>
-                          <a:rPr lang="en-US" sz="1800" i="1">
+                          <a:rPr lang="en-US" sz="2000" i="1">
                             <a:latin typeface="Cambria Math" panose="02040503050406030204" pitchFamily="18" charset="0"/>
                           </a:rPr>
                         </m:ctrlPr>
                       </m:sSubPr>
                       <m:e>
                         <m:r>
-                          <a:rPr lang="en-US" sz="1800" i="1">
+                          <a:rPr lang="en-US" sz="2000" i="1">
                             <a:latin typeface="Cambria Math" panose="02040503050406030204" pitchFamily="18" charset="0"/>
                           </a:rPr>
                           <m:t>𝑉</m:t>
@@ -13122,7 +13073,7 @@
                       </m:e>
                       <m:sub>
                         <m:r>
-                          <a:rPr lang="en-US" sz="1800" i="1">
+                          <a:rPr lang="en-US" sz="2000" i="1">
                             <a:latin typeface="Cambria Math" panose="02040503050406030204" pitchFamily="18" charset="0"/>
                           </a:rPr>
                           <m:t>𝑖</m:t>
@@ -13130,14 +13081,14 @@
                       </m:sub>
                     </m:sSub>
                     <m:r>
-                      <a:rPr lang="en-US" sz="1800" b="0" i="1" smtClean="0">
+                      <a:rPr lang="en-US" sz="2000" b="0" i="1" smtClean="0">
                         <a:latin typeface="Cambria Math" panose="02040503050406030204" pitchFamily="18" charset="0"/>
                       </a:rPr>
                       <m:t>|)</m:t>
                     </m:r>
                   </m:oMath>
                 </a14:m>
-                <a:endParaRPr lang="en-US" sz="1800" dirty="0"/>
+                <a:endParaRPr lang="en-US" sz="2000" dirty="0"/>
               </a:p>
             </p:txBody>
           </p:sp>
@@ -13161,13 +13112,13 @@
             </p:nvSpPr>
             <p:spPr>
               <a:xfrm>
-                <a:off x="1261872" y="1828800"/>
-                <a:ext cx="8595360" cy="4351337"/>
+                <a:off x="1160272" y="1485900"/>
+                <a:ext cx="8595360" cy="4884261"/>
               </a:xfrm>
               <a:blipFill>
                 <a:blip r:embed="rId3"/>
                 <a:stretch>
-                  <a:fillRect l="-284" t="-1681" b="-11485"/>
+                  <a:fillRect l="-295" t="-1299" b="-12468"/>
                 </a:stretch>
               </a:blipFill>
             </p:spPr>
